--- a/Kalman Filter/Kalman Filters.pptx
+++ b/Kalman Filter/Kalman Filters.pptx
@@ -5,36 +5,39 @@
     <p:sldMasterId id="2147483660" r:id="rId1"/>
   </p:sldMasterIdLst>
   <p:handoutMasterIdLst>
-    <p:handoutMasterId r:id="rId29"/>
+    <p:handoutMasterId r:id="rId32"/>
   </p:handoutMasterIdLst>
   <p:sldIdLst>
     <p:sldId id="502" r:id="rId2"/>
     <p:sldId id="520" r:id="rId3"/>
     <p:sldId id="498" r:id="rId4"/>
     <p:sldId id="499" r:id="rId5"/>
-    <p:sldId id="500" r:id="rId6"/>
-    <p:sldId id="501" r:id="rId7"/>
-    <p:sldId id="503" r:id="rId8"/>
-    <p:sldId id="504" r:id="rId9"/>
-    <p:sldId id="505" r:id="rId10"/>
-    <p:sldId id="506" r:id="rId11"/>
-    <p:sldId id="507" r:id="rId12"/>
-    <p:sldId id="508" r:id="rId13"/>
-    <p:sldId id="509" r:id="rId14"/>
-    <p:sldId id="510" r:id="rId15"/>
-    <p:sldId id="511" r:id="rId16"/>
-    <p:sldId id="512" r:id="rId17"/>
-    <p:sldId id="513" r:id="rId18"/>
-    <p:sldId id="514" r:id="rId19"/>
-    <p:sldId id="515" r:id="rId20"/>
-    <p:sldId id="517" r:id="rId21"/>
-    <p:sldId id="518" r:id="rId22"/>
-    <p:sldId id="516" r:id="rId23"/>
-    <p:sldId id="521" r:id="rId24"/>
-    <p:sldId id="519" r:id="rId25"/>
-    <p:sldId id="522" r:id="rId26"/>
-    <p:sldId id="523" r:id="rId27"/>
-    <p:sldId id="524" r:id="rId28"/>
+    <p:sldId id="526" r:id="rId6"/>
+    <p:sldId id="500" r:id="rId7"/>
+    <p:sldId id="501" r:id="rId8"/>
+    <p:sldId id="503" r:id="rId9"/>
+    <p:sldId id="504" r:id="rId10"/>
+    <p:sldId id="505" r:id="rId11"/>
+    <p:sldId id="506" r:id="rId12"/>
+    <p:sldId id="507" r:id="rId13"/>
+    <p:sldId id="508" r:id="rId14"/>
+    <p:sldId id="509" r:id="rId15"/>
+    <p:sldId id="510" r:id="rId16"/>
+    <p:sldId id="511" r:id="rId17"/>
+    <p:sldId id="512" r:id="rId18"/>
+    <p:sldId id="527" r:id="rId19"/>
+    <p:sldId id="513" r:id="rId20"/>
+    <p:sldId id="514" r:id="rId21"/>
+    <p:sldId id="515" r:id="rId22"/>
+    <p:sldId id="517" r:id="rId23"/>
+    <p:sldId id="518" r:id="rId24"/>
+    <p:sldId id="525" r:id="rId25"/>
+    <p:sldId id="516" r:id="rId26"/>
+    <p:sldId id="521" r:id="rId27"/>
+    <p:sldId id="519" r:id="rId28"/>
+    <p:sldId id="522" r:id="rId29"/>
+    <p:sldId id="523" r:id="rId30"/>
+    <p:sldId id="524" r:id="rId31"/>
   </p:sldIdLst>
   <p:sldSz cx="12192000" cy="6858000"/>
   <p:notesSz cx="6858000" cy="9144000"/>
@@ -148,6 +151,9 @@
         </p15:guide>
       </p15:sldGuideLst>
     </p:ext>
+    <p:ext uri="{2D200454-40CA-4A62-9FC3-DE9A4176ACB9}">
+      <p15:notesGuideLst xmlns:p15="http://schemas.microsoft.com/office/powerpoint/2012/main"/>
+    </p:ext>
   </p:extLst>
 </p:presentation>
 </file>
@@ -246,7 +252,7 @@
           <a:p>
             <a:fld id="{9231DB76-5993-4784-9EAB-D9A89B457C93}" type="datetimeFigureOut">
               <a:rPr lang="zh-CN" altLang="en-US" smtClean="0"/>
-              <a:t>2024-03-22</a:t>
+              <a:t>2024-03-23</a:t>
             </a:fld>
             <a:endParaRPr lang="zh-CN" altLang="en-US"/>
           </a:p>
@@ -486,7 +492,7 @@
           <a:p>
             <a:fld id="{D997B5FA-0921-464F-AAE1-844C04324D75}" type="datetimeFigureOut">
               <a:rPr lang="zh-CN" altLang="en-US" smtClean="0"/>
-              <a:t>2024-03-22</a:t>
+              <a:t>2024-03-23</a:t>
             </a:fld>
             <a:endParaRPr lang="zh-CN" altLang="en-US"/>
           </a:p>
@@ -655,7 +661,7 @@
           <a:p>
             <a:fld id="{D997B5FA-0921-464F-AAE1-844C04324D75}" type="datetimeFigureOut">
               <a:rPr lang="zh-CN" altLang="en-US" smtClean="0"/>
-              <a:t>2024-03-22</a:t>
+              <a:t>2024-03-23</a:t>
             </a:fld>
             <a:endParaRPr lang="zh-CN" altLang="en-US"/>
           </a:p>
@@ -834,7 +840,7 @@
           <a:p>
             <a:fld id="{D997B5FA-0921-464F-AAE1-844C04324D75}" type="datetimeFigureOut">
               <a:rPr lang="zh-CN" altLang="en-US" smtClean="0"/>
-              <a:t>2024-03-22</a:t>
+              <a:t>2024-03-23</a:t>
             </a:fld>
             <a:endParaRPr lang="zh-CN" altLang="en-US"/>
           </a:p>
@@ -1060,7 +1066,7 @@
           <a:p>
             <a:fld id="{D997B5FA-0921-464F-AAE1-844C04324D75}" type="datetimeFigureOut">
               <a:rPr lang="zh-CN" altLang="en-US" smtClean="0"/>
-              <a:t>2024-03-22</a:t>
+              <a:t>2024-03-23</a:t>
             </a:fld>
             <a:endParaRPr lang="zh-CN" altLang="en-US"/>
           </a:p>
@@ -1306,7 +1312,7 @@
           <a:p>
             <a:fld id="{D997B5FA-0921-464F-AAE1-844C04324D75}" type="datetimeFigureOut">
               <a:rPr lang="zh-CN" altLang="en-US" smtClean="0"/>
-              <a:t>2024-03-22</a:t>
+              <a:t>2024-03-23</a:t>
             </a:fld>
             <a:endParaRPr lang="zh-CN" altLang="en-US"/>
           </a:p>
@@ -1536,7 +1542,7 @@
           <a:p>
             <a:fld id="{D997B5FA-0921-464F-AAE1-844C04324D75}" type="datetimeFigureOut">
               <a:rPr lang="zh-CN" altLang="en-US" smtClean="0"/>
-              <a:t>2024-03-22</a:t>
+              <a:t>2024-03-23</a:t>
             </a:fld>
             <a:endParaRPr lang="zh-CN" altLang="en-US"/>
           </a:p>
@@ -1901,7 +1907,7 @@
           <a:p>
             <a:fld id="{D997B5FA-0921-464F-AAE1-844C04324D75}" type="datetimeFigureOut">
               <a:rPr lang="zh-CN" altLang="en-US" smtClean="0"/>
-              <a:t>2024-03-22</a:t>
+              <a:t>2024-03-23</a:t>
             </a:fld>
             <a:endParaRPr lang="zh-CN" altLang="en-US"/>
           </a:p>
@@ -2019,7 +2025,7 @@
           <a:p>
             <a:fld id="{D997B5FA-0921-464F-AAE1-844C04324D75}" type="datetimeFigureOut">
               <a:rPr lang="zh-CN" altLang="en-US" smtClean="0"/>
-              <a:t>2024-03-22</a:t>
+              <a:t>2024-03-23</a:t>
             </a:fld>
             <a:endParaRPr lang="zh-CN" altLang="en-US"/>
           </a:p>
@@ -2115,7 +2121,7 @@
           <a:p>
             <a:fld id="{D997B5FA-0921-464F-AAE1-844C04324D75}" type="datetimeFigureOut">
               <a:rPr lang="zh-CN" altLang="en-US" smtClean="0"/>
-              <a:t>2024-03-22</a:t>
+              <a:t>2024-03-23</a:t>
             </a:fld>
             <a:endParaRPr lang="zh-CN" altLang="en-US"/>
           </a:p>
@@ -2391,7 +2397,7 @@
           <a:p>
             <a:fld id="{D997B5FA-0921-464F-AAE1-844C04324D75}" type="datetimeFigureOut">
               <a:rPr lang="zh-CN" altLang="en-US" smtClean="0"/>
-              <a:t>2024-03-22</a:t>
+              <a:t>2024-03-23</a:t>
             </a:fld>
             <a:endParaRPr lang="zh-CN" altLang="en-US"/>
           </a:p>
@@ -2644,7 +2650,7 @@
           <a:p>
             <a:fld id="{D997B5FA-0921-464F-AAE1-844C04324D75}" type="datetimeFigureOut">
               <a:rPr lang="zh-CN" altLang="en-US" smtClean="0"/>
-              <a:t>2024-03-22</a:t>
+              <a:t>2024-03-23</a:t>
             </a:fld>
             <a:endParaRPr lang="zh-CN" altLang="en-US"/>
           </a:p>
@@ -2867,7 +2873,7 @@
           <a:p>
             <a:fld id="{D997B5FA-0921-464F-AAE1-844C04324D75}" type="datetimeFigureOut">
               <a:rPr lang="zh-CN" altLang="en-US" smtClean="0"/>
-              <a:t>2024-03-22</a:t>
+              <a:t>2024-03-23</a:t>
             </a:fld>
             <a:endParaRPr lang="zh-CN" altLang="en-US"/>
           </a:p>
@@ -3951,8 +3957,8 @@
         </p:nvSpPr>
         <p:spPr>
           <a:xfrm>
-            <a:off x="698267" y="256595"/>
-            <a:ext cx="6875350" cy="1115947"/>
+            <a:off x="5879867" y="971298"/>
+            <a:ext cx="5717049" cy="4993931"/>
           </a:xfrm>
           <a:prstGeom prst="rect">
             <a:avLst/>
@@ -3977,7 +3983,37 @@
                 <a:latin typeface="Times New Roman" panose="02020603050405020304" pitchFamily="18" charset="0"/>
                 <a:cs typeface="Times New Roman" panose="02020603050405020304" pitchFamily="18" charset="0"/>
               </a:rPr>
-              <a:t>If we know the expected acceleration “a” due to the throttle setting or control commands. Then we can update our formula</a:t>
+              <a:t>For example, if the state models the motion of a train, the train operator might push on the throttle, causing the train to accelerate. </a:t>
+            </a:r>
+          </a:p>
+          <a:p>
+            <a:pPr marL="285750" indent="-285750" algn="just">
+              <a:lnSpc>
+                <a:spcPct val="200000"/>
+              </a:lnSpc>
+              <a:buFont typeface="Arial" panose="020B0604020202020204" pitchFamily="34" charset="0"/>
+              <a:buChar char="•"/>
+            </a:pPr>
+            <a:r>
+              <a:rPr lang="en-US" altLang="zh-CN" dirty="0">
+                <a:latin typeface="Times New Roman" panose="02020603050405020304" pitchFamily="18" charset="0"/>
+                <a:cs typeface="Times New Roman" panose="02020603050405020304" pitchFamily="18" charset="0"/>
+              </a:rPr>
+              <a:t>Similarly, in our robot example, the navigation software might issue a command to turn the wheels or stop. If we know this additional information about what’s going on in the world, we could stuff it into a vector called </a:t>
+            </a:r>
+            <a:r>
+              <a:rPr lang="en-US" altLang="zh-CN" b="1" dirty="0" err="1">
+                <a:latin typeface="Times New Roman" panose="02020603050405020304" pitchFamily="18" charset="0"/>
+                <a:cs typeface="Times New Roman" panose="02020603050405020304" pitchFamily="18" charset="0"/>
+              </a:rPr>
+              <a:t>u_k</a:t>
+            </a:r>
+            <a:r>
+              <a:rPr lang="en-US" altLang="zh-CN" dirty="0">
+                <a:latin typeface="Times New Roman" panose="02020603050405020304" pitchFamily="18" charset="0"/>
+                <a:cs typeface="Times New Roman" panose="02020603050405020304" pitchFamily="18" charset="0"/>
+              </a:rPr>
+              <a:t>, do something with it, and add it to our prediction as a correction.</a:t>
             </a:r>
             <a:endParaRPr lang="zh-CN" altLang="en-US" dirty="0">
               <a:latin typeface="Times New Roman" panose="02020603050405020304" pitchFamily="18" charset="0"/>
@@ -3986,12 +4022,96 @@
           </a:p>
         </p:txBody>
       </p:sp>
+      <p:sp>
+        <p:nvSpPr>
+          <p:cNvPr id="12" name="文本框 11">
+            <a:extLst>
+              <a:ext uri="{FF2B5EF4-FFF2-40B4-BE49-F238E27FC236}">
+                <a16:creationId xmlns:a16="http://schemas.microsoft.com/office/drawing/2014/main" id="{FF0D5B62-7382-5479-A61E-345B5A2E5404}"/>
+              </a:ext>
+            </a:extLst>
+          </p:cNvPr>
+          <p:cNvSpPr txBox="1"/>
+          <p:nvPr/>
+        </p:nvSpPr>
+        <p:spPr>
+          <a:xfrm>
+            <a:off x="595084" y="1011126"/>
+            <a:ext cx="4662716" cy="1289071"/>
+          </a:xfrm>
+          <a:prstGeom prst="rect">
+            <a:avLst/>
+          </a:prstGeom>
+          <a:noFill/>
+        </p:spPr>
+        <p:txBody>
+          <a:bodyPr wrap="square" rtlCol="0">
+            <a:spAutoFit/>
+          </a:bodyPr>
+          <a:lstStyle/>
+          <a:p>
+            <a:pPr marL="285750" indent="-285750">
+              <a:lnSpc>
+                <a:spcPct val="150000"/>
+              </a:lnSpc>
+              <a:buFont typeface="Arial" panose="020B0604020202020204" pitchFamily="34" charset="0"/>
+              <a:buChar char="•"/>
+            </a:pPr>
+            <a:r>
+              <a:rPr lang="en-US" altLang="zh-CN" b="1" dirty="0">
+                <a:latin typeface="Times New Roman" panose="02020603050405020304" pitchFamily="18" charset="0"/>
+                <a:cs typeface="Times New Roman" panose="02020603050405020304" pitchFamily="18" charset="0"/>
+              </a:rPr>
+              <a:t>External Influence </a:t>
+            </a:r>
+            <a:r>
+              <a:rPr lang="en-US" altLang="zh-CN" dirty="0">
+                <a:latin typeface="Times New Roman" panose="02020603050405020304" pitchFamily="18" charset="0"/>
+                <a:cs typeface="Times New Roman" panose="02020603050405020304" pitchFamily="18" charset="0"/>
+              </a:rPr>
+              <a:t>is the thing in the outside world that could be affecting or</a:t>
+            </a:r>
+            <a:r>
+              <a:rPr lang="zh-CN" altLang="en-US" dirty="0">
+                <a:latin typeface="Times New Roman" panose="02020603050405020304" pitchFamily="18" charset="0"/>
+                <a:cs typeface="Times New Roman" panose="02020603050405020304" pitchFamily="18" charset="0"/>
+              </a:rPr>
+              <a:t> </a:t>
+            </a:r>
+            <a:r>
+              <a:rPr lang="en-US" altLang="zh-CN" dirty="0">
+                <a:latin typeface="Times New Roman" panose="02020603050405020304" pitchFamily="18" charset="0"/>
+                <a:cs typeface="Times New Roman" panose="02020603050405020304" pitchFamily="18" charset="0"/>
+              </a:rPr>
+              <a:t>controlling</a:t>
+            </a:r>
+            <a:r>
+              <a:rPr lang="zh-CN" altLang="en-US" dirty="0">
+                <a:latin typeface="Times New Roman" panose="02020603050405020304" pitchFamily="18" charset="0"/>
+                <a:cs typeface="Times New Roman" panose="02020603050405020304" pitchFamily="18" charset="0"/>
+              </a:rPr>
+              <a:t> </a:t>
+            </a:r>
+            <a:r>
+              <a:rPr lang="en-US" altLang="zh-CN" dirty="0">
+                <a:latin typeface="Times New Roman" panose="02020603050405020304" pitchFamily="18" charset="0"/>
+                <a:cs typeface="Times New Roman" panose="02020603050405020304" pitchFamily="18" charset="0"/>
+              </a:rPr>
+              <a:t>the system.</a:t>
+            </a:r>
+            <a:endParaRPr lang="zh-CN" altLang="en-US" dirty="0">
+              <a:latin typeface="Times New Roman" panose="02020603050405020304" pitchFamily="18" charset="0"/>
+              <a:cs typeface="Times New Roman" panose="02020603050405020304" pitchFamily="18" charset="0"/>
+            </a:endParaRPr>
+          </a:p>
+        </p:txBody>
+      </p:sp>
       <p:pic>
         <p:nvPicPr>
-          <p:cNvPr id="3" name="图片 2">
-            <a:extLst>
-              <a:ext uri="{FF2B5EF4-FFF2-40B4-BE49-F238E27FC236}">
-                <a16:creationId xmlns:a16="http://schemas.microsoft.com/office/drawing/2014/main" id="{C52D38FF-F608-7D2C-8254-934E2415CC43}"/>
+          <p:cNvPr id="4" name="图片 3">
+            <a:extLst>
+              <a:ext uri="{FF2B5EF4-FFF2-40B4-BE49-F238E27FC236}">
+                <a16:creationId xmlns:a16="http://schemas.microsoft.com/office/drawing/2014/main" id="{A7ED91FD-7AD1-FCAD-B2F3-760D573BC897}"/>
               </a:ext>
             </a:extLst>
           </p:cNvPr>
@@ -4008,20 +4128,63 @@
         </p:blipFill>
         <p:spPr>
           <a:xfrm>
-            <a:off x="1097562" y="1372542"/>
-            <a:ext cx="5791200" cy="962025"/>
+            <a:off x="485347" y="243859"/>
+            <a:ext cx="219475" cy="219475"/>
           </a:xfrm>
           <a:prstGeom prst="rect">
             <a:avLst/>
           </a:prstGeom>
         </p:spPr>
       </p:pic>
+      <p:sp>
+        <p:nvSpPr>
+          <p:cNvPr id="13" name="文本框 12">
+            <a:extLst>
+              <a:ext uri="{FF2B5EF4-FFF2-40B4-BE49-F238E27FC236}">
+                <a16:creationId xmlns:a16="http://schemas.microsoft.com/office/drawing/2014/main" id="{C3F09058-56ED-5823-0D91-49F0DB7EC8A3}"/>
+              </a:ext>
+            </a:extLst>
+          </p:cNvPr>
+          <p:cNvSpPr txBox="1"/>
+          <p:nvPr/>
+        </p:nvSpPr>
+        <p:spPr>
+          <a:xfrm>
+            <a:off x="892153" y="143047"/>
+            <a:ext cx="6096000" cy="400110"/>
+          </a:xfrm>
+          <a:prstGeom prst="rect">
+            <a:avLst/>
+          </a:prstGeom>
+          <a:noFill/>
+        </p:spPr>
+        <p:txBody>
+          <a:bodyPr wrap="square">
+            <a:spAutoFit/>
+          </a:bodyPr>
+          <a:lstStyle/>
+          <a:p>
+            <a:r>
+              <a:rPr lang="en-US" altLang="zh-CN" sz="2000" b="1" dirty="0">
+                <a:solidFill>
+                  <a:prstClr val="black"/>
+                </a:solidFill>
+                <a:latin typeface="Times New Roman" panose="02020603050405020304" pitchFamily="18" charset="0"/>
+                <a:ea typeface="微软雅黑" panose="020B0503020204020204" pitchFamily="34" charset="-122"/>
+                <a:cs typeface="Times New Roman" panose="02020603050405020304" pitchFamily="18" charset="0"/>
+              </a:rPr>
+              <a:t>External Influence</a:t>
+            </a:r>
+            <a:endParaRPr lang="zh-CN" altLang="en-US" dirty="0"/>
+          </a:p>
+        </p:txBody>
+      </p:sp>
       <p:pic>
         <p:nvPicPr>
-          <p:cNvPr id="7" name="图片 6">
-            <a:extLst>
-              <a:ext uri="{FF2B5EF4-FFF2-40B4-BE49-F238E27FC236}">
-                <a16:creationId xmlns:a16="http://schemas.microsoft.com/office/drawing/2014/main" id="{96C999D0-2A57-A13A-BC24-00A4871B6AF7}"/>
+          <p:cNvPr id="14" name="图片 13">
+            <a:extLst>
+              <a:ext uri="{FF2B5EF4-FFF2-40B4-BE49-F238E27FC236}">
+                <a16:creationId xmlns:a16="http://schemas.microsoft.com/office/drawing/2014/main" id="{B62D51D5-B57A-0BF8-7C19-DFCB3C69C776}"/>
               </a:ext>
             </a:extLst>
           </p:cNvPr>
@@ -4038,210 +4201,18 @@
         </p:blipFill>
         <p:spPr>
           <a:xfrm>
-            <a:off x="1097562" y="2466975"/>
-            <a:ext cx="3276600" cy="409575"/>
+            <a:off x="2330104" y="3355421"/>
+            <a:ext cx="830539" cy="793626"/>
           </a:xfrm>
           <a:prstGeom prst="rect">
             <a:avLst/>
           </a:prstGeom>
         </p:spPr>
       </p:pic>
-      <p:sp>
-        <p:nvSpPr>
-          <p:cNvPr id="15" name="文本框 14">
-            <a:extLst>
-              <a:ext uri="{FF2B5EF4-FFF2-40B4-BE49-F238E27FC236}">
-                <a16:creationId xmlns:a16="http://schemas.microsoft.com/office/drawing/2014/main" id="{589245DD-1CE9-963C-D1EB-CAD757F8DBAC}"/>
-              </a:ext>
-            </a:extLst>
-          </p:cNvPr>
-          <p:cNvSpPr txBox="1"/>
-          <p:nvPr/>
-        </p:nvSpPr>
-        <p:spPr>
-          <a:xfrm>
-            <a:off x="792762" y="3429000"/>
-            <a:ext cx="6096000" cy="369332"/>
-          </a:xfrm>
-          <a:prstGeom prst="rect">
-            <a:avLst/>
-          </a:prstGeom>
-          <a:noFill/>
-        </p:spPr>
-        <p:txBody>
-          <a:bodyPr wrap="square">
-            <a:spAutoFit/>
-          </a:bodyPr>
-          <a:lstStyle/>
-          <a:p>
-            <a:pPr marL="285750" indent="-285750">
-              <a:buFont typeface="Arial" panose="020B0604020202020204" pitchFamily="34" charset="0"/>
-              <a:buChar char="•"/>
-            </a:pPr>
-            <a:r>
-              <a:rPr lang="en-US" altLang="zh-CN" dirty="0">
-                <a:latin typeface="Times New Roman" panose="02020603050405020304" pitchFamily="18" charset="0"/>
-                <a:cs typeface="Times New Roman" panose="02020603050405020304" pitchFamily="18" charset="0"/>
-              </a:rPr>
-              <a:t>In matrix form:</a:t>
-            </a:r>
-            <a:endParaRPr lang="zh-CN" altLang="en-US" dirty="0"/>
-          </a:p>
-        </p:txBody>
-      </p:sp>
-      <p:pic>
-        <p:nvPicPr>
-          <p:cNvPr id="16" name="图片 15">
-            <a:extLst>
-              <a:ext uri="{FF2B5EF4-FFF2-40B4-BE49-F238E27FC236}">
-                <a16:creationId xmlns:a16="http://schemas.microsoft.com/office/drawing/2014/main" id="{1C85DE0A-3562-7F60-A121-DC3AEF3F58FF}"/>
-              </a:ext>
-            </a:extLst>
-          </p:cNvPr>
-          <p:cNvPicPr>
-            <a:picLocks noChangeAspect="1"/>
-          </p:cNvPicPr>
-          <p:nvPr/>
-        </p:nvPicPr>
-        <p:blipFill>
-          <a:blip r:embed="rId5"/>
-          <a:stretch>
-            <a:fillRect/>
-          </a:stretch>
-        </p:blipFill>
-        <p:spPr>
-          <a:xfrm>
-            <a:off x="1097562" y="3970983"/>
-            <a:ext cx="4533900" cy="1181100"/>
-          </a:xfrm>
-          <a:prstGeom prst="rect">
-            <a:avLst/>
-          </a:prstGeom>
-        </p:spPr>
-      </p:pic>
-      <p:pic>
-        <p:nvPicPr>
-          <p:cNvPr id="17" name="图片 16">
-            <a:extLst>
-              <a:ext uri="{FF2B5EF4-FFF2-40B4-BE49-F238E27FC236}">
-                <a16:creationId xmlns:a16="http://schemas.microsoft.com/office/drawing/2014/main" id="{CAEF0908-4091-E34B-1C39-87E01754D6C3}"/>
-              </a:ext>
-            </a:extLst>
-          </p:cNvPr>
-          <p:cNvPicPr>
-            <a:picLocks noChangeAspect="1"/>
-          </p:cNvPicPr>
-          <p:nvPr/>
-        </p:nvPicPr>
-        <p:blipFill>
-          <a:blip r:embed="rId6"/>
-          <a:stretch>
-            <a:fillRect/>
-          </a:stretch>
-        </p:blipFill>
-        <p:spPr>
-          <a:xfrm>
-            <a:off x="1759433" y="5419932"/>
-            <a:ext cx="3438525" cy="400050"/>
-          </a:xfrm>
-          <a:prstGeom prst="rect">
-            <a:avLst/>
-          </a:prstGeom>
-        </p:spPr>
-      </p:pic>
-      <p:pic>
-        <p:nvPicPr>
-          <p:cNvPr id="5122" name="Picture 2">
-            <a:extLst>
-              <a:ext uri="{FF2B5EF4-FFF2-40B4-BE49-F238E27FC236}">
-                <a16:creationId xmlns:a16="http://schemas.microsoft.com/office/drawing/2014/main" id="{1F5F03F1-6038-CFC6-9BC3-6F3408681C2A}"/>
-              </a:ext>
-            </a:extLst>
-          </p:cNvPr>
-          <p:cNvPicPr>
-            <a:picLocks noChangeAspect="1" noChangeArrowheads="1"/>
-          </p:cNvPicPr>
-          <p:nvPr/>
-        </p:nvPicPr>
-        <p:blipFill>
-          <a:blip r:embed="rId7">
-            <a:extLst>
-              <a:ext uri="{28A0092B-C50C-407E-A947-70E740481C1C}">
-                <a14:useLocalDpi xmlns:a14="http://schemas.microsoft.com/office/drawing/2010/main" val="0"/>
-              </a:ext>
-            </a:extLst>
-          </a:blip>
-          <a:srcRect/>
-          <a:stretch>
-            <a:fillRect/>
-          </a:stretch>
-        </p:blipFill>
-        <p:spPr bwMode="auto">
-          <a:xfrm>
-            <a:off x="7665761" y="4366270"/>
-            <a:ext cx="504825" cy="390525"/>
-          </a:xfrm>
-          <a:prstGeom prst="rect">
-            <a:avLst/>
-          </a:prstGeom>
-          <a:noFill/>
-          <a:extLst>
-            <a:ext uri="{909E8E84-426E-40DD-AFC4-6F175D3DCCD1}">
-              <a14:hiddenFill xmlns:a14="http://schemas.microsoft.com/office/drawing/2010/main">
-                <a:solidFill>
-                  <a:srgbClr val="FFFFFF"/>
-                </a:solidFill>
-              </a14:hiddenFill>
-            </a:ext>
-          </a:extLst>
-        </p:spPr>
-      </p:pic>
-      <p:sp>
-        <p:nvSpPr>
-          <p:cNvPr id="18" name="文本框 17">
-            <a:extLst>
-              <a:ext uri="{FF2B5EF4-FFF2-40B4-BE49-F238E27FC236}">
-                <a16:creationId xmlns:a16="http://schemas.microsoft.com/office/drawing/2014/main" id="{106F3A92-0CF0-19A4-9F63-F32357946E71}"/>
-              </a:ext>
-            </a:extLst>
-          </p:cNvPr>
-          <p:cNvSpPr txBox="1"/>
-          <p:nvPr/>
-        </p:nvSpPr>
-        <p:spPr>
-          <a:xfrm>
-            <a:off x="8170586" y="4465982"/>
-            <a:ext cx="2988330" cy="369332"/>
-          </a:xfrm>
-          <a:prstGeom prst="rect">
-            <a:avLst/>
-          </a:prstGeom>
-          <a:noFill/>
-        </p:spPr>
-        <p:txBody>
-          <a:bodyPr wrap="square" rtlCol="0">
-            <a:spAutoFit/>
-          </a:bodyPr>
-          <a:lstStyle/>
-          <a:p>
-            <a:r>
-              <a:rPr lang="en-US" altLang="zh-CN" dirty="0">
-                <a:latin typeface="Times New Roman" panose="02020603050405020304" pitchFamily="18" charset="0"/>
-                <a:cs typeface="Times New Roman" panose="02020603050405020304" pitchFamily="18" charset="0"/>
-              </a:rPr>
-              <a:t>: is called the control matrix</a:t>
-            </a:r>
-            <a:endParaRPr lang="zh-CN" altLang="en-US" dirty="0">
-              <a:latin typeface="Times New Roman" panose="02020603050405020304" pitchFamily="18" charset="0"/>
-              <a:cs typeface="Times New Roman" panose="02020603050405020304" pitchFamily="18" charset="0"/>
-            </a:endParaRPr>
-          </a:p>
-        </p:txBody>
-      </p:sp>
     </p:spTree>
     <p:extLst>
       <p:ext uri="{BB962C8B-B14F-4D97-AF65-F5344CB8AC3E}">
-        <p14:creationId xmlns:p14="http://schemas.microsoft.com/office/powerpoint/2010/main" val="3630794321"/>
+        <p14:creationId xmlns:p14="http://schemas.microsoft.com/office/powerpoint/2010/main" val="2769133698"/>
       </p:ext>
     </p:extLst>
   </p:cSld>
@@ -4418,10 +4389,10 @@
       </p:pic>
       <p:sp>
         <p:nvSpPr>
-          <p:cNvPr id="15" name="文本框 14">
-            <a:extLst>
-              <a:ext uri="{FF2B5EF4-FFF2-40B4-BE49-F238E27FC236}">
-                <a16:creationId xmlns:a16="http://schemas.microsoft.com/office/drawing/2014/main" id="{589245DD-1CE9-963C-D1EB-CAD757F8DBAC}"/>
+          <p:cNvPr id="10" name="文本框 9">
+            <a:extLst>
+              <a:ext uri="{FF2B5EF4-FFF2-40B4-BE49-F238E27FC236}">
+                <a16:creationId xmlns:a16="http://schemas.microsoft.com/office/drawing/2014/main" id="{E5CA4A33-3D83-E64C-673A-5CB0B87C2DCA}"/>
               </a:ext>
             </a:extLst>
           </p:cNvPr>
@@ -4430,8 +4401,8 @@
         </p:nvSpPr>
         <p:spPr>
           <a:xfrm>
-            <a:off x="5037340" y="835181"/>
-            <a:ext cx="6298952" cy="1294393"/>
+            <a:off x="698267" y="256595"/>
+            <a:ext cx="6875350" cy="1115947"/>
           </a:xfrm>
           <a:prstGeom prst="rect">
             <a:avLst/>
@@ -4446,7 +4417,7 @@
           <a:p>
             <a:pPr marL="285750" indent="-285750" algn="just">
               <a:lnSpc>
-                <a:spcPct val="150000"/>
+                <a:spcPct val="200000"/>
               </a:lnSpc>
               <a:buFont typeface="Arial" panose="020B0604020202020204" pitchFamily="34" charset="0"/>
               <a:buChar char="•"/>
@@ -4456,32 +4427,21 @@
                 <a:latin typeface="Times New Roman" panose="02020603050405020304" pitchFamily="18" charset="0"/>
                 <a:cs typeface="Times New Roman" panose="02020603050405020304" pitchFamily="18" charset="0"/>
               </a:rPr>
-              <a:t>For example,</a:t>
-            </a:r>
-            <a:r>
-              <a:rPr lang="zh-CN" altLang="en-US" dirty="0">
-                <a:latin typeface="Times New Roman" panose="02020603050405020304" pitchFamily="18" charset="0"/>
-                <a:cs typeface="Times New Roman" panose="02020603050405020304" pitchFamily="18" charset="0"/>
-              </a:rPr>
-              <a:t> </a:t>
-            </a:r>
-            <a:r>
-              <a:rPr lang="en-US" altLang="zh-CN" dirty="0">
-                <a:latin typeface="Times New Roman" panose="02020603050405020304" pitchFamily="18" charset="0"/>
-                <a:cs typeface="Times New Roman" panose="02020603050405020304" pitchFamily="18" charset="0"/>
-              </a:rPr>
-              <a:t>if we’re tracking a quadcopter, it could be buffeted around by wind. If we’re tracking a wheeled robot, the wheels could slip, or bumps on the ground could slow it down. </a:t>
-            </a:r>
-            <a:endParaRPr lang="zh-CN" altLang="en-US" dirty="0"/>
+              <a:t>If we know the expected acceleration “a” due to the throttle setting or control commands. Then we can update our formula</a:t>
+            </a:r>
+            <a:endParaRPr lang="zh-CN" altLang="en-US" dirty="0">
+              <a:latin typeface="Times New Roman" panose="02020603050405020304" pitchFamily="18" charset="0"/>
+              <a:cs typeface="Times New Roman" panose="02020603050405020304" pitchFamily="18" charset="0"/>
+            </a:endParaRPr>
           </a:p>
         </p:txBody>
       </p:sp>
       <p:pic>
         <p:nvPicPr>
-          <p:cNvPr id="8" name="图片 7">
-            <a:extLst>
-              <a:ext uri="{FF2B5EF4-FFF2-40B4-BE49-F238E27FC236}">
-                <a16:creationId xmlns:a16="http://schemas.microsoft.com/office/drawing/2014/main" id="{C2CF8BBD-EA44-E926-BC63-509245C44F6D}"/>
+          <p:cNvPr id="3" name="图片 2">
+            <a:extLst>
+              <a:ext uri="{FF2B5EF4-FFF2-40B4-BE49-F238E27FC236}">
+                <a16:creationId xmlns:a16="http://schemas.microsoft.com/office/drawing/2014/main" id="{C52D38FF-F608-7D2C-8254-934E2415CC43}"/>
               </a:ext>
             </a:extLst>
           </p:cNvPr>
@@ -4498,8 +4458,8 @@
         </p:blipFill>
         <p:spPr>
           <a:xfrm>
-            <a:off x="892153" y="1935775"/>
-            <a:ext cx="2959252" cy="2730640"/>
+            <a:off x="1097562" y="1372542"/>
+            <a:ext cx="5791200" cy="962025"/>
           </a:xfrm>
           <a:prstGeom prst="rect">
             <a:avLst/>
@@ -4508,10 +4468,10 @@
       </p:pic>
       <p:pic>
         <p:nvPicPr>
-          <p:cNvPr id="9" name="图片 8">
-            <a:extLst>
-              <a:ext uri="{FF2B5EF4-FFF2-40B4-BE49-F238E27FC236}">
-                <a16:creationId xmlns:a16="http://schemas.microsoft.com/office/drawing/2014/main" id="{5050DC8F-7D86-D319-22D6-DADA2ECF0232}"/>
+          <p:cNvPr id="7" name="图片 6">
+            <a:extLst>
+              <a:ext uri="{FF2B5EF4-FFF2-40B4-BE49-F238E27FC236}">
+                <a16:creationId xmlns:a16="http://schemas.microsoft.com/office/drawing/2014/main" id="{96C999D0-2A57-A13A-BC24-00A4871B6AF7}"/>
               </a:ext>
             </a:extLst>
           </p:cNvPr>
@@ -4528,8 +4488,8 @@
         </p:blipFill>
         <p:spPr>
           <a:xfrm>
-            <a:off x="485347" y="243859"/>
-            <a:ext cx="219475" cy="219475"/>
+            <a:off x="1097562" y="2466975"/>
+            <a:ext cx="3276600" cy="409575"/>
           </a:xfrm>
           <a:prstGeom prst="rect">
             <a:avLst/>
@@ -4538,10 +4498,10 @@
       </p:pic>
       <p:sp>
         <p:nvSpPr>
-          <p:cNvPr id="11" name="文本框 10">
-            <a:extLst>
-              <a:ext uri="{FF2B5EF4-FFF2-40B4-BE49-F238E27FC236}">
-                <a16:creationId xmlns:a16="http://schemas.microsoft.com/office/drawing/2014/main" id="{A6EA007C-CDF4-E03C-CB24-9A7534800A64}"/>
+          <p:cNvPr id="15" name="文本框 14">
+            <a:extLst>
+              <a:ext uri="{FF2B5EF4-FFF2-40B4-BE49-F238E27FC236}">
+                <a16:creationId xmlns:a16="http://schemas.microsoft.com/office/drawing/2014/main" id="{589245DD-1CE9-963C-D1EB-CAD757F8DBAC}"/>
               </a:ext>
             </a:extLst>
           </p:cNvPr>
@@ -4550,8 +4510,8 @@
         </p:nvSpPr>
         <p:spPr>
           <a:xfrm>
-            <a:off x="892153" y="143047"/>
-            <a:ext cx="6096000" cy="400110"/>
+            <a:off x="792762" y="3429000"/>
+            <a:ext cx="6096000" cy="369332"/>
           </a:xfrm>
           <a:prstGeom prst="rect">
             <a:avLst/>
@@ -4564,16 +4524,16 @@
           </a:bodyPr>
           <a:lstStyle/>
           <a:p>
-            <a:r>
-              <a:rPr lang="en-US" altLang="zh-CN" sz="2000" b="1" dirty="0">
-                <a:solidFill>
-                  <a:prstClr val="black"/>
-                </a:solidFill>
+            <a:pPr marL="285750" indent="-285750">
+              <a:buFont typeface="Arial" panose="020B0604020202020204" pitchFamily="34" charset="0"/>
+              <a:buChar char="•"/>
+            </a:pPr>
+            <a:r>
+              <a:rPr lang="en-US" altLang="zh-CN" dirty="0">
                 <a:latin typeface="Times New Roman" panose="02020603050405020304" pitchFamily="18" charset="0"/>
-                <a:ea typeface="微软雅黑" panose="020B0503020204020204" pitchFamily="34" charset="-122"/>
                 <a:cs typeface="Times New Roman" panose="02020603050405020304" pitchFamily="18" charset="0"/>
               </a:rPr>
-              <a:t>External Uncertainty</a:t>
+              <a:t>In matrix form:</a:t>
             </a:r>
             <a:endParaRPr lang="zh-CN" altLang="en-US" dirty="0"/>
           </a:p>
@@ -4581,10 +4541,10 @@
       </p:sp>
       <p:pic>
         <p:nvPicPr>
-          <p:cNvPr id="19" name="图片 18">
-            <a:extLst>
-              <a:ext uri="{FF2B5EF4-FFF2-40B4-BE49-F238E27FC236}">
-                <a16:creationId xmlns:a16="http://schemas.microsoft.com/office/drawing/2014/main" id="{57AAB605-433D-F6BD-113A-74A88E88D0A1}"/>
+          <p:cNvPr id="16" name="图片 15">
+            <a:extLst>
+              <a:ext uri="{FF2B5EF4-FFF2-40B4-BE49-F238E27FC236}">
+                <a16:creationId xmlns:a16="http://schemas.microsoft.com/office/drawing/2014/main" id="{1C85DE0A-3562-7F60-A121-DC3AEF3F58FF}"/>
               </a:ext>
             </a:extLst>
           </p:cNvPr>
@@ -4601,99 +4561,20 @@
         </p:blipFill>
         <p:spPr>
           <a:xfrm>
-            <a:off x="3626507" y="3189863"/>
-            <a:ext cx="2959252" cy="2724290"/>
+            <a:off x="1097562" y="3970983"/>
+            <a:ext cx="4533900" cy="1181100"/>
           </a:xfrm>
           <a:prstGeom prst="rect">
             <a:avLst/>
           </a:prstGeom>
         </p:spPr>
       </p:pic>
-      <p:sp>
-        <p:nvSpPr>
-          <p:cNvPr id="21" name="文本框 20">
-            <a:extLst>
-              <a:ext uri="{FF2B5EF4-FFF2-40B4-BE49-F238E27FC236}">
-                <a16:creationId xmlns:a16="http://schemas.microsoft.com/office/drawing/2014/main" id="{1C691100-32CE-F93E-DAAC-BA98ED7167B4}"/>
-              </a:ext>
-            </a:extLst>
-          </p:cNvPr>
-          <p:cNvSpPr txBox="1"/>
-          <p:nvPr/>
-        </p:nvSpPr>
-        <p:spPr>
-          <a:xfrm>
-            <a:off x="855708" y="842101"/>
-            <a:ext cx="4068418" cy="1200329"/>
-          </a:xfrm>
-          <a:prstGeom prst="rect">
-            <a:avLst/>
-          </a:prstGeom>
-          <a:noFill/>
-        </p:spPr>
-        <p:txBody>
-          <a:bodyPr wrap="square">
-            <a:spAutoFit/>
-          </a:bodyPr>
-          <a:lstStyle/>
-          <a:p>
-            <a:pPr marL="285750" indent="-285750">
-              <a:lnSpc>
-                <a:spcPct val="150000"/>
-              </a:lnSpc>
-              <a:buFont typeface="Arial" panose="020B0604020202020204" pitchFamily="34" charset="0"/>
-              <a:buChar char="•"/>
-            </a:pPr>
-            <a:r>
-              <a:rPr kumimoji="0" lang="en-US" altLang="zh-CN" sz="1800" b="1" i="0" u="none" strike="noStrike" kern="1200" cap="none" spc="0" normalizeH="0" baseline="0" noProof="0" dirty="0">
-                <a:ln>
-                  <a:noFill/>
-                </a:ln>
-                <a:solidFill>
-                  <a:prstClr val="black"/>
-                </a:solidFill>
-                <a:effectLst/>
-                <a:uLnTx/>
-                <a:uFillTx/>
-                <a:latin typeface="Times New Roman" panose="02020603050405020304" pitchFamily="18" charset="0"/>
-                <a:ea typeface="微软雅黑" panose="020B0503020204020204" pitchFamily="34" charset="-122"/>
-                <a:cs typeface="Times New Roman" panose="02020603050405020304" pitchFamily="18" charset="0"/>
-              </a:rPr>
-              <a:t>External Uncertainty </a:t>
-            </a:r>
-            <a:r>
-              <a:rPr kumimoji="0" lang="en-US" altLang="zh-CN" sz="1800" b="0" i="0" u="none" strike="noStrike" kern="1200" cap="none" spc="0" normalizeH="0" baseline="0" noProof="0" dirty="0">
-                <a:ln>
-                  <a:noFill/>
-                </a:ln>
-                <a:solidFill>
-                  <a:prstClr val="black"/>
-                </a:solidFill>
-                <a:effectLst/>
-                <a:uLnTx/>
-                <a:uFillTx/>
-                <a:latin typeface="Times New Roman" panose="02020603050405020304" pitchFamily="18" charset="0"/>
-                <a:ea typeface="微软雅黑" panose="020B0503020204020204" pitchFamily="34" charset="-122"/>
-                <a:cs typeface="Times New Roman" panose="02020603050405020304" pitchFamily="18" charset="0"/>
-              </a:rPr>
-              <a:t>is something we can’t track outside.</a:t>
-            </a:r>
-          </a:p>
-          <a:p>
-            <a:pPr marL="285750" indent="-285750">
-              <a:buFont typeface="Arial" panose="020B0604020202020204" pitchFamily="34" charset="0"/>
-              <a:buChar char="•"/>
-            </a:pPr>
-            <a:endParaRPr lang="zh-CN" altLang="en-US" dirty="0"/>
-          </a:p>
-        </p:txBody>
-      </p:sp>
       <p:pic>
         <p:nvPicPr>
-          <p:cNvPr id="23" name="图片 22">
-            <a:extLst>
-              <a:ext uri="{FF2B5EF4-FFF2-40B4-BE49-F238E27FC236}">
-                <a16:creationId xmlns:a16="http://schemas.microsoft.com/office/drawing/2014/main" id="{142CFE6B-612F-22CA-E847-62560F6650C0}"/>
+          <p:cNvPr id="17" name="图片 16">
+            <a:extLst>
+              <a:ext uri="{FF2B5EF4-FFF2-40B4-BE49-F238E27FC236}">
+                <a16:creationId xmlns:a16="http://schemas.microsoft.com/office/drawing/2014/main" id="{CAEF0908-4091-E34B-1C39-87E01754D6C3}"/>
               </a:ext>
             </a:extLst>
           </p:cNvPr>
@@ -4710,8 +4591,8 @@
         </p:blipFill>
         <p:spPr>
           <a:xfrm>
-            <a:off x="8020663" y="2763336"/>
-            <a:ext cx="2959252" cy="2959252"/>
+            <a:off x="1759433" y="5419932"/>
+            <a:ext cx="3438525" cy="400050"/>
           </a:xfrm>
           <a:prstGeom prst="rect">
             <a:avLst/>
@@ -4720,70 +4601,57 @@
       </p:pic>
       <p:pic>
         <p:nvPicPr>
-          <p:cNvPr id="13" name="图片 12">
-            <a:extLst>
-              <a:ext uri="{FF2B5EF4-FFF2-40B4-BE49-F238E27FC236}">
-                <a16:creationId xmlns:a16="http://schemas.microsoft.com/office/drawing/2014/main" id="{D38C1823-5D06-0AD0-A38D-66194F0439BB}"/>
+          <p:cNvPr id="5122" name="Picture 2">
+            <a:extLst>
+              <a:ext uri="{FF2B5EF4-FFF2-40B4-BE49-F238E27FC236}">
+                <a16:creationId xmlns:a16="http://schemas.microsoft.com/office/drawing/2014/main" id="{1F5F03F1-6038-CFC6-9BC3-6F3408681C2A}"/>
               </a:ext>
             </a:extLst>
           </p:cNvPr>
           <p:cNvPicPr>
-            <a:picLocks noChangeAspect="1"/>
+            <a:picLocks noChangeAspect="1" noChangeArrowheads="1"/>
           </p:cNvPicPr>
           <p:nvPr/>
         </p:nvPicPr>
         <p:blipFill>
-          <a:blip r:embed="rId7"/>
+          <a:blip r:embed="rId7">
+            <a:extLst>
+              <a:ext uri="{28A0092B-C50C-407E-A947-70E740481C1C}">
+                <a14:useLocalDpi xmlns:a14="http://schemas.microsoft.com/office/drawing/2010/main" val="0"/>
+              </a:ext>
+            </a:extLst>
+          </a:blip>
+          <a:srcRect/>
           <a:stretch>
             <a:fillRect/>
           </a:stretch>
         </p:blipFill>
-        <p:spPr>
-          <a:xfrm>
-            <a:off x="495762" y="5820768"/>
-            <a:ext cx="6070912" cy="889046"/>
-          </a:xfrm>
-          <a:prstGeom prst="rect">
-            <a:avLst/>
-          </a:prstGeom>
+        <p:spPr bwMode="auto">
+          <a:xfrm>
+            <a:off x="7665761" y="4366270"/>
+            <a:ext cx="504825" cy="390525"/>
+          </a:xfrm>
+          <a:prstGeom prst="rect">
+            <a:avLst/>
+          </a:prstGeom>
+          <a:noFill/>
+          <a:extLst>
+            <a:ext uri="{909E8E84-426E-40DD-AFC4-6F175D3DCCD1}">
+              <a14:hiddenFill xmlns:a14="http://schemas.microsoft.com/office/drawing/2010/main">
+                <a:solidFill>
+                  <a:srgbClr val="FFFFFF"/>
+                </a:solidFill>
+              </a14:hiddenFill>
+            </a:ext>
+          </a:extLst>
         </p:spPr>
       </p:pic>
-      <p:pic>
-        <p:nvPicPr>
-          <p:cNvPr id="27" name="图片 26">
-            <a:extLst>
-              <a:ext uri="{FF2B5EF4-FFF2-40B4-BE49-F238E27FC236}">
-                <a16:creationId xmlns:a16="http://schemas.microsoft.com/office/drawing/2014/main" id="{F3352BCB-6608-80B8-BEA7-1153D7089555}"/>
-              </a:ext>
-            </a:extLst>
-          </p:cNvPr>
-          <p:cNvPicPr>
-            <a:picLocks noChangeAspect="1"/>
-          </p:cNvPicPr>
-          <p:nvPr/>
-        </p:nvPicPr>
-        <p:blipFill>
-          <a:blip r:embed="rId8"/>
-          <a:stretch>
-            <a:fillRect/>
-          </a:stretch>
-        </p:blipFill>
-        <p:spPr>
-          <a:xfrm>
-            <a:off x="1929665" y="5156131"/>
-            <a:ext cx="523875" cy="428625"/>
-          </a:xfrm>
-          <a:prstGeom prst="rect">
-            <a:avLst/>
-          </a:prstGeom>
-        </p:spPr>
-      </p:pic>
-      <p:sp>
-        <p:nvSpPr>
-          <p:cNvPr id="31" name="文本框 30">
-            <a:extLst>
-              <a:ext uri="{FF2B5EF4-FFF2-40B4-BE49-F238E27FC236}">
-                <a16:creationId xmlns:a16="http://schemas.microsoft.com/office/drawing/2014/main" id="{CC43A7E3-B821-F059-1311-70AA90C75EFA}"/>
+      <p:sp>
+        <p:nvSpPr>
+          <p:cNvPr id="18" name="文本框 17">
+            <a:extLst>
+              <a:ext uri="{FF2B5EF4-FFF2-40B4-BE49-F238E27FC236}">
+                <a16:creationId xmlns:a16="http://schemas.microsoft.com/office/drawing/2014/main" id="{106F3A92-0CF0-19A4-9F63-F32357946E71}"/>
               </a:ext>
             </a:extLst>
           </p:cNvPr>
@@ -4792,8 +4660,8 @@
         </p:nvSpPr>
         <p:spPr>
           <a:xfrm>
-            <a:off x="7824466" y="5803626"/>
-            <a:ext cx="3511826" cy="923330"/>
+            <a:off x="8170586" y="4465982"/>
+            <a:ext cx="2988330" cy="369332"/>
           </a:xfrm>
           <a:prstGeom prst="rect">
             <a:avLst/>
@@ -4801,23 +4669,29 @@
           <a:noFill/>
         </p:spPr>
         <p:txBody>
-          <a:bodyPr wrap="square">
+          <a:bodyPr wrap="square" rtlCol="0">
             <a:spAutoFit/>
           </a:bodyPr>
           <a:lstStyle/>
           <a:p>
             <a:r>
-              <a:rPr lang="en-US" altLang="zh-CN" dirty="0"/>
-              <a:t>This produces a new Gaussian blob, with a different covariance (but the same mean)</a:t>
-            </a:r>
-            <a:endParaRPr lang="zh-CN" altLang="en-US" dirty="0"/>
+              <a:rPr lang="en-US" altLang="zh-CN" dirty="0">
+                <a:latin typeface="Times New Roman" panose="02020603050405020304" pitchFamily="18" charset="0"/>
+                <a:cs typeface="Times New Roman" panose="02020603050405020304" pitchFamily="18" charset="0"/>
+              </a:rPr>
+              <a:t>: is called the control matrix</a:t>
+            </a:r>
+            <a:endParaRPr lang="zh-CN" altLang="en-US" dirty="0">
+              <a:latin typeface="Times New Roman" panose="02020603050405020304" pitchFamily="18" charset="0"/>
+              <a:cs typeface="Times New Roman" panose="02020603050405020304" pitchFamily="18" charset="0"/>
+            </a:endParaRPr>
           </a:p>
         </p:txBody>
       </p:sp>
     </p:spTree>
     <p:extLst>
       <p:ext uri="{BB962C8B-B14F-4D97-AF65-F5344CB8AC3E}">
-        <p14:creationId xmlns:p14="http://schemas.microsoft.com/office/powerpoint/2010/main" val="2558066574"/>
+        <p14:creationId xmlns:p14="http://schemas.microsoft.com/office/powerpoint/2010/main" val="3630794321"/>
       </p:ext>
     </p:extLst>
   </p:cSld>
@@ -4849,7 +4723,7 @@
           <p:cNvPr id="2" name="灯片编号占位符 1">
             <a:extLst>
               <a:ext uri="{FF2B5EF4-FFF2-40B4-BE49-F238E27FC236}">
-                <a16:creationId xmlns:a16="http://schemas.microsoft.com/office/drawing/2014/main" id="{5CDCE92C-FE51-E127-2FC2-86F2E9CB9307}"/>
+                <a16:creationId xmlns:a16="http://schemas.microsoft.com/office/drawing/2014/main" id="{871C7A75-416F-0722-0FF9-D7ED1E73B17E}"/>
               </a:ext>
             </a:extLst>
           </p:cNvPr>
@@ -4875,10 +4749,10 @@
       </p:sp>
       <p:sp>
         <p:nvSpPr>
-          <p:cNvPr id="4" name="矩形 3">
-            <a:extLst>
-              <a:ext uri="{FF2B5EF4-FFF2-40B4-BE49-F238E27FC236}">
-                <a16:creationId xmlns:a16="http://schemas.microsoft.com/office/drawing/2014/main" id="{142201D4-3733-BE02-A4C4-64152EC3D637}"/>
+          <p:cNvPr id="5" name="矩形 4">
+            <a:extLst>
+              <a:ext uri="{FF2B5EF4-FFF2-40B4-BE49-F238E27FC236}">
+                <a16:creationId xmlns:a16="http://schemas.microsoft.com/office/drawing/2014/main" id="{3F2C8B9E-C058-5667-ED31-DDE01E12DD46}"/>
               </a:ext>
             </a:extLst>
           </p:cNvPr>
@@ -4967,7 +4841,7 @@
           <p:cNvPr id="6" name="图片 5">
             <a:extLst>
               <a:ext uri="{FF2B5EF4-FFF2-40B4-BE49-F238E27FC236}">
-                <a16:creationId xmlns:a16="http://schemas.microsoft.com/office/drawing/2014/main" id="{573246F9-0521-9F32-5884-13CB74FC9A4F}"/>
+                <a16:creationId xmlns:a16="http://schemas.microsoft.com/office/drawing/2014/main" id="{DA1F7BF9-B506-FBCD-5701-6B56E830B0BC}"/>
               </a:ext>
             </a:extLst>
           </p:cNvPr>
@@ -4992,12 +4866,72 @@
           </a:prstGeom>
         </p:spPr>
       </p:pic>
+      <p:sp>
+        <p:nvSpPr>
+          <p:cNvPr id="15" name="文本框 14">
+            <a:extLst>
+              <a:ext uri="{FF2B5EF4-FFF2-40B4-BE49-F238E27FC236}">
+                <a16:creationId xmlns:a16="http://schemas.microsoft.com/office/drawing/2014/main" id="{589245DD-1CE9-963C-D1EB-CAD757F8DBAC}"/>
+              </a:ext>
+            </a:extLst>
+          </p:cNvPr>
+          <p:cNvSpPr txBox="1"/>
+          <p:nvPr/>
+        </p:nvSpPr>
+        <p:spPr>
+          <a:xfrm>
+            <a:off x="5037340" y="835181"/>
+            <a:ext cx="6298952" cy="1294393"/>
+          </a:xfrm>
+          <a:prstGeom prst="rect">
+            <a:avLst/>
+          </a:prstGeom>
+          <a:noFill/>
+        </p:spPr>
+        <p:txBody>
+          <a:bodyPr wrap="square">
+            <a:spAutoFit/>
+          </a:bodyPr>
+          <a:lstStyle/>
+          <a:p>
+            <a:pPr marL="285750" indent="-285750" algn="just">
+              <a:lnSpc>
+                <a:spcPct val="150000"/>
+              </a:lnSpc>
+              <a:buFont typeface="Arial" panose="020B0604020202020204" pitchFamily="34" charset="0"/>
+              <a:buChar char="•"/>
+            </a:pPr>
+            <a:r>
+              <a:rPr lang="en-US" altLang="zh-CN" dirty="0">
+                <a:latin typeface="Times New Roman" panose="02020603050405020304" pitchFamily="18" charset="0"/>
+                <a:cs typeface="Times New Roman" panose="02020603050405020304" pitchFamily="18" charset="0"/>
+              </a:rPr>
+              <a:t>For example,</a:t>
+            </a:r>
+            <a:r>
+              <a:rPr lang="zh-CN" altLang="en-US" dirty="0">
+                <a:latin typeface="Times New Roman" panose="02020603050405020304" pitchFamily="18" charset="0"/>
+                <a:cs typeface="Times New Roman" panose="02020603050405020304" pitchFamily="18" charset="0"/>
+              </a:rPr>
+              <a:t> </a:t>
+            </a:r>
+            <a:r>
+              <a:rPr lang="en-US" altLang="zh-CN" dirty="0">
+                <a:latin typeface="Times New Roman" panose="02020603050405020304" pitchFamily="18" charset="0"/>
+                <a:cs typeface="Times New Roman" panose="02020603050405020304" pitchFamily="18" charset="0"/>
+              </a:rPr>
+              <a:t>if we’re tracking a quadcopter, it could be buffeted around by wind. If we’re tracking a wheeled robot, the wheels could slip, or bumps on the ground could slow it down. </a:t>
+            </a:r>
+            <a:endParaRPr lang="zh-CN" altLang="en-US" dirty="0"/>
+          </a:p>
+        </p:txBody>
+      </p:sp>
       <p:pic>
         <p:nvPicPr>
-          <p:cNvPr id="7" name="图片 6">
-            <a:extLst>
-              <a:ext uri="{FF2B5EF4-FFF2-40B4-BE49-F238E27FC236}">
-                <a16:creationId xmlns:a16="http://schemas.microsoft.com/office/drawing/2014/main" id="{89FCA050-A3F3-B535-30FA-1CE9C43FB67B}"/>
+          <p:cNvPr id="8" name="图片 7">
+            <a:extLst>
+              <a:ext uri="{FF2B5EF4-FFF2-40B4-BE49-F238E27FC236}">
+                <a16:creationId xmlns:a16="http://schemas.microsoft.com/office/drawing/2014/main" id="{C2CF8BBD-EA44-E926-BC63-509245C44F6D}"/>
               </a:ext>
             </a:extLst>
           </p:cNvPr>
@@ -5014,96 +4948,20 @@
         </p:blipFill>
         <p:spPr>
           <a:xfrm>
-            <a:off x="2106798" y="5136875"/>
-            <a:ext cx="4286250" cy="533400"/>
+            <a:off x="892153" y="1935775"/>
+            <a:ext cx="2959252" cy="2730640"/>
           </a:xfrm>
           <a:prstGeom prst="rect">
             <a:avLst/>
           </a:prstGeom>
         </p:spPr>
       </p:pic>
-      <p:sp>
-        <p:nvSpPr>
-          <p:cNvPr id="9" name="文本框 8">
-            <a:extLst>
-              <a:ext uri="{FF2B5EF4-FFF2-40B4-BE49-F238E27FC236}">
-                <a16:creationId xmlns:a16="http://schemas.microsoft.com/office/drawing/2014/main" id="{19D1523D-1519-AE2C-9880-33A3493ABF82}"/>
-              </a:ext>
-            </a:extLst>
-          </p:cNvPr>
-          <p:cNvSpPr txBox="1"/>
-          <p:nvPr/>
-        </p:nvSpPr>
-        <p:spPr>
-          <a:xfrm>
-            <a:off x="1367576" y="829054"/>
-            <a:ext cx="6590354" cy="2535566"/>
-          </a:xfrm>
-          <a:prstGeom prst="rect">
-            <a:avLst/>
-          </a:prstGeom>
-          <a:noFill/>
-        </p:spPr>
-        <p:txBody>
-          <a:bodyPr wrap="square">
-            <a:spAutoFit/>
-          </a:bodyPr>
-          <a:lstStyle/>
-          <a:p>
-            <a:pPr marL="285750" indent="-285750" algn="just">
-              <a:lnSpc>
-                <a:spcPct val="150000"/>
-              </a:lnSpc>
-              <a:buFont typeface="Arial" panose="020B0604020202020204" pitchFamily="34" charset="0"/>
-              <a:buChar char="•"/>
-            </a:pPr>
-            <a:r>
-              <a:rPr lang="en-US" altLang="zh-CN" dirty="0">
-                <a:latin typeface="Times New Roman" panose="02020603050405020304" pitchFamily="18" charset="0"/>
-                <a:cs typeface="Times New Roman" panose="02020603050405020304" pitchFamily="18" charset="0"/>
-              </a:rPr>
-              <a:t>In other words, the new best estimate is a prediction made from the previous best estimate, plus a correction for known external influences.</a:t>
-            </a:r>
-          </a:p>
-          <a:p>
-            <a:pPr algn="just">
-              <a:lnSpc>
-                <a:spcPct val="150000"/>
-              </a:lnSpc>
-            </a:pPr>
-            <a:endParaRPr lang="en-US" altLang="zh-CN" dirty="0">
-              <a:latin typeface="Times New Roman" panose="02020603050405020304" pitchFamily="18" charset="0"/>
-              <a:cs typeface="Times New Roman" panose="02020603050405020304" pitchFamily="18" charset="0"/>
-            </a:endParaRPr>
-          </a:p>
-          <a:p>
-            <a:pPr marL="285750" indent="-285750" algn="just">
-              <a:lnSpc>
-                <a:spcPct val="150000"/>
-              </a:lnSpc>
-              <a:buFont typeface="Arial" panose="020B0604020202020204" pitchFamily="34" charset="0"/>
-              <a:buChar char="•"/>
-            </a:pPr>
-            <a:r>
-              <a:rPr lang="en-US" altLang="zh-CN" dirty="0">
-                <a:latin typeface="Times New Roman" panose="02020603050405020304" pitchFamily="18" charset="0"/>
-                <a:cs typeface="Times New Roman" panose="02020603050405020304" pitchFamily="18" charset="0"/>
-              </a:rPr>
-              <a:t>And the new uncertainty is predicted from the old uncertainty, with some additional uncertainty from the environment.</a:t>
-            </a:r>
-            <a:endParaRPr lang="zh-CN" altLang="en-US" dirty="0">
-              <a:latin typeface="Times New Roman" panose="02020603050405020304" pitchFamily="18" charset="0"/>
-              <a:cs typeface="Times New Roman" panose="02020603050405020304" pitchFamily="18" charset="0"/>
-            </a:endParaRPr>
-          </a:p>
-        </p:txBody>
-      </p:sp>
       <p:pic>
         <p:nvPicPr>
-          <p:cNvPr id="10" name="图片 9">
-            <a:extLst>
-              <a:ext uri="{FF2B5EF4-FFF2-40B4-BE49-F238E27FC236}">
-                <a16:creationId xmlns:a16="http://schemas.microsoft.com/office/drawing/2014/main" id="{CABCFD22-3D89-1375-120F-13FAC362DC08}"/>
+          <p:cNvPr id="9" name="图片 8">
+            <a:extLst>
+              <a:ext uri="{FF2B5EF4-FFF2-40B4-BE49-F238E27FC236}">
+                <a16:creationId xmlns:a16="http://schemas.microsoft.com/office/drawing/2014/main" id="{5050DC8F-7D86-D319-22D6-DADA2ECF0232}"/>
               </a:ext>
             </a:extLst>
           </p:cNvPr>
@@ -5120,18 +4978,296 @@
         </p:blipFill>
         <p:spPr>
           <a:xfrm>
-            <a:off x="2106798" y="4330769"/>
-            <a:ext cx="4048125" cy="409575"/>
+            <a:off x="485347" y="243859"/>
+            <a:ext cx="219475" cy="219475"/>
           </a:xfrm>
           <a:prstGeom prst="rect">
             <a:avLst/>
           </a:prstGeom>
         </p:spPr>
       </p:pic>
+      <p:sp>
+        <p:nvSpPr>
+          <p:cNvPr id="11" name="文本框 10">
+            <a:extLst>
+              <a:ext uri="{FF2B5EF4-FFF2-40B4-BE49-F238E27FC236}">
+                <a16:creationId xmlns:a16="http://schemas.microsoft.com/office/drawing/2014/main" id="{A6EA007C-CDF4-E03C-CB24-9A7534800A64}"/>
+              </a:ext>
+            </a:extLst>
+          </p:cNvPr>
+          <p:cNvSpPr txBox="1"/>
+          <p:nvPr/>
+        </p:nvSpPr>
+        <p:spPr>
+          <a:xfrm>
+            <a:off x="892153" y="143047"/>
+            <a:ext cx="6096000" cy="400110"/>
+          </a:xfrm>
+          <a:prstGeom prst="rect">
+            <a:avLst/>
+          </a:prstGeom>
+          <a:noFill/>
+        </p:spPr>
+        <p:txBody>
+          <a:bodyPr wrap="square">
+            <a:spAutoFit/>
+          </a:bodyPr>
+          <a:lstStyle/>
+          <a:p>
+            <a:r>
+              <a:rPr lang="en-US" altLang="zh-CN" sz="2000" b="1" dirty="0">
+                <a:solidFill>
+                  <a:prstClr val="black"/>
+                </a:solidFill>
+                <a:latin typeface="Times New Roman" panose="02020603050405020304" pitchFamily="18" charset="0"/>
+                <a:ea typeface="微软雅黑" panose="020B0503020204020204" pitchFamily="34" charset="-122"/>
+                <a:cs typeface="Times New Roman" panose="02020603050405020304" pitchFamily="18" charset="0"/>
+              </a:rPr>
+              <a:t>External Uncertainty</a:t>
+            </a:r>
+            <a:endParaRPr lang="zh-CN" altLang="en-US" dirty="0"/>
+          </a:p>
+        </p:txBody>
+      </p:sp>
+      <p:pic>
+        <p:nvPicPr>
+          <p:cNvPr id="19" name="图片 18">
+            <a:extLst>
+              <a:ext uri="{FF2B5EF4-FFF2-40B4-BE49-F238E27FC236}">
+                <a16:creationId xmlns:a16="http://schemas.microsoft.com/office/drawing/2014/main" id="{57AAB605-433D-F6BD-113A-74A88E88D0A1}"/>
+              </a:ext>
+            </a:extLst>
+          </p:cNvPr>
+          <p:cNvPicPr>
+            <a:picLocks noChangeAspect="1"/>
+          </p:cNvPicPr>
+          <p:nvPr/>
+        </p:nvPicPr>
+        <p:blipFill>
+          <a:blip r:embed="rId5"/>
+          <a:stretch>
+            <a:fillRect/>
+          </a:stretch>
+        </p:blipFill>
+        <p:spPr>
+          <a:xfrm>
+            <a:off x="3626507" y="3189863"/>
+            <a:ext cx="2959252" cy="2724290"/>
+          </a:xfrm>
+          <a:prstGeom prst="rect">
+            <a:avLst/>
+          </a:prstGeom>
+        </p:spPr>
+      </p:pic>
+      <p:sp>
+        <p:nvSpPr>
+          <p:cNvPr id="21" name="文本框 20">
+            <a:extLst>
+              <a:ext uri="{FF2B5EF4-FFF2-40B4-BE49-F238E27FC236}">
+                <a16:creationId xmlns:a16="http://schemas.microsoft.com/office/drawing/2014/main" id="{1C691100-32CE-F93E-DAAC-BA98ED7167B4}"/>
+              </a:ext>
+            </a:extLst>
+          </p:cNvPr>
+          <p:cNvSpPr txBox="1"/>
+          <p:nvPr/>
+        </p:nvSpPr>
+        <p:spPr>
+          <a:xfrm>
+            <a:off x="855708" y="842101"/>
+            <a:ext cx="4068418" cy="1200329"/>
+          </a:xfrm>
+          <a:prstGeom prst="rect">
+            <a:avLst/>
+          </a:prstGeom>
+          <a:noFill/>
+        </p:spPr>
+        <p:txBody>
+          <a:bodyPr wrap="square">
+            <a:spAutoFit/>
+          </a:bodyPr>
+          <a:lstStyle/>
+          <a:p>
+            <a:pPr marL="285750" indent="-285750">
+              <a:lnSpc>
+                <a:spcPct val="150000"/>
+              </a:lnSpc>
+              <a:buFont typeface="Arial" panose="020B0604020202020204" pitchFamily="34" charset="0"/>
+              <a:buChar char="•"/>
+            </a:pPr>
+            <a:r>
+              <a:rPr kumimoji="0" lang="en-US" altLang="zh-CN" sz="1800" b="1" i="0" u="none" strike="noStrike" kern="1200" cap="none" spc="0" normalizeH="0" baseline="0" noProof="0" dirty="0">
+                <a:ln>
+                  <a:noFill/>
+                </a:ln>
+                <a:solidFill>
+                  <a:prstClr val="black"/>
+                </a:solidFill>
+                <a:effectLst/>
+                <a:uLnTx/>
+                <a:uFillTx/>
+                <a:latin typeface="Times New Roman" panose="02020603050405020304" pitchFamily="18" charset="0"/>
+                <a:ea typeface="微软雅黑" panose="020B0503020204020204" pitchFamily="34" charset="-122"/>
+                <a:cs typeface="Times New Roman" panose="02020603050405020304" pitchFamily="18" charset="0"/>
+              </a:rPr>
+              <a:t>External Uncertainty </a:t>
+            </a:r>
+            <a:r>
+              <a:rPr kumimoji="0" lang="en-US" altLang="zh-CN" sz="1800" b="0" i="0" u="none" strike="noStrike" kern="1200" cap="none" spc="0" normalizeH="0" baseline="0" noProof="0" dirty="0">
+                <a:ln>
+                  <a:noFill/>
+                </a:ln>
+                <a:solidFill>
+                  <a:prstClr val="black"/>
+                </a:solidFill>
+                <a:effectLst/>
+                <a:uLnTx/>
+                <a:uFillTx/>
+                <a:latin typeface="Times New Roman" panose="02020603050405020304" pitchFamily="18" charset="0"/>
+                <a:ea typeface="微软雅黑" panose="020B0503020204020204" pitchFamily="34" charset="-122"/>
+                <a:cs typeface="Times New Roman" panose="02020603050405020304" pitchFamily="18" charset="0"/>
+              </a:rPr>
+              <a:t>is something we can’t track outside.</a:t>
+            </a:r>
+          </a:p>
+          <a:p>
+            <a:pPr marL="285750" indent="-285750">
+              <a:buFont typeface="Arial" panose="020B0604020202020204" pitchFamily="34" charset="0"/>
+              <a:buChar char="•"/>
+            </a:pPr>
+            <a:endParaRPr lang="zh-CN" altLang="en-US" dirty="0"/>
+          </a:p>
+        </p:txBody>
+      </p:sp>
+      <p:pic>
+        <p:nvPicPr>
+          <p:cNvPr id="23" name="图片 22">
+            <a:extLst>
+              <a:ext uri="{FF2B5EF4-FFF2-40B4-BE49-F238E27FC236}">
+                <a16:creationId xmlns:a16="http://schemas.microsoft.com/office/drawing/2014/main" id="{142CFE6B-612F-22CA-E847-62560F6650C0}"/>
+              </a:ext>
+            </a:extLst>
+          </p:cNvPr>
+          <p:cNvPicPr>
+            <a:picLocks noChangeAspect="1"/>
+          </p:cNvPicPr>
+          <p:nvPr/>
+        </p:nvPicPr>
+        <p:blipFill>
+          <a:blip r:embed="rId6"/>
+          <a:stretch>
+            <a:fillRect/>
+          </a:stretch>
+        </p:blipFill>
+        <p:spPr>
+          <a:xfrm>
+            <a:off x="8020663" y="2763336"/>
+            <a:ext cx="2959252" cy="2959252"/>
+          </a:xfrm>
+          <a:prstGeom prst="rect">
+            <a:avLst/>
+          </a:prstGeom>
+        </p:spPr>
+      </p:pic>
+      <p:pic>
+        <p:nvPicPr>
+          <p:cNvPr id="13" name="图片 12">
+            <a:extLst>
+              <a:ext uri="{FF2B5EF4-FFF2-40B4-BE49-F238E27FC236}">
+                <a16:creationId xmlns:a16="http://schemas.microsoft.com/office/drawing/2014/main" id="{D38C1823-5D06-0AD0-A38D-66194F0439BB}"/>
+              </a:ext>
+            </a:extLst>
+          </p:cNvPr>
+          <p:cNvPicPr>
+            <a:picLocks noChangeAspect="1"/>
+          </p:cNvPicPr>
+          <p:nvPr/>
+        </p:nvPicPr>
+        <p:blipFill>
+          <a:blip r:embed="rId7"/>
+          <a:stretch>
+            <a:fillRect/>
+          </a:stretch>
+        </p:blipFill>
+        <p:spPr>
+          <a:xfrm>
+            <a:off x="495762" y="5820768"/>
+            <a:ext cx="6070912" cy="889046"/>
+          </a:xfrm>
+          <a:prstGeom prst="rect">
+            <a:avLst/>
+          </a:prstGeom>
+        </p:spPr>
+      </p:pic>
+      <p:pic>
+        <p:nvPicPr>
+          <p:cNvPr id="27" name="图片 26">
+            <a:extLst>
+              <a:ext uri="{FF2B5EF4-FFF2-40B4-BE49-F238E27FC236}">
+                <a16:creationId xmlns:a16="http://schemas.microsoft.com/office/drawing/2014/main" id="{F3352BCB-6608-80B8-BEA7-1153D7089555}"/>
+              </a:ext>
+            </a:extLst>
+          </p:cNvPr>
+          <p:cNvPicPr>
+            <a:picLocks noChangeAspect="1"/>
+          </p:cNvPicPr>
+          <p:nvPr/>
+        </p:nvPicPr>
+        <p:blipFill>
+          <a:blip r:embed="rId8"/>
+          <a:stretch>
+            <a:fillRect/>
+          </a:stretch>
+        </p:blipFill>
+        <p:spPr>
+          <a:xfrm>
+            <a:off x="1929665" y="5156131"/>
+            <a:ext cx="523875" cy="428625"/>
+          </a:xfrm>
+          <a:prstGeom prst="rect">
+            <a:avLst/>
+          </a:prstGeom>
+        </p:spPr>
+      </p:pic>
+      <p:sp>
+        <p:nvSpPr>
+          <p:cNvPr id="31" name="文本框 30">
+            <a:extLst>
+              <a:ext uri="{FF2B5EF4-FFF2-40B4-BE49-F238E27FC236}">
+                <a16:creationId xmlns:a16="http://schemas.microsoft.com/office/drawing/2014/main" id="{CC43A7E3-B821-F059-1311-70AA90C75EFA}"/>
+              </a:ext>
+            </a:extLst>
+          </p:cNvPr>
+          <p:cNvSpPr txBox="1"/>
+          <p:nvPr/>
+        </p:nvSpPr>
+        <p:spPr>
+          <a:xfrm>
+            <a:off x="7824466" y="5803626"/>
+            <a:ext cx="3511826" cy="923330"/>
+          </a:xfrm>
+          <a:prstGeom prst="rect">
+            <a:avLst/>
+          </a:prstGeom>
+          <a:noFill/>
+        </p:spPr>
+        <p:txBody>
+          <a:bodyPr wrap="square">
+            <a:spAutoFit/>
+          </a:bodyPr>
+          <a:lstStyle/>
+          <a:p>
+            <a:r>
+              <a:rPr lang="en-US" altLang="zh-CN" dirty="0"/>
+              <a:t>This produces a new Gaussian blob, with a different covariance (but the same mean)</a:t>
+            </a:r>
+            <a:endParaRPr lang="zh-CN" altLang="en-US" dirty="0"/>
+          </a:p>
+        </p:txBody>
+      </p:sp>
     </p:spTree>
     <p:extLst>
       <p:ext uri="{BB962C8B-B14F-4D97-AF65-F5344CB8AC3E}">
-        <p14:creationId xmlns:p14="http://schemas.microsoft.com/office/powerpoint/2010/main" val="1248714150"/>
+        <p14:creationId xmlns:p14="http://schemas.microsoft.com/office/powerpoint/2010/main" val="2558066574"/>
       </p:ext>
     </p:extLst>
   </p:cSld>
@@ -5163,7 +5299,7 @@
           <p:cNvPr id="2" name="灯片编号占位符 1">
             <a:extLst>
               <a:ext uri="{FF2B5EF4-FFF2-40B4-BE49-F238E27FC236}">
-                <a16:creationId xmlns:a16="http://schemas.microsoft.com/office/drawing/2014/main" id="{871C7A75-416F-0722-0FF9-D7ED1E73B17E}"/>
+                <a16:creationId xmlns:a16="http://schemas.microsoft.com/office/drawing/2014/main" id="{5CDCE92C-FE51-E127-2FC2-86F2E9CB9307}"/>
               </a:ext>
             </a:extLst>
           </p:cNvPr>
@@ -5189,10 +5325,10 @@
       </p:sp>
       <p:sp>
         <p:nvSpPr>
-          <p:cNvPr id="5" name="矩形 4">
-            <a:extLst>
-              <a:ext uri="{FF2B5EF4-FFF2-40B4-BE49-F238E27FC236}">
-                <a16:creationId xmlns:a16="http://schemas.microsoft.com/office/drawing/2014/main" id="{3F2C8B9E-C058-5667-ED31-DDE01E12DD46}"/>
+          <p:cNvPr id="4" name="矩形 3">
+            <a:extLst>
+              <a:ext uri="{FF2B5EF4-FFF2-40B4-BE49-F238E27FC236}">
+                <a16:creationId xmlns:a16="http://schemas.microsoft.com/office/drawing/2014/main" id="{142201D4-3733-BE02-A4C4-64152EC3D637}"/>
               </a:ext>
             </a:extLst>
           </p:cNvPr>
@@ -5281,7 +5417,7 @@
           <p:cNvPr id="6" name="图片 5">
             <a:extLst>
               <a:ext uri="{FF2B5EF4-FFF2-40B4-BE49-F238E27FC236}">
-                <a16:creationId xmlns:a16="http://schemas.microsoft.com/office/drawing/2014/main" id="{DA1F7BF9-B506-FBCD-5701-6B56E830B0BC}"/>
+                <a16:creationId xmlns:a16="http://schemas.microsoft.com/office/drawing/2014/main" id="{573246F9-0521-9F32-5884-13CB74FC9A4F}"/>
               </a:ext>
             </a:extLst>
           </p:cNvPr>
@@ -5306,12 +5442,42 @@
           </a:prstGeom>
         </p:spPr>
       </p:pic>
-      <p:sp>
-        <p:nvSpPr>
-          <p:cNvPr id="12" name="文本框 11">
-            <a:extLst>
-              <a:ext uri="{FF2B5EF4-FFF2-40B4-BE49-F238E27FC236}">
-                <a16:creationId xmlns:a16="http://schemas.microsoft.com/office/drawing/2014/main" id="{FF0D5B62-7382-5479-A61E-345B5A2E5404}"/>
+      <p:pic>
+        <p:nvPicPr>
+          <p:cNvPr id="7" name="图片 6">
+            <a:extLst>
+              <a:ext uri="{FF2B5EF4-FFF2-40B4-BE49-F238E27FC236}">
+                <a16:creationId xmlns:a16="http://schemas.microsoft.com/office/drawing/2014/main" id="{89FCA050-A3F3-B535-30FA-1CE9C43FB67B}"/>
+              </a:ext>
+            </a:extLst>
+          </p:cNvPr>
+          <p:cNvPicPr>
+            <a:picLocks noChangeAspect="1"/>
+          </p:cNvPicPr>
+          <p:nvPr/>
+        </p:nvPicPr>
+        <p:blipFill>
+          <a:blip r:embed="rId3"/>
+          <a:stretch>
+            <a:fillRect/>
+          </a:stretch>
+        </p:blipFill>
+        <p:spPr>
+          <a:xfrm>
+            <a:off x="2106798" y="5136875"/>
+            <a:ext cx="4286250" cy="533400"/>
+          </a:xfrm>
+          <a:prstGeom prst="rect">
+            <a:avLst/>
+          </a:prstGeom>
+        </p:spPr>
+      </p:pic>
+      <p:sp>
+        <p:nvSpPr>
+          <p:cNvPr id="9" name="文本框 8">
+            <a:extLst>
+              <a:ext uri="{FF2B5EF4-FFF2-40B4-BE49-F238E27FC236}">
+                <a16:creationId xmlns:a16="http://schemas.microsoft.com/office/drawing/2014/main" id="{19D1523D-1519-AE2C-9880-33A3493ABF82}"/>
               </a:ext>
             </a:extLst>
           </p:cNvPr>
@@ -5320,8 +5486,8 @@
         </p:nvSpPr>
         <p:spPr>
           <a:xfrm>
-            <a:off x="754109" y="926670"/>
-            <a:ext cx="5845473" cy="1704569"/>
+            <a:off x="1367576" y="829054"/>
+            <a:ext cx="6590354" cy="2535566"/>
           </a:xfrm>
           <a:prstGeom prst="rect">
             <a:avLst/>
@@ -5329,7 +5495,7 @@
           <a:noFill/>
         </p:spPr>
         <p:txBody>
-          <a:bodyPr wrap="square" rtlCol="0">
+          <a:bodyPr wrap="square">
             <a:spAutoFit/>
           </a:bodyPr>
           <a:lstStyle/>
@@ -5346,18 +5512,36 @@
                 <a:latin typeface="Times New Roman" panose="02020603050405020304" pitchFamily="18" charset="0"/>
                 <a:cs typeface="Times New Roman" panose="02020603050405020304" pitchFamily="18" charset="0"/>
               </a:rPr>
-              <a:t>Each sensor tells us something indirect about the state— in other words, the sensors operate on a state and produce a set of readings.</a:t>
-            </a:r>
-          </a:p>
-          <a:p>
-            <a:pPr marL="285750" indent="-285750">
+              <a:t>In other words, the new best estimate is a prediction made from the previous best estimate, plus a correction for known external influences.</a:t>
+            </a:r>
+          </a:p>
+          <a:p>
+            <a:pPr algn="just">
+              <a:lnSpc>
+                <a:spcPct val="150000"/>
+              </a:lnSpc>
+            </a:pPr>
+            <a:endParaRPr lang="en-US" altLang="zh-CN" dirty="0">
+              <a:latin typeface="Times New Roman" panose="02020603050405020304" pitchFamily="18" charset="0"/>
+              <a:cs typeface="Times New Roman" panose="02020603050405020304" pitchFamily="18" charset="0"/>
+            </a:endParaRPr>
+          </a:p>
+          <a:p>
+            <a:pPr marL="285750" indent="-285750" algn="just">
               <a:lnSpc>
                 <a:spcPct val="150000"/>
               </a:lnSpc>
               <a:buFont typeface="Arial" panose="020B0604020202020204" pitchFamily="34" charset="0"/>
               <a:buChar char="•"/>
             </a:pPr>
-            <a:endParaRPr lang="en-US" altLang="zh-CN" b="1" dirty="0">
+            <a:r>
+              <a:rPr lang="en-US" altLang="zh-CN" dirty="0">
+                <a:latin typeface="Times New Roman" panose="02020603050405020304" pitchFamily="18" charset="0"/>
+                <a:cs typeface="Times New Roman" panose="02020603050405020304" pitchFamily="18" charset="0"/>
+              </a:rPr>
+              <a:t>And the new uncertainty is predicted from the old uncertainty, with some additional uncertainty from the environment.</a:t>
+            </a:r>
+            <a:endParaRPr lang="zh-CN" altLang="en-US" dirty="0">
               <a:latin typeface="Times New Roman" panose="02020603050405020304" pitchFamily="18" charset="0"/>
               <a:cs typeface="Times New Roman" panose="02020603050405020304" pitchFamily="18" charset="0"/>
             </a:endParaRPr>
@@ -5366,83 +5550,10 @@
       </p:sp>
       <p:pic>
         <p:nvPicPr>
-          <p:cNvPr id="4" name="图片 3">
-            <a:extLst>
-              <a:ext uri="{FF2B5EF4-FFF2-40B4-BE49-F238E27FC236}">
-                <a16:creationId xmlns:a16="http://schemas.microsoft.com/office/drawing/2014/main" id="{A7ED91FD-7AD1-FCAD-B2F3-760D573BC897}"/>
-              </a:ext>
-            </a:extLst>
-          </p:cNvPr>
-          <p:cNvPicPr>
-            <a:picLocks noChangeAspect="1"/>
-          </p:cNvPicPr>
-          <p:nvPr/>
-        </p:nvPicPr>
-        <p:blipFill>
-          <a:blip r:embed="rId3"/>
-          <a:stretch>
-            <a:fillRect/>
-          </a:stretch>
-        </p:blipFill>
-        <p:spPr>
-          <a:xfrm>
-            <a:off x="485347" y="243859"/>
-            <a:ext cx="219475" cy="219475"/>
-          </a:xfrm>
-          <a:prstGeom prst="rect">
-            <a:avLst/>
-          </a:prstGeom>
-        </p:spPr>
-      </p:pic>
-      <p:sp>
-        <p:nvSpPr>
-          <p:cNvPr id="13" name="文本框 12">
-            <a:extLst>
-              <a:ext uri="{FF2B5EF4-FFF2-40B4-BE49-F238E27FC236}">
-                <a16:creationId xmlns:a16="http://schemas.microsoft.com/office/drawing/2014/main" id="{C3F09058-56ED-5823-0D91-49F0DB7EC8A3}"/>
-              </a:ext>
-            </a:extLst>
-          </p:cNvPr>
-          <p:cNvSpPr txBox="1"/>
-          <p:nvPr/>
-        </p:nvSpPr>
-        <p:spPr>
-          <a:xfrm>
-            <a:off x="892153" y="143047"/>
-            <a:ext cx="6096000" cy="400110"/>
-          </a:xfrm>
-          <a:prstGeom prst="rect">
-            <a:avLst/>
-          </a:prstGeom>
-          <a:noFill/>
-        </p:spPr>
-        <p:txBody>
-          <a:bodyPr wrap="square">
-            <a:spAutoFit/>
-          </a:bodyPr>
-          <a:lstStyle/>
-          <a:p>
-            <a:r>
-              <a:rPr lang="en-US" altLang="zh-CN" sz="2000" b="1" dirty="0">
-                <a:solidFill>
-                  <a:prstClr val="black"/>
-                </a:solidFill>
-                <a:latin typeface="Times New Roman" panose="02020603050405020304" pitchFamily="18" charset="0"/>
-                <a:ea typeface="微软雅黑" panose="020B0503020204020204" pitchFamily="34" charset="-122"/>
-                <a:cs typeface="Times New Roman" panose="02020603050405020304" pitchFamily="18" charset="0"/>
-              </a:rPr>
-              <a:t>Refining the estimate with measurements</a:t>
-            </a:r>
-            <a:endParaRPr lang="zh-CN" altLang="en-US" dirty="0"/>
-          </a:p>
-        </p:txBody>
-      </p:sp>
-      <p:pic>
-        <p:nvPicPr>
-          <p:cNvPr id="7" name="图片 6">
-            <a:extLst>
-              <a:ext uri="{FF2B5EF4-FFF2-40B4-BE49-F238E27FC236}">
-                <a16:creationId xmlns:a16="http://schemas.microsoft.com/office/drawing/2014/main" id="{1FFFB351-5213-1908-CBC7-5CBDE35B0545}"/>
+          <p:cNvPr id="5" name="图片 4">
+            <a:extLst>
+              <a:ext uri="{FF2B5EF4-FFF2-40B4-BE49-F238E27FC236}">
+                <a16:creationId xmlns:a16="http://schemas.microsoft.com/office/drawing/2014/main" id="{B8BD479A-E658-57CB-B7BA-4FCDAD90F687}"/>
               </a:ext>
             </a:extLst>
           </p:cNvPr>
@@ -5459,8 +5570,8 @@
         </p:blipFill>
         <p:spPr>
           <a:xfrm>
-            <a:off x="704822" y="2631239"/>
-            <a:ext cx="6368066" cy="2944889"/>
+            <a:off x="2106798" y="4344021"/>
+            <a:ext cx="4236050" cy="428589"/>
           </a:xfrm>
           <a:prstGeom prst="rect">
             <a:avLst/>
@@ -5470,7 +5581,7 @@
     </p:spTree>
     <p:extLst>
       <p:ext uri="{BB962C8B-B14F-4D97-AF65-F5344CB8AC3E}">
-        <p14:creationId xmlns:p14="http://schemas.microsoft.com/office/powerpoint/2010/main" val="987503765"/>
+        <p14:creationId xmlns:p14="http://schemas.microsoft.com/office/powerpoint/2010/main" val="1248714150"/>
       </p:ext>
     </p:extLst>
   </p:cSld>
@@ -5502,7 +5613,7 @@
           <p:cNvPr id="2" name="灯片编号占位符 1">
             <a:extLst>
               <a:ext uri="{FF2B5EF4-FFF2-40B4-BE49-F238E27FC236}">
-                <a16:creationId xmlns:a16="http://schemas.microsoft.com/office/drawing/2014/main" id="{ACBDD739-6871-F748-54CF-D797FA8392EB}"/>
+                <a16:creationId xmlns:a16="http://schemas.microsoft.com/office/drawing/2014/main" id="{871C7A75-416F-0722-0FF9-D7ED1E73B17E}"/>
               </a:ext>
             </a:extLst>
           </p:cNvPr>
@@ -5526,42 +5637,12 @@
           </a:p>
         </p:txBody>
       </p:sp>
-      <p:pic>
-        <p:nvPicPr>
-          <p:cNvPr id="4" name="图片 3">
-            <a:extLst>
-              <a:ext uri="{FF2B5EF4-FFF2-40B4-BE49-F238E27FC236}">
-                <a16:creationId xmlns:a16="http://schemas.microsoft.com/office/drawing/2014/main" id="{BCA057DB-1482-67EB-3B82-898ED14EB5E9}"/>
-              </a:ext>
-            </a:extLst>
-          </p:cNvPr>
-          <p:cNvPicPr>
-            <a:picLocks noChangeAspect="1"/>
-          </p:cNvPicPr>
-          <p:nvPr/>
-        </p:nvPicPr>
-        <p:blipFill>
-          <a:blip r:embed="rId2"/>
-          <a:stretch>
-            <a:fillRect/>
-          </a:stretch>
-        </p:blipFill>
-        <p:spPr>
-          <a:xfrm>
-            <a:off x="512818" y="3117227"/>
-            <a:ext cx="6240894" cy="2879382"/>
-          </a:xfrm>
-          <a:prstGeom prst="rect">
-            <a:avLst/>
-          </a:prstGeom>
-        </p:spPr>
-      </p:pic>
       <p:sp>
         <p:nvSpPr>
           <p:cNvPr id="5" name="矩形 4">
             <a:extLst>
               <a:ext uri="{FF2B5EF4-FFF2-40B4-BE49-F238E27FC236}">
-                <a16:creationId xmlns:a16="http://schemas.microsoft.com/office/drawing/2014/main" id="{E9C7DDB2-5AB8-C483-D376-F106CBF72FBA}"/>
+                <a16:creationId xmlns:a16="http://schemas.microsoft.com/office/drawing/2014/main" id="{3F2C8B9E-C058-5667-ED31-DDE01E12DD46}"/>
               </a:ext>
             </a:extLst>
           </p:cNvPr>
@@ -5650,7 +5731,95 @@
           <p:cNvPr id="6" name="图片 5">
             <a:extLst>
               <a:ext uri="{FF2B5EF4-FFF2-40B4-BE49-F238E27FC236}">
-                <a16:creationId xmlns:a16="http://schemas.microsoft.com/office/drawing/2014/main" id="{6732FFB7-FB3B-D4AD-4ABE-9E24358B8D44}"/>
+                <a16:creationId xmlns:a16="http://schemas.microsoft.com/office/drawing/2014/main" id="{DA1F7BF9-B506-FBCD-5701-6B56E830B0BC}"/>
+              </a:ext>
+            </a:extLst>
+          </p:cNvPr>
+          <p:cNvPicPr>
+            <a:picLocks noChangeAspect="1"/>
+          </p:cNvPicPr>
+          <p:nvPr/>
+        </p:nvPicPr>
+        <p:blipFill>
+          <a:blip r:embed="rId2"/>
+          <a:stretch>
+            <a:fillRect/>
+          </a:stretch>
+        </p:blipFill>
+        <p:spPr>
+          <a:xfrm>
+            <a:off x="11265327" y="-2"/>
+            <a:ext cx="926672" cy="926672"/>
+          </a:xfrm>
+          <a:prstGeom prst="rect">
+            <a:avLst/>
+          </a:prstGeom>
+        </p:spPr>
+      </p:pic>
+      <p:sp>
+        <p:nvSpPr>
+          <p:cNvPr id="12" name="文本框 11">
+            <a:extLst>
+              <a:ext uri="{FF2B5EF4-FFF2-40B4-BE49-F238E27FC236}">
+                <a16:creationId xmlns:a16="http://schemas.microsoft.com/office/drawing/2014/main" id="{FF0D5B62-7382-5479-A61E-345B5A2E5404}"/>
+              </a:ext>
+            </a:extLst>
+          </p:cNvPr>
+          <p:cNvSpPr txBox="1"/>
+          <p:nvPr/>
+        </p:nvSpPr>
+        <p:spPr>
+          <a:xfrm>
+            <a:off x="754109" y="926670"/>
+            <a:ext cx="5845473" cy="1704569"/>
+          </a:xfrm>
+          <a:prstGeom prst="rect">
+            <a:avLst/>
+          </a:prstGeom>
+          <a:noFill/>
+        </p:spPr>
+        <p:txBody>
+          <a:bodyPr wrap="square" rtlCol="0">
+            <a:spAutoFit/>
+          </a:bodyPr>
+          <a:lstStyle/>
+          <a:p>
+            <a:pPr marL="285750" indent="-285750" algn="just">
+              <a:lnSpc>
+                <a:spcPct val="150000"/>
+              </a:lnSpc>
+              <a:buFont typeface="Arial" panose="020B0604020202020204" pitchFamily="34" charset="0"/>
+              <a:buChar char="•"/>
+            </a:pPr>
+            <a:r>
+              <a:rPr lang="en-US" altLang="zh-CN" dirty="0">
+                <a:latin typeface="Times New Roman" panose="02020603050405020304" pitchFamily="18" charset="0"/>
+                <a:cs typeface="Times New Roman" panose="02020603050405020304" pitchFamily="18" charset="0"/>
+              </a:rPr>
+              <a:t>Each sensor tells us something indirect about the state— in other words, the sensors operate on a state and produce a set of readings.</a:t>
+            </a:r>
+          </a:p>
+          <a:p>
+            <a:pPr marL="285750" indent="-285750">
+              <a:lnSpc>
+                <a:spcPct val="150000"/>
+              </a:lnSpc>
+              <a:buFont typeface="Arial" panose="020B0604020202020204" pitchFamily="34" charset="0"/>
+              <a:buChar char="•"/>
+            </a:pPr>
+            <a:endParaRPr lang="en-US" altLang="zh-CN" b="1" dirty="0">
+              <a:latin typeface="Times New Roman" panose="02020603050405020304" pitchFamily="18" charset="0"/>
+              <a:cs typeface="Times New Roman" panose="02020603050405020304" pitchFamily="18" charset="0"/>
+            </a:endParaRPr>
+          </a:p>
+        </p:txBody>
+      </p:sp>
+      <p:pic>
+        <p:nvPicPr>
+          <p:cNvPr id="4" name="图片 3">
+            <a:extLst>
+              <a:ext uri="{FF2B5EF4-FFF2-40B4-BE49-F238E27FC236}">
+                <a16:creationId xmlns:a16="http://schemas.microsoft.com/office/drawing/2014/main" id="{A7ED91FD-7AD1-FCAD-B2F3-760D573BC897}"/>
               </a:ext>
             </a:extLst>
           </p:cNvPr>
@@ -5667,8 +5836,8 @@
         </p:blipFill>
         <p:spPr>
           <a:xfrm>
-            <a:off x="11265327" y="-2"/>
-            <a:ext cx="926672" cy="926672"/>
+            <a:off x="485347" y="243859"/>
+            <a:ext cx="219475" cy="219475"/>
           </a:xfrm>
           <a:prstGeom prst="rect">
             <a:avLst/>
@@ -5677,10 +5846,10 @@
       </p:pic>
       <p:sp>
         <p:nvSpPr>
-          <p:cNvPr id="8" name="文本框 7">
-            <a:extLst>
-              <a:ext uri="{FF2B5EF4-FFF2-40B4-BE49-F238E27FC236}">
-                <a16:creationId xmlns:a16="http://schemas.microsoft.com/office/drawing/2014/main" id="{ED0F349B-A573-5834-1961-F4C42DF94E85}"/>
+          <p:cNvPr id="13" name="文本框 12">
+            <a:extLst>
+              <a:ext uri="{FF2B5EF4-FFF2-40B4-BE49-F238E27FC236}">
+                <a16:creationId xmlns:a16="http://schemas.microsoft.com/office/drawing/2014/main" id="{C3F09058-56ED-5823-0D91-49F0DB7EC8A3}"/>
               </a:ext>
             </a:extLst>
           </p:cNvPr>
@@ -5689,8 +5858,8 @@
         </p:nvSpPr>
         <p:spPr>
           <a:xfrm>
-            <a:off x="657712" y="795275"/>
-            <a:ext cx="6096000" cy="2031325"/>
+            <a:off x="892153" y="143047"/>
+            <a:ext cx="6096000" cy="400110"/>
           </a:xfrm>
           <a:prstGeom prst="rect">
             <a:avLst/>
@@ -5703,62 +5872,27 @@
           </a:bodyPr>
           <a:lstStyle/>
           <a:p>
-            <a:pPr marL="285750" indent="-285750" algn="just">
-              <a:lnSpc>
-                <a:spcPct val="150000"/>
-              </a:lnSpc>
-              <a:buFont typeface="Arial" panose="020B0604020202020204" pitchFamily="34" charset="0"/>
-              <a:buChar char="•"/>
-            </a:pPr>
-            <a:r>
-              <a:rPr lang="en-US" altLang="zh-CN" dirty="0">
+            <a:r>
+              <a:rPr lang="en-US" altLang="zh-CN" sz="2000" b="1" dirty="0">
+                <a:solidFill>
+                  <a:prstClr val="black"/>
+                </a:solidFill>
                 <a:latin typeface="Times New Roman" panose="02020603050405020304" pitchFamily="18" charset="0"/>
+                <a:ea typeface="微软雅黑" panose="020B0503020204020204" pitchFamily="34" charset="-122"/>
                 <a:cs typeface="Times New Roman" panose="02020603050405020304" pitchFamily="18" charset="0"/>
               </a:rPr>
-              <a:t>Notice that the units and scale of the reading might not be the same as the units and scale of the state we’re keeping track of. </a:t>
-            </a:r>
-          </a:p>
-          <a:p>
-            <a:pPr marL="285750" indent="-285750" algn="just">
-              <a:lnSpc>
-                <a:spcPct val="150000"/>
-              </a:lnSpc>
-              <a:buFont typeface="Arial" panose="020B0604020202020204" pitchFamily="34" charset="0"/>
-              <a:buChar char="•"/>
-            </a:pPr>
-            <a:r>
-              <a:rPr lang="en-US" altLang="zh-CN" dirty="0">
-                <a:latin typeface="Times New Roman" panose="02020603050405020304" pitchFamily="18" charset="0"/>
-                <a:cs typeface="Times New Roman" panose="02020603050405020304" pitchFamily="18" charset="0"/>
-              </a:rPr>
-              <a:t>So we’ll model the sensors with a matrix, </a:t>
-            </a:r>
-            <a:r>
-              <a:rPr lang="en-US" altLang="zh-CN" dirty="0" err="1">
-                <a:latin typeface="Times New Roman" panose="02020603050405020304" pitchFamily="18" charset="0"/>
-                <a:cs typeface="Times New Roman" panose="02020603050405020304" pitchFamily="18" charset="0"/>
-              </a:rPr>
-              <a:t>H_k</a:t>
-            </a:r>
-            <a:r>
-              <a:rPr lang="en-US" altLang="zh-CN" dirty="0">
-                <a:latin typeface="Times New Roman" panose="02020603050405020304" pitchFamily="18" charset="0"/>
-                <a:cs typeface="Times New Roman" panose="02020603050405020304" pitchFamily="18" charset="0"/>
-              </a:rPr>
-              <a:t>.</a:t>
-            </a:r>
-          </a:p>
-          <a:p>
-            <a:endParaRPr lang="en-US" altLang="zh-CN" dirty="0"/>
+              <a:t>Refining the estimate with measurements</a:t>
+            </a:r>
+            <a:endParaRPr lang="zh-CN" altLang="en-US" dirty="0"/>
           </a:p>
         </p:txBody>
       </p:sp>
       <p:pic>
         <p:nvPicPr>
-          <p:cNvPr id="10" name="图片 9">
-            <a:extLst>
-              <a:ext uri="{FF2B5EF4-FFF2-40B4-BE49-F238E27FC236}">
-                <a16:creationId xmlns:a16="http://schemas.microsoft.com/office/drawing/2014/main" id="{F1E734DD-EEA4-3E61-8242-D850A993638C}"/>
+          <p:cNvPr id="7" name="图片 6">
+            <a:extLst>
+              <a:ext uri="{FF2B5EF4-FFF2-40B4-BE49-F238E27FC236}">
+                <a16:creationId xmlns:a16="http://schemas.microsoft.com/office/drawing/2014/main" id="{1FFFB351-5213-1908-CBC7-5CBDE35B0545}"/>
               </a:ext>
             </a:extLst>
           </p:cNvPr>
@@ -5775,38 +5909,8 @@
         </p:blipFill>
         <p:spPr>
           <a:xfrm>
-            <a:off x="7915237" y="3117227"/>
-            <a:ext cx="3228975" cy="476250"/>
-          </a:xfrm>
-          <a:prstGeom prst="rect">
-            <a:avLst/>
-          </a:prstGeom>
-        </p:spPr>
-      </p:pic>
-      <p:pic>
-        <p:nvPicPr>
-          <p:cNvPr id="11" name="图片 10">
-            <a:extLst>
-              <a:ext uri="{FF2B5EF4-FFF2-40B4-BE49-F238E27FC236}">
-                <a16:creationId xmlns:a16="http://schemas.microsoft.com/office/drawing/2014/main" id="{CC6ABA3A-B224-9940-212F-44E51A1784D8}"/>
-              </a:ext>
-            </a:extLst>
-          </p:cNvPr>
-          <p:cNvPicPr>
-            <a:picLocks noChangeAspect="1"/>
-          </p:cNvPicPr>
-          <p:nvPr/>
-        </p:nvPicPr>
-        <p:blipFill>
-          <a:blip r:embed="rId5"/>
-          <a:stretch>
-            <a:fillRect/>
-          </a:stretch>
-        </p:blipFill>
-        <p:spPr>
-          <a:xfrm>
-            <a:off x="7915237" y="4004468"/>
-            <a:ext cx="4000500" cy="552450"/>
+            <a:off x="704822" y="2631239"/>
+            <a:ext cx="6368066" cy="2944889"/>
           </a:xfrm>
           <a:prstGeom prst="rect">
             <a:avLst/>
@@ -5816,7 +5920,7 @@
     </p:spTree>
     <p:extLst>
       <p:ext uri="{BB962C8B-B14F-4D97-AF65-F5344CB8AC3E}">
-        <p14:creationId xmlns:p14="http://schemas.microsoft.com/office/powerpoint/2010/main" val="2679957237"/>
+        <p14:creationId xmlns:p14="http://schemas.microsoft.com/office/powerpoint/2010/main" val="987503765"/>
       </p:ext>
     </p:extLst>
   </p:cSld>
@@ -5848,7 +5952,7 @@
           <p:cNvPr id="2" name="灯片编号占位符 1">
             <a:extLst>
               <a:ext uri="{FF2B5EF4-FFF2-40B4-BE49-F238E27FC236}">
-                <a16:creationId xmlns:a16="http://schemas.microsoft.com/office/drawing/2014/main" id="{71911608-B8CB-1C93-F335-4B83505748A3}"/>
+                <a16:creationId xmlns:a16="http://schemas.microsoft.com/office/drawing/2014/main" id="{ACBDD739-6871-F748-54CF-D797FA8392EB}"/>
               </a:ext>
             </a:extLst>
           </p:cNvPr>
@@ -5877,7 +5981,7 @@
           <p:cNvPr id="4" name="图片 3">
             <a:extLst>
               <a:ext uri="{FF2B5EF4-FFF2-40B4-BE49-F238E27FC236}">
-                <a16:creationId xmlns:a16="http://schemas.microsoft.com/office/drawing/2014/main" id="{14C6C34C-E015-00C8-7B2E-C6B1777ECEE2}"/>
+                <a16:creationId xmlns:a16="http://schemas.microsoft.com/office/drawing/2014/main" id="{BCA057DB-1482-67EB-3B82-898ED14EB5E9}"/>
               </a:ext>
             </a:extLst>
           </p:cNvPr>
@@ -5894,50 +5998,20 @@
         </p:blipFill>
         <p:spPr>
           <a:xfrm>
-            <a:off x="514827" y="698359"/>
-            <a:ext cx="5918504" cy="2730640"/>
+            <a:off x="512818" y="3117227"/>
+            <a:ext cx="6240894" cy="2879382"/>
           </a:xfrm>
           <a:prstGeom prst="rect">
             <a:avLst/>
           </a:prstGeom>
         </p:spPr>
       </p:pic>
-      <p:pic>
-        <p:nvPicPr>
-          <p:cNvPr id="6" name="图片 5">
-            <a:extLst>
-              <a:ext uri="{FF2B5EF4-FFF2-40B4-BE49-F238E27FC236}">
-                <a16:creationId xmlns:a16="http://schemas.microsoft.com/office/drawing/2014/main" id="{6823B04D-0C63-3438-564F-72D3C3D8FEE7}"/>
-              </a:ext>
-            </a:extLst>
-          </p:cNvPr>
-          <p:cNvPicPr>
-            <a:picLocks noChangeAspect="1"/>
-          </p:cNvPicPr>
-          <p:nvPr/>
-        </p:nvPicPr>
-        <p:blipFill>
-          <a:blip r:embed="rId3"/>
-          <a:stretch>
-            <a:fillRect/>
-          </a:stretch>
-        </p:blipFill>
-        <p:spPr>
-          <a:xfrm>
-            <a:off x="514827" y="3895655"/>
-            <a:ext cx="2959252" cy="2724290"/>
-          </a:xfrm>
-          <a:prstGeom prst="rect">
-            <a:avLst/>
-          </a:prstGeom>
-        </p:spPr>
-      </p:pic>
-      <p:sp>
-        <p:nvSpPr>
-          <p:cNvPr id="7" name="矩形 6">
-            <a:extLst>
-              <a:ext uri="{FF2B5EF4-FFF2-40B4-BE49-F238E27FC236}">
-                <a16:creationId xmlns:a16="http://schemas.microsoft.com/office/drawing/2014/main" id="{23D83A08-5D4F-DFDC-8B86-B1ADC339D844}"/>
+      <p:sp>
+        <p:nvSpPr>
+          <p:cNvPr id="5" name="矩形 4">
+            <a:extLst>
+              <a:ext uri="{FF2B5EF4-FFF2-40B4-BE49-F238E27FC236}">
+                <a16:creationId xmlns:a16="http://schemas.microsoft.com/office/drawing/2014/main" id="{E9C7DDB2-5AB8-C483-D376-F106CBF72FBA}"/>
               </a:ext>
             </a:extLst>
           </p:cNvPr>
@@ -6023,10 +6097,118 @@
       </p:sp>
       <p:pic>
         <p:nvPicPr>
-          <p:cNvPr id="8" name="图片 7">
-            <a:extLst>
-              <a:ext uri="{FF2B5EF4-FFF2-40B4-BE49-F238E27FC236}">
-                <a16:creationId xmlns:a16="http://schemas.microsoft.com/office/drawing/2014/main" id="{13C36C72-F542-2D4E-3BC3-15971FFF084C}"/>
+          <p:cNvPr id="6" name="图片 5">
+            <a:extLst>
+              <a:ext uri="{FF2B5EF4-FFF2-40B4-BE49-F238E27FC236}">
+                <a16:creationId xmlns:a16="http://schemas.microsoft.com/office/drawing/2014/main" id="{6732FFB7-FB3B-D4AD-4ABE-9E24358B8D44}"/>
+              </a:ext>
+            </a:extLst>
+          </p:cNvPr>
+          <p:cNvPicPr>
+            <a:picLocks noChangeAspect="1"/>
+          </p:cNvPicPr>
+          <p:nvPr/>
+        </p:nvPicPr>
+        <p:blipFill>
+          <a:blip r:embed="rId3"/>
+          <a:stretch>
+            <a:fillRect/>
+          </a:stretch>
+        </p:blipFill>
+        <p:spPr>
+          <a:xfrm>
+            <a:off x="11265327" y="-2"/>
+            <a:ext cx="926672" cy="926672"/>
+          </a:xfrm>
+          <a:prstGeom prst="rect">
+            <a:avLst/>
+          </a:prstGeom>
+        </p:spPr>
+      </p:pic>
+      <p:sp>
+        <p:nvSpPr>
+          <p:cNvPr id="8" name="文本框 7">
+            <a:extLst>
+              <a:ext uri="{FF2B5EF4-FFF2-40B4-BE49-F238E27FC236}">
+                <a16:creationId xmlns:a16="http://schemas.microsoft.com/office/drawing/2014/main" id="{ED0F349B-A573-5834-1961-F4C42DF94E85}"/>
+              </a:ext>
+            </a:extLst>
+          </p:cNvPr>
+          <p:cNvSpPr txBox="1"/>
+          <p:nvPr/>
+        </p:nvSpPr>
+        <p:spPr>
+          <a:xfrm>
+            <a:off x="657712" y="795275"/>
+            <a:ext cx="6096000" cy="2031325"/>
+          </a:xfrm>
+          <a:prstGeom prst="rect">
+            <a:avLst/>
+          </a:prstGeom>
+          <a:noFill/>
+        </p:spPr>
+        <p:txBody>
+          <a:bodyPr wrap="square">
+            <a:spAutoFit/>
+          </a:bodyPr>
+          <a:lstStyle/>
+          <a:p>
+            <a:pPr marL="285750" indent="-285750" algn="just">
+              <a:lnSpc>
+                <a:spcPct val="150000"/>
+              </a:lnSpc>
+              <a:buFont typeface="Arial" panose="020B0604020202020204" pitchFamily="34" charset="0"/>
+              <a:buChar char="•"/>
+            </a:pPr>
+            <a:r>
+              <a:rPr lang="en-US" altLang="zh-CN" dirty="0">
+                <a:latin typeface="Times New Roman" panose="02020603050405020304" pitchFamily="18" charset="0"/>
+                <a:cs typeface="Times New Roman" panose="02020603050405020304" pitchFamily="18" charset="0"/>
+              </a:rPr>
+              <a:t>Notice that the units and scale of the reading might not be the same as the units and scale of the state we’re keeping track of. </a:t>
+            </a:r>
+          </a:p>
+          <a:p>
+            <a:pPr marL="285750" indent="-285750" algn="just">
+              <a:lnSpc>
+                <a:spcPct val="150000"/>
+              </a:lnSpc>
+              <a:buFont typeface="Arial" panose="020B0604020202020204" pitchFamily="34" charset="0"/>
+              <a:buChar char="•"/>
+            </a:pPr>
+            <a:r>
+              <a:rPr lang="en-US" altLang="zh-CN" dirty="0">
+                <a:latin typeface="Times New Roman" panose="02020603050405020304" pitchFamily="18" charset="0"/>
+                <a:cs typeface="Times New Roman" panose="02020603050405020304" pitchFamily="18" charset="0"/>
+              </a:rPr>
+              <a:t>So we’ll model the sensors with a matrix, </a:t>
+            </a:r>
+            <a:r>
+              <a:rPr lang="en-US" altLang="zh-CN" dirty="0" err="1">
+                <a:latin typeface="Times New Roman" panose="02020603050405020304" pitchFamily="18" charset="0"/>
+                <a:cs typeface="Times New Roman" panose="02020603050405020304" pitchFamily="18" charset="0"/>
+              </a:rPr>
+              <a:t>H_k</a:t>
+            </a:r>
+            <a:r>
+              <a:rPr lang="en-US" altLang="zh-CN" dirty="0">
+                <a:latin typeface="Times New Roman" panose="02020603050405020304" pitchFamily="18" charset="0"/>
+                <a:cs typeface="Times New Roman" panose="02020603050405020304" pitchFamily="18" charset="0"/>
+              </a:rPr>
+              <a:t>.</a:t>
+            </a:r>
+          </a:p>
+          <a:p>
+            <a:endParaRPr lang="en-US" altLang="zh-CN" dirty="0"/>
+          </a:p>
+        </p:txBody>
+      </p:sp>
+      <p:pic>
+        <p:nvPicPr>
+          <p:cNvPr id="11" name="图片 10">
+            <a:extLst>
+              <a:ext uri="{FF2B5EF4-FFF2-40B4-BE49-F238E27FC236}">
+                <a16:creationId xmlns:a16="http://schemas.microsoft.com/office/drawing/2014/main" id="{CC6ABA3A-B224-9940-212F-44E51A1784D8}"/>
               </a:ext>
             </a:extLst>
           </p:cNvPr>
@@ -6043,175 +6225,20 @@
         </p:blipFill>
         <p:spPr>
           <a:xfrm>
-            <a:off x="11265327" y="-2"/>
-            <a:ext cx="926672" cy="926672"/>
+            <a:off x="7915237" y="4004468"/>
+            <a:ext cx="4000500" cy="552450"/>
           </a:xfrm>
           <a:prstGeom prst="rect">
             <a:avLst/>
           </a:prstGeom>
         </p:spPr>
       </p:pic>
-      <p:sp>
-        <p:nvSpPr>
-          <p:cNvPr id="10" name="文本框 9">
-            <a:extLst>
-              <a:ext uri="{FF2B5EF4-FFF2-40B4-BE49-F238E27FC236}">
-                <a16:creationId xmlns:a16="http://schemas.microsoft.com/office/drawing/2014/main" id="{8FA784EB-8034-7D35-B0ED-555EF0D556FD}"/>
-              </a:ext>
-            </a:extLst>
-          </p:cNvPr>
-          <p:cNvSpPr txBox="1"/>
-          <p:nvPr/>
-        </p:nvSpPr>
-        <p:spPr>
-          <a:xfrm>
-            <a:off x="6727606" y="874140"/>
-            <a:ext cx="5247861" cy="1704569"/>
-          </a:xfrm>
-          <a:prstGeom prst="rect">
-            <a:avLst/>
-          </a:prstGeom>
-          <a:noFill/>
-        </p:spPr>
-        <p:txBody>
-          <a:bodyPr wrap="square">
-            <a:spAutoFit/>
-          </a:bodyPr>
-          <a:lstStyle/>
-          <a:p>
-            <a:pPr marL="285750" indent="-285750" algn="just">
-              <a:lnSpc>
-                <a:spcPct val="150000"/>
-              </a:lnSpc>
-              <a:buFont typeface="Arial" panose="020B0604020202020204" pitchFamily="34" charset="0"/>
-              <a:buChar char="•"/>
-            </a:pPr>
-            <a:r>
-              <a:rPr lang="en-US" altLang="zh-CN" dirty="0">
-                <a:latin typeface="Times New Roman" panose="02020603050405020304" pitchFamily="18" charset="0"/>
-                <a:cs typeface="Times New Roman" panose="02020603050405020304" pitchFamily="18" charset="0"/>
-              </a:rPr>
-              <a:t>From each reading we observe, we might guess that our system was in a particular state. But because there is uncertainty, some states are more likely than others to have produced the reading we saw.</a:t>
-            </a:r>
-            <a:endParaRPr lang="zh-CN" altLang="en-US" dirty="0">
-              <a:latin typeface="Times New Roman" panose="02020603050405020304" pitchFamily="18" charset="0"/>
-              <a:cs typeface="Times New Roman" panose="02020603050405020304" pitchFamily="18" charset="0"/>
-            </a:endParaRPr>
-          </a:p>
-        </p:txBody>
-      </p:sp>
-      <p:sp>
-        <p:nvSpPr>
-          <p:cNvPr id="12" name="文本框 11">
-            <a:extLst>
-              <a:ext uri="{FF2B5EF4-FFF2-40B4-BE49-F238E27FC236}">
-                <a16:creationId xmlns:a16="http://schemas.microsoft.com/office/drawing/2014/main" id="{D7AD42C4-6652-AF2A-0BE2-D515E8241B6F}"/>
-              </a:ext>
-            </a:extLst>
-          </p:cNvPr>
-          <p:cNvSpPr txBox="1"/>
-          <p:nvPr/>
-        </p:nvSpPr>
-        <p:spPr>
-          <a:xfrm>
-            <a:off x="6591771" y="3955290"/>
-            <a:ext cx="5383696" cy="2120068"/>
-          </a:xfrm>
-          <a:prstGeom prst="rect">
-            <a:avLst/>
-          </a:prstGeom>
-          <a:noFill/>
-        </p:spPr>
-        <p:txBody>
-          <a:bodyPr wrap="square">
-            <a:spAutoFit/>
-          </a:bodyPr>
-          <a:lstStyle/>
-          <a:p>
-            <a:pPr marL="285750" indent="-285750" algn="just">
-              <a:lnSpc>
-                <a:spcPct val="150000"/>
-              </a:lnSpc>
-              <a:buFont typeface="Arial" panose="020B0604020202020204" pitchFamily="34" charset="0"/>
-              <a:buChar char="•"/>
-            </a:pPr>
-            <a:r>
-              <a:rPr lang="en-US" altLang="zh-CN" dirty="0">
-                <a:latin typeface="Times New Roman" panose="02020603050405020304" pitchFamily="18" charset="0"/>
-                <a:cs typeface="Times New Roman" panose="02020603050405020304" pitchFamily="18" charset="0"/>
-              </a:rPr>
-              <a:t>We’ll call the covariance of this uncertainty (i.e. of the sensor noise) </a:t>
-            </a:r>
-            <a:r>
-              <a:rPr lang="en-US" altLang="zh-CN" dirty="0" err="1">
-                <a:latin typeface="Times New Roman" panose="02020603050405020304" pitchFamily="18" charset="0"/>
-                <a:cs typeface="Times New Roman" panose="02020603050405020304" pitchFamily="18" charset="0"/>
-              </a:rPr>
-              <a:t>R_k</a:t>
-            </a:r>
-            <a:r>
-              <a:rPr lang="en-US" altLang="zh-CN" dirty="0">
-                <a:latin typeface="Times New Roman" panose="02020603050405020304" pitchFamily="18" charset="0"/>
-                <a:cs typeface="Times New Roman" panose="02020603050405020304" pitchFamily="18" charset="0"/>
-              </a:rPr>
-              <a:t>. </a:t>
-            </a:r>
-          </a:p>
-          <a:p>
-            <a:pPr marL="285750" indent="-285750" algn="just">
-              <a:lnSpc>
-                <a:spcPct val="150000"/>
-              </a:lnSpc>
-              <a:buFont typeface="Arial" panose="020B0604020202020204" pitchFamily="34" charset="0"/>
-              <a:buChar char="•"/>
-            </a:pPr>
-            <a:endParaRPr lang="en-US" altLang="zh-CN" dirty="0">
-              <a:latin typeface="Times New Roman" panose="02020603050405020304" pitchFamily="18" charset="0"/>
-              <a:cs typeface="Times New Roman" panose="02020603050405020304" pitchFamily="18" charset="0"/>
-            </a:endParaRPr>
-          </a:p>
-          <a:p>
-            <a:pPr marL="285750" indent="-285750" algn="just">
-              <a:lnSpc>
-                <a:spcPct val="150000"/>
-              </a:lnSpc>
-              <a:buFont typeface="Arial" panose="020B0604020202020204" pitchFamily="34" charset="0"/>
-              <a:buChar char="•"/>
-            </a:pPr>
-            <a:r>
-              <a:rPr lang="en-US" altLang="zh-CN" dirty="0">
-                <a:latin typeface="Times New Roman" panose="02020603050405020304" pitchFamily="18" charset="0"/>
-                <a:cs typeface="Times New Roman" panose="02020603050405020304" pitchFamily="18" charset="0"/>
-              </a:rPr>
-              <a:t>The distribution has a mean equal to the reading we observed, which we’ll call </a:t>
-            </a:r>
-            <a:r>
-              <a:rPr lang="en-US" altLang="zh-CN" dirty="0" err="1">
-                <a:latin typeface="Times New Roman" panose="02020603050405020304" pitchFamily="18" charset="0"/>
-                <a:cs typeface="Times New Roman" panose="02020603050405020304" pitchFamily="18" charset="0"/>
-              </a:rPr>
-              <a:t>z_k</a:t>
-            </a:r>
-            <a:r>
-              <a:rPr lang="en-US" altLang="zh-CN" dirty="0">
-                <a:latin typeface="Times New Roman" panose="02020603050405020304" pitchFamily="18" charset="0"/>
-                <a:cs typeface="Times New Roman" panose="02020603050405020304" pitchFamily="18" charset="0"/>
-              </a:rPr>
-              <a:t>.</a:t>
-            </a:r>
-            <a:endParaRPr lang="zh-CN" altLang="en-US" dirty="0">
-              <a:latin typeface="Times New Roman" panose="02020603050405020304" pitchFamily="18" charset="0"/>
-              <a:cs typeface="Times New Roman" panose="02020603050405020304" pitchFamily="18" charset="0"/>
-            </a:endParaRPr>
-          </a:p>
-        </p:txBody>
-      </p:sp>
       <p:pic>
         <p:nvPicPr>
-          <p:cNvPr id="13" name="图片 12">
-            <a:extLst>
-              <a:ext uri="{FF2B5EF4-FFF2-40B4-BE49-F238E27FC236}">
-                <a16:creationId xmlns:a16="http://schemas.microsoft.com/office/drawing/2014/main" id="{620EB1BD-F919-0AF9-7B25-FD60046FA0DA}"/>
+          <p:cNvPr id="12" name="图片 11">
+            <a:extLst>
+              <a:ext uri="{FF2B5EF4-FFF2-40B4-BE49-F238E27FC236}">
+                <a16:creationId xmlns:a16="http://schemas.microsoft.com/office/drawing/2014/main" id="{8536F580-B1CF-83E0-E683-E6FA34E052A3}"/>
               </a:ext>
             </a:extLst>
           </p:cNvPr>
@@ -6228,65 +6255,18 @@
         </p:blipFill>
         <p:spPr>
           <a:xfrm>
-            <a:off x="4677396" y="4161389"/>
-            <a:ext cx="504825" cy="390525"/>
-          </a:xfrm>
-          <a:prstGeom prst="rect">
-            <a:avLst/>
-          </a:prstGeom>
-        </p:spPr>
-      </p:pic>
-      <p:pic>
-        <p:nvPicPr>
-          <p:cNvPr id="7170" name="Picture 2">
-            <a:extLst>
-              <a:ext uri="{FF2B5EF4-FFF2-40B4-BE49-F238E27FC236}">
-                <a16:creationId xmlns:a16="http://schemas.microsoft.com/office/drawing/2014/main" id="{0FB47F28-B9A9-72E0-3F0B-FE5E10F7671B}"/>
-              </a:ext>
-            </a:extLst>
-          </p:cNvPr>
-          <p:cNvPicPr>
-            <a:picLocks noChangeAspect="1" noChangeArrowheads="1"/>
-          </p:cNvPicPr>
-          <p:nvPr/>
-        </p:nvPicPr>
-        <p:blipFill>
-          <a:blip r:embed="rId6">
-            <a:extLst>
-              <a:ext uri="{28A0092B-C50C-407E-A947-70E740481C1C}">
-                <a14:useLocalDpi xmlns:a14="http://schemas.microsoft.com/office/drawing/2010/main" val="0"/>
-              </a:ext>
-            </a:extLst>
-          </a:blip>
-          <a:srcRect/>
-          <a:stretch>
-            <a:fillRect/>
-          </a:stretch>
-        </p:blipFill>
-        <p:spPr bwMode="auto">
-          <a:xfrm>
-            <a:off x="4744070" y="5410822"/>
-            <a:ext cx="371475" cy="409575"/>
-          </a:xfrm>
-          <a:prstGeom prst="rect">
-            <a:avLst/>
-          </a:prstGeom>
-          <a:noFill/>
-          <a:extLst>
-            <a:ext uri="{909E8E84-426E-40DD-AFC4-6F175D3DCCD1}">
-              <a14:hiddenFill xmlns:a14="http://schemas.microsoft.com/office/drawing/2010/main">
-                <a:solidFill>
-                  <a:srgbClr val="FFFFFF"/>
-                </a:solidFill>
-              </a14:hiddenFill>
-            </a:ext>
-          </a:extLst>
+            <a:off x="7915237" y="3221931"/>
+            <a:ext cx="3228975" cy="476250"/>
+          </a:xfrm>
+          <a:prstGeom prst="rect">
+            <a:avLst/>
+          </a:prstGeom>
         </p:spPr>
       </p:pic>
     </p:spTree>
     <p:extLst>
       <p:ext uri="{BB962C8B-B14F-4D97-AF65-F5344CB8AC3E}">
-        <p14:creationId xmlns:p14="http://schemas.microsoft.com/office/powerpoint/2010/main" val="1913193883"/>
+        <p14:creationId xmlns:p14="http://schemas.microsoft.com/office/powerpoint/2010/main" val="2679957237"/>
       </p:ext>
     </p:extLst>
   </p:cSld>
@@ -6318,7 +6298,7 @@
           <p:cNvPr id="2" name="灯片编号占位符 1">
             <a:extLst>
               <a:ext uri="{FF2B5EF4-FFF2-40B4-BE49-F238E27FC236}">
-                <a16:creationId xmlns:a16="http://schemas.microsoft.com/office/drawing/2014/main" id="{22B23DE1-EAA3-B6B2-2C96-AE5C24F7C9F6}"/>
+                <a16:creationId xmlns:a16="http://schemas.microsoft.com/office/drawing/2014/main" id="{71911608-B8CB-1C93-F335-4B83505748A3}"/>
               </a:ext>
             </a:extLst>
           </p:cNvPr>
@@ -6329,12 +6309,7 @@
             <p:ph type="sldNum" sz="quarter" idx="12"/>
           </p:nvPr>
         </p:nvSpPr>
-        <p:spPr>
-          <a:xfrm>
-            <a:off x="9511747" y="6356350"/>
-            <a:ext cx="2743200" cy="365125"/>
-          </a:xfrm>
-        </p:spPr>
+        <p:spPr/>
         <p:txBody>
           <a:bodyPr/>
           <a:lstStyle/>
@@ -6352,7 +6327,7 @@
           <p:cNvPr id="4" name="图片 3">
             <a:extLst>
               <a:ext uri="{FF2B5EF4-FFF2-40B4-BE49-F238E27FC236}">
-                <a16:creationId xmlns:a16="http://schemas.microsoft.com/office/drawing/2014/main" id="{506C1C41-C961-B1FD-EDD2-227A0A699B78}"/>
+                <a16:creationId xmlns:a16="http://schemas.microsoft.com/office/drawing/2014/main" id="{14C6C34C-E015-00C8-7B2E-C6B1777ECEE2}"/>
               </a:ext>
             </a:extLst>
           </p:cNvPr>
@@ -6369,8 +6344,8 @@
         </p:blipFill>
         <p:spPr>
           <a:xfrm>
-            <a:off x="1793660" y="857732"/>
-            <a:ext cx="2959252" cy="2730640"/>
+            <a:off x="514827" y="698359"/>
+            <a:ext cx="5918504" cy="2730640"/>
           </a:xfrm>
           <a:prstGeom prst="rect">
             <a:avLst/>
@@ -6382,7 +6357,7 @@
           <p:cNvPr id="6" name="图片 5">
             <a:extLst>
               <a:ext uri="{FF2B5EF4-FFF2-40B4-BE49-F238E27FC236}">
-                <a16:creationId xmlns:a16="http://schemas.microsoft.com/office/drawing/2014/main" id="{75B5306A-AB2C-469C-FFC5-29158B3F8112}"/>
+                <a16:creationId xmlns:a16="http://schemas.microsoft.com/office/drawing/2014/main" id="{6823B04D-0C63-3438-564F-72D3C3D8FEE7}"/>
               </a:ext>
             </a:extLst>
           </p:cNvPr>
@@ -6399,7 +6374,7 @@
         </p:blipFill>
         <p:spPr>
           <a:xfrm>
-            <a:off x="4552724" y="2066855"/>
+            <a:off x="514827" y="3895655"/>
             <a:ext cx="2959252" cy="2724290"/>
           </a:xfrm>
           <a:prstGeom prst="rect">
@@ -6407,42 +6382,12 @@
           </a:prstGeom>
         </p:spPr>
       </p:pic>
-      <p:pic>
-        <p:nvPicPr>
-          <p:cNvPr id="8" name="图片 7">
-            <a:extLst>
-              <a:ext uri="{FF2B5EF4-FFF2-40B4-BE49-F238E27FC236}">
-                <a16:creationId xmlns:a16="http://schemas.microsoft.com/office/drawing/2014/main" id="{23C7726D-1069-1FC1-FB3E-34EF4216ED6D}"/>
-              </a:ext>
-            </a:extLst>
-          </p:cNvPr>
-          <p:cNvPicPr>
-            <a:picLocks noChangeAspect="1"/>
-          </p:cNvPicPr>
-          <p:nvPr/>
-        </p:nvPicPr>
-        <p:blipFill>
-          <a:blip r:embed="rId4"/>
-          <a:stretch>
-            <a:fillRect/>
-          </a:stretch>
-        </p:blipFill>
-        <p:spPr>
-          <a:xfrm>
-            <a:off x="7419209" y="3429000"/>
-            <a:ext cx="2959252" cy="2724290"/>
-          </a:xfrm>
-          <a:prstGeom prst="rect">
-            <a:avLst/>
-          </a:prstGeom>
-        </p:spPr>
-      </p:pic>
-      <p:sp>
-        <p:nvSpPr>
-          <p:cNvPr id="9" name="矩形 8">
-            <a:extLst>
-              <a:ext uri="{FF2B5EF4-FFF2-40B4-BE49-F238E27FC236}">
-                <a16:creationId xmlns:a16="http://schemas.microsoft.com/office/drawing/2014/main" id="{D54BD134-8D47-FD53-07C2-A072601380E3}"/>
+      <p:sp>
+        <p:nvSpPr>
+          <p:cNvPr id="7" name="矩形 6">
+            <a:extLst>
+              <a:ext uri="{FF2B5EF4-FFF2-40B4-BE49-F238E27FC236}">
+                <a16:creationId xmlns:a16="http://schemas.microsoft.com/office/drawing/2014/main" id="{23D83A08-5D4F-DFDC-8B86-B1ADC339D844}"/>
               </a:ext>
             </a:extLst>
           </p:cNvPr>
@@ -6528,10 +6473,195 @@
       </p:sp>
       <p:pic>
         <p:nvPicPr>
-          <p:cNvPr id="10" name="图片 9">
-            <a:extLst>
-              <a:ext uri="{FF2B5EF4-FFF2-40B4-BE49-F238E27FC236}">
-                <a16:creationId xmlns:a16="http://schemas.microsoft.com/office/drawing/2014/main" id="{955FDFE7-A308-FA5B-0EB4-29E5FD81D94B}"/>
+          <p:cNvPr id="8" name="图片 7">
+            <a:extLst>
+              <a:ext uri="{FF2B5EF4-FFF2-40B4-BE49-F238E27FC236}">
+                <a16:creationId xmlns:a16="http://schemas.microsoft.com/office/drawing/2014/main" id="{13C36C72-F542-2D4E-3BC3-15971FFF084C}"/>
+              </a:ext>
+            </a:extLst>
+          </p:cNvPr>
+          <p:cNvPicPr>
+            <a:picLocks noChangeAspect="1"/>
+          </p:cNvPicPr>
+          <p:nvPr/>
+        </p:nvPicPr>
+        <p:blipFill>
+          <a:blip r:embed="rId4"/>
+          <a:stretch>
+            <a:fillRect/>
+          </a:stretch>
+        </p:blipFill>
+        <p:spPr>
+          <a:xfrm>
+            <a:off x="11265327" y="-2"/>
+            <a:ext cx="926672" cy="926672"/>
+          </a:xfrm>
+          <a:prstGeom prst="rect">
+            <a:avLst/>
+          </a:prstGeom>
+        </p:spPr>
+      </p:pic>
+      <p:sp>
+        <p:nvSpPr>
+          <p:cNvPr id="10" name="文本框 9">
+            <a:extLst>
+              <a:ext uri="{FF2B5EF4-FFF2-40B4-BE49-F238E27FC236}">
+                <a16:creationId xmlns:a16="http://schemas.microsoft.com/office/drawing/2014/main" id="{8FA784EB-8034-7D35-B0ED-555EF0D556FD}"/>
+              </a:ext>
+            </a:extLst>
+          </p:cNvPr>
+          <p:cNvSpPr txBox="1"/>
+          <p:nvPr/>
+        </p:nvSpPr>
+        <p:spPr>
+          <a:xfrm>
+            <a:off x="6727606" y="874140"/>
+            <a:ext cx="5247861" cy="1704569"/>
+          </a:xfrm>
+          <a:prstGeom prst="rect">
+            <a:avLst/>
+          </a:prstGeom>
+          <a:noFill/>
+        </p:spPr>
+        <p:txBody>
+          <a:bodyPr wrap="square">
+            <a:spAutoFit/>
+          </a:bodyPr>
+          <a:lstStyle/>
+          <a:p>
+            <a:pPr marL="285750" indent="-285750" algn="just">
+              <a:lnSpc>
+                <a:spcPct val="150000"/>
+              </a:lnSpc>
+              <a:buFont typeface="Arial" panose="020B0604020202020204" pitchFamily="34" charset="0"/>
+              <a:buChar char="•"/>
+            </a:pPr>
+            <a:r>
+              <a:rPr lang="en-US" altLang="zh-CN" dirty="0">
+                <a:latin typeface="Times New Roman" panose="02020603050405020304" pitchFamily="18" charset="0"/>
+                <a:cs typeface="Times New Roman" panose="02020603050405020304" pitchFamily="18" charset="0"/>
+              </a:rPr>
+              <a:t>From each reading we observe, we might guess that our system was in a particular state. But because there is uncertainty, some states are more likely than others to have produced the reading we saw.</a:t>
+            </a:r>
+            <a:endParaRPr lang="zh-CN" altLang="en-US" dirty="0">
+              <a:latin typeface="Times New Roman" panose="02020603050405020304" pitchFamily="18" charset="0"/>
+              <a:cs typeface="Times New Roman" panose="02020603050405020304" pitchFamily="18" charset="0"/>
+            </a:endParaRPr>
+          </a:p>
+        </p:txBody>
+      </p:sp>
+      <p:sp>
+        <p:nvSpPr>
+          <p:cNvPr id="12" name="文本框 11">
+            <a:extLst>
+              <a:ext uri="{FF2B5EF4-FFF2-40B4-BE49-F238E27FC236}">
+                <a16:creationId xmlns:a16="http://schemas.microsoft.com/office/drawing/2014/main" id="{D7AD42C4-6652-AF2A-0BE2-D515E8241B6F}"/>
+              </a:ext>
+            </a:extLst>
+          </p:cNvPr>
+          <p:cNvSpPr txBox="1"/>
+          <p:nvPr/>
+        </p:nvSpPr>
+        <p:spPr>
+          <a:xfrm>
+            <a:off x="6591771" y="3955290"/>
+            <a:ext cx="5383696" cy="2120068"/>
+          </a:xfrm>
+          <a:prstGeom prst="rect">
+            <a:avLst/>
+          </a:prstGeom>
+          <a:noFill/>
+        </p:spPr>
+        <p:txBody>
+          <a:bodyPr wrap="square">
+            <a:spAutoFit/>
+          </a:bodyPr>
+          <a:lstStyle/>
+          <a:p>
+            <a:pPr marL="285750" indent="-285750" algn="just">
+              <a:lnSpc>
+                <a:spcPct val="150000"/>
+              </a:lnSpc>
+              <a:buFont typeface="Arial" panose="020B0604020202020204" pitchFamily="34" charset="0"/>
+              <a:buChar char="•"/>
+            </a:pPr>
+            <a:r>
+              <a:rPr lang="en-US" altLang="zh-CN" dirty="0">
+                <a:latin typeface="Times New Roman" panose="02020603050405020304" pitchFamily="18" charset="0"/>
+                <a:cs typeface="Times New Roman" panose="02020603050405020304" pitchFamily="18" charset="0"/>
+              </a:rPr>
+              <a:t>We’ll call the covariance of this uncertainty (i.e. of the sensor noise) </a:t>
+            </a:r>
+            <a:r>
+              <a:rPr lang="en-US" altLang="zh-CN" dirty="0" err="1">
+                <a:latin typeface="Times New Roman" panose="02020603050405020304" pitchFamily="18" charset="0"/>
+                <a:cs typeface="Times New Roman" panose="02020603050405020304" pitchFamily="18" charset="0"/>
+              </a:rPr>
+              <a:t>R_k</a:t>
+            </a:r>
+            <a:r>
+              <a:rPr lang="en-US" altLang="zh-CN" dirty="0">
+                <a:latin typeface="Times New Roman" panose="02020603050405020304" pitchFamily="18" charset="0"/>
+                <a:cs typeface="Times New Roman" panose="02020603050405020304" pitchFamily="18" charset="0"/>
+              </a:rPr>
+              <a:t>. </a:t>
+            </a:r>
+          </a:p>
+          <a:p>
+            <a:pPr marL="285750" indent="-285750" algn="just">
+              <a:lnSpc>
+                <a:spcPct val="150000"/>
+              </a:lnSpc>
+              <a:buFont typeface="Arial" panose="020B0604020202020204" pitchFamily="34" charset="0"/>
+              <a:buChar char="•"/>
+            </a:pPr>
+            <a:endParaRPr lang="en-US" altLang="zh-CN" dirty="0">
+              <a:latin typeface="Times New Roman" panose="02020603050405020304" pitchFamily="18" charset="0"/>
+              <a:cs typeface="Times New Roman" panose="02020603050405020304" pitchFamily="18" charset="0"/>
+            </a:endParaRPr>
+          </a:p>
+          <a:p>
+            <a:pPr marL="285750" indent="-285750" algn="just">
+              <a:lnSpc>
+                <a:spcPct val="150000"/>
+              </a:lnSpc>
+              <a:buFont typeface="Arial" panose="020B0604020202020204" pitchFamily="34" charset="0"/>
+              <a:buChar char="•"/>
+            </a:pPr>
+            <a:r>
+              <a:rPr lang="en-US" altLang="zh-CN" dirty="0">
+                <a:latin typeface="Times New Roman" panose="02020603050405020304" pitchFamily="18" charset="0"/>
+                <a:cs typeface="Times New Roman" panose="02020603050405020304" pitchFamily="18" charset="0"/>
+              </a:rPr>
+              <a:t>The distribution has a mean equal to the reading we observed, which we’ll call </a:t>
+            </a:r>
+            <a:r>
+              <a:rPr lang="en-US" altLang="zh-CN" dirty="0" err="1">
+                <a:latin typeface="Times New Roman" panose="02020603050405020304" pitchFamily="18" charset="0"/>
+                <a:cs typeface="Times New Roman" panose="02020603050405020304" pitchFamily="18" charset="0"/>
+              </a:rPr>
+              <a:t>z_k</a:t>
+            </a:r>
+            <a:r>
+              <a:rPr lang="en-US" altLang="zh-CN" dirty="0">
+                <a:latin typeface="Times New Roman" panose="02020603050405020304" pitchFamily="18" charset="0"/>
+                <a:cs typeface="Times New Roman" panose="02020603050405020304" pitchFamily="18" charset="0"/>
+              </a:rPr>
+              <a:t>.</a:t>
+            </a:r>
+            <a:endParaRPr lang="zh-CN" altLang="en-US" dirty="0">
+              <a:latin typeface="Times New Roman" panose="02020603050405020304" pitchFamily="18" charset="0"/>
+              <a:cs typeface="Times New Roman" panose="02020603050405020304" pitchFamily="18" charset="0"/>
+            </a:endParaRPr>
+          </a:p>
+        </p:txBody>
+      </p:sp>
+      <p:pic>
+        <p:nvPicPr>
+          <p:cNvPr id="13" name="图片 12">
+            <a:extLst>
+              <a:ext uri="{FF2B5EF4-FFF2-40B4-BE49-F238E27FC236}">
+                <a16:creationId xmlns:a16="http://schemas.microsoft.com/office/drawing/2014/main" id="{620EB1BD-F919-0AF9-7B25-FD60046FA0DA}"/>
               </a:ext>
             </a:extLst>
           </p:cNvPr>
@@ -6548,20 +6678,97 @@
         </p:blipFill>
         <p:spPr>
           <a:xfrm>
-            <a:off x="11265327" y="-2"/>
-            <a:ext cx="926672" cy="926672"/>
+            <a:off x="4677396" y="4161389"/>
+            <a:ext cx="504825" cy="390525"/>
           </a:xfrm>
           <a:prstGeom prst="rect">
             <a:avLst/>
           </a:prstGeom>
         </p:spPr>
       </p:pic>
-      <p:sp>
-        <p:nvSpPr>
-          <p:cNvPr id="12" name="文本框 11">
-            <a:extLst>
-              <a:ext uri="{FF2B5EF4-FFF2-40B4-BE49-F238E27FC236}">
-                <a16:creationId xmlns:a16="http://schemas.microsoft.com/office/drawing/2014/main" id="{CE5CBB2B-0BE9-F55E-A32B-41F6CFF50DC3}"/>
+      <p:pic>
+        <p:nvPicPr>
+          <p:cNvPr id="7170" name="Picture 2">
+            <a:extLst>
+              <a:ext uri="{FF2B5EF4-FFF2-40B4-BE49-F238E27FC236}">
+                <a16:creationId xmlns:a16="http://schemas.microsoft.com/office/drawing/2014/main" id="{0FB47F28-B9A9-72E0-3F0B-FE5E10F7671B}"/>
+              </a:ext>
+            </a:extLst>
+          </p:cNvPr>
+          <p:cNvPicPr>
+            <a:picLocks noChangeAspect="1" noChangeArrowheads="1"/>
+          </p:cNvPicPr>
+          <p:nvPr/>
+        </p:nvPicPr>
+        <p:blipFill>
+          <a:blip r:embed="rId6">
+            <a:extLst>
+              <a:ext uri="{28A0092B-C50C-407E-A947-70E740481C1C}">
+                <a14:useLocalDpi xmlns:a14="http://schemas.microsoft.com/office/drawing/2010/main" val="0"/>
+              </a:ext>
+            </a:extLst>
+          </a:blip>
+          <a:srcRect/>
+          <a:stretch>
+            <a:fillRect/>
+          </a:stretch>
+        </p:blipFill>
+        <p:spPr bwMode="auto">
+          <a:xfrm>
+            <a:off x="4744070" y="5410822"/>
+            <a:ext cx="371475" cy="409575"/>
+          </a:xfrm>
+          <a:prstGeom prst="rect">
+            <a:avLst/>
+          </a:prstGeom>
+          <a:noFill/>
+          <a:extLst>
+            <a:ext uri="{909E8E84-426E-40DD-AFC4-6F175D3DCCD1}">
+              <a14:hiddenFill xmlns:a14="http://schemas.microsoft.com/office/drawing/2010/main">
+                <a:solidFill>
+                  <a:srgbClr val="FFFFFF"/>
+                </a:solidFill>
+              </a14:hiddenFill>
+            </a:ext>
+          </a:extLst>
+        </p:spPr>
+      </p:pic>
+      <p:pic>
+        <p:nvPicPr>
+          <p:cNvPr id="3" name="图片 2">
+            <a:extLst>
+              <a:ext uri="{FF2B5EF4-FFF2-40B4-BE49-F238E27FC236}">
+                <a16:creationId xmlns:a16="http://schemas.microsoft.com/office/drawing/2014/main" id="{4B480996-6759-8BC3-384C-D0A44E257C4B}"/>
+              </a:ext>
+            </a:extLst>
+          </p:cNvPr>
+          <p:cNvPicPr>
+            <a:picLocks noChangeAspect="1"/>
+          </p:cNvPicPr>
+          <p:nvPr/>
+        </p:nvPicPr>
+        <p:blipFill>
+          <a:blip r:embed="rId7"/>
+          <a:stretch>
+            <a:fillRect/>
+          </a:stretch>
+        </p:blipFill>
+        <p:spPr>
+          <a:xfrm>
+            <a:off x="485347" y="243859"/>
+            <a:ext cx="219475" cy="219475"/>
+          </a:xfrm>
+          <a:prstGeom prst="rect">
+            <a:avLst/>
+          </a:prstGeom>
+        </p:spPr>
+      </p:pic>
+      <p:sp>
+        <p:nvSpPr>
+          <p:cNvPr id="5" name="文本框 4">
+            <a:extLst>
+              <a:ext uri="{FF2B5EF4-FFF2-40B4-BE49-F238E27FC236}">
+                <a16:creationId xmlns:a16="http://schemas.microsoft.com/office/drawing/2014/main" id="{9196835C-6B4D-A332-F795-C435EB548EBC}"/>
               </a:ext>
             </a:extLst>
           </p:cNvPr>
@@ -6570,8 +6777,8 @@
         </p:nvSpPr>
         <p:spPr>
           <a:xfrm>
-            <a:off x="4860233" y="610009"/>
-            <a:ext cx="6337853" cy="1289071"/>
+            <a:off x="892153" y="143047"/>
+            <a:ext cx="6096000" cy="400110"/>
           </a:xfrm>
           <a:prstGeom prst="rect">
             <a:avLst/>
@@ -6584,111 +6791,25 @@
           </a:bodyPr>
           <a:lstStyle/>
           <a:p>
-            <a:pPr marL="285750" indent="-285750" algn="just">
-              <a:lnSpc>
-                <a:spcPct val="150000"/>
-              </a:lnSpc>
-              <a:buFont typeface="Arial" panose="020B0604020202020204" pitchFamily="34" charset="0"/>
-              <a:buChar char="•"/>
-            </a:pPr>
-            <a:r>
-              <a:rPr lang="en-US" altLang="zh-CN" dirty="0">
+            <a:r>
+              <a:rPr lang="en-US" altLang="zh-CN" sz="2000" b="1" dirty="0">
+                <a:solidFill>
+                  <a:prstClr val="black"/>
+                </a:solidFill>
                 <a:latin typeface="Times New Roman" panose="02020603050405020304" pitchFamily="18" charset="0"/>
+                <a:ea typeface="微软雅黑" panose="020B0503020204020204" pitchFamily="34" charset="-122"/>
                 <a:cs typeface="Times New Roman" panose="02020603050405020304" pitchFamily="18" charset="0"/>
               </a:rPr>
-              <a:t>We must try to reconcile our guess about the readings we’d see based on the </a:t>
-            </a:r>
-            <a:r>
-              <a:rPr lang="en-US" altLang="zh-CN" b="1" dirty="0">
-                <a:latin typeface="Times New Roman" panose="02020603050405020304" pitchFamily="18" charset="0"/>
-                <a:cs typeface="Times New Roman" panose="02020603050405020304" pitchFamily="18" charset="0"/>
-              </a:rPr>
-              <a:t>predicted state </a:t>
-            </a:r>
-            <a:r>
-              <a:rPr lang="en-US" altLang="zh-CN" dirty="0">
-                <a:latin typeface="Times New Roman" panose="02020603050405020304" pitchFamily="18" charset="0"/>
-                <a:cs typeface="Times New Roman" panose="02020603050405020304" pitchFamily="18" charset="0"/>
-              </a:rPr>
-              <a:t>(pink) with a different guess based on our </a:t>
-            </a:r>
-            <a:r>
-              <a:rPr lang="en-US" altLang="zh-CN" b="1" dirty="0">
-                <a:latin typeface="Times New Roman" panose="02020603050405020304" pitchFamily="18" charset="0"/>
-                <a:cs typeface="Times New Roman" panose="02020603050405020304" pitchFamily="18" charset="0"/>
-              </a:rPr>
-              <a:t>sensor readings </a:t>
-            </a:r>
-            <a:r>
-              <a:rPr lang="en-US" altLang="zh-CN" dirty="0">
-                <a:latin typeface="Times New Roman" panose="02020603050405020304" pitchFamily="18" charset="0"/>
-                <a:cs typeface="Times New Roman" panose="02020603050405020304" pitchFamily="18" charset="0"/>
-              </a:rPr>
-              <a:t>(green) that we actually observed.</a:t>
-            </a:r>
-            <a:endParaRPr lang="zh-CN" altLang="en-US" dirty="0">
-              <a:latin typeface="Times New Roman" panose="02020603050405020304" pitchFamily="18" charset="0"/>
-              <a:cs typeface="Times New Roman" panose="02020603050405020304" pitchFamily="18" charset="0"/>
-            </a:endParaRPr>
-          </a:p>
-        </p:txBody>
-      </p:sp>
-      <p:sp>
-        <p:nvSpPr>
-          <p:cNvPr id="14" name="文本框 13">
-            <a:extLst>
-              <a:ext uri="{FF2B5EF4-FFF2-40B4-BE49-F238E27FC236}">
-                <a16:creationId xmlns:a16="http://schemas.microsoft.com/office/drawing/2014/main" id="{3F893B97-DC94-3900-3D55-7CA6B3F4E398}"/>
-              </a:ext>
-            </a:extLst>
-          </p:cNvPr>
-          <p:cNvSpPr txBox="1"/>
-          <p:nvPr/>
-        </p:nvSpPr>
-        <p:spPr>
-          <a:xfrm>
-            <a:off x="308113" y="3756147"/>
-            <a:ext cx="3879574" cy="2446824"/>
-          </a:xfrm>
-          <a:prstGeom prst="rect">
-            <a:avLst/>
-          </a:prstGeom>
-          <a:noFill/>
-        </p:spPr>
-        <p:txBody>
-          <a:bodyPr wrap="square">
-            <a:spAutoFit/>
-          </a:bodyPr>
-          <a:lstStyle/>
-          <a:p>
-            <a:pPr marL="285750" indent="-285750" algn="just">
-              <a:lnSpc>
-                <a:spcPct val="150000"/>
-              </a:lnSpc>
-              <a:buFont typeface="Arial" panose="020B0604020202020204" pitchFamily="34" charset="0"/>
-              <a:buChar char="•"/>
-            </a:pPr>
-            <a:r>
-              <a:rPr lang="en-US" altLang="zh-CN" dirty="0">
-                <a:latin typeface="Times New Roman" panose="02020603050405020304" pitchFamily="18" charset="0"/>
-                <a:cs typeface="Times New Roman" panose="02020603050405020304" pitchFamily="18" charset="0"/>
-              </a:rPr>
-              <a:t>If we have two probabilities and we want to know the chance that both are true, we just multiply them together. So, we take the two Gaussian blobs and multiply them.</a:t>
-            </a:r>
-          </a:p>
-          <a:p>
-            <a:pPr marL="285750" indent="-285750">
-              <a:buFont typeface="Arial" panose="020B0604020202020204" pitchFamily="34" charset="0"/>
-              <a:buChar char="•"/>
-            </a:pPr>
-            <a:endParaRPr lang="en-US" altLang="zh-CN" dirty="0"/>
+              <a:t>The observed Measurement from sensor</a:t>
+            </a:r>
+            <a:endParaRPr lang="zh-CN" altLang="en-US" dirty="0"/>
           </a:p>
         </p:txBody>
       </p:sp>
     </p:spTree>
     <p:extLst>
       <p:ext uri="{BB962C8B-B14F-4D97-AF65-F5344CB8AC3E}">
-        <p14:creationId xmlns:p14="http://schemas.microsoft.com/office/powerpoint/2010/main" val="597180490"/>
+        <p14:creationId xmlns:p14="http://schemas.microsoft.com/office/powerpoint/2010/main" val="1913193883"/>
       </p:ext>
     </p:extLst>
   </p:cSld>
@@ -6720,7 +6841,7 @@
           <p:cNvPr id="2" name="灯片编号占位符 1">
             <a:extLst>
               <a:ext uri="{FF2B5EF4-FFF2-40B4-BE49-F238E27FC236}">
-                <a16:creationId xmlns:a16="http://schemas.microsoft.com/office/drawing/2014/main" id="{90EB3999-803E-4E5D-93BE-B990CA594CAD}"/>
+                <a16:creationId xmlns:a16="http://schemas.microsoft.com/office/drawing/2014/main" id="{22B23DE1-EAA3-B6B2-2C96-AE5C24F7C9F6}"/>
               </a:ext>
             </a:extLst>
           </p:cNvPr>
@@ -6731,7 +6852,12 @@
             <p:ph type="sldNum" sz="quarter" idx="12"/>
           </p:nvPr>
         </p:nvSpPr>
-        <p:spPr/>
+        <p:spPr>
+          <a:xfrm>
+            <a:off x="9511747" y="6356350"/>
+            <a:ext cx="2743200" cy="365125"/>
+          </a:xfrm>
+        </p:spPr>
         <p:txBody>
           <a:bodyPr/>
           <a:lstStyle/>
@@ -6739,6 +6865,656 @@
             <a:fld id="{565CE74E-AB26-4998-AD42-012C4C1AD076}" type="slidenum">
               <a:rPr lang="zh-CN" altLang="en-US" smtClean="0"/>
               <a:t>17</a:t>
+            </a:fld>
+            <a:endParaRPr lang="zh-CN" altLang="en-US"/>
+          </a:p>
+        </p:txBody>
+      </p:sp>
+      <p:pic>
+        <p:nvPicPr>
+          <p:cNvPr id="4" name="图片 3">
+            <a:extLst>
+              <a:ext uri="{FF2B5EF4-FFF2-40B4-BE49-F238E27FC236}">
+                <a16:creationId xmlns:a16="http://schemas.microsoft.com/office/drawing/2014/main" id="{506C1C41-C961-B1FD-EDD2-227A0A699B78}"/>
+              </a:ext>
+            </a:extLst>
+          </p:cNvPr>
+          <p:cNvPicPr>
+            <a:picLocks noChangeAspect="1"/>
+          </p:cNvPicPr>
+          <p:nvPr/>
+        </p:nvPicPr>
+        <p:blipFill>
+          <a:blip r:embed="rId2"/>
+          <a:stretch>
+            <a:fillRect/>
+          </a:stretch>
+        </p:blipFill>
+        <p:spPr>
+          <a:xfrm>
+            <a:off x="1793660" y="857732"/>
+            <a:ext cx="2959252" cy="2730640"/>
+          </a:xfrm>
+          <a:prstGeom prst="rect">
+            <a:avLst/>
+          </a:prstGeom>
+        </p:spPr>
+      </p:pic>
+      <p:pic>
+        <p:nvPicPr>
+          <p:cNvPr id="6" name="图片 5">
+            <a:extLst>
+              <a:ext uri="{FF2B5EF4-FFF2-40B4-BE49-F238E27FC236}">
+                <a16:creationId xmlns:a16="http://schemas.microsoft.com/office/drawing/2014/main" id="{75B5306A-AB2C-469C-FFC5-29158B3F8112}"/>
+              </a:ext>
+            </a:extLst>
+          </p:cNvPr>
+          <p:cNvPicPr>
+            <a:picLocks noChangeAspect="1"/>
+          </p:cNvPicPr>
+          <p:nvPr/>
+        </p:nvPicPr>
+        <p:blipFill>
+          <a:blip r:embed="rId3"/>
+          <a:stretch>
+            <a:fillRect/>
+          </a:stretch>
+        </p:blipFill>
+        <p:spPr>
+          <a:xfrm>
+            <a:off x="4552724" y="2066855"/>
+            <a:ext cx="2959252" cy="2724290"/>
+          </a:xfrm>
+          <a:prstGeom prst="rect">
+            <a:avLst/>
+          </a:prstGeom>
+        </p:spPr>
+      </p:pic>
+      <p:pic>
+        <p:nvPicPr>
+          <p:cNvPr id="8" name="图片 7">
+            <a:extLst>
+              <a:ext uri="{FF2B5EF4-FFF2-40B4-BE49-F238E27FC236}">
+                <a16:creationId xmlns:a16="http://schemas.microsoft.com/office/drawing/2014/main" id="{23C7726D-1069-1FC1-FB3E-34EF4216ED6D}"/>
+              </a:ext>
+            </a:extLst>
+          </p:cNvPr>
+          <p:cNvPicPr>
+            <a:picLocks noChangeAspect="1"/>
+          </p:cNvPicPr>
+          <p:nvPr/>
+        </p:nvPicPr>
+        <p:blipFill>
+          <a:blip r:embed="rId4"/>
+          <a:stretch>
+            <a:fillRect/>
+          </a:stretch>
+        </p:blipFill>
+        <p:spPr>
+          <a:xfrm>
+            <a:off x="7419209" y="3429000"/>
+            <a:ext cx="2959252" cy="2724290"/>
+          </a:xfrm>
+          <a:prstGeom prst="rect">
+            <a:avLst/>
+          </a:prstGeom>
+        </p:spPr>
+      </p:pic>
+      <p:sp>
+        <p:nvSpPr>
+          <p:cNvPr id="9" name="矩形 8">
+            <a:extLst>
+              <a:ext uri="{FF2B5EF4-FFF2-40B4-BE49-F238E27FC236}">
+                <a16:creationId xmlns:a16="http://schemas.microsoft.com/office/drawing/2014/main" id="{D54BD134-8D47-FD53-07C2-A072601380E3}"/>
+              </a:ext>
+            </a:extLst>
+          </p:cNvPr>
+          <p:cNvSpPr/>
+          <p:nvPr/>
+        </p:nvSpPr>
+        <p:spPr>
+          <a:xfrm>
+            <a:off x="1" y="-2"/>
+            <a:ext cx="220551" cy="6858002"/>
+          </a:xfrm>
+          <a:prstGeom prst="rect">
+            <a:avLst/>
+          </a:prstGeom>
+          <a:gradFill>
+            <a:gsLst>
+              <a:gs pos="100000">
+                <a:srgbClr val="1C2F43"/>
+              </a:gs>
+              <a:gs pos="0">
+                <a:srgbClr val="46706E"/>
+              </a:gs>
+            </a:gsLst>
+            <a:lin ang="5400000" scaled="1"/>
+          </a:gradFill>
+          <a:ln>
+            <a:noFill/>
+          </a:ln>
+        </p:spPr>
+        <p:style>
+          <a:lnRef idx="2">
+            <a:schemeClr val="accent1">
+              <a:shade val="50000"/>
+            </a:schemeClr>
+          </a:lnRef>
+          <a:fillRef idx="1">
+            <a:schemeClr val="accent1"/>
+          </a:fillRef>
+          <a:effectRef idx="0">
+            <a:schemeClr val="accent1"/>
+          </a:effectRef>
+          <a:fontRef idx="minor">
+            <a:schemeClr val="lt1"/>
+          </a:fontRef>
+        </p:style>
+        <p:txBody>
+          <a:bodyPr rtlCol="0" anchor="ctr"/>
+          <a:lstStyle/>
+          <a:p>
+            <a:pPr marL="0" marR="0" lvl="0" indent="0" algn="ctr" defTabSz="914400" rtl="0" eaLnBrk="1" fontAlgn="auto" latinLnBrk="0" hangingPunct="1">
+              <a:lnSpc>
+                <a:spcPct val="100000"/>
+              </a:lnSpc>
+              <a:spcBef>
+                <a:spcPts val="0"/>
+              </a:spcBef>
+              <a:spcAft>
+                <a:spcPts val="0"/>
+              </a:spcAft>
+              <a:buClrTx/>
+              <a:buSzTx/>
+              <a:buFontTx/>
+              <a:buNone/>
+              <a:tabLst/>
+              <a:defRPr/>
+            </a:pPr>
+            <a:endParaRPr kumimoji="0" lang="zh-CN" altLang="en-US" sz="1800" b="0" i="0" u="none" strike="noStrike" kern="1200" cap="none" spc="0" normalizeH="0" baseline="0" noProof="0">
+              <a:ln>
+                <a:noFill/>
+              </a:ln>
+              <a:solidFill>
+                <a:prstClr val="white"/>
+              </a:solidFill>
+              <a:effectLst/>
+              <a:uLnTx/>
+              <a:uFillTx/>
+              <a:latin typeface="Calibri"/>
+              <a:ea typeface="微软雅黑" panose="020B0503020204020204" pitchFamily="34" charset="-122"/>
+              <a:cs typeface="+mn-cs"/>
+            </a:endParaRPr>
+          </a:p>
+        </p:txBody>
+      </p:sp>
+      <p:pic>
+        <p:nvPicPr>
+          <p:cNvPr id="10" name="图片 9">
+            <a:extLst>
+              <a:ext uri="{FF2B5EF4-FFF2-40B4-BE49-F238E27FC236}">
+                <a16:creationId xmlns:a16="http://schemas.microsoft.com/office/drawing/2014/main" id="{955FDFE7-A308-FA5B-0EB4-29E5FD81D94B}"/>
+              </a:ext>
+            </a:extLst>
+          </p:cNvPr>
+          <p:cNvPicPr>
+            <a:picLocks noChangeAspect="1"/>
+          </p:cNvPicPr>
+          <p:nvPr/>
+        </p:nvPicPr>
+        <p:blipFill>
+          <a:blip r:embed="rId5"/>
+          <a:stretch>
+            <a:fillRect/>
+          </a:stretch>
+        </p:blipFill>
+        <p:spPr>
+          <a:xfrm>
+            <a:off x="11265327" y="-2"/>
+            <a:ext cx="926672" cy="926672"/>
+          </a:xfrm>
+          <a:prstGeom prst="rect">
+            <a:avLst/>
+          </a:prstGeom>
+        </p:spPr>
+      </p:pic>
+      <p:sp>
+        <p:nvSpPr>
+          <p:cNvPr id="12" name="文本框 11">
+            <a:extLst>
+              <a:ext uri="{FF2B5EF4-FFF2-40B4-BE49-F238E27FC236}">
+                <a16:creationId xmlns:a16="http://schemas.microsoft.com/office/drawing/2014/main" id="{CE5CBB2B-0BE9-F55E-A32B-41F6CFF50DC3}"/>
+              </a:ext>
+            </a:extLst>
+          </p:cNvPr>
+          <p:cNvSpPr txBox="1"/>
+          <p:nvPr/>
+        </p:nvSpPr>
+        <p:spPr>
+          <a:xfrm>
+            <a:off x="4860233" y="610009"/>
+            <a:ext cx="6337853" cy="1289071"/>
+          </a:xfrm>
+          <a:prstGeom prst="rect">
+            <a:avLst/>
+          </a:prstGeom>
+          <a:noFill/>
+        </p:spPr>
+        <p:txBody>
+          <a:bodyPr wrap="square">
+            <a:spAutoFit/>
+          </a:bodyPr>
+          <a:lstStyle/>
+          <a:p>
+            <a:pPr marL="285750" indent="-285750" algn="just">
+              <a:lnSpc>
+                <a:spcPct val="150000"/>
+              </a:lnSpc>
+              <a:buFont typeface="Arial" panose="020B0604020202020204" pitchFamily="34" charset="0"/>
+              <a:buChar char="•"/>
+            </a:pPr>
+            <a:r>
+              <a:rPr lang="en-US" altLang="zh-CN" dirty="0">
+                <a:latin typeface="Times New Roman" panose="02020603050405020304" pitchFamily="18" charset="0"/>
+                <a:cs typeface="Times New Roman" panose="02020603050405020304" pitchFamily="18" charset="0"/>
+              </a:rPr>
+              <a:t>We must try to reconcile our guess about the readings we’d see based on the </a:t>
+            </a:r>
+            <a:r>
+              <a:rPr lang="en-US" altLang="zh-CN" b="1" dirty="0">
+                <a:latin typeface="Times New Roman" panose="02020603050405020304" pitchFamily="18" charset="0"/>
+                <a:cs typeface="Times New Roman" panose="02020603050405020304" pitchFamily="18" charset="0"/>
+              </a:rPr>
+              <a:t>predicted state </a:t>
+            </a:r>
+            <a:r>
+              <a:rPr lang="en-US" altLang="zh-CN" dirty="0">
+                <a:latin typeface="Times New Roman" panose="02020603050405020304" pitchFamily="18" charset="0"/>
+                <a:cs typeface="Times New Roman" panose="02020603050405020304" pitchFamily="18" charset="0"/>
+              </a:rPr>
+              <a:t>(pink) with a different guess based on our </a:t>
+            </a:r>
+            <a:r>
+              <a:rPr lang="en-US" altLang="zh-CN" b="1" dirty="0">
+                <a:latin typeface="Times New Roman" panose="02020603050405020304" pitchFamily="18" charset="0"/>
+                <a:cs typeface="Times New Roman" panose="02020603050405020304" pitchFamily="18" charset="0"/>
+              </a:rPr>
+              <a:t>sensor readings </a:t>
+            </a:r>
+            <a:r>
+              <a:rPr lang="en-US" altLang="zh-CN" dirty="0">
+                <a:latin typeface="Times New Roman" panose="02020603050405020304" pitchFamily="18" charset="0"/>
+                <a:cs typeface="Times New Roman" panose="02020603050405020304" pitchFamily="18" charset="0"/>
+              </a:rPr>
+              <a:t>(green) that we actually observed.</a:t>
+            </a:r>
+            <a:endParaRPr lang="zh-CN" altLang="en-US" dirty="0">
+              <a:latin typeface="Times New Roman" panose="02020603050405020304" pitchFamily="18" charset="0"/>
+              <a:cs typeface="Times New Roman" panose="02020603050405020304" pitchFamily="18" charset="0"/>
+            </a:endParaRPr>
+          </a:p>
+        </p:txBody>
+      </p:sp>
+      <p:sp>
+        <p:nvSpPr>
+          <p:cNvPr id="14" name="文本框 13">
+            <a:extLst>
+              <a:ext uri="{FF2B5EF4-FFF2-40B4-BE49-F238E27FC236}">
+                <a16:creationId xmlns:a16="http://schemas.microsoft.com/office/drawing/2014/main" id="{3F893B97-DC94-3900-3D55-7CA6B3F4E398}"/>
+              </a:ext>
+            </a:extLst>
+          </p:cNvPr>
+          <p:cNvSpPr txBox="1"/>
+          <p:nvPr/>
+        </p:nvSpPr>
+        <p:spPr>
+          <a:xfrm>
+            <a:off x="308113" y="3756147"/>
+            <a:ext cx="3879574" cy="2446824"/>
+          </a:xfrm>
+          <a:prstGeom prst="rect">
+            <a:avLst/>
+          </a:prstGeom>
+          <a:noFill/>
+        </p:spPr>
+        <p:txBody>
+          <a:bodyPr wrap="square">
+            <a:spAutoFit/>
+          </a:bodyPr>
+          <a:lstStyle/>
+          <a:p>
+            <a:pPr marL="285750" indent="-285750" algn="just">
+              <a:lnSpc>
+                <a:spcPct val="150000"/>
+              </a:lnSpc>
+              <a:buFont typeface="Arial" panose="020B0604020202020204" pitchFamily="34" charset="0"/>
+              <a:buChar char="•"/>
+            </a:pPr>
+            <a:r>
+              <a:rPr lang="en-US" altLang="zh-CN" dirty="0">
+                <a:latin typeface="Times New Roman" panose="02020603050405020304" pitchFamily="18" charset="0"/>
+                <a:cs typeface="Times New Roman" panose="02020603050405020304" pitchFamily="18" charset="0"/>
+              </a:rPr>
+              <a:t>If we have two probabilities and we want to know the chance that both are true, we just multiply them together. So, we take the two Gaussian blobs and multiply them.</a:t>
+            </a:r>
+          </a:p>
+          <a:p>
+            <a:pPr marL="285750" indent="-285750">
+              <a:buFont typeface="Arial" panose="020B0604020202020204" pitchFamily="34" charset="0"/>
+              <a:buChar char="•"/>
+            </a:pPr>
+            <a:endParaRPr lang="en-US" altLang="zh-CN" dirty="0"/>
+          </a:p>
+        </p:txBody>
+      </p:sp>
+    </p:spTree>
+    <p:extLst>
+      <p:ext uri="{BB962C8B-B14F-4D97-AF65-F5344CB8AC3E}">
+        <p14:creationId xmlns:p14="http://schemas.microsoft.com/office/powerpoint/2010/main" val="597180490"/>
+      </p:ext>
+    </p:extLst>
+  </p:cSld>
+  <p:clrMapOvr>
+    <a:masterClrMapping/>
+  </p:clrMapOvr>
+</p:sld>
+</file>
+
+<file path=ppt/slides/slide18.xml><?xml version="1.0" encoding="utf-8"?>
+<p:sld xmlns:a="http://schemas.openxmlformats.org/drawingml/2006/main" xmlns:r="http://schemas.openxmlformats.org/officeDocument/2006/relationships" xmlns:p="http://schemas.openxmlformats.org/presentationml/2006/main">
+  <p:cSld>
+    <p:spTree>
+      <p:nvGrpSpPr>
+        <p:cNvPr id="1" name=""/>
+        <p:cNvGrpSpPr/>
+        <p:nvPr/>
+      </p:nvGrpSpPr>
+      <p:grpSpPr>
+        <a:xfrm>
+          <a:off x="0" y="0"/>
+          <a:ext cx="0" cy="0"/>
+          <a:chOff x="0" y="0"/>
+          <a:chExt cx="0" cy="0"/>
+        </a:xfrm>
+      </p:grpSpPr>
+      <p:sp>
+        <p:nvSpPr>
+          <p:cNvPr id="2" name="灯片编号占位符 1">
+            <a:extLst>
+              <a:ext uri="{FF2B5EF4-FFF2-40B4-BE49-F238E27FC236}">
+                <a16:creationId xmlns:a16="http://schemas.microsoft.com/office/drawing/2014/main" id="{786D37A5-6287-B860-034C-9CEE00516DC7}"/>
+              </a:ext>
+            </a:extLst>
+          </p:cNvPr>
+          <p:cNvSpPr>
+            <a:spLocks noGrp="1"/>
+          </p:cNvSpPr>
+          <p:nvPr>
+            <p:ph type="sldNum" sz="quarter" idx="12"/>
+          </p:nvPr>
+        </p:nvSpPr>
+        <p:spPr/>
+        <p:txBody>
+          <a:bodyPr/>
+          <a:lstStyle/>
+          <a:p>
+            <a:fld id="{565CE74E-AB26-4998-AD42-012C4C1AD076}" type="slidenum">
+              <a:rPr lang="zh-CN" altLang="en-US" smtClean="0"/>
+              <a:t>18</a:t>
+            </a:fld>
+            <a:endParaRPr lang="zh-CN" altLang="en-US"/>
+          </a:p>
+        </p:txBody>
+      </p:sp>
+      <p:sp>
+        <p:nvSpPr>
+          <p:cNvPr id="3" name="矩形 2">
+            <a:extLst>
+              <a:ext uri="{FF2B5EF4-FFF2-40B4-BE49-F238E27FC236}">
+                <a16:creationId xmlns:a16="http://schemas.microsoft.com/office/drawing/2014/main" id="{7A81BF45-52FA-6A2B-7D5C-F429FA0B01DC}"/>
+              </a:ext>
+            </a:extLst>
+          </p:cNvPr>
+          <p:cNvSpPr/>
+          <p:nvPr/>
+        </p:nvSpPr>
+        <p:spPr>
+          <a:xfrm>
+            <a:off x="1" y="-2"/>
+            <a:ext cx="220551" cy="6858002"/>
+          </a:xfrm>
+          <a:prstGeom prst="rect">
+            <a:avLst/>
+          </a:prstGeom>
+          <a:gradFill>
+            <a:gsLst>
+              <a:gs pos="100000">
+                <a:srgbClr val="1C2F43"/>
+              </a:gs>
+              <a:gs pos="0">
+                <a:srgbClr val="46706E"/>
+              </a:gs>
+            </a:gsLst>
+            <a:lin ang="5400000" scaled="1"/>
+          </a:gradFill>
+          <a:ln>
+            <a:noFill/>
+          </a:ln>
+        </p:spPr>
+        <p:style>
+          <a:lnRef idx="2">
+            <a:schemeClr val="accent1">
+              <a:shade val="50000"/>
+            </a:schemeClr>
+          </a:lnRef>
+          <a:fillRef idx="1">
+            <a:schemeClr val="accent1"/>
+          </a:fillRef>
+          <a:effectRef idx="0">
+            <a:schemeClr val="accent1"/>
+          </a:effectRef>
+          <a:fontRef idx="minor">
+            <a:schemeClr val="lt1"/>
+          </a:fontRef>
+        </p:style>
+        <p:txBody>
+          <a:bodyPr rtlCol="0" anchor="ctr"/>
+          <a:lstStyle/>
+          <a:p>
+            <a:pPr marL="0" marR="0" lvl="0" indent="0" algn="ctr" defTabSz="914400" rtl="0" eaLnBrk="1" fontAlgn="auto" latinLnBrk="0" hangingPunct="1">
+              <a:lnSpc>
+                <a:spcPct val="100000"/>
+              </a:lnSpc>
+              <a:spcBef>
+                <a:spcPts val="0"/>
+              </a:spcBef>
+              <a:spcAft>
+                <a:spcPts val="0"/>
+              </a:spcAft>
+              <a:buClrTx/>
+              <a:buSzTx/>
+              <a:buFontTx/>
+              <a:buNone/>
+              <a:tabLst/>
+              <a:defRPr/>
+            </a:pPr>
+            <a:endParaRPr kumimoji="0" lang="zh-CN" altLang="en-US" sz="1800" b="0" i="0" u="none" strike="noStrike" kern="1200" cap="none" spc="0" normalizeH="0" baseline="0" noProof="0">
+              <a:ln>
+                <a:noFill/>
+              </a:ln>
+              <a:solidFill>
+                <a:prstClr val="white"/>
+              </a:solidFill>
+              <a:effectLst/>
+              <a:uLnTx/>
+              <a:uFillTx/>
+              <a:latin typeface="Calibri"/>
+              <a:ea typeface="微软雅黑" panose="020B0503020204020204" pitchFamily="34" charset="-122"/>
+              <a:cs typeface="+mn-cs"/>
+            </a:endParaRPr>
+          </a:p>
+        </p:txBody>
+      </p:sp>
+      <p:pic>
+        <p:nvPicPr>
+          <p:cNvPr id="4" name="图片 3">
+            <a:extLst>
+              <a:ext uri="{FF2B5EF4-FFF2-40B4-BE49-F238E27FC236}">
+                <a16:creationId xmlns:a16="http://schemas.microsoft.com/office/drawing/2014/main" id="{8C535B60-BC4E-D22A-2BFC-E26F440BCBAD}"/>
+              </a:ext>
+            </a:extLst>
+          </p:cNvPr>
+          <p:cNvPicPr>
+            <a:picLocks noChangeAspect="1"/>
+          </p:cNvPicPr>
+          <p:nvPr/>
+        </p:nvPicPr>
+        <p:blipFill>
+          <a:blip r:embed="rId2"/>
+          <a:stretch>
+            <a:fillRect/>
+          </a:stretch>
+        </p:blipFill>
+        <p:spPr>
+          <a:xfrm>
+            <a:off x="11265327" y="-2"/>
+            <a:ext cx="926672" cy="926672"/>
+          </a:xfrm>
+          <a:prstGeom prst="rect">
+            <a:avLst/>
+          </a:prstGeom>
+        </p:spPr>
+      </p:pic>
+      <p:pic>
+        <p:nvPicPr>
+          <p:cNvPr id="6" name="图片 5">
+            <a:extLst>
+              <a:ext uri="{FF2B5EF4-FFF2-40B4-BE49-F238E27FC236}">
+                <a16:creationId xmlns:a16="http://schemas.microsoft.com/office/drawing/2014/main" id="{18FCED03-156D-893F-D1A3-5B1839FB7074}"/>
+              </a:ext>
+            </a:extLst>
+          </p:cNvPr>
+          <p:cNvPicPr>
+            <a:picLocks noChangeAspect="1"/>
+          </p:cNvPicPr>
+          <p:nvPr/>
+        </p:nvPicPr>
+        <p:blipFill>
+          <a:blip r:embed="rId3"/>
+          <a:stretch>
+            <a:fillRect/>
+          </a:stretch>
+        </p:blipFill>
+        <p:spPr>
+          <a:xfrm>
+            <a:off x="1278641" y="2528475"/>
+            <a:ext cx="6737696" cy="2622685"/>
+          </a:xfrm>
+          <a:prstGeom prst="rect">
+            <a:avLst/>
+          </a:prstGeom>
+        </p:spPr>
+      </p:pic>
+      <p:sp>
+        <p:nvSpPr>
+          <p:cNvPr id="8" name="文本框 7">
+            <a:extLst>
+              <a:ext uri="{FF2B5EF4-FFF2-40B4-BE49-F238E27FC236}">
+                <a16:creationId xmlns:a16="http://schemas.microsoft.com/office/drawing/2014/main" id="{27C9C710-A661-9EB7-9B91-4FF3CB3FA2BD}"/>
+              </a:ext>
+            </a:extLst>
+          </p:cNvPr>
+          <p:cNvSpPr txBox="1"/>
+          <p:nvPr/>
+        </p:nvSpPr>
+        <p:spPr>
+          <a:xfrm>
+            <a:off x="1278641" y="1006014"/>
+            <a:ext cx="6737696" cy="458074"/>
+          </a:xfrm>
+          <a:prstGeom prst="rect">
+            <a:avLst/>
+          </a:prstGeom>
+          <a:noFill/>
+        </p:spPr>
+        <p:txBody>
+          <a:bodyPr wrap="square">
+            <a:spAutoFit/>
+          </a:bodyPr>
+          <a:lstStyle/>
+          <a:p>
+            <a:pPr marL="285750" indent="-285750">
+              <a:lnSpc>
+                <a:spcPct val="150000"/>
+              </a:lnSpc>
+              <a:buFont typeface="Arial" panose="020B0604020202020204" pitchFamily="34" charset="0"/>
+              <a:buChar char="•"/>
+            </a:pPr>
+            <a:r>
+              <a:rPr lang="en-US" altLang="zh-CN" dirty="0">
+                <a:latin typeface="Times New Roman" panose="02020603050405020304" pitchFamily="18" charset="0"/>
+                <a:cs typeface="Times New Roman" panose="02020603050405020304" pitchFamily="18" charset="0"/>
+              </a:rPr>
+              <a:t>We can get a new Optimal state estimate by combining two of them.</a:t>
+            </a:r>
+          </a:p>
+        </p:txBody>
+      </p:sp>
+    </p:spTree>
+    <p:extLst>
+      <p:ext uri="{BB962C8B-B14F-4D97-AF65-F5344CB8AC3E}">
+        <p14:creationId xmlns:p14="http://schemas.microsoft.com/office/powerpoint/2010/main" val="388267756"/>
+      </p:ext>
+    </p:extLst>
+  </p:cSld>
+  <p:clrMapOvr>
+    <a:masterClrMapping/>
+  </p:clrMapOvr>
+</p:sld>
+</file>
+
+<file path=ppt/slides/slide19.xml><?xml version="1.0" encoding="utf-8"?>
+<p:sld xmlns:a="http://schemas.openxmlformats.org/drawingml/2006/main" xmlns:r="http://schemas.openxmlformats.org/officeDocument/2006/relationships" xmlns:p="http://schemas.openxmlformats.org/presentationml/2006/main">
+  <p:cSld>
+    <p:spTree>
+      <p:nvGrpSpPr>
+        <p:cNvPr id="1" name=""/>
+        <p:cNvGrpSpPr/>
+        <p:nvPr/>
+      </p:nvGrpSpPr>
+      <p:grpSpPr>
+        <a:xfrm>
+          <a:off x="0" y="0"/>
+          <a:ext cx="0" cy="0"/>
+          <a:chOff x="0" y="0"/>
+          <a:chExt cx="0" cy="0"/>
+        </a:xfrm>
+      </p:grpSpPr>
+      <p:sp>
+        <p:nvSpPr>
+          <p:cNvPr id="2" name="灯片编号占位符 1">
+            <a:extLst>
+              <a:ext uri="{FF2B5EF4-FFF2-40B4-BE49-F238E27FC236}">
+                <a16:creationId xmlns:a16="http://schemas.microsoft.com/office/drawing/2014/main" id="{90EB3999-803E-4E5D-93BE-B990CA594CAD}"/>
+              </a:ext>
+            </a:extLst>
+          </p:cNvPr>
+          <p:cNvSpPr>
+            <a:spLocks noGrp="1"/>
+          </p:cNvSpPr>
+          <p:nvPr>
+            <p:ph type="sldNum" sz="quarter" idx="12"/>
+          </p:nvPr>
+        </p:nvSpPr>
+        <p:spPr/>
+        <p:txBody>
+          <a:bodyPr/>
+          <a:lstStyle/>
+          <a:p>
+            <a:fld id="{565CE74E-AB26-4998-AD42-012C4C1AD076}" type="slidenum">
+              <a:rPr lang="zh-CN" altLang="en-US" smtClean="0"/>
+              <a:t>19</a:t>
             </a:fld>
             <a:endParaRPr lang="zh-CN" altLang="en-US"/>
           </a:p>
@@ -7101,7 +7877,7 @@
         <p:grpSpPr bwMode="auto">
           <a:xfrm>
             <a:off x="724549" y="3475126"/>
-            <a:ext cx="5791200" cy="1184275"/>
+            <a:ext cx="4841364" cy="1184275"/>
             <a:chOff x="1056" y="2150"/>
             <a:chExt cx="3648" cy="746"/>
           </a:xfrm>
@@ -7411,8 +8187,8 @@
         </p:nvGrpSpPr>
         <p:grpSpPr bwMode="auto">
           <a:xfrm>
-            <a:off x="2629549" y="3475126"/>
-            <a:ext cx="3124200" cy="1184275"/>
+            <a:off x="2629549" y="2855846"/>
+            <a:ext cx="3124200" cy="1803556"/>
             <a:chOff x="1056" y="2150"/>
             <a:chExt cx="3648" cy="746"/>
           </a:xfrm>
@@ -7722,7 +8498,7 @@
         </p:nvSpPr>
         <p:spPr bwMode="auto">
           <a:xfrm flipV="1">
-            <a:off x="3620149" y="4634001"/>
+            <a:off x="3174041" y="4634001"/>
             <a:ext cx="0" cy="762000"/>
           </a:xfrm>
           <a:prstGeom prst="line">
@@ -7813,8 +8589,8 @@
         </p:nvSpPr>
         <p:spPr bwMode="auto">
           <a:xfrm>
-            <a:off x="3404249" y="5319801"/>
-            <a:ext cx="431800" cy="457200"/>
+            <a:off x="2961302" y="5309965"/>
+            <a:ext cx="466794" cy="461665"/>
           </a:xfrm>
           <a:prstGeom prst="rect">
             <a:avLst/>
@@ -7870,7 +8646,7 @@
               </a:spcAft>
             </a:pPr>
             <a:r>
-              <a:rPr lang="en-US" altLang="zh-CN" sz="2400">
+              <a:rPr lang="el-GR" altLang="zh-CN" sz="2400" dirty="0">
                 <a:solidFill>
                   <a:srgbClr val="00FF00"/>
                 </a:solidFill>
@@ -7882,10 +8658,10 @@
                 <a:latin typeface="ZapfHumnst BT" pitchFamily="34" charset="0"/>
                 <a:ea typeface="宋体" panose="02010600030101010101" pitchFamily="2" charset="-122"/>
               </a:rPr>
-              <a:t>z</a:t>
-            </a:r>
-            <a:r>
-              <a:rPr lang="en-US" altLang="zh-CN" sz="2400" baseline="-25000">
+              <a:t>μ</a:t>
+            </a:r>
+            <a:r>
+              <a:rPr lang="en-US" altLang="zh-CN" sz="2400" baseline="-25000" dirty="0">
                 <a:solidFill>
                   <a:srgbClr val="00FF00"/>
                 </a:solidFill>
@@ -7897,9 +8673,9 @@
                 <a:latin typeface="ZapfHumnst BT" pitchFamily="34" charset="0"/>
                 <a:ea typeface="宋体" panose="02010600030101010101" pitchFamily="2" charset="-122"/>
               </a:rPr>
-              <a:t>1</a:t>
-            </a:r>
-            <a:endParaRPr lang="en-US" altLang="zh-CN" sz="2400">
+              <a:t>0</a:t>
+            </a:r>
+            <a:endParaRPr lang="en-US" altLang="zh-CN" sz="2400" dirty="0">
               <a:solidFill>
                 <a:srgbClr val="00FF00"/>
               </a:solidFill>
@@ -8021,8 +8797,8 @@
         </p:nvSpPr>
         <p:spPr bwMode="auto">
           <a:xfrm>
-            <a:off x="4026549" y="5319801"/>
-            <a:ext cx="431800" cy="457200"/>
+            <a:off x="4009052" y="5319801"/>
+            <a:ext cx="466794" cy="461665"/>
           </a:xfrm>
           <a:prstGeom prst="rect">
             <a:avLst/>
@@ -8078,7 +8854,7 @@
               </a:spcAft>
             </a:pPr>
             <a:r>
-              <a:rPr lang="en-US" altLang="zh-CN" sz="2400">
+              <a:rPr lang="el-GR" altLang="zh-CN" sz="2400" dirty="0">
                 <a:solidFill>
                   <a:srgbClr val="FF0000"/>
                 </a:solidFill>
@@ -8090,10 +8866,10 @@
                 <a:latin typeface="ZapfHumnst BT" pitchFamily="34" charset="0"/>
                 <a:ea typeface="宋体" panose="02010600030101010101" pitchFamily="2" charset="-122"/>
               </a:rPr>
-              <a:t>z</a:t>
-            </a:r>
-            <a:r>
-              <a:rPr lang="en-US" altLang="zh-CN" sz="2400" baseline="-25000">
+              <a:t>μ</a:t>
+            </a:r>
+            <a:r>
+              <a:rPr lang="en-US" altLang="zh-CN" sz="2400" baseline="-25000" dirty="0">
                 <a:solidFill>
                   <a:srgbClr val="FF0000"/>
                 </a:solidFill>
@@ -8105,9 +8881,9 @@
                 <a:latin typeface="ZapfHumnst BT" pitchFamily="34" charset="0"/>
                 <a:ea typeface="宋体" panose="02010600030101010101" pitchFamily="2" charset="-122"/>
               </a:rPr>
-              <a:t>2</a:t>
-            </a:r>
-            <a:endParaRPr lang="en-US" altLang="zh-CN" sz="2400">
+              <a:t>1</a:t>
+            </a:r>
+            <a:endParaRPr lang="en-US" altLang="zh-CN" sz="2400" dirty="0">
               <a:solidFill>
                 <a:srgbClr val="FF0000"/>
               </a:solidFill>
@@ -8311,1281 +9087,6 @@
     <p:extLst>
       <p:ext uri="{BB962C8B-B14F-4D97-AF65-F5344CB8AC3E}">
         <p14:creationId xmlns:p14="http://schemas.microsoft.com/office/powerpoint/2010/main" val="3520504698"/>
-      </p:ext>
-    </p:extLst>
-  </p:cSld>
-  <p:clrMapOvr>
-    <a:masterClrMapping/>
-  </p:clrMapOvr>
-</p:sld>
-</file>
-
-<file path=ppt/slides/slide18.xml><?xml version="1.0" encoding="utf-8"?>
-<p:sld xmlns:a="http://schemas.openxmlformats.org/drawingml/2006/main" xmlns:r="http://schemas.openxmlformats.org/officeDocument/2006/relationships" xmlns:p="http://schemas.openxmlformats.org/presentationml/2006/main">
-  <p:cSld>
-    <p:spTree>
-      <p:nvGrpSpPr>
-        <p:cNvPr id="1" name=""/>
-        <p:cNvGrpSpPr/>
-        <p:nvPr/>
-      </p:nvGrpSpPr>
-      <p:grpSpPr>
-        <a:xfrm>
-          <a:off x="0" y="0"/>
-          <a:ext cx="0" cy="0"/>
-          <a:chOff x="0" y="0"/>
-          <a:chExt cx="0" cy="0"/>
-        </a:xfrm>
-      </p:grpSpPr>
-      <p:sp>
-        <p:nvSpPr>
-          <p:cNvPr id="2" name="灯片编号占位符 1">
-            <a:extLst>
-              <a:ext uri="{FF2B5EF4-FFF2-40B4-BE49-F238E27FC236}">
-                <a16:creationId xmlns:a16="http://schemas.microsoft.com/office/drawing/2014/main" id="{99882017-CDE6-D487-17A8-F25D529240B8}"/>
-              </a:ext>
-            </a:extLst>
-          </p:cNvPr>
-          <p:cNvSpPr>
-            <a:spLocks noGrp="1"/>
-          </p:cNvSpPr>
-          <p:nvPr>
-            <p:ph type="sldNum" sz="quarter" idx="12"/>
-          </p:nvPr>
-        </p:nvSpPr>
-        <p:spPr/>
-        <p:txBody>
-          <a:bodyPr/>
-          <a:lstStyle/>
-          <a:p>
-            <a:fld id="{565CE74E-AB26-4998-AD42-012C4C1AD076}" type="slidenum">
-              <a:rPr lang="zh-CN" altLang="en-US" smtClean="0"/>
-              <a:t>18</a:t>
-            </a:fld>
-            <a:endParaRPr lang="zh-CN" altLang="en-US"/>
-          </a:p>
-        </p:txBody>
-      </p:sp>
-      <p:sp>
-        <p:nvSpPr>
-          <p:cNvPr id="3" name="矩形 2">
-            <a:extLst>
-              <a:ext uri="{FF2B5EF4-FFF2-40B4-BE49-F238E27FC236}">
-                <a16:creationId xmlns:a16="http://schemas.microsoft.com/office/drawing/2014/main" id="{5CDD2813-E88C-0891-EF12-5E437B4567E2}"/>
-              </a:ext>
-            </a:extLst>
-          </p:cNvPr>
-          <p:cNvSpPr/>
-          <p:nvPr/>
-        </p:nvSpPr>
-        <p:spPr>
-          <a:xfrm>
-            <a:off x="1" y="-2"/>
-            <a:ext cx="220551" cy="6858002"/>
-          </a:xfrm>
-          <a:prstGeom prst="rect">
-            <a:avLst/>
-          </a:prstGeom>
-          <a:gradFill>
-            <a:gsLst>
-              <a:gs pos="100000">
-                <a:srgbClr val="1C2F43"/>
-              </a:gs>
-              <a:gs pos="0">
-                <a:srgbClr val="46706E"/>
-              </a:gs>
-            </a:gsLst>
-            <a:lin ang="5400000" scaled="1"/>
-          </a:gradFill>
-          <a:ln>
-            <a:noFill/>
-          </a:ln>
-        </p:spPr>
-        <p:style>
-          <a:lnRef idx="2">
-            <a:schemeClr val="accent1">
-              <a:shade val="50000"/>
-            </a:schemeClr>
-          </a:lnRef>
-          <a:fillRef idx="1">
-            <a:schemeClr val="accent1"/>
-          </a:fillRef>
-          <a:effectRef idx="0">
-            <a:schemeClr val="accent1"/>
-          </a:effectRef>
-          <a:fontRef idx="minor">
-            <a:schemeClr val="lt1"/>
-          </a:fontRef>
-        </p:style>
-        <p:txBody>
-          <a:bodyPr rtlCol="0" anchor="ctr"/>
-          <a:lstStyle/>
-          <a:p>
-            <a:pPr marL="0" marR="0" lvl="0" indent="0" algn="ctr" defTabSz="914400" rtl="0" eaLnBrk="1" fontAlgn="auto" latinLnBrk="0" hangingPunct="1">
-              <a:lnSpc>
-                <a:spcPct val="100000"/>
-              </a:lnSpc>
-              <a:spcBef>
-                <a:spcPts val="0"/>
-              </a:spcBef>
-              <a:spcAft>
-                <a:spcPts val="0"/>
-              </a:spcAft>
-              <a:buClrTx/>
-              <a:buSzTx/>
-              <a:buFontTx/>
-              <a:buNone/>
-              <a:tabLst/>
-              <a:defRPr/>
-            </a:pPr>
-            <a:endParaRPr kumimoji="0" lang="zh-CN" altLang="en-US" sz="1800" b="0" i="0" u="none" strike="noStrike" kern="1200" cap="none" spc="0" normalizeH="0" baseline="0" noProof="0">
-              <a:ln>
-                <a:noFill/>
-              </a:ln>
-              <a:solidFill>
-                <a:prstClr val="white"/>
-              </a:solidFill>
-              <a:effectLst/>
-              <a:uLnTx/>
-              <a:uFillTx/>
-              <a:latin typeface="Calibri"/>
-              <a:ea typeface="微软雅黑" panose="020B0503020204020204" pitchFamily="34" charset="-122"/>
-              <a:cs typeface="+mn-cs"/>
-            </a:endParaRPr>
-          </a:p>
-        </p:txBody>
-      </p:sp>
-      <p:pic>
-        <p:nvPicPr>
-          <p:cNvPr id="4" name="图片 3">
-            <a:extLst>
-              <a:ext uri="{FF2B5EF4-FFF2-40B4-BE49-F238E27FC236}">
-                <a16:creationId xmlns:a16="http://schemas.microsoft.com/office/drawing/2014/main" id="{C00350B1-3EDC-0F26-A1AB-708CD9DB1FBE}"/>
-              </a:ext>
-            </a:extLst>
-          </p:cNvPr>
-          <p:cNvPicPr>
-            <a:picLocks noChangeAspect="1"/>
-          </p:cNvPicPr>
-          <p:nvPr/>
-        </p:nvPicPr>
-        <p:blipFill>
-          <a:blip r:embed="rId2"/>
-          <a:stretch>
-            <a:fillRect/>
-          </a:stretch>
-        </p:blipFill>
-        <p:spPr>
-          <a:xfrm>
-            <a:off x="11265327" y="-2"/>
-            <a:ext cx="926672" cy="926672"/>
-          </a:xfrm>
-          <a:prstGeom prst="rect">
-            <a:avLst/>
-          </a:prstGeom>
-        </p:spPr>
-      </p:pic>
-      <p:pic>
-        <p:nvPicPr>
-          <p:cNvPr id="5" name="图片 4">
-            <a:extLst>
-              <a:ext uri="{FF2B5EF4-FFF2-40B4-BE49-F238E27FC236}">
-                <a16:creationId xmlns:a16="http://schemas.microsoft.com/office/drawing/2014/main" id="{E7F0A19D-A45C-64A4-B2FA-F2321928D845}"/>
-              </a:ext>
-            </a:extLst>
-          </p:cNvPr>
-          <p:cNvPicPr>
-            <a:picLocks noChangeAspect="1"/>
-          </p:cNvPicPr>
-          <p:nvPr/>
-        </p:nvPicPr>
-        <p:blipFill>
-          <a:blip r:embed="rId3"/>
-          <a:stretch>
-            <a:fillRect/>
-          </a:stretch>
-        </p:blipFill>
-        <p:spPr>
-          <a:xfrm>
-            <a:off x="859528" y="1883466"/>
-            <a:ext cx="2428875" cy="1143000"/>
-          </a:xfrm>
-          <a:prstGeom prst="rect">
-            <a:avLst/>
-          </a:prstGeom>
-        </p:spPr>
-      </p:pic>
-      <p:pic>
-        <p:nvPicPr>
-          <p:cNvPr id="6" name="图片 5">
-            <a:extLst>
-              <a:ext uri="{FF2B5EF4-FFF2-40B4-BE49-F238E27FC236}">
-                <a16:creationId xmlns:a16="http://schemas.microsoft.com/office/drawing/2014/main" id="{34E225DF-C6AB-03CF-C27E-78FF556A2F8C}"/>
-              </a:ext>
-            </a:extLst>
-          </p:cNvPr>
-          <p:cNvPicPr>
-            <a:picLocks noChangeAspect="1"/>
-          </p:cNvPicPr>
-          <p:nvPr/>
-        </p:nvPicPr>
-        <p:blipFill>
-          <a:blip r:embed="rId4"/>
-          <a:stretch>
-            <a:fillRect/>
-          </a:stretch>
-        </p:blipFill>
-        <p:spPr>
-          <a:xfrm>
-            <a:off x="724521" y="3176587"/>
-            <a:ext cx="4143375" cy="504825"/>
-          </a:xfrm>
-          <a:prstGeom prst="rect">
-            <a:avLst/>
-          </a:prstGeom>
-        </p:spPr>
-      </p:pic>
-      <p:pic>
-        <p:nvPicPr>
-          <p:cNvPr id="7" name="图片 6">
-            <a:extLst>
-              <a:ext uri="{FF2B5EF4-FFF2-40B4-BE49-F238E27FC236}">
-                <a16:creationId xmlns:a16="http://schemas.microsoft.com/office/drawing/2014/main" id="{7DE36567-E24F-6427-5417-0EC282308818}"/>
-              </a:ext>
-            </a:extLst>
-          </p:cNvPr>
-          <p:cNvPicPr>
-            <a:picLocks noChangeAspect="1"/>
-          </p:cNvPicPr>
-          <p:nvPr/>
-        </p:nvPicPr>
-        <p:blipFill>
-          <a:blip r:embed="rId5"/>
-          <a:stretch>
-            <a:fillRect/>
-          </a:stretch>
-        </p:blipFill>
-        <p:spPr>
-          <a:xfrm>
-            <a:off x="576469" y="4030110"/>
-            <a:ext cx="2914650" cy="523875"/>
-          </a:xfrm>
-          <a:prstGeom prst="rect">
-            <a:avLst/>
-          </a:prstGeom>
-        </p:spPr>
-      </p:pic>
-      <p:pic>
-        <p:nvPicPr>
-          <p:cNvPr id="12290" name="Picture 2">
-            <a:extLst>
-              <a:ext uri="{FF2B5EF4-FFF2-40B4-BE49-F238E27FC236}">
-                <a16:creationId xmlns:a16="http://schemas.microsoft.com/office/drawing/2014/main" id="{61DCBD96-CC8A-BD43-77C6-B917AA16EB7C}"/>
-              </a:ext>
-            </a:extLst>
-          </p:cNvPr>
-          <p:cNvPicPr>
-            <a:picLocks noChangeAspect="1" noChangeArrowheads="1"/>
-          </p:cNvPicPr>
-          <p:nvPr/>
-        </p:nvPicPr>
-        <p:blipFill>
-          <a:blip r:embed="rId6">
-            <a:extLst>
-              <a:ext uri="{28A0092B-C50C-407E-A947-70E740481C1C}">
-                <a14:useLocalDpi xmlns:a14="http://schemas.microsoft.com/office/drawing/2010/main" val="0"/>
-              </a:ext>
-            </a:extLst>
-          </a:blip>
-          <a:srcRect/>
-          <a:stretch>
-            <a:fillRect/>
-          </a:stretch>
-        </p:blipFill>
-        <p:spPr bwMode="auto">
-          <a:xfrm>
-            <a:off x="6383821" y="2235441"/>
-            <a:ext cx="3943350" cy="533400"/>
-          </a:xfrm>
-          <a:prstGeom prst="rect">
-            <a:avLst/>
-          </a:prstGeom>
-          <a:noFill/>
-          <a:extLst>
-            <a:ext uri="{909E8E84-426E-40DD-AFC4-6F175D3DCCD1}">
-              <a14:hiddenFill xmlns:a14="http://schemas.microsoft.com/office/drawing/2010/main">
-                <a:solidFill>
-                  <a:srgbClr val="FFFFFF"/>
-                </a:solidFill>
-              </a14:hiddenFill>
-            </a:ext>
-          </a:extLst>
-        </p:spPr>
-      </p:pic>
-      <p:pic>
-        <p:nvPicPr>
-          <p:cNvPr id="8" name="图片 7">
-            <a:extLst>
-              <a:ext uri="{FF2B5EF4-FFF2-40B4-BE49-F238E27FC236}">
-                <a16:creationId xmlns:a16="http://schemas.microsoft.com/office/drawing/2014/main" id="{713853C7-ECAA-0ACC-9D6E-2CB25734723E}"/>
-              </a:ext>
-            </a:extLst>
-          </p:cNvPr>
-          <p:cNvPicPr>
-            <a:picLocks noChangeAspect="1"/>
-          </p:cNvPicPr>
-          <p:nvPr/>
-        </p:nvPicPr>
-        <p:blipFill>
-          <a:blip r:embed="rId7"/>
-          <a:stretch>
-            <a:fillRect/>
-          </a:stretch>
-        </p:blipFill>
-        <p:spPr>
-          <a:xfrm>
-            <a:off x="6453187" y="3176586"/>
-            <a:ext cx="4314825" cy="504825"/>
-          </a:xfrm>
-          <a:prstGeom prst="rect">
-            <a:avLst/>
-          </a:prstGeom>
-        </p:spPr>
-      </p:pic>
-      <p:pic>
-        <p:nvPicPr>
-          <p:cNvPr id="11" name="图片 10">
-            <a:extLst>
-              <a:ext uri="{FF2B5EF4-FFF2-40B4-BE49-F238E27FC236}">
-                <a16:creationId xmlns:a16="http://schemas.microsoft.com/office/drawing/2014/main" id="{EF5819DF-920C-E290-8128-21844C101EF3}"/>
-              </a:ext>
-            </a:extLst>
-          </p:cNvPr>
-          <p:cNvPicPr>
-            <a:picLocks noChangeAspect="1"/>
-          </p:cNvPicPr>
-          <p:nvPr/>
-        </p:nvPicPr>
-        <p:blipFill>
-          <a:blip r:embed="rId8"/>
-          <a:stretch>
-            <a:fillRect/>
-          </a:stretch>
-        </p:blipFill>
-        <p:spPr>
-          <a:xfrm>
-            <a:off x="6453187" y="4106310"/>
-            <a:ext cx="3076575" cy="447675"/>
-          </a:xfrm>
-          <a:prstGeom prst="rect">
-            <a:avLst/>
-          </a:prstGeom>
-        </p:spPr>
-      </p:pic>
-      <p:sp>
-        <p:nvSpPr>
-          <p:cNvPr id="13" name="文本框 12">
-            <a:extLst>
-              <a:ext uri="{FF2B5EF4-FFF2-40B4-BE49-F238E27FC236}">
-                <a16:creationId xmlns:a16="http://schemas.microsoft.com/office/drawing/2014/main" id="{68E3E042-A19E-5740-5A67-A1DA6FF71652}"/>
-              </a:ext>
-            </a:extLst>
-          </p:cNvPr>
-          <p:cNvSpPr txBox="1"/>
-          <p:nvPr/>
-        </p:nvSpPr>
-        <p:spPr>
-          <a:xfrm>
-            <a:off x="6383821" y="5187482"/>
-            <a:ext cx="6096000" cy="400110"/>
-          </a:xfrm>
-          <a:prstGeom prst="rect">
-            <a:avLst/>
-          </a:prstGeom>
-          <a:noFill/>
-        </p:spPr>
-        <p:txBody>
-          <a:bodyPr wrap="square">
-            <a:spAutoFit/>
-          </a:bodyPr>
-          <a:lstStyle/>
-          <a:p>
-            <a:r>
-              <a:rPr lang="en-US" altLang="zh-CN" sz="2000" b="1" dirty="0">
-                <a:latin typeface="Times New Roman" panose="02020603050405020304" pitchFamily="18" charset="0"/>
-                <a:cs typeface="Times New Roman" panose="02020603050405020304" pitchFamily="18" charset="0"/>
-              </a:rPr>
-              <a:t>K</a:t>
-            </a:r>
-            <a:r>
-              <a:rPr lang="en-US" altLang="zh-CN" sz="2000" dirty="0">
-                <a:latin typeface="Times New Roman" panose="02020603050405020304" pitchFamily="18" charset="0"/>
-                <a:cs typeface="Times New Roman" panose="02020603050405020304" pitchFamily="18" charset="0"/>
-              </a:rPr>
-              <a:t> is a matrix called the </a:t>
-            </a:r>
-            <a:r>
-              <a:rPr lang="en-US" altLang="zh-CN" sz="2000" b="1" dirty="0">
-                <a:latin typeface="Times New Roman" panose="02020603050405020304" pitchFamily="18" charset="0"/>
-                <a:cs typeface="Times New Roman" panose="02020603050405020304" pitchFamily="18" charset="0"/>
-              </a:rPr>
-              <a:t>Kalman gain</a:t>
-            </a:r>
-            <a:endParaRPr lang="zh-CN" altLang="en-US" sz="2000" b="1" dirty="0">
-              <a:latin typeface="Times New Roman" panose="02020603050405020304" pitchFamily="18" charset="0"/>
-              <a:cs typeface="Times New Roman" panose="02020603050405020304" pitchFamily="18" charset="0"/>
-            </a:endParaRPr>
-          </a:p>
-        </p:txBody>
-      </p:sp>
-      <p:sp>
-        <p:nvSpPr>
-          <p:cNvPr id="15" name="文本框 14">
-            <a:extLst>
-              <a:ext uri="{FF2B5EF4-FFF2-40B4-BE49-F238E27FC236}">
-                <a16:creationId xmlns:a16="http://schemas.microsoft.com/office/drawing/2014/main" id="{B4C0B551-6E63-2D11-E76F-BF374506C019}"/>
-              </a:ext>
-            </a:extLst>
-          </p:cNvPr>
-          <p:cNvSpPr txBox="1"/>
-          <p:nvPr/>
-        </p:nvSpPr>
-        <p:spPr>
-          <a:xfrm>
-            <a:off x="5903844" y="1470463"/>
-            <a:ext cx="6347790" cy="400110"/>
-          </a:xfrm>
-          <a:prstGeom prst="rect">
-            <a:avLst/>
-          </a:prstGeom>
-          <a:noFill/>
-        </p:spPr>
-        <p:txBody>
-          <a:bodyPr wrap="square">
-            <a:spAutoFit/>
-          </a:bodyPr>
-          <a:lstStyle/>
-          <a:p>
-            <a:pPr marL="342900" indent="-342900">
-              <a:buFont typeface="Arial" panose="020B0604020202020204" pitchFamily="34" charset="0"/>
-              <a:buChar char="•"/>
-            </a:pPr>
-            <a:r>
-              <a:rPr lang="en-US" altLang="zh-CN" sz="2000" dirty="0">
-                <a:latin typeface="Times New Roman" panose="02020603050405020304" pitchFamily="18" charset="0"/>
-                <a:cs typeface="Times New Roman" panose="02020603050405020304" pitchFamily="18" charset="0"/>
-              </a:rPr>
-              <a:t>Convert in matrix version:</a:t>
-            </a:r>
-            <a:endParaRPr lang="zh-CN" altLang="en-US" sz="2000" dirty="0">
-              <a:latin typeface="Times New Roman" panose="02020603050405020304" pitchFamily="18" charset="0"/>
-              <a:cs typeface="Times New Roman" panose="02020603050405020304" pitchFamily="18" charset="0"/>
-            </a:endParaRPr>
-          </a:p>
-        </p:txBody>
-      </p:sp>
-      <p:sp>
-        <p:nvSpPr>
-          <p:cNvPr id="16" name="文本框 15">
-            <a:extLst>
-              <a:ext uri="{FF2B5EF4-FFF2-40B4-BE49-F238E27FC236}">
-                <a16:creationId xmlns:a16="http://schemas.microsoft.com/office/drawing/2014/main" id="{507B65FF-E331-5D2F-E1CA-A8107995D60A}"/>
-              </a:ext>
-            </a:extLst>
-          </p:cNvPr>
-          <p:cNvSpPr txBox="1"/>
-          <p:nvPr/>
-        </p:nvSpPr>
-        <p:spPr>
-          <a:xfrm>
-            <a:off x="576469" y="1470463"/>
-            <a:ext cx="3538330" cy="400110"/>
-          </a:xfrm>
-          <a:prstGeom prst="rect">
-            <a:avLst/>
-          </a:prstGeom>
-          <a:noFill/>
-        </p:spPr>
-        <p:txBody>
-          <a:bodyPr wrap="square" rtlCol="0">
-            <a:spAutoFit/>
-          </a:bodyPr>
-          <a:lstStyle/>
-          <a:p>
-            <a:pPr marL="342900" indent="-342900">
-              <a:buFont typeface="Arial" panose="020B0604020202020204" pitchFamily="34" charset="0"/>
-              <a:buChar char="•"/>
-            </a:pPr>
-            <a:r>
-              <a:rPr lang="en-US" altLang="zh-CN" sz="2000" dirty="0">
-                <a:latin typeface="Times New Roman" panose="02020603050405020304" pitchFamily="18" charset="0"/>
-                <a:cs typeface="Times New Roman" panose="02020603050405020304" pitchFamily="18" charset="0"/>
-              </a:rPr>
-              <a:t>We can simplify as below</a:t>
-            </a:r>
-            <a:r>
-              <a:rPr lang="zh-CN" altLang="en-US" sz="2000" dirty="0">
-                <a:latin typeface="Times New Roman" panose="02020603050405020304" pitchFamily="18" charset="0"/>
-                <a:cs typeface="Times New Roman" panose="02020603050405020304" pitchFamily="18" charset="0"/>
-              </a:rPr>
-              <a:t>：</a:t>
-            </a:r>
-          </a:p>
-        </p:txBody>
-      </p:sp>
-      <p:sp>
-        <p:nvSpPr>
-          <p:cNvPr id="17" name="箭头: 右 16">
-            <a:extLst>
-              <a:ext uri="{FF2B5EF4-FFF2-40B4-BE49-F238E27FC236}">
-                <a16:creationId xmlns:a16="http://schemas.microsoft.com/office/drawing/2014/main" id="{A42C280A-F4BF-ABA6-6D52-B872B7C31ACC}"/>
-              </a:ext>
-            </a:extLst>
-          </p:cNvPr>
-          <p:cNvSpPr/>
-          <p:nvPr/>
-        </p:nvSpPr>
-        <p:spPr>
-          <a:xfrm>
-            <a:off x="5117592" y="3044395"/>
-            <a:ext cx="978408" cy="484632"/>
-          </a:xfrm>
-          <a:prstGeom prst="rightArrow">
-            <a:avLst/>
-          </a:prstGeom>
-        </p:spPr>
-        <p:style>
-          <a:lnRef idx="2">
-            <a:schemeClr val="accent1">
-              <a:shade val="15000"/>
-            </a:schemeClr>
-          </a:lnRef>
-          <a:fillRef idx="1">
-            <a:schemeClr val="accent1"/>
-          </a:fillRef>
-          <a:effectRef idx="0">
-            <a:schemeClr val="accent1"/>
-          </a:effectRef>
-          <a:fontRef idx="minor">
-            <a:schemeClr val="lt1"/>
-          </a:fontRef>
-        </p:style>
-        <p:txBody>
-          <a:bodyPr rtlCol="0" anchor="ctr"/>
-          <a:lstStyle/>
-          <a:p>
-            <a:pPr algn="ctr"/>
-            <a:endParaRPr lang="zh-CN" altLang="en-US"/>
-          </a:p>
-        </p:txBody>
-      </p:sp>
-    </p:spTree>
-    <p:extLst>
-      <p:ext uri="{BB962C8B-B14F-4D97-AF65-F5344CB8AC3E}">
-        <p14:creationId xmlns:p14="http://schemas.microsoft.com/office/powerpoint/2010/main" val="1875651984"/>
-      </p:ext>
-    </p:extLst>
-  </p:cSld>
-  <p:clrMapOvr>
-    <a:masterClrMapping/>
-  </p:clrMapOvr>
-</p:sld>
-</file>
-
-<file path=ppt/slides/slide19.xml><?xml version="1.0" encoding="utf-8"?>
-<p:sld xmlns:a="http://schemas.openxmlformats.org/drawingml/2006/main" xmlns:r="http://schemas.openxmlformats.org/officeDocument/2006/relationships" xmlns:p="http://schemas.openxmlformats.org/presentationml/2006/main">
-  <p:cSld>
-    <p:spTree>
-      <p:nvGrpSpPr>
-        <p:cNvPr id="1" name=""/>
-        <p:cNvGrpSpPr/>
-        <p:nvPr/>
-      </p:nvGrpSpPr>
-      <p:grpSpPr>
-        <a:xfrm>
-          <a:off x="0" y="0"/>
-          <a:ext cx="0" cy="0"/>
-          <a:chOff x="0" y="0"/>
-          <a:chExt cx="0" cy="0"/>
-        </a:xfrm>
-      </p:grpSpPr>
-      <p:sp>
-        <p:nvSpPr>
-          <p:cNvPr id="21" name="矩形 20">
-            <a:extLst>
-              <a:ext uri="{FF2B5EF4-FFF2-40B4-BE49-F238E27FC236}">
-                <a16:creationId xmlns:a16="http://schemas.microsoft.com/office/drawing/2014/main" id="{3A363D72-ED95-C975-9FD0-65D3FA5C814F}"/>
-              </a:ext>
-            </a:extLst>
-          </p:cNvPr>
-          <p:cNvSpPr/>
-          <p:nvPr/>
-        </p:nvSpPr>
-        <p:spPr>
-          <a:xfrm>
-            <a:off x="9389165" y="517892"/>
-            <a:ext cx="1371600" cy="1372814"/>
-          </a:xfrm>
-          <a:prstGeom prst="rect">
-            <a:avLst/>
-          </a:prstGeom>
-          <a:solidFill>
-            <a:schemeClr val="accent6">
-              <a:lumMod val="60000"/>
-              <a:lumOff val="40000"/>
-            </a:schemeClr>
-          </a:solidFill>
-        </p:spPr>
-        <p:style>
-          <a:lnRef idx="2">
-            <a:schemeClr val="accent1">
-              <a:shade val="15000"/>
-            </a:schemeClr>
-          </a:lnRef>
-          <a:fillRef idx="1">
-            <a:schemeClr val="accent1"/>
-          </a:fillRef>
-          <a:effectRef idx="0">
-            <a:schemeClr val="accent1"/>
-          </a:effectRef>
-          <a:fontRef idx="minor">
-            <a:schemeClr val="lt1"/>
-          </a:fontRef>
-        </p:style>
-        <p:txBody>
-          <a:bodyPr rtlCol="0" anchor="ctr"/>
-          <a:lstStyle/>
-          <a:p>
-            <a:pPr algn="ctr"/>
-            <a:endParaRPr lang="zh-CN" altLang="en-US"/>
-          </a:p>
-        </p:txBody>
-      </p:sp>
-      <p:sp>
-        <p:nvSpPr>
-          <p:cNvPr id="2" name="灯片编号占位符 1">
-            <a:extLst>
-              <a:ext uri="{FF2B5EF4-FFF2-40B4-BE49-F238E27FC236}">
-                <a16:creationId xmlns:a16="http://schemas.microsoft.com/office/drawing/2014/main" id="{75C9BF7A-6396-7C18-6075-9C707812A910}"/>
-              </a:ext>
-            </a:extLst>
-          </p:cNvPr>
-          <p:cNvSpPr>
-            <a:spLocks noGrp="1"/>
-          </p:cNvSpPr>
-          <p:nvPr>
-            <p:ph type="sldNum" sz="quarter" idx="12"/>
-          </p:nvPr>
-        </p:nvSpPr>
-        <p:spPr/>
-        <p:txBody>
-          <a:bodyPr/>
-          <a:lstStyle/>
-          <a:p>
-            <a:fld id="{565CE74E-AB26-4998-AD42-012C4C1AD076}" type="slidenum">
-              <a:rPr lang="zh-CN" altLang="en-US" smtClean="0"/>
-              <a:t>19</a:t>
-            </a:fld>
-            <a:endParaRPr lang="zh-CN" altLang="en-US"/>
-          </a:p>
-        </p:txBody>
-      </p:sp>
-      <p:sp>
-        <p:nvSpPr>
-          <p:cNvPr id="3" name="矩形 2">
-            <a:extLst>
-              <a:ext uri="{FF2B5EF4-FFF2-40B4-BE49-F238E27FC236}">
-                <a16:creationId xmlns:a16="http://schemas.microsoft.com/office/drawing/2014/main" id="{2515FD44-86C2-26ED-DB1B-A9BAE8F71344}"/>
-              </a:ext>
-            </a:extLst>
-          </p:cNvPr>
-          <p:cNvSpPr/>
-          <p:nvPr/>
-        </p:nvSpPr>
-        <p:spPr>
-          <a:xfrm>
-            <a:off x="1" y="-2"/>
-            <a:ext cx="220551" cy="6858002"/>
-          </a:xfrm>
-          <a:prstGeom prst="rect">
-            <a:avLst/>
-          </a:prstGeom>
-          <a:gradFill>
-            <a:gsLst>
-              <a:gs pos="100000">
-                <a:srgbClr val="1C2F43"/>
-              </a:gs>
-              <a:gs pos="0">
-                <a:srgbClr val="46706E"/>
-              </a:gs>
-            </a:gsLst>
-            <a:lin ang="5400000" scaled="1"/>
-          </a:gradFill>
-          <a:ln>
-            <a:noFill/>
-          </a:ln>
-        </p:spPr>
-        <p:style>
-          <a:lnRef idx="2">
-            <a:schemeClr val="accent1">
-              <a:shade val="50000"/>
-            </a:schemeClr>
-          </a:lnRef>
-          <a:fillRef idx="1">
-            <a:schemeClr val="accent1"/>
-          </a:fillRef>
-          <a:effectRef idx="0">
-            <a:schemeClr val="accent1"/>
-          </a:effectRef>
-          <a:fontRef idx="minor">
-            <a:schemeClr val="lt1"/>
-          </a:fontRef>
-        </p:style>
-        <p:txBody>
-          <a:bodyPr rtlCol="0" anchor="ctr"/>
-          <a:lstStyle/>
-          <a:p>
-            <a:pPr marL="0" marR="0" lvl="0" indent="0" algn="ctr" defTabSz="914400" rtl="0" eaLnBrk="1" fontAlgn="auto" latinLnBrk="0" hangingPunct="1">
-              <a:lnSpc>
-                <a:spcPct val="100000"/>
-              </a:lnSpc>
-              <a:spcBef>
-                <a:spcPts val="0"/>
-              </a:spcBef>
-              <a:spcAft>
-                <a:spcPts val="0"/>
-              </a:spcAft>
-              <a:buClrTx/>
-              <a:buSzTx/>
-              <a:buFontTx/>
-              <a:buNone/>
-              <a:tabLst/>
-              <a:defRPr/>
-            </a:pPr>
-            <a:endParaRPr kumimoji="0" lang="zh-CN" altLang="en-US" sz="1800" b="0" i="0" u="none" strike="noStrike" kern="1200" cap="none" spc="0" normalizeH="0" baseline="0" noProof="0">
-              <a:ln>
-                <a:noFill/>
-              </a:ln>
-              <a:solidFill>
-                <a:prstClr val="white"/>
-              </a:solidFill>
-              <a:effectLst/>
-              <a:uLnTx/>
-              <a:uFillTx/>
-              <a:latin typeface="Calibri"/>
-              <a:ea typeface="微软雅黑" panose="020B0503020204020204" pitchFamily="34" charset="-122"/>
-              <a:cs typeface="+mn-cs"/>
-            </a:endParaRPr>
-          </a:p>
-        </p:txBody>
-      </p:sp>
-      <p:pic>
-        <p:nvPicPr>
-          <p:cNvPr id="4" name="图片 3">
-            <a:extLst>
-              <a:ext uri="{FF2B5EF4-FFF2-40B4-BE49-F238E27FC236}">
-                <a16:creationId xmlns:a16="http://schemas.microsoft.com/office/drawing/2014/main" id="{DBCFB4B8-6E28-F360-B196-E6E108012CD6}"/>
-              </a:ext>
-            </a:extLst>
-          </p:cNvPr>
-          <p:cNvPicPr>
-            <a:picLocks noChangeAspect="1"/>
-          </p:cNvPicPr>
-          <p:nvPr/>
-        </p:nvPicPr>
-        <p:blipFill>
-          <a:blip r:embed="rId2"/>
-          <a:stretch>
-            <a:fillRect/>
-          </a:stretch>
-        </p:blipFill>
-        <p:spPr>
-          <a:xfrm>
-            <a:off x="11265327" y="-2"/>
-            <a:ext cx="926672" cy="926672"/>
-          </a:xfrm>
-          <a:prstGeom prst="rect">
-            <a:avLst/>
-          </a:prstGeom>
-        </p:spPr>
-      </p:pic>
-      <p:pic>
-        <p:nvPicPr>
-          <p:cNvPr id="5" name="图片 4">
-            <a:extLst>
-              <a:ext uri="{FF2B5EF4-FFF2-40B4-BE49-F238E27FC236}">
-                <a16:creationId xmlns:a16="http://schemas.microsoft.com/office/drawing/2014/main" id="{72265491-3547-3988-02FD-FF5AA0779178}"/>
-              </a:ext>
-            </a:extLst>
-          </p:cNvPr>
-          <p:cNvPicPr>
-            <a:picLocks noChangeAspect="1"/>
-          </p:cNvPicPr>
-          <p:nvPr/>
-        </p:nvPicPr>
-        <p:blipFill>
-          <a:blip r:embed="rId3"/>
-          <a:stretch>
-            <a:fillRect/>
-          </a:stretch>
-        </p:blipFill>
-        <p:spPr>
-          <a:xfrm>
-            <a:off x="3369697" y="5267243"/>
-            <a:ext cx="4574203" cy="378801"/>
-          </a:xfrm>
-          <a:prstGeom prst="rect">
-            <a:avLst/>
-          </a:prstGeom>
-        </p:spPr>
-      </p:pic>
-      <p:pic>
-        <p:nvPicPr>
-          <p:cNvPr id="6" name="图片 5">
-            <a:extLst>
-              <a:ext uri="{FF2B5EF4-FFF2-40B4-BE49-F238E27FC236}">
-                <a16:creationId xmlns:a16="http://schemas.microsoft.com/office/drawing/2014/main" id="{8D20BC25-DFCD-400B-C24C-F99B08520CC2}"/>
-              </a:ext>
-            </a:extLst>
-          </p:cNvPr>
-          <p:cNvPicPr>
-            <a:picLocks noChangeAspect="1"/>
-          </p:cNvPicPr>
-          <p:nvPr/>
-        </p:nvPicPr>
-        <p:blipFill>
-          <a:blip r:embed="rId4"/>
-          <a:stretch>
-            <a:fillRect/>
-          </a:stretch>
-        </p:blipFill>
-        <p:spPr>
-          <a:xfrm>
-            <a:off x="2865885" y="5972630"/>
-            <a:ext cx="5188862" cy="400243"/>
-          </a:xfrm>
-          <a:prstGeom prst="rect">
-            <a:avLst/>
-          </a:prstGeom>
-        </p:spPr>
-      </p:pic>
-      <p:pic>
-        <p:nvPicPr>
-          <p:cNvPr id="7" name="图片 6">
-            <a:extLst>
-              <a:ext uri="{FF2B5EF4-FFF2-40B4-BE49-F238E27FC236}">
-                <a16:creationId xmlns:a16="http://schemas.microsoft.com/office/drawing/2014/main" id="{40E20929-3C9D-A945-2E69-6CE988ABE925}"/>
-              </a:ext>
-            </a:extLst>
-          </p:cNvPr>
-          <p:cNvPicPr>
-            <a:picLocks noChangeAspect="1"/>
-          </p:cNvPicPr>
-          <p:nvPr/>
-        </p:nvPicPr>
-        <p:blipFill>
-          <a:blip r:embed="rId5"/>
-          <a:stretch>
-            <a:fillRect/>
-          </a:stretch>
-        </p:blipFill>
-        <p:spPr>
-          <a:xfrm>
-            <a:off x="2549297" y="1024983"/>
-            <a:ext cx="4991190" cy="492211"/>
-          </a:xfrm>
-          <a:prstGeom prst="rect">
-            <a:avLst/>
-          </a:prstGeom>
-        </p:spPr>
-      </p:pic>
-      <p:pic>
-        <p:nvPicPr>
-          <p:cNvPr id="8" name="图片 7">
-            <a:extLst>
-              <a:ext uri="{FF2B5EF4-FFF2-40B4-BE49-F238E27FC236}">
-                <a16:creationId xmlns:a16="http://schemas.microsoft.com/office/drawing/2014/main" id="{36F8EE8F-584A-5069-D918-BCCD7E4D08D5}"/>
-              </a:ext>
-            </a:extLst>
-          </p:cNvPr>
-          <p:cNvPicPr>
-            <a:picLocks noChangeAspect="1"/>
-          </p:cNvPicPr>
-          <p:nvPr/>
-        </p:nvPicPr>
-        <p:blipFill>
-          <a:blip r:embed="rId6"/>
-          <a:stretch>
-            <a:fillRect/>
-          </a:stretch>
-        </p:blipFill>
-        <p:spPr>
-          <a:xfrm>
-            <a:off x="2568050" y="2361159"/>
-            <a:ext cx="3349046" cy="436074"/>
-          </a:xfrm>
-          <a:prstGeom prst="rect">
-            <a:avLst/>
-          </a:prstGeom>
-        </p:spPr>
-      </p:pic>
-      <p:pic>
-        <p:nvPicPr>
-          <p:cNvPr id="9" name="图片 8">
-            <a:extLst>
-              <a:ext uri="{FF2B5EF4-FFF2-40B4-BE49-F238E27FC236}">
-                <a16:creationId xmlns:a16="http://schemas.microsoft.com/office/drawing/2014/main" id="{22997DF5-2314-2AFB-BECF-590B5B86BD1E}"/>
-              </a:ext>
-            </a:extLst>
-          </p:cNvPr>
-          <p:cNvPicPr>
-            <a:picLocks noChangeAspect="1"/>
-          </p:cNvPicPr>
-          <p:nvPr/>
-        </p:nvPicPr>
-        <p:blipFill>
-          <a:blip r:embed="rId7"/>
-          <a:stretch>
-            <a:fillRect/>
-          </a:stretch>
-        </p:blipFill>
-        <p:spPr>
-          <a:xfrm>
-            <a:off x="9955902" y="679904"/>
-            <a:ext cx="238125" cy="342900"/>
-          </a:xfrm>
-          <a:prstGeom prst="rect">
-            <a:avLst/>
-          </a:prstGeom>
-        </p:spPr>
-      </p:pic>
-      <p:sp>
-        <p:nvSpPr>
-          <p:cNvPr id="12" name="文本框 11">
-            <a:extLst>
-              <a:ext uri="{FF2B5EF4-FFF2-40B4-BE49-F238E27FC236}">
-                <a16:creationId xmlns:a16="http://schemas.microsoft.com/office/drawing/2014/main" id="{009A57AD-538A-6A1D-B562-67F7A770988A}"/>
-              </a:ext>
-            </a:extLst>
-          </p:cNvPr>
-          <p:cNvSpPr txBox="1"/>
-          <p:nvPr/>
-        </p:nvSpPr>
-        <p:spPr>
-          <a:xfrm>
-            <a:off x="776404" y="588235"/>
-            <a:ext cx="6096000" cy="400110"/>
-          </a:xfrm>
-          <a:prstGeom prst="rect">
-            <a:avLst/>
-          </a:prstGeom>
-          <a:noFill/>
-        </p:spPr>
-        <p:txBody>
-          <a:bodyPr wrap="square">
-            <a:spAutoFit/>
-          </a:bodyPr>
-          <a:lstStyle/>
-          <a:p>
-            <a:pPr marL="342900" indent="-342900">
-              <a:buFont typeface="Arial" panose="020B0604020202020204" pitchFamily="34" charset="0"/>
-              <a:buChar char="•"/>
-            </a:pPr>
-            <a:r>
-              <a:rPr lang="en-US" altLang="zh-CN" sz="2000" dirty="0">
-                <a:latin typeface="Times New Roman" panose="02020603050405020304" pitchFamily="18" charset="0"/>
-                <a:cs typeface="Times New Roman" panose="02020603050405020304" pitchFamily="18" charset="0"/>
-              </a:rPr>
-              <a:t>Predicted Measurement:</a:t>
-            </a:r>
-            <a:endParaRPr lang="zh-CN" altLang="en-US" sz="2000" dirty="0">
-              <a:latin typeface="Times New Roman" panose="02020603050405020304" pitchFamily="18" charset="0"/>
-              <a:cs typeface="Times New Roman" panose="02020603050405020304" pitchFamily="18" charset="0"/>
-            </a:endParaRPr>
-          </a:p>
-        </p:txBody>
-      </p:sp>
-      <p:sp>
-        <p:nvSpPr>
-          <p:cNvPr id="14" name="文本框 13">
-            <a:extLst>
-              <a:ext uri="{FF2B5EF4-FFF2-40B4-BE49-F238E27FC236}">
-                <a16:creationId xmlns:a16="http://schemas.microsoft.com/office/drawing/2014/main" id="{AFCBE43D-5BB8-9FD5-8A4C-C2B311A5FEF4}"/>
-              </a:ext>
-            </a:extLst>
-          </p:cNvPr>
-          <p:cNvSpPr txBox="1"/>
-          <p:nvPr/>
-        </p:nvSpPr>
-        <p:spPr>
-          <a:xfrm>
-            <a:off x="776404" y="1783019"/>
-            <a:ext cx="6096000" cy="400110"/>
-          </a:xfrm>
-          <a:prstGeom prst="rect">
-            <a:avLst/>
-          </a:prstGeom>
-          <a:noFill/>
-        </p:spPr>
-        <p:txBody>
-          <a:bodyPr wrap="square">
-            <a:spAutoFit/>
-          </a:bodyPr>
-          <a:lstStyle/>
-          <a:p>
-            <a:pPr marL="342900" indent="-342900">
-              <a:buFont typeface="Arial" panose="020B0604020202020204" pitchFamily="34" charset="0"/>
-              <a:buChar char="•"/>
-            </a:pPr>
-            <a:r>
-              <a:rPr lang="en-US" altLang="zh-CN" sz="2000" dirty="0">
-                <a:latin typeface="Times New Roman" panose="02020603050405020304" pitchFamily="18" charset="0"/>
-                <a:cs typeface="Times New Roman" panose="02020603050405020304" pitchFamily="18" charset="0"/>
-              </a:rPr>
-              <a:t>Observed Measurement:</a:t>
-            </a:r>
-            <a:endParaRPr lang="zh-CN" altLang="en-US" sz="2000" dirty="0">
-              <a:latin typeface="Times New Roman" panose="02020603050405020304" pitchFamily="18" charset="0"/>
-              <a:cs typeface="Times New Roman" panose="02020603050405020304" pitchFamily="18" charset="0"/>
-            </a:endParaRPr>
-          </a:p>
-        </p:txBody>
-      </p:sp>
-      <p:sp>
-        <p:nvSpPr>
-          <p:cNvPr id="16" name="文本框 15">
-            <a:extLst>
-              <a:ext uri="{FF2B5EF4-FFF2-40B4-BE49-F238E27FC236}">
-                <a16:creationId xmlns:a16="http://schemas.microsoft.com/office/drawing/2014/main" id="{A609CEED-2ECD-238A-7440-3805519B3605}"/>
-              </a:ext>
-            </a:extLst>
-          </p:cNvPr>
-          <p:cNvSpPr txBox="1"/>
-          <p:nvPr/>
-        </p:nvSpPr>
-        <p:spPr>
-          <a:xfrm>
-            <a:off x="828260" y="3515299"/>
-            <a:ext cx="6096000" cy="400110"/>
-          </a:xfrm>
-          <a:prstGeom prst="rect">
-            <a:avLst/>
-          </a:prstGeom>
-          <a:noFill/>
-        </p:spPr>
-        <p:txBody>
-          <a:bodyPr wrap="square">
-            <a:spAutoFit/>
-          </a:bodyPr>
-          <a:lstStyle/>
-          <a:p>
-            <a:pPr marL="342900" indent="-342900">
-              <a:buFont typeface="Arial" panose="020B0604020202020204" pitchFamily="34" charset="0"/>
-              <a:buChar char="•"/>
-            </a:pPr>
-            <a:r>
-              <a:rPr lang="en-US" altLang="zh-CN" sz="2000" dirty="0">
-                <a:latin typeface="Times New Roman" panose="02020603050405020304" pitchFamily="18" charset="0"/>
-                <a:cs typeface="Times New Roman" panose="02020603050405020304" pitchFamily="18" charset="0"/>
-              </a:rPr>
-              <a:t>Then we can convert these</a:t>
-            </a:r>
-            <a:endParaRPr lang="zh-CN" altLang="en-US" sz="2000" dirty="0">
-              <a:latin typeface="Times New Roman" panose="02020603050405020304" pitchFamily="18" charset="0"/>
-              <a:cs typeface="Times New Roman" panose="02020603050405020304" pitchFamily="18" charset="0"/>
-            </a:endParaRPr>
-          </a:p>
-        </p:txBody>
-      </p:sp>
-      <p:pic>
-        <p:nvPicPr>
-          <p:cNvPr id="19" name="图片 18">
-            <a:extLst>
-              <a:ext uri="{FF2B5EF4-FFF2-40B4-BE49-F238E27FC236}">
-                <a16:creationId xmlns:a16="http://schemas.microsoft.com/office/drawing/2014/main" id="{1946355C-8FA8-1797-BF46-9A2E34B57A27}"/>
-              </a:ext>
-            </a:extLst>
-          </p:cNvPr>
-          <p:cNvPicPr>
-            <a:picLocks noChangeAspect="1"/>
-          </p:cNvPicPr>
-          <p:nvPr/>
-        </p:nvPicPr>
-        <p:blipFill>
-          <a:blip r:embed="rId8"/>
-          <a:stretch>
-            <a:fillRect/>
-          </a:stretch>
-        </p:blipFill>
-        <p:spPr>
-          <a:xfrm>
-            <a:off x="4093780" y="3236738"/>
-            <a:ext cx="220551" cy="1138011"/>
-          </a:xfrm>
-          <a:prstGeom prst="rect">
-            <a:avLst/>
-          </a:prstGeom>
-        </p:spPr>
-      </p:pic>
-      <p:sp>
-        <p:nvSpPr>
-          <p:cNvPr id="20" name="文本框 19">
-            <a:extLst>
-              <a:ext uri="{FF2B5EF4-FFF2-40B4-BE49-F238E27FC236}">
-                <a16:creationId xmlns:a16="http://schemas.microsoft.com/office/drawing/2014/main" id="{EFC5C5E8-5C13-2D82-30C9-A5FC703FD7B0}"/>
-              </a:ext>
-            </a:extLst>
-          </p:cNvPr>
-          <p:cNvSpPr txBox="1"/>
-          <p:nvPr/>
-        </p:nvSpPr>
-        <p:spPr>
-          <a:xfrm>
-            <a:off x="7479905" y="3462527"/>
-            <a:ext cx="1987827" cy="400110"/>
-          </a:xfrm>
-          <a:prstGeom prst="rect">
-            <a:avLst/>
-          </a:prstGeom>
-          <a:noFill/>
-        </p:spPr>
-        <p:txBody>
-          <a:bodyPr wrap="square" rtlCol="0">
-            <a:spAutoFit/>
-          </a:bodyPr>
-          <a:lstStyle/>
-          <a:p>
-            <a:r>
-              <a:rPr lang="en-US" altLang="zh-CN" sz="2000" dirty="0">
-                <a:latin typeface="Times New Roman" panose="02020603050405020304" pitchFamily="18" charset="0"/>
-                <a:cs typeface="Times New Roman" panose="02020603050405020304" pitchFamily="18" charset="0"/>
-              </a:rPr>
-              <a:t>as below</a:t>
-            </a:r>
-            <a:endParaRPr lang="zh-CN" altLang="en-US" sz="2000" dirty="0">
-              <a:latin typeface="Times New Roman" panose="02020603050405020304" pitchFamily="18" charset="0"/>
-              <a:cs typeface="Times New Roman" panose="02020603050405020304" pitchFamily="18" charset="0"/>
-            </a:endParaRPr>
-          </a:p>
-        </p:txBody>
-      </p:sp>
-      <p:sp>
-        <p:nvSpPr>
-          <p:cNvPr id="22" name="文本框 21">
-            <a:extLst>
-              <a:ext uri="{FF2B5EF4-FFF2-40B4-BE49-F238E27FC236}">
-                <a16:creationId xmlns:a16="http://schemas.microsoft.com/office/drawing/2014/main" id="{170F95CC-210C-9ABE-B3E6-14EA5B78D492}"/>
-              </a:ext>
-            </a:extLst>
-          </p:cNvPr>
-          <p:cNvSpPr txBox="1"/>
-          <p:nvPr/>
-        </p:nvSpPr>
-        <p:spPr>
-          <a:xfrm>
-            <a:off x="9488556" y="1097455"/>
-            <a:ext cx="1272209" cy="707886"/>
-          </a:xfrm>
-          <a:prstGeom prst="rect">
-            <a:avLst/>
-          </a:prstGeom>
-          <a:noFill/>
-        </p:spPr>
-        <p:txBody>
-          <a:bodyPr wrap="square" rtlCol="0">
-            <a:spAutoFit/>
-          </a:bodyPr>
-          <a:lstStyle/>
-          <a:p>
-            <a:pPr algn="ctr"/>
-            <a:r>
-              <a:rPr lang="en-US" altLang="zh-CN" sz="2000" dirty="0">
-                <a:latin typeface="Times New Roman" panose="02020603050405020304" pitchFamily="18" charset="0"/>
-                <a:cs typeface="Times New Roman" panose="02020603050405020304" pitchFamily="18" charset="0"/>
-              </a:rPr>
-              <a:t>Estimated </a:t>
-            </a:r>
-          </a:p>
-          <a:p>
-            <a:pPr algn="ctr"/>
-            <a:r>
-              <a:rPr lang="en-US" altLang="zh-CN" sz="2000" dirty="0">
-                <a:latin typeface="Times New Roman" panose="02020603050405020304" pitchFamily="18" charset="0"/>
-                <a:cs typeface="Times New Roman" panose="02020603050405020304" pitchFamily="18" charset="0"/>
-              </a:rPr>
-              <a:t>Stated</a:t>
-            </a:r>
-            <a:endParaRPr lang="zh-CN" altLang="en-US" sz="2000" dirty="0">
-              <a:latin typeface="Times New Roman" panose="02020603050405020304" pitchFamily="18" charset="0"/>
-              <a:cs typeface="Times New Roman" panose="02020603050405020304" pitchFamily="18" charset="0"/>
-            </a:endParaRPr>
-          </a:p>
-        </p:txBody>
-      </p:sp>
-      <p:pic>
-        <p:nvPicPr>
-          <p:cNvPr id="24" name="图片 23">
-            <a:extLst>
-              <a:ext uri="{FF2B5EF4-FFF2-40B4-BE49-F238E27FC236}">
-                <a16:creationId xmlns:a16="http://schemas.microsoft.com/office/drawing/2014/main" id="{F8B85C17-97D0-67CF-F58B-EE516091CD23}"/>
-              </a:ext>
-            </a:extLst>
-          </p:cNvPr>
-          <p:cNvPicPr>
-            <a:picLocks noChangeAspect="1"/>
-          </p:cNvPicPr>
-          <p:nvPr/>
-        </p:nvPicPr>
-        <p:blipFill>
-          <a:blip r:embed="rId9"/>
-          <a:stretch>
-            <a:fillRect/>
-          </a:stretch>
-        </p:blipFill>
-        <p:spPr>
-          <a:xfrm>
-            <a:off x="4520357" y="3101341"/>
-            <a:ext cx="2272885" cy="1326692"/>
-          </a:xfrm>
-          <a:prstGeom prst="rect">
-            <a:avLst/>
-          </a:prstGeom>
-        </p:spPr>
-      </p:pic>
-      <p:pic>
-        <p:nvPicPr>
-          <p:cNvPr id="25" name="图片 24">
-            <a:extLst>
-              <a:ext uri="{FF2B5EF4-FFF2-40B4-BE49-F238E27FC236}">
-                <a16:creationId xmlns:a16="http://schemas.microsoft.com/office/drawing/2014/main" id="{2690BC0C-F3C3-1728-714E-EAB0E5B54FEA}"/>
-              </a:ext>
-            </a:extLst>
-          </p:cNvPr>
-          <p:cNvPicPr>
-            <a:picLocks noChangeAspect="1"/>
-          </p:cNvPicPr>
-          <p:nvPr/>
-        </p:nvPicPr>
-        <p:blipFill>
-          <a:blip r:embed="rId10"/>
-          <a:stretch>
-            <a:fillRect/>
-          </a:stretch>
-        </p:blipFill>
-        <p:spPr>
-          <a:xfrm>
-            <a:off x="3824404" y="4676842"/>
-            <a:ext cx="4786196" cy="401196"/>
-          </a:xfrm>
-          <a:prstGeom prst="rect">
-            <a:avLst/>
-          </a:prstGeom>
-        </p:spPr>
-      </p:pic>
-    </p:spTree>
-    <p:extLst>
-      <p:ext uri="{BB962C8B-B14F-4D97-AF65-F5344CB8AC3E}">
-        <p14:creationId xmlns:p14="http://schemas.microsoft.com/office/powerpoint/2010/main" val="991733844"/>
       </p:ext>
     </p:extLst>
   </p:cSld>
@@ -10128,7 +9629,7 @@
           <p:cNvPr id="2" name="灯片编号占位符 1">
             <a:extLst>
               <a:ext uri="{FF2B5EF4-FFF2-40B4-BE49-F238E27FC236}">
-                <a16:creationId xmlns:a16="http://schemas.microsoft.com/office/drawing/2014/main" id="{0F0DE2A4-51D6-43B8-0599-49760FCDBF0F}"/>
+                <a16:creationId xmlns:a16="http://schemas.microsoft.com/office/drawing/2014/main" id="{99882017-CDE6-D487-17A8-F25D529240B8}"/>
               </a:ext>
             </a:extLst>
           </p:cNvPr>
@@ -10157,7 +9658,7 @@
           <p:cNvPr id="3" name="矩形 2">
             <a:extLst>
               <a:ext uri="{FF2B5EF4-FFF2-40B4-BE49-F238E27FC236}">
-                <a16:creationId xmlns:a16="http://schemas.microsoft.com/office/drawing/2014/main" id="{A4737145-2396-F64E-55F2-3408233F7591}"/>
+                <a16:creationId xmlns:a16="http://schemas.microsoft.com/office/drawing/2014/main" id="{5CDD2813-E88C-0891-EF12-5E437B4567E2}"/>
               </a:ext>
             </a:extLst>
           </p:cNvPr>
@@ -10246,7 +9747,7 @@
           <p:cNvPr id="4" name="图片 3">
             <a:extLst>
               <a:ext uri="{FF2B5EF4-FFF2-40B4-BE49-F238E27FC236}">
-                <a16:creationId xmlns:a16="http://schemas.microsoft.com/office/drawing/2014/main" id="{6FEBFC53-E1F0-EB48-1010-5C52736696B9}"/>
+                <a16:creationId xmlns:a16="http://schemas.microsoft.com/office/drawing/2014/main" id="{C00350B1-3EDC-0F26-A1AB-708CD9DB1FBE}"/>
               </a:ext>
             </a:extLst>
           </p:cNvPr>
@@ -10276,7 +9777,7 @@
           <p:cNvPr id="5" name="图片 4">
             <a:extLst>
               <a:ext uri="{FF2B5EF4-FFF2-40B4-BE49-F238E27FC236}">
-                <a16:creationId xmlns:a16="http://schemas.microsoft.com/office/drawing/2014/main" id="{CF20F01B-5C19-AC69-E242-130F45314637}"/>
+                <a16:creationId xmlns:a16="http://schemas.microsoft.com/office/drawing/2014/main" id="{E7F0A19D-A45C-64A4-B2FA-F2321928D845}"/>
               </a:ext>
             </a:extLst>
           </p:cNvPr>
@@ -10293,8 +9794,8 @@
         </p:blipFill>
         <p:spPr>
           <a:xfrm>
-            <a:off x="3092711" y="4160084"/>
-            <a:ext cx="5038725" cy="504825"/>
+            <a:off x="859528" y="1883466"/>
+            <a:ext cx="2428875" cy="1143000"/>
           </a:xfrm>
           <a:prstGeom prst="rect">
             <a:avLst/>
@@ -10306,7 +9807,7 @@
           <p:cNvPr id="6" name="图片 5">
             <a:extLst>
               <a:ext uri="{FF2B5EF4-FFF2-40B4-BE49-F238E27FC236}">
-                <a16:creationId xmlns:a16="http://schemas.microsoft.com/office/drawing/2014/main" id="{4D764928-665F-799E-60F0-4F316C7A667B}"/>
+                <a16:creationId xmlns:a16="http://schemas.microsoft.com/office/drawing/2014/main" id="{34E225DF-C6AB-03CF-C27E-78FF556A2F8C}"/>
               </a:ext>
             </a:extLst>
           </p:cNvPr>
@@ -10323,8 +9824,8 @@
         </p:blipFill>
         <p:spPr>
           <a:xfrm>
-            <a:off x="3035990" y="5021478"/>
-            <a:ext cx="3790950" cy="495300"/>
+            <a:off x="724521" y="3176587"/>
+            <a:ext cx="4143375" cy="504825"/>
           </a:xfrm>
           <a:prstGeom prst="rect">
             <a:avLst/>
@@ -10336,7 +9837,7 @@
           <p:cNvPr id="7" name="图片 6">
             <a:extLst>
               <a:ext uri="{FF2B5EF4-FFF2-40B4-BE49-F238E27FC236}">
-                <a16:creationId xmlns:a16="http://schemas.microsoft.com/office/drawing/2014/main" id="{0D08069C-77C0-5581-6219-63C3C97571B5}"/>
+                <a16:creationId xmlns:a16="http://schemas.microsoft.com/office/drawing/2014/main" id="{7DE36567-E24F-6427-5417-0EC282308818}"/>
               </a:ext>
             </a:extLst>
           </p:cNvPr>
@@ -10353,110 +9854,67 @@
         </p:blipFill>
         <p:spPr>
           <a:xfrm>
-            <a:off x="3035990" y="3261076"/>
-            <a:ext cx="6000750" cy="542925"/>
+            <a:off x="576469" y="4030110"/>
+            <a:ext cx="2914650" cy="523875"/>
           </a:xfrm>
           <a:prstGeom prst="rect">
             <a:avLst/>
           </a:prstGeom>
         </p:spPr>
       </p:pic>
-      <p:sp>
-        <p:nvSpPr>
-          <p:cNvPr id="9" name="文本框 8">
-            <a:extLst>
-              <a:ext uri="{FF2B5EF4-FFF2-40B4-BE49-F238E27FC236}">
-                <a16:creationId xmlns:a16="http://schemas.microsoft.com/office/drawing/2014/main" id="{1FB27078-3264-3888-530E-694570D7E40C}"/>
-              </a:ext>
-            </a:extLst>
-          </p:cNvPr>
-          <p:cNvSpPr txBox="1"/>
-          <p:nvPr/>
-        </p:nvSpPr>
-        <p:spPr>
-          <a:xfrm>
-            <a:off x="1590261" y="1168121"/>
-            <a:ext cx="6096000" cy="400110"/>
-          </a:xfrm>
-          <a:prstGeom prst="rect">
-            <a:avLst/>
-          </a:prstGeom>
-          <a:noFill/>
-        </p:spPr>
-        <p:txBody>
-          <a:bodyPr wrap="square">
-            <a:spAutoFit/>
-          </a:bodyPr>
-          <a:lstStyle/>
-          <a:p>
-            <a:pPr marL="342900" indent="-342900">
-              <a:buFont typeface="Arial" panose="020B0604020202020204" pitchFamily="34" charset="0"/>
-              <a:buChar char="•"/>
-            </a:pPr>
-            <a:r>
-              <a:rPr lang="en-US" altLang="zh-CN" sz="2000" dirty="0">
-                <a:latin typeface="Times New Roman" panose="02020603050405020304" pitchFamily="18" charset="0"/>
-                <a:cs typeface="Times New Roman" panose="02020603050405020304" pitchFamily="18" charset="0"/>
-              </a:rPr>
-              <a:t>We can knock an </a:t>
-            </a:r>
-            <a:r>
-              <a:rPr lang="en-US" altLang="zh-CN" sz="2000" dirty="0" err="1">
-                <a:latin typeface="Times New Roman" panose="02020603050405020304" pitchFamily="18" charset="0"/>
-                <a:cs typeface="Times New Roman" panose="02020603050405020304" pitchFamily="18" charset="0"/>
-              </a:rPr>
-              <a:t>H_k</a:t>
-            </a:r>
-            <a:r>
-              <a:rPr lang="en-US" altLang="zh-CN" sz="2000" dirty="0">
-                <a:latin typeface="Times New Roman" panose="02020603050405020304" pitchFamily="18" charset="0"/>
-                <a:cs typeface="Times New Roman" panose="02020603050405020304" pitchFamily="18" charset="0"/>
-              </a:rPr>
-              <a:t> off the front of every term in</a:t>
-            </a:r>
-            <a:endParaRPr lang="zh-CN" altLang="en-US" sz="2000" dirty="0">
-              <a:latin typeface="Times New Roman" panose="02020603050405020304" pitchFamily="18" charset="0"/>
-              <a:cs typeface="Times New Roman" panose="02020603050405020304" pitchFamily="18" charset="0"/>
-            </a:endParaRPr>
-          </a:p>
-        </p:txBody>
-      </p:sp>
       <p:pic>
         <p:nvPicPr>
-          <p:cNvPr id="11" name="图片 10">
-            <a:extLst>
-              <a:ext uri="{FF2B5EF4-FFF2-40B4-BE49-F238E27FC236}">
-                <a16:creationId xmlns:a16="http://schemas.microsoft.com/office/drawing/2014/main" id="{0CD2D3EC-CE53-4242-03B7-CBEB986C92EC}"/>
+          <p:cNvPr id="12290" name="Picture 2">
+            <a:extLst>
+              <a:ext uri="{FF2B5EF4-FFF2-40B4-BE49-F238E27FC236}">
+                <a16:creationId xmlns:a16="http://schemas.microsoft.com/office/drawing/2014/main" id="{61DCBD96-CC8A-BD43-77C6-B917AA16EB7C}"/>
               </a:ext>
             </a:extLst>
           </p:cNvPr>
           <p:cNvPicPr>
-            <a:picLocks noChangeAspect="1"/>
+            <a:picLocks noChangeAspect="1" noChangeArrowheads="1"/>
           </p:cNvPicPr>
           <p:nvPr/>
         </p:nvPicPr>
         <p:blipFill>
-          <a:blip r:embed="rId6"/>
+          <a:blip r:embed="rId6">
+            <a:extLst>
+              <a:ext uri="{28A0092B-C50C-407E-A947-70E740481C1C}">
+                <a14:useLocalDpi xmlns:a14="http://schemas.microsoft.com/office/drawing/2010/main" val="0"/>
+              </a:ext>
+            </a:extLst>
+          </a:blip>
+          <a:srcRect/>
           <a:stretch>
             <a:fillRect/>
           </a:stretch>
         </p:blipFill>
-        <p:spPr>
-          <a:xfrm>
-            <a:off x="7489861" y="892297"/>
-            <a:ext cx="3213027" cy="1160547"/>
-          </a:xfrm>
-          <a:prstGeom prst="rect">
-            <a:avLst/>
-          </a:prstGeom>
+        <p:spPr bwMode="auto">
+          <a:xfrm>
+            <a:off x="6383821" y="2235441"/>
+            <a:ext cx="3943350" cy="533400"/>
+          </a:xfrm>
+          <a:prstGeom prst="rect">
+            <a:avLst/>
+          </a:prstGeom>
+          <a:noFill/>
+          <a:extLst>
+            <a:ext uri="{909E8E84-426E-40DD-AFC4-6F175D3DCCD1}">
+              <a14:hiddenFill xmlns:a14="http://schemas.microsoft.com/office/drawing/2010/main">
+                <a:solidFill>
+                  <a:srgbClr val="FFFFFF"/>
+                </a:solidFill>
+              </a14:hiddenFill>
+            </a:ext>
+          </a:extLst>
         </p:spPr>
       </p:pic>
       <p:pic>
         <p:nvPicPr>
-          <p:cNvPr id="12" name="图片 11">
-            <a:extLst>
-              <a:ext uri="{FF2B5EF4-FFF2-40B4-BE49-F238E27FC236}">
-                <a16:creationId xmlns:a16="http://schemas.microsoft.com/office/drawing/2014/main" id="{D0A1C7E9-62F6-85FF-1ABF-2D55400AF4D1}"/>
+          <p:cNvPr id="8" name="图片 7">
+            <a:extLst>
+              <a:ext uri="{FF2B5EF4-FFF2-40B4-BE49-F238E27FC236}">
+                <a16:creationId xmlns:a16="http://schemas.microsoft.com/office/drawing/2014/main" id="{713853C7-ECAA-0ACC-9D6E-2CB25734723E}"/>
               </a:ext>
             </a:extLst>
           </p:cNvPr>
@@ -10473,20 +9931,50 @@
         </p:blipFill>
         <p:spPr>
           <a:xfrm>
-            <a:off x="7380123" y="912793"/>
-            <a:ext cx="219475" cy="1140051"/>
+            <a:off x="6453187" y="3176586"/>
+            <a:ext cx="4314825" cy="504825"/>
           </a:xfrm>
           <a:prstGeom prst="rect">
             <a:avLst/>
           </a:prstGeom>
         </p:spPr>
       </p:pic>
-      <p:sp>
-        <p:nvSpPr>
-          <p:cNvPr id="14" name="文本框 13">
-            <a:extLst>
-              <a:ext uri="{FF2B5EF4-FFF2-40B4-BE49-F238E27FC236}">
-                <a16:creationId xmlns:a16="http://schemas.microsoft.com/office/drawing/2014/main" id="{D9789AC9-FAA8-44CB-DD0C-A823D217F32A}"/>
+      <p:pic>
+        <p:nvPicPr>
+          <p:cNvPr id="11" name="图片 10">
+            <a:extLst>
+              <a:ext uri="{FF2B5EF4-FFF2-40B4-BE49-F238E27FC236}">
+                <a16:creationId xmlns:a16="http://schemas.microsoft.com/office/drawing/2014/main" id="{EF5819DF-920C-E290-8128-21844C101EF3}"/>
+              </a:ext>
+            </a:extLst>
+          </p:cNvPr>
+          <p:cNvPicPr>
+            <a:picLocks noChangeAspect="1"/>
+          </p:cNvPicPr>
+          <p:nvPr/>
+        </p:nvPicPr>
+        <p:blipFill>
+          <a:blip r:embed="rId8"/>
+          <a:stretch>
+            <a:fillRect/>
+          </a:stretch>
+        </p:blipFill>
+        <p:spPr>
+          <a:xfrm>
+            <a:off x="6453187" y="4106310"/>
+            <a:ext cx="3076575" cy="447675"/>
+          </a:xfrm>
+          <a:prstGeom prst="rect">
+            <a:avLst/>
+          </a:prstGeom>
+        </p:spPr>
+      </p:pic>
+      <p:sp>
+        <p:nvSpPr>
+          <p:cNvPr id="13" name="文本框 12">
+            <a:extLst>
+              <a:ext uri="{FF2B5EF4-FFF2-40B4-BE49-F238E27FC236}">
+                <a16:creationId xmlns:a16="http://schemas.microsoft.com/office/drawing/2014/main" id="{68E3E042-A19E-5740-5A67-A1DA6FF71652}"/>
               </a:ext>
             </a:extLst>
           </p:cNvPr>
@@ -10495,8 +9983,8 @@
         </p:nvSpPr>
         <p:spPr>
           <a:xfrm>
-            <a:off x="1689651" y="2360730"/>
-            <a:ext cx="7162801" cy="400110"/>
+            <a:off x="6383821" y="5187482"/>
+            <a:ext cx="6096000" cy="400110"/>
           </a:xfrm>
           <a:prstGeom prst="rect">
             <a:avLst/>
@@ -10509,6 +9997,62 @@
           </a:bodyPr>
           <a:lstStyle/>
           <a:p>
+            <a:r>
+              <a:rPr lang="en-US" altLang="zh-CN" sz="2000" b="1" dirty="0">
+                <a:latin typeface="Times New Roman" panose="02020603050405020304" pitchFamily="18" charset="0"/>
+                <a:cs typeface="Times New Roman" panose="02020603050405020304" pitchFamily="18" charset="0"/>
+              </a:rPr>
+              <a:t>K</a:t>
+            </a:r>
+            <a:r>
+              <a:rPr lang="en-US" altLang="zh-CN" sz="2000" dirty="0">
+                <a:latin typeface="Times New Roman" panose="02020603050405020304" pitchFamily="18" charset="0"/>
+                <a:cs typeface="Times New Roman" panose="02020603050405020304" pitchFamily="18" charset="0"/>
+              </a:rPr>
+              <a:t> is a matrix called the </a:t>
+            </a:r>
+            <a:r>
+              <a:rPr lang="en-US" altLang="zh-CN" sz="2000" b="1" dirty="0">
+                <a:latin typeface="Times New Roman" panose="02020603050405020304" pitchFamily="18" charset="0"/>
+                <a:cs typeface="Times New Roman" panose="02020603050405020304" pitchFamily="18" charset="0"/>
+              </a:rPr>
+              <a:t>Kalman gain</a:t>
+            </a:r>
+            <a:endParaRPr lang="zh-CN" altLang="en-US" sz="2000" b="1" dirty="0">
+              <a:latin typeface="Times New Roman" panose="02020603050405020304" pitchFamily="18" charset="0"/>
+              <a:cs typeface="Times New Roman" panose="02020603050405020304" pitchFamily="18" charset="0"/>
+            </a:endParaRPr>
+          </a:p>
+        </p:txBody>
+      </p:sp>
+      <p:sp>
+        <p:nvSpPr>
+          <p:cNvPr id="15" name="文本框 14">
+            <a:extLst>
+              <a:ext uri="{FF2B5EF4-FFF2-40B4-BE49-F238E27FC236}">
+                <a16:creationId xmlns:a16="http://schemas.microsoft.com/office/drawing/2014/main" id="{B4C0B551-6E63-2D11-E76F-BF374506C019}"/>
+              </a:ext>
+            </a:extLst>
+          </p:cNvPr>
+          <p:cNvSpPr txBox="1"/>
+          <p:nvPr/>
+        </p:nvSpPr>
+        <p:spPr>
+          <a:xfrm>
+            <a:off x="5903844" y="1470463"/>
+            <a:ext cx="6347790" cy="400110"/>
+          </a:xfrm>
+          <a:prstGeom prst="rect">
+            <a:avLst/>
+          </a:prstGeom>
+          <a:noFill/>
+        </p:spPr>
+        <p:txBody>
+          <a:bodyPr wrap="square">
+            <a:spAutoFit/>
+          </a:bodyPr>
+          <a:lstStyle/>
+          <a:p>
             <a:pPr marL="342900" indent="-342900">
               <a:buFont typeface="Arial" panose="020B0604020202020204" pitchFamily="34" charset="0"/>
               <a:buChar char="•"/>
@@ -10518,47 +10062,114 @@
                 <a:latin typeface="Times New Roman" panose="02020603050405020304" pitchFamily="18" charset="0"/>
                 <a:cs typeface="Times New Roman" panose="02020603050405020304" pitchFamily="18" charset="0"/>
               </a:rPr>
-              <a:t>And an </a:t>
-            </a:r>
-            <a:r>
-              <a:rPr lang="en-US" altLang="zh-CN" sz="2000" dirty="0" err="1">
-                <a:latin typeface="Times New Roman" panose="02020603050405020304" pitchFamily="18" charset="0"/>
-                <a:cs typeface="Times New Roman" panose="02020603050405020304" pitchFamily="18" charset="0"/>
-              </a:rPr>
-              <a:t>H_k.T</a:t>
-            </a:r>
+              <a:t>Convert in matrix version:</a:t>
+            </a:r>
+            <a:endParaRPr lang="zh-CN" altLang="en-US" sz="2000" dirty="0">
+              <a:latin typeface="Times New Roman" panose="02020603050405020304" pitchFamily="18" charset="0"/>
+              <a:cs typeface="Times New Roman" panose="02020603050405020304" pitchFamily="18" charset="0"/>
+            </a:endParaRPr>
+          </a:p>
+        </p:txBody>
+      </p:sp>
+      <p:sp>
+        <p:nvSpPr>
+          <p:cNvPr id="16" name="文本框 15">
+            <a:extLst>
+              <a:ext uri="{FF2B5EF4-FFF2-40B4-BE49-F238E27FC236}">
+                <a16:creationId xmlns:a16="http://schemas.microsoft.com/office/drawing/2014/main" id="{507B65FF-E331-5D2F-E1CA-A8107995D60A}"/>
+              </a:ext>
+            </a:extLst>
+          </p:cNvPr>
+          <p:cNvSpPr txBox="1"/>
+          <p:nvPr/>
+        </p:nvSpPr>
+        <p:spPr>
+          <a:xfrm>
+            <a:off x="576469" y="1470463"/>
+            <a:ext cx="3538330" cy="400110"/>
+          </a:xfrm>
+          <a:prstGeom prst="rect">
+            <a:avLst/>
+          </a:prstGeom>
+          <a:noFill/>
+        </p:spPr>
+        <p:txBody>
+          <a:bodyPr wrap="square" rtlCol="0">
+            <a:spAutoFit/>
+          </a:bodyPr>
+          <a:lstStyle/>
+          <a:p>
+            <a:pPr marL="342900" indent="-342900">
+              <a:buFont typeface="Arial" panose="020B0604020202020204" pitchFamily="34" charset="0"/>
+              <a:buChar char="•"/>
+            </a:pPr>
             <a:r>
               <a:rPr lang="en-US" altLang="zh-CN" sz="2000" dirty="0">
                 <a:latin typeface="Times New Roman" panose="02020603050405020304" pitchFamily="18" charset="0"/>
                 <a:cs typeface="Times New Roman" panose="02020603050405020304" pitchFamily="18" charset="0"/>
               </a:rPr>
-              <a:t> off the end of all terms in the equation for </a:t>
-            </a:r>
-            <a:r>
-              <a:rPr lang="en-US" altLang="zh-CN" sz="2000" dirty="0" err="1">
+              <a:t>We can simplify as below</a:t>
+            </a:r>
+            <a:r>
+              <a:rPr lang="zh-CN" altLang="en-US" sz="2000" dirty="0">
                 <a:latin typeface="Times New Roman" panose="02020603050405020304" pitchFamily="18" charset="0"/>
                 <a:cs typeface="Times New Roman" panose="02020603050405020304" pitchFamily="18" charset="0"/>
               </a:rPr>
-              <a:t>P_k</a:t>
-            </a:r>
-            <a:r>
-              <a:rPr lang="en-US" altLang="zh-CN" sz="2000" dirty="0">
-                <a:latin typeface="Times New Roman" panose="02020603050405020304" pitchFamily="18" charset="0"/>
-                <a:cs typeface="Times New Roman" panose="02020603050405020304" pitchFamily="18" charset="0"/>
-              </a:rPr>
-              <a:t>’.</a:t>
-            </a:r>
-            <a:endParaRPr lang="zh-CN" altLang="en-US" sz="2000" dirty="0">
-              <a:latin typeface="Times New Roman" panose="02020603050405020304" pitchFamily="18" charset="0"/>
-              <a:cs typeface="Times New Roman" panose="02020603050405020304" pitchFamily="18" charset="0"/>
-            </a:endParaRPr>
+              <a:t>：</a:t>
+            </a:r>
+          </a:p>
+        </p:txBody>
+      </p:sp>
+      <p:sp>
+        <p:nvSpPr>
+          <p:cNvPr id="17" name="箭头: 右 16">
+            <a:extLst>
+              <a:ext uri="{FF2B5EF4-FFF2-40B4-BE49-F238E27FC236}">
+                <a16:creationId xmlns:a16="http://schemas.microsoft.com/office/drawing/2014/main" id="{A42C280A-F4BF-ABA6-6D52-B872B7C31ACC}"/>
+              </a:ext>
+            </a:extLst>
+          </p:cNvPr>
+          <p:cNvSpPr/>
+          <p:nvPr/>
+        </p:nvSpPr>
+        <p:spPr>
+          <a:xfrm>
+            <a:off x="5117592" y="3044395"/>
+            <a:ext cx="978408" cy="484632"/>
+          </a:xfrm>
+          <a:prstGeom prst="rightArrow">
+            <a:avLst/>
+          </a:prstGeom>
+        </p:spPr>
+        <p:style>
+          <a:lnRef idx="2">
+            <a:schemeClr val="accent1">
+              <a:shade val="15000"/>
+            </a:schemeClr>
+          </a:lnRef>
+          <a:fillRef idx="1">
+            <a:schemeClr val="accent1"/>
+          </a:fillRef>
+          <a:effectRef idx="0">
+            <a:schemeClr val="accent1"/>
+          </a:effectRef>
+          <a:fontRef idx="minor">
+            <a:schemeClr val="lt1"/>
+          </a:fontRef>
+        </p:style>
+        <p:txBody>
+          <a:bodyPr rtlCol="0" anchor="ctr"/>
+          <a:lstStyle/>
+          <a:p>
+            <a:pPr algn="ctr"/>
+            <a:endParaRPr lang="zh-CN" altLang="en-US"/>
           </a:p>
         </p:txBody>
       </p:sp>
     </p:spTree>
     <p:extLst>
       <p:ext uri="{BB962C8B-B14F-4D97-AF65-F5344CB8AC3E}">
-        <p14:creationId xmlns:p14="http://schemas.microsoft.com/office/powerpoint/2010/main" val="378316039"/>
+        <p14:creationId xmlns:p14="http://schemas.microsoft.com/office/powerpoint/2010/main" val="1875651984"/>
       </p:ext>
     </p:extLst>
   </p:cSld>
@@ -10590,7 +10201,7 @@
           <p:cNvPr id="2" name="灯片编号占位符 1">
             <a:extLst>
               <a:ext uri="{FF2B5EF4-FFF2-40B4-BE49-F238E27FC236}">
-                <a16:creationId xmlns:a16="http://schemas.microsoft.com/office/drawing/2014/main" id="{895CF998-A817-5C34-7F7D-7A9B57C47EBA}"/>
+                <a16:creationId xmlns:a16="http://schemas.microsoft.com/office/drawing/2014/main" id="{75C9BF7A-6396-7C18-6075-9C707812A910}"/>
               </a:ext>
             </a:extLst>
           </p:cNvPr>
@@ -10614,149 +10225,12 @@
           </a:p>
         </p:txBody>
       </p:sp>
-      <p:pic>
-        <p:nvPicPr>
-          <p:cNvPr id="4" name="图片 3">
-            <a:extLst>
-              <a:ext uri="{FF2B5EF4-FFF2-40B4-BE49-F238E27FC236}">
-                <a16:creationId xmlns:a16="http://schemas.microsoft.com/office/drawing/2014/main" id="{C61747C6-D535-32FC-A929-4F58741D5413}"/>
-              </a:ext>
-            </a:extLst>
-          </p:cNvPr>
-          <p:cNvPicPr>
-            <a:picLocks noChangeAspect="1"/>
-          </p:cNvPicPr>
-          <p:nvPr/>
-        </p:nvPicPr>
-        <p:blipFill>
-          <a:blip r:embed="rId2"/>
-          <a:stretch>
-            <a:fillRect/>
-          </a:stretch>
-        </p:blipFill>
-        <p:spPr>
-          <a:xfrm>
-            <a:off x="354495" y="1112031"/>
-            <a:ext cx="416583" cy="537866"/>
-          </a:xfrm>
-          <a:prstGeom prst="rect">
-            <a:avLst/>
-          </a:prstGeom>
-        </p:spPr>
-      </p:pic>
-      <p:pic>
-        <p:nvPicPr>
-          <p:cNvPr id="6" name="图片 5">
-            <a:extLst>
-              <a:ext uri="{FF2B5EF4-FFF2-40B4-BE49-F238E27FC236}">
-                <a16:creationId xmlns:a16="http://schemas.microsoft.com/office/drawing/2014/main" id="{63CD08E6-5E5F-3C72-C08A-2991F29E3D46}"/>
-              </a:ext>
-            </a:extLst>
-          </p:cNvPr>
-          <p:cNvPicPr>
-            <a:picLocks noChangeAspect="1"/>
-          </p:cNvPicPr>
-          <p:nvPr/>
-        </p:nvPicPr>
-        <p:blipFill>
-          <a:blip r:embed="rId3"/>
-          <a:stretch>
-            <a:fillRect/>
-          </a:stretch>
-        </p:blipFill>
-        <p:spPr>
-          <a:xfrm>
-            <a:off x="1737541" y="1737260"/>
-            <a:ext cx="402340" cy="508984"/>
-          </a:xfrm>
-          <a:prstGeom prst="rect">
-            <a:avLst/>
-          </a:prstGeom>
-        </p:spPr>
-      </p:pic>
-      <p:sp>
-        <p:nvSpPr>
-          <p:cNvPr id="8" name="文本框 7">
-            <a:extLst>
-              <a:ext uri="{FF2B5EF4-FFF2-40B4-BE49-F238E27FC236}">
-                <a16:creationId xmlns:a16="http://schemas.microsoft.com/office/drawing/2014/main" id="{D540F253-1052-9CE8-7376-C484B225B6F6}"/>
-              </a:ext>
-            </a:extLst>
-          </p:cNvPr>
-          <p:cNvSpPr txBox="1"/>
-          <p:nvPr/>
-        </p:nvSpPr>
-        <p:spPr>
-          <a:xfrm>
-            <a:off x="440633" y="977528"/>
-            <a:ext cx="6427305" cy="1845185"/>
-          </a:xfrm>
-          <a:prstGeom prst="rect">
-            <a:avLst/>
-          </a:prstGeom>
-          <a:noFill/>
-        </p:spPr>
-        <p:txBody>
-          <a:bodyPr wrap="square">
-            <a:spAutoFit/>
-          </a:bodyPr>
-          <a:lstStyle/>
-          <a:p>
-            <a:pPr>
-              <a:lnSpc>
-                <a:spcPct val="200000"/>
-              </a:lnSpc>
-            </a:pPr>
-            <a:r>
-              <a:rPr lang="en-US" altLang="zh-CN" sz="2000" dirty="0">
-                <a:latin typeface="Times New Roman" panose="02020603050405020304" pitchFamily="18" charset="0"/>
-                <a:cs typeface="Times New Roman" panose="02020603050405020304" pitchFamily="18" charset="0"/>
-              </a:rPr>
-              <a:t>    is our new best estimate, and we can go on and feed it (along with        ) back into another round of prediction or update as many times as we like.</a:t>
-            </a:r>
-            <a:endParaRPr lang="zh-CN" altLang="en-US" sz="2000" dirty="0">
-              <a:latin typeface="Times New Roman" panose="02020603050405020304" pitchFamily="18" charset="0"/>
-              <a:cs typeface="Times New Roman" panose="02020603050405020304" pitchFamily="18" charset="0"/>
-            </a:endParaRPr>
-          </a:p>
-        </p:txBody>
-      </p:sp>
-      <p:pic>
-        <p:nvPicPr>
-          <p:cNvPr id="10" name="图片 9">
-            <a:extLst>
-              <a:ext uri="{FF2B5EF4-FFF2-40B4-BE49-F238E27FC236}">
-                <a16:creationId xmlns:a16="http://schemas.microsoft.com/office/drawing/2014/main" id="{13FCFE55-9AB4-9F10-E4EA-A05AA9984FBE}"/>
-              </a:ext>
-            </a:extLst>
-          </p:cNvPr>
-          <p:cNvPicPr>
-            <a:picLocks noChangeAspect="1"/>
-          </p:cNvPicPr>
-          <p:nvPr/>
-        </p:nvPicPr>
-        <p:blipFill>
-          <a:blip r:embed="rId4"/>
-          <a:stretch>
-            <a:fillRect/>
-          </a:stretch>
-        </p:blipFill>
-        <p:spPr>
-          <a:xfrm>
-            <a:off x="6954076" y="481751"/>
-            <a:ext cx="4762745" cy="6166167"/>
-          </a:xfrm>
-          <a:prstGeom prst="rect">
-            <a:avLst/>
-          </a:prstGeom>
-        </p:spPr>
-      </p:pic>
-      <p:sp>
-        <p:nvSpPr>
-          <p:cNvPr id="11" name="矩形 10">
-            <a:extLst>
-              <a:ext uri="{FF2B5EF4-FFF2-40B4-BE49-F238E27FC236}">
-                <a16:creationId xmlns:a16="http://schemas.microsoft.com/office/drawing/2014/main" id="{6A7363C3-0DFA-79F0-1C39-A05A421E4767}"/>
+      <p:sp>
+        <p:nvSpPr>
+          <p:cNvPr id="3" name="矩形 2">
+            <a:extLst>
+              <a:ext uri="{FF2B5EF4-FFF2-40B4-BE49-F238E27FC236}">
+                <a16:creationId xmlns:a16="http://schemas.microsoft.com/office/drawing/2014/main" id="{2515FD44-86C2-26ED-DB1B-A9BAE8F71344}"/>
               </a:ext>
             </a:extLst>
           </p:cNvPr>
@@ -10842,10 +10316,100 @@
       </p:sp>
       <p:pic>
         <p:nvPicPr>
-          <p:cNvPr id="13" name="图片 12">
-            <a:extLst>
-              <a:ext uri="{FF2B5EF4-FFF2-40B4-BE49-F238E27FC236}">
-                <a16:creationId xmlns:a16="http://schemas.microsoft.com/office/drawing/2014/main" id="{637EB318-A9DE-A532-B4A5-6ACBB89C77D7}"/>
+          <p:cNvPr id="4" name="图片 3">
+            <a:extLst>
+              <a:ext uri="{FF2B5EF4-FFF2-40B4-BE49-F238E27FC236}">
+                <a16:creationId xmlns:a16="http://schemas.microsoft.com/office/drawing/2014/main" id="{DBCFB4B8-6E28-F360-B196-E6E108012CD6}"/>
+              </a:ext>
+            </a:extLst>
+          </p:cNvPr>
+          <p:cNvPicPr>
+            <a:picLocks noChangeAspect="1"/>
+          </p:cNvPicPr>
+          <p:nvPr/>
+        </p:nvPicPr>
+        <p:blipFill>
+          <a:blip r:embed="rId2"/>
+          <a:stretch>
+            <a:fillRect/>
+          </a:stretch>
+        </p:blipFill>
+        <p:spPr>
+          <a:xfrm>
+            <a:off x="11265327" y="-2"/>
+            <a:ext cx="926672" cy="926672"/>
+          </a:xfrm>
+          <a:prstGeom prst="rect">
+            <a:avLst/>
+          </a:prstGeom>
+        </p:spPr>
+      </p:pic>
+      <p:pic>
+        <p:nvPicPr>
+          <p:cNvPr id="5" name="图片 4">
+            <a:extLst>
+              <a:ext uri="{FF2B5EF4-FFF2-40B4-BE49-F238E27FC236}">
+                <a16:creationId xmlns:a16="http://schemas.microsoft.com/office/drawing/2014/main" id="{72265491-3547-3988-02FD-FF5AA0779178}"/>
+              </a:ext>
+            </a:extLst>
+          </p:cNvPr>
+          <p:cNvPicPr>
+            <a:picLocks noChangeAspect="1"/>
+          </p:cNvPicPr>
+          <p:nvPr/>
+        </p:nvPicPr>
+        <p:blipFill>
+          <a:blip r:embed="rId3"/>
+          <a:stretch>
+            <a:fillRect/>
+          </a:stretch>
+        </p:blipFill>
+        <p:spPr>
+          <a:xfrm>
+            <a:off x="3369697" y="5267243"/>
+            <a:ext cx="4574203" cy="378801"/>
+          </a:xfrm>
+          <a:prstGeom prst="rect">
+            <a:avLst/>
+          </a:prstGeom>
+        </p:spPr>
+      </p:pic>
+      <p:pic>
+        <p:nvPicPr>
+          <p:cNvPr id="6" name="图片 5">
+            <a:extLst>
+              <a:ext uri="{FF2B5EF4-FFF2-40B4-BE49-F238E27FC236}">
+                <a16:creationId xmlns:a16="http://schemas.microsoft.com/office/drawing/2014/main" id="{8D20BC25-DFCD-400B-C24C-F99B08520CC2}"/>
+              </a:ext>
+            </a:extLst>
+          </p:cNvPr>
+          <p:cNvPicPr>
+            <a:picLocks noChangeAspect="1"/>
+          </p:cNvPicPr>
+          <p:nvPr/>
+        </p:nvPicPr>
+        <p:blipFill>
+          <a:blip r:embed="rId4"/>
+          <a:stretch>
+            <a:fillRect/>
+          </a:stretch>
+        </p:blipFill>
+        <p:spPr>
+          <a:xfrm>
+            <a:off x="2865885" y="5972630"/>
+            <a:ext cx="5188862" cy="400243"/>
+          </a:xfrm>
+          <a:prstGeom prst="rect">
+            <a:avLst/>
+          </a:prstGeom>
+        </p:spPr>
+      </p:pic>
+      <p:pic>
+        <p:nvPicPr>
+          <p:cNvPr id="7" name="图片 6">
+            <a:extLst>
+              <a:ext uri="{FF2B5EF4-FFF2-40B4-BE49-F238E27FC236}">
+                <a16:creationId xmlns:a16="http://schemas.microsoft.com/office/drawing/2014/main" id="{40E20929-3C9D-A945-2E69-6CE988ABE925}"/>
               </a:ext>
             </a:extLst>
           </p:cNvPr>
@@ -10862,8 +10426,8 @@
         </p:blipFill>
         <p:spPr>
           <a:xfrm>
-            <a:off x="11265327" y="-2"/>
-            <a:ext cx="926672" cy="926672"/>
+            <a:off x="2549297" y="1024983"/>
+            <a:ext cx="4991190" cy="492211"/>
           </a:xfrm>
           <a:prstGeom prst="rect">
             <a:avLst/>
@@ -10872,10 +10436,10 @@
       </p:pic>
       <p:pic>
         <p:nvPicPr>
-          <p:cNvPr id="15" name="图片 14">
-            <a:extLst>
-              <a:ext uri="{FF2B5EF4-FFF2-40B4-BE49-F238E27FC236}">
-                <a16:creationId xmlns:a16="http://schemas.microsoft.com/office/drawing/2014/main" id="{4D8920E9-F6D9-F3ED-B673-06B15FE57411}"/>
+          <p:cNvPr id="8" name="图片 7">
+            <a:extLst>
+              <a:ext uri="{FF2B5EF4-FFF2-40B4-BE49-F238E27FC236}">
+                <a16:creationId xmlns:a16="http://schemas.microsoft.com/office/drawing/2014/main" id="{36F8EE8F-584A-5069-D918-BCCD7E4D08D5}"/>
               </a:ext>
             </a:extLst>
           </p:cNvPr>
@@ -10892,20 +10456,158 @@
         </p:blipFill>
         <p:spPr>
           <a:xfrm>
-            <a:off x="717894" y="3429000"/>
-            <a:ext cx="3838575" cy="476250"/>
+            <a:off x="2568050" y="2361159"/>
+            <a:ext cx="3349046" cy="436074"/>
           </a:xfrm>
           <a:prstGeom prst="rect">
             <a:avLst/>
           </a:prstGeom>
         </p:spPr>
       </p:pic>
+      <p:sp>
+        <p:nvSpPr>
+          <p:cNvPr id="12" name="文本框 11">
+            <a:extLst>
+              <a:ext uri="{FF2B5EF4-FFF2-40B4-BE49-F238E27FC236}">
+                <a16:creationId xmlns:a16="http://schemas.microsoft.com/office/drawing/2014/main" id="{009A57AD-538A-6A1D-B562-67F7A770988A}"/>
+              </a:ext>
+            </a:extLst>
+          </p:cNvPr>
+          <p:cNvSpPr txBox="1"/>
+          <p:nvPr/>
+        </p:nvSpPr>
+        <p:spPr>
+          <a:xfrm>
+            <a:off x="776404" y="588235"/>
+            <a:ext cx="6096000" cy="400110"/>
+          </a:xfrm>
+          <a:prstGeom prst="rect">
+            <a:avLst/>
+          </a:prstGeom>
+          <a:noFill/>
+        </p:spPr>
+        <p:txBody>
+          <a:bodyPr wrap="square">
+            <a:spAutoFit/>
+          </a:bodyPr>
+          <a:lstStyle/>
+          <a:p>
+            <a:pPr marL="342900" indent="-342900">
+              <a:buFont typeface="Arial" panose="020B0604020202020204" pitchFamily="34" charset="0"/>
+              <a:buChar char="•"/>
+            </a:pPr>
+            <a:r>
+              <a:rPr lang="en-US" altLang="zh-CN" sz="2000" dirty="0">
+                <a:latin typeface="Times New Roman" panose="02020603050405020304" pitchFamily="18" charset="0"/>
+                <a:cs typeface="Times New Roman" panose="02020603050405020304" pitchFamily="18" charset="0"/>
+              </a:rPr>
+              <a:t>Predicted Measurement:</a:t>
+            </a:r>
+            <a:endParaRPr lang="zh-CN" altLang="en-US" sz="2000" dirty="0">
+              <a:latin typeface="Times New Roman" panose="02020603050405020304" pitchFamily="18" charset="0"/>
+              <a:cs typeface="Times New Roman" panose="02020603050405020304" pitchFamily="18" charset="0"/>
+            </a:endParaRPr>
+          </a:p>
+        </p:txBody>
+      </p:sp>
+      <p:sp>
+        <p:nvSpPr>
+          <p:cNvPr id="14" name="文本框 13">
+            <a:extLst>
+              <a:ext uri="{FF2B5EF4-FFF2-40B4-BE49-F238E27FC236}">
+                <a16:creationId xmlns:a16="http://schemas.microsoft.com/office/drawing/2014/main" id="{AFCBE43D-5BB8-9FD5-8A4C-C2B311A5FEF4}"/>
+              </a:ext>
+            </a:extLst>
+          </p:cNvPr>
+          <p:cNvSpPr txBox="1"/>
+          <p:nvPr/>
+        </p:nvSpPr>
+        <p:spPr>
+          <a:xfrm>
+            <a:off x="776404" y="1783019"/>
+            <a:ext cx="6096000" cy="400110"/>
+          </a:xfrm>
+          <a:prstGeom prst="rect">
+            <a:avLst/>
+          </a:prstGeom>
+          <a:noFill/>
+        </p:spPr>
+        <p:txBody>
+          <a:bodyPr wrap="square">
+            <a:spAutoFit/>
+          </a:bodyPr>
+          <a:lstStyle/>
+          <a:p>
+            <a:pPr marL="342900" indent="-342900">
+              <a:buFont typeface="Arial" panose="020B0604020202020204" pitchFamily="34" charset="0"/>
+              <a:buChar char="•"/>
+            </a:pPr>
+            <a:r>
+              <a:rPr lang="en-US" altLang="zh-CN" sz="2000" dirty="0">
+                <a:latin typeface="Times New Roman" panose="02020603050405020304" pitchFamily="18" charset="0"/>
+                <a:cs typeface="Times New Roman" panose="02020603050405020304" pitchFamily="18" charset="0"/>
+              </a:rPr>
+              <a:t>Observed Measurement:</a:t>
+            </a:r>
+            <a:endParaRPr lang="zh-CN" altLang="en-US" sz="2000" dirty="0">
+              <a:latin typeface="Times New Roman" panose="02020603050405020304" pitchFamily="18" charset="0"/>
+              <a:cs typeface="Times New Roman" panose="02020603050405020304" pitchFamily="18" charset="0"/>
+            </a:endParaRPr>
+          </a:p>
+        </p:txBody>
+      </p:sp>
+      <p:sp>
+        <p:nvSpPr>
+          <p:cNvPr id="16" name="文本框 15">
+            <a:extLst>
+              <a:ext uri="{FF2B5EF4-FFF2-40B4-BE49-F238E27FC236}">
+                <a16:creationId xmlns:a16="http://schemas.microsoft.com/office/drawing/2014/main" id="{A609CEED-2ECD-238A-7440-3805519B3605}"/>
+              </a:ext>
+            </a:extLst>
+          </p:cNvPr>
+          <p:cNvSpPr txBox="1"/>
+          <p:nvPr/>
+        </p:nvSpPr>
+        <p:spPr>
+          <a:xfrm>
+            <a:off x="828260" y="3515299"/>
+            <a:ext cx="6096000" cy="400110"/>
+          </a:xfrm>
+          <a:prstGeom prst="rect">
+            <a:avLst/>
+          </a:prstGeom>
+          <a:noFill/>
+        </p:spPr>
+        <p:txBody>
+          <a:bodyPr wrap="square">
+            <a:spAutoFit/>
+          </a:bodyPr>
+          <a:lstStyle/>
+          <a:p>
+            <a:pPr marL="342900" indent="-342900">
+              <a:buFont typeface="Arial" panose="020B0604020202020204" pitchFamily="34" charset="0"/>
+              <a:buChar char="•"/>
+            </a:pPr>
+            <a:r>
+              <a:rPr lang="en-US" altLang="zh-CN" sz="2000" dirty="0">
+                <a:latin typeface="Times New Roman" panose="02020603050405020304" pitchFamily="18" charset="0"/>
+                <a:cs typeface="Times New Roman" panose="02020603050405020304" pitchFamily="18" charset="0"/>
+              </a:rPr>
+              <a:t>Then we can convert these</a:t>
+            </a:r>
+            <a:endParaRPr lang="zh-CN" altLang="en-US" sz="2000" dirty="0">
+              <a:latin typeface="Times New Roman" panose="02020603050405020304" pitchFamily="18" charset="0"/>
+              <a:cs typeface="Times New Roman" panose="02020603050405020304" pitchFamily="18" charset="0"/>
+            </a:endParaRPr>
+          </a:p>
+        </p:txBody>
+      </p:sp>
       <p:pic>
         <p:nvPicPr>
-          <p:cNvPr id="16" name="图片 15">
-            <a:extLst>
-              <a:ext uri="{FF2B5EF4-FFF2-40B4-BE49-F238E27FC236}">
-                <a16:creationId xmlns:a16="http://schemas.microsoft.com/office/drawing/2014/main" id="{B1EA45F8-822D-9617-B196-F88722AB32AC}"/>
+          <p:cNvPr id="19" name="图片 18">
+            <a:extLst>
+              <a:ext uri="{FF2B5EF4-FFF2-40B4-BE49-F238E27FC236}">
+                <a16:creationId xmlns:a16="http://schemas.microsoft.com/office/drawing/2014/main" id="{1946355C-8FA8-1797-BF46-9A2E34B57A27}"/>
               </a:ext>
             </a:extLst>
           </p:cNvPr>
@@ -10922,8 +10624,8 @@
         </p:blipFill>
         <p:spPr>
           <a:xfrm>
-            <a:off x="1938711" y="4350441"/>
-            <a:ext cx="3524250" cy="476250"/>
+            <a:off x="4093780" y="3236738"/>
+            <a:ext cx="220551" cy="1138011"/>
           </a:xfrm>
           <a:prstGeom prst="rect">
             <a:avLst/>
@@ -10932,10 +10634,10 @@
       </p:pic>
       <p:sp>
         <p:nvSpPr>
-          <p:cNvPr id="17" name="文本框 16">
-            <a:extLst>
-              <a:ext uri="{FF2B5EF4-FFF2-40B4-BE49-F238E27FC236}">
-                <a16:creationId xmlns:a16="http://schemas.microsoft.com/office/drawing/2014/main" id="{7251995B-C72A-C518-06CE-DAC4A22F51A2}"/>
+          <p:cNvPr id="20" name="文本框 19">
+            <a:extLst>
+              <a:ext uri="{FF2B5EF4-FFF2-40B4-BE49-F238E27FC236}">
+                <a16:creationId xmlns:a16="http://schemas.microsoft.com/office/drawing/2014/main" id="{EFC5C5E8-5C13-2D82-30C9-A5FC703FD7B0}"/>
               </a:ext>
             </a:extLst>
           </p:cNvPr>
@@ -10944,8 +10646,8 @@
         </p:nvSpPr>
         <p:spPr>
           <a:xfrm>
-            <a:off x="1938711" y="5285134"/>
-            <a:ext cx="2948609" cy="646331"/>
+            <a:off x="7479905" y="3462527"/>
+            <a:ext cx="1987827" cy="400110"/>
           </a:xfrm>
           <a:prstGeom prst="rect">
             <a:avLst/>
@@ -10959,17 +10661,83 @@
           <a:lstStyle/>
           <a:p>
             <a:r>
-              <a:rPr lang="en-US" altLang="zh-CN" dirty="0"/>
-              <a:t>If close to 0, means our prediction is well!</a:t>
-            </a:r>
-            <a:endParaRPr lang="zh-CN" altLang="en-US" dirty="0"/>
-          </a:p>
-        </p:txBody>
-      </p:sp>
+              <a:rPr lang="en-US" altLang="zh-CN" sz="2000" dirty="0">
+                <a:latin typeface="Times New Roman" panose="02020603050405020304" pitchFamily="18" charset="0"/>
+                <a:cs typeface="Times New Roman" panose="02020603050405020304" pitchFamily="18" charset="0"/>
+              </a:rPr>
+              <a:t>as below</a:t>
+            </a:r>
+            <a:endParaRPr lang="zh-CN" altLang="en-US" sz="2000" dirty="0">
+              <a:latin typeface="Times New Roman" panose="02020603050405020304" pitchFamily="18" charset="0"/>
+              <a:cs typeface="Times New Roman" panose="02020603050405020304" pitchFamily="18" charset="0"/>
+            </a:endParaRPr>
+          </a:p>
+        </p:txBody>
+      </p:sp>
+      <p:pic>
+        <p:nvPicPr>
+          <p:cNvPr id="24" name="图片 23">
+            <a:extLst>
+              <a:ext uri="{FF2B5EF4-FFF2-40B4-BE49-F238E27FC236}">
+                <a16:creationId xmlns:a16="http://schemas.microsoft.com/office/drawing/2014/main" id="{F8B85C17-97D0-67CF-F58B-EE516091CD23}"/>
+              </a:ext>
+            </a:extLst>
+          </p:cNvPr>
+          <p:cNvPicPr>
+            <a:picLocks noChangeAspect="1"/>
+          </p:cNvPicPr>
+          <p:nvPr/>
+        </p:nvPicPr>
+        <p:blipFill>
+          <a:blip r:embed="rId8"/>
+          <a:stretch>
+            <a:fillRect/>
+          </a:stretch>
+        </p:blipFill>
+        <p:spPr>
+          <a:xfrm>
+            <a:off x="4520357" y="3101341"/>
+            <a:ext cx="2272885" cy="1326692"/>
+          </a:xfrm>
+          <a:prstGeom prst="rect">
+            <a:avLst/>
+          </a:prstGeom>
+        </p:spPr>
+      </p:pic>
+      <p:pic>
+        <p:nvPicPr>
+          <p:cNvPr id="25" name="图片 24">
+            <a:extLst>
+              <a:ext uri="{FF2B5EF4-FFF2-40B4-BE49-F238E27FC236}">
+                <a16:creationId xmlns:a16="http://schemas.microsoft.com/office/drawing/2014/main" id="{2690BC0C-F3C3-1728-714E-EAB0E5B54FEA}"/>
+              </a:ext>
+            </a:extLst>
+          </p:cNvPr>
+          <p:cNvPicPr>
+            <a:picLocks noChangeAspect="1"/>
+          </p:cNvPicPr>
+          <p:nvPr/>
+        </p:nvPicPr>
+        <p:blipFill>
+          <a:blip r:embed="rId9"/>
+          <a:stretch>
+            <a:fillRect/>
+          </a:stretch>
+        </p:blipFill>
+        <p:spPr>
+          <a:xfrm>
+            <a:off x="3824404" y="4676842"/>
+            <a:ext cx="4786196" cy="401196"/>
+          </a:xfrm>
+          <a:prstGeom prst="rect">
+            <a:avLst/>
+          </a:prstGeom>
+        </p:spPr>
+      </p:pic>
     </p:spTree>
     <p:extLst>
       <p:ext uri="{BB962C8B-B14F-4D97-AF65-F5344CB8AC3E}">
-        <p14:creationId xmlns:p14="http://schemas.microsoft.com/office/powerpoint/2010/main" val="2145947580"/>
+        <p14:creationId xmlns:p14="http://schemas.microsoft.com/office/powerpoint/2010/main" val="991733844"/>
       </p:ext>
     </p:extLst>
   </p:cSld>
@@ -11001,7 +10769,7 @@
           <p:cNvPr id="2" name="灯片编号占位符 1">
             <a:extLst>
               <a:ext uri="{FF2B5EF4-FFF2-40B4-BE49-F238E27FC236}">
-                <a16:creationId xmlns:a16="http://schemas.microsoft.com/office/drawing/2014/main" id="{DF648406-4E88-B14C-6C3F-A44FDFCAE28C}"/>
+                <a16:creationId xmlns:a16="http://schemas.microsoft.com/office/drawing/2014/main" id="{0F0DE2A4-51D6-43B8-0599-49760FCDBF0F}"/>
               </a:ext>
             </a:extLst>
           </p:cNvPr>
@@ -11025,72 +10793,12 @@
           </a:p>
         </p:txBody>
       </p:sp>
-      <p:pic>
-        <p:nvPicPr>
-          <p:cNvPr id="4" name="图片 3">
-            <a:extLst>
-              <a:ext uri="{FF2B5EF4-FFF2-40B4-BE49-F238E27FC236}">
-                <a16:creationId xmlns:a16="http://schemas.microsoft.com/office/drawing/2014/main" id="{94DD53A8-CF31-39B1-93A9-DCE1D613117E}"/>
-              </a:ext>
-            </a:extLst>
-          </p:cNvPr>
-          <p:cNvPicPr>
-            <a:picLocks noChangeAspect="1"/>
-          </p:cNvPicPr>
-          <p:nvPr/>
-        </p:nvPicPr>
-        <p:blipFill>
-          <a:blip r:embed="rId2"/>
-          <a:stretch>
-            <a:fillRect/>
-          </a:stretch>
-        </p:blipFill>
-        <p:spPr>
-          <a:xfrm>
-            <a:off x="5712790" y="1693021"/>
-            <a:ext cx="5391427" cy="3206915"/>
-          </a:xfrm>
-          <a:prstGeom prst="rect">
-            <a:avLst/>
-          </a:prstGeom>
-        </p:spPr>
-      </p:pic>
-      <p:pic>
-        <p:nvPicPr>
-          <p:cNvPr id="6" name="图片 5">
-            <a:extLst>
-              <a:ext uri="{FF2B5EF4-FFF2-40B4-BE49-F238E27FC236}">
-                <a16:creationId xmlns:a16="http://schemas.microsoft.com/office/drawing/2014/main" id="{FA052290-913F-456B-E16A-965ED517BD4D}"/>
-              </a:ext>
-            </a:extLst>
-          </p:cNvPr>
-          <p:cNvPicPr>
-            <a:picLocks noChangeAspect="1"/>
-          </p:cNvPicPr>
-          <p:nvPr/>
-        </p:nvPicPr>
-        <p:blipFill>
-          <a:blip r:embed="rId3"/>
-          <a:stretch>
-            <a:fillRect/>
-          </a:stretch>
-        </p:blipFill>
-        <p:spPr>
-          <a:xfrm>
-            <a:off x="485347" y="243859"/>
-            <a:ext cx="219475" cy="219475"/>
-          </a:xfrm>
-          <a:prstGeom prst="rect">
-            <a:avLst/>
-          </a:prstGeom>
-        </p:spPr>
-      </p:pic>
-      <p:sp>
-        <p:nvSpPr>
-          <p:cNvPr id="7" name="矩形 6">
-            <a:extLst>
-              <a:ext uri="{FF2B5EF4-FFF2-40B4-BE49-F238E27FC236}">
-                <a16:creationId xmlns:a16="http://schemas.microsoft.com/office/drawing/2014/main" id="{444201E5-CEA6-E0AA-2BD2-524A8F10C9B3}"/>
+      <p:sp>
+        <p:nvSpPr>
+          <p:cNvPr id="3" name="矩形 2">
+            <a:extLst>
+              <a:ext uri="{FF2B5EF4-FFF2-40B4-BE49-F238E27FC236}">
+                <a16:creationId xmlns:a16="http://schemas.microsoft.com/office/drawing/2014/main" id="{A4737145-2396-F64E-55F2-3408233F7591}"/>
               </a:ext>
             </a:extLst>
           </p:cNvPr>
@@ -11176,10 +10884,10 @@
       </p:sp>
       <p:pic>
         <p:nvPicPr>
-          <p:cNvPr id="8" name="图片 7">
-            <a:extLst>
-              <a:ext uri="{FF2B5EF4-FFF2-40B4-BE49-F238E27FC236}">
-                <a16:creationId xmlns:a16="http://schemas.microsoft.com/office/drawing/2014/main" id="{41C2F59D-D565-5D9E-C8E0-B12637746913}"/>
+          <p:cNvPr id="4" name="图片 3">
+            <a:extLst>
+              <a:ext uri="{FF2B5EF4-FFF2-40B4-BE49-F238E27FC236}">
+                <a16:creationId xmlns:a16="http://schemas.microsoft.com/office/drawing/2014/main" id="{6FEBFC53-E1F0-EB48-1010-5C52736696B9}"/>
               </a:ext>
             </a:extLst>
           </p:cNvPr>
@@ -11189,7 +10897,814 @@
           <p:nvPr/>
         </p:nvPicPr>
         <p:blipFill>
+          <a:blip r:embed="rId2"/>
+          <a:stretch>
+            <a:fillRect/>
+          </a:stretch>
+        </p:blipFill>
+        <p:spPr>
+          <a:xfrm>
+            <a:off x="11265327" y="-2"/>
+            <a:ext cx="926672" cy="926672"/>
+          </a:xfrm>
+          <a:prstGeom prst="rect">
+            <a:avLst/>
+          </a:prstGeom>
+        </p:spPr>
+      </p:pic>
+      <p:pic>
+        <p:nvPicPr>
+          <p:cNvPr id="5" name="图片 4">
+            <a:extLst>
+              <a:ext uri="{FF2B5EF4-FFF2-40B4-BE49-F238E27FC236}">
+                <a16:creationId xmlns:a16="http://schemas.microsoft.com/office/drawing/2014/main" id="{CF20F01B-5C19-AC69-E242-130F45314637}"/>
+              </a:ext>
+            </a:extLst>
+          </p:cNvPr>
+          <p:cNvPicPr>
+            <a:picLocks noChangeAspect="1"/>
+          </p:cNvPicPr>
+          <p:nvPr/>
+        </p:nvPicPr>
+        <p:blipFill>
+          <a:blip r:embed="rId3"/>
+          <a:stretch>
+            <a:fillRect/>
+          </a:stretch>
+        </p:blipFill>
+        <p:spPr>
+          <a:xfrm>
+            <a:off x="3092711" y="4160084"/>
+            <a:ext cx="5038725" cy="504825"/>
+          </a:xfrm>
+          <a:prstGeom prst="rect">
+            <a:avLst/>
+          </a:prstGeom>
+        </p:spPr>
+      </p:pic>
+      <p:pic>
+        <p:nvPicPr>
+          <p:cNvPr id="6" name="图片 5">
+            <a:extLst>
+              <a:ext uri="{FF2B5EF4-FFF2-40B4-BE49-F238E27FC236}">
+                <a16:creationId xmlns:a16="http://schemas.microsoft.com/office/drawing/2014/main" id="{4D764928-665F-799E-60F0-4F316C7A667B}"/>
+              </a:ext>
+            </a:extLst>
+          </p:cNvPr>
+          <p:cNvPicPr>
+            <a:picLocks noChangeAspect="1"/>
+          </p:cNvPicPr>
+          <p:nvPr/>
+        </p:nvPicPr>
+        <p:blipFill>
           <a:blip r:embed="rId4"/>
+          <a:stretch>
+            <a:fillRect/>
+          </a:stretch>
+        </p:blipFill>
+        <p:spPr>
+          <a:xfrm>
+            <a:off x="3035990" y="5021478"/>
+            <a:ext cx="3790950" cy="495300"/>
+          </a:xfrm>
+          <a:prstGeom prst="rect">
+            <a:avLst/>
+          </a:prstGeom>
+        </p:spPr>
+      </p:pic>
+      <p:pic>
+        <p:nvPicPr>
+          <p:cNvPr id="7" name="图片 6">
+            <a:extLst>
+              <a:ext uri="{FF2B5EF4-FFF2-40B4-BE49-F238E27FC236}">
+                <a16:creationId xmlns:a16="http://schemas.microsoft.com/office/drawing/2014/main" id="{0D08069C-77C0-5581-6219-63C3C97571B5}"/>
+              </a:ext>
+            </a:extLst>
+          </p:cNvPr>
+          <p:cNvPicPr>
+            <a:picLocks noChangeAspect="1"/>
+          </p:cNvPicPr>
+          <p:nvPr/>
+        </p:nvPicPr>
+        <p:blipFill>
+          <a:blip r:embed="rId5"/>
+          <a:stretch>
+            <a:fillRect/>
+          </a:stretch>
+        </p:blipFill>
+        <p:spPr>
+          <a:xfrm>
+            <a:off x="3035990" y="3261076"/>
+            <a:ext cx="6000750" cy="542925"/>
+          </a:xfrm>
+          <a:prstGeom prst="rect">
+            <a:avLst/>
+          </a:prstGeom>
+        </p:spPr>
+      </p:pic>
+      <p:sp>
+        <p:nvSpPr>
+          <p:cNvPr id="9" name="文本框 8">
+            <a:extLst>
+              <a:ext uri="{FF2B5EF4-FFF2-40B4-BE49-F238E27FC236}">
+                <a16:creationId xmlns:a16="http://schemas.microsoft.com/office/drawing/2014/main" id="{1FB27078-3264-3888-530E-694570D7E40C}"/>
+              </a:ext>
+            </a:extLst>
+          </p:cNvPr>
+          <p:cNvSpPr txBox="1"/>
+          <p:nvPr/>
+        </p:nvSpPr>
+        <p:spPr>
+          <a:xfrm>
+            <a:off x="1590261" y="1168121"/>
+            <a:ext cx="6096000" cy="400110"/>
+          </a:xfrm>
+          <a:prstGeom prst="rect">
+            <a:avLst/>
+          </a:prstGeom>
+          <a:noFill/>
+        </p:spPr>
+        <p:txBody>
+          <a:bodyPr wrap="square">
+            <a:spAutoFit/>
+          </a:bodyPr>
+          <a:lstStyle/>
+          <a:p>
+            <a:pPr marL="342900" indent="-342900">
+              <a:buFont typeface="Arial" panose="020B0604020202020204" pitchFamily="34" charset="0"/>
+              <a:buChar char="•"/>
+            </a:pPr>
+            <a:r>
+              <a:rPr lang="en-US" altLang="zh-CN" sz="2000" dirty="0">
+                <a:latin typeface="Times New Roman" panose="02020603050405020304" pitchFamily="18" charset="0"/>
+                <a:cs typeface="Times New Roman" panose="02020603050405020304" pitchFamily="18" charset="0"/>
+              </a:rPr>
+              <a:t>We can knock an </a:t>
+            </a:r>
+            <a:r>
+              <a:rPr lang="en-US" altLang="zh-CN" sz="2000" dirty="0" err="1">
+                <a:latin typeface="Times New Roman" panose="02020603050405020304" pitchFamily="18" charset="0"/>
+                <a:cs typeface="Times New Roman" panose="02020603050405020304" pitchFamily="18" charset="0"/>
+              </a:rPr>
+              <a:t>H_k</a:t>
+            </a:r>
+            <a:r>
+              <a:rPr lang="en-US" altLang="zh-CN" sz="2000" dirty="0">
+                <a:latin typeface="Times New Roman" panose="02020603050405020304" pitchFamily="18" charset="0"/>
+                <a:cs typeface="Times New Roman" panose="02020603050405020304" pitchFamily="18" charset="0"/>
+              </a:rPr>
+              <a:t> off the front of every term in</a:t>
+            </a:r>
+            <a:endParaRPr lang="zh-CN" altLang="en-US" sz="2000" dirty="0">
+              <a:latin typeface="Times New Roman" panose="02020603050405020304" pitchFamily="18" charset="0"/>
+              <a:cs typeface="Times New Roman" panose="02020603050405020304" pitchFamily="18" charset="0"/>
+            </a:endParaRPr>
+          </a:p>
+        </p:txBody>
+      </p:sp>
+      <p:pic>
+        <p:nvPicPr>
+          <p:cNvPr id="11" name="图片 10">
+            <a:extLst>
+              <a:ext uri="{FF2B5EF4-FFF2-40B4-BE49-F238E27FC236}">
+                <a16:creationId xmlns:a16="http://schemas.microsoft.com/office/drawing/2014/main" id="{0CD2D3EC-CE53-4242-03B7-CBEB986C92EC}"/>
+              </a:ext>
+            </a:extLst>
+          </p:cNvPr>
+          <p:cNvPicPr>
+            <a:picLocks noChangeAspect="1"/>
+          </p:cNvPicPr>
+          <p:nvPr/>
+        </p:nvPicPr>
+        <p:blipFill>
+          <a:blip r:embed="rId6"/>
+          <a:stretch>
+            <a:fillRect/>
+          </a:stretch>
+        </p:blipFill>
+        <p:spPr>
+          <a:xfrm>
+            <a:off x="7489861" y="892297"/>
+            <a:ext cx="3213027" cy="1160547"/>
+          </a:xfrm>
+          <a:prstGeom prst="rect">
+            <a:avLst/>
+          </a:prstGeom>
+        </p:spPr>
+      </p:pic>
+      <p:pic>
+        <p:nvPicPr>
+          <p:cNvPr id="12" name="图片 11">
+            <a:extLst>
+              <a:ext uri="{FF2B5EF4-FFF2-40B4-BE49-F238E27FC236}">
+                <a16:creationId xmlns:a16="http://schemas.microsoft.com/office/drawing/2014/main" id="{D0A1C7E9-62F6-85FF-1ABF-2D55400AF4D1}"/>
+              </a:ext>
+            </a:extLst>
+          </p:cNvPr>
+          <p:cNvPicPr>
+            <a:picLocks noChangeAspect="1"/>
+          </p:cNvPicPr>
+          <p:nvPr/>
+        </p:nvPicPr>
+        <p:blipFill>
+          <a:blip r:embed="rId7"/>
+          <a:stretch>
+            <a:fillRect/>
+          </a:stretch>
+        </p:blipFill>
+        <p:spPr>
+          <a:xfrm>
+            <a:off x="7380123" y="912793"/>
+            <a:ext cx="219475" cy="1140051"/>
+          </a:xfrm>
+          <a:prstGeom prst="rect">
+            <a:avLst/>
+          </a:prstGeom>
+        </p:spPr>
+      </p:pic>
+      <p:sp>
+        <p:nvSpPr>
+          <p:cNvPr id="14" name="文本框 13">
+            <a:extLst>
+              <a:ext uri="{FF2B5EF4-FFF2-40B4-BE49-F238E27FC236}">
+                <a16:creationId xmlns:a16="http://schemas.microsoft.com/office/drawing/2014/main" id="{D9789AC9-FAA8-44CB-DD0C-A823D217F32A}"/>
+              </a:ext>
+            </a:extLst>
+          </p:cNvPr>
+          <p:cNvSpPr txBox="1"/>
+          <p:nvPr/>
+        </p:nvSpPr>
+        <p:spPr>
+          <a:xfrm>
+            <a:off x="1689651" y="2360730"/>
+            <a:ext cx="7162801" cy="400110"/>
+          </a:xfrm>
+          <a:prstGeom prst="rect">
+            <a:avLst/>
+          </a:prstGeom>
+          <a:noFill/>
+        </p:spPr>
+        <p:txBody>
+          <a:bodyPr wrap="square">
+            <a:spAutoFit/>
+          </a:bodyPr>
+          <a:lstStyle/>
+          <a:p>
+            <a:pPr marL="342900" indent="-342900">
+              <a:buFont typeface="Arial" panose="020B0604020202020204" pitchFamily="34" charset="0"/>
+              <a:buChar char="•"/>
+            </a:pPr>
+            <a:r>
+              <a:rPr lang="en-US" altLang="zh-CN" sz="2000" dirty="0">
+                <a:latin typeface="Times New Roman" panose="02020603050405020304" pitchFamily="18" charset="0"/>
+                <a:cs typeface="Times New Roman" panose="02020603050405020304" pitchFamily="18" charset="0"/>
+              </a:rPr>
+              <a:t>And an </a:t>
+            </a:r>
+            <a:r>
+              <a:rPr lang="en-US" altLang="zh-CN" sz="2000" dirty="0" err="1">
+                <a:latin typeface="Times New Roman" panose="02020603050405020304" pitchFamily="18" charset="0"/>
+                <a:cs typeface="Times New Roman" panose="02020603050405020304" pitchFamily="18" charset="0"/>
+              </a:rPr>
+              <a:t>H_k.T</a:t>
+            </a:r>
+            <a:r>
+              <a:rPr lang="en-US" altLang="zh-CN" sz="2000" dirty="0">
+                <a:latin typeface="Times New Roman" panose="02020603050405020304" pitchFamily="18" charset="0"/>
+                <a:cs typeface="Times New Roman" panose="02020603050405020304" pitchFamily="18" charset="0"/>
+              </a:rPr>
+              <a:t> off the end of all terms in the equation for </a:t>
+            </a:r>
+            <a:r>
+              <a:rPr lang="en-US" altLang="zh-CN" sz="2000" dirty="0" err="1">
+                <a:latin typeface="Times New Roman" panose="02020603050405020304" pitchFamily="18" charset="0"/>
+                <a:cs typeface="Times New Roman" panose="02020603050405020304" pitchFamily="18" charset="0"/>
+              </a:rPr>
+              <a:t>P_k</a:t>
+            </a:r>
+            <a:r>
+              <a:rPr lang="en-US" altLang="zh-CN" sz="2000" dirty="0">
+                <a:latin typeface="Times New Roman" panose="02020603050405020304" pitchFamily="18" charset="0"/>
+                <a:cs typeface="Times New Roman" panose="02020603050405020304" pitchFamily="18" charset="0"/>
+              </a:rPr>
+              <a:t>’.</a:t>
+            </a:r>
+            <a:endParaRPr lang="zh-CN" altLang="en-US" sz="2000" dirty="0">
+              <a:latin typeface="Times New Roman" panose="02020603050405020304" pitchFamily="18" charset="0"/>
+              <a:cs typeface="Times New Roman" panose="02020603050405020304" pitchFamily="18" charset="0"/>
+            </a:endParaRPr>
+          </a:p>
+        </p:txBody>
+      </p:sp>
+    </p:spTree>
+    <p:extLst>
+      <p:ext uri="{BB962C8B-B14F-4D97-AF65-F5344CB8AC3E}">
+        <p14:creationId xmlns:p14="http://schemas.microsoft.com/office/powerpoint/2010/main" val="378316039"/>
+      </p:ext>
+    </p:extLst>
+  </p:cSld>
+  <p:clrMapOvr>
+    <a:masterClrMapping/>
+  </p:clrMapOvr>
+</p:sld>
+</file>
+
+<file path=ppt/slides/slide23.xml><?xml version="1.0" encoding="utf-8"?>
+<p:sld xmlns:a="http://schemas.openxmlformats.org/drawingml/2006/main" xmlns:r="http://schemas.openxmlformats.org/officeDocument/2006/relationships" xmlns:p="http://schemas.openxmlformats.org/presentationml/2006/main">
+  <p:cSld>
+    <p:spTree>
+      <p:nvGrpSpPr>
+        <p:cNvPr id="1" name=""/>
+        <p:cNvGrpSpPr/>
+        <p:nvPr/>
+      </p:nvGrpSpPr>
+      <p:grpSpPr>
+        <a:xfrm>
+          <a:off x="0" y="0"/>
+          <a:ext cx="0" cy="0"/>
+          <a:chOff x="0" y="0"/>
+          <a:chExt cx="0" cy="0"/>
+        </a:xfrm>
+      </p:grpSpPr>
+      <p:sp>
+        <p:nvSpPr>
+          <p:cNvPr id="2" name="灯片编号占位符 1">
+            <a:extLst>
+              <a:ext uri="{FF2B5EF4-FFF2-40B4-BE49-F238E27FC236}">
+                <a16:creationId xmlns:a16="http://schemas.microsoft.com/office/drawing/2014/main" id="{895CF998-A817-5C34-7F7D-7A9B57C47EBA}"/>
+              </a:ext>
+            </a:extLst>
+          </p:cNvPr>
+          <p:cNvSpPr>
+            <a:spLocks noGrp="1"/>
+          </p:cNvSpPr>
+          <p:nvPr>
+            <p:ph type="sldNum" sz="quarter" idx="12"/>
+          </p:nvPr>
+        </p:nvSpPr>
+        <p:spPr/>
+        <p:txBody>
+          <a:bodyPr/>
+          <a:lstStyle/>
+          <a:p>
+            <a:fld id="{565CE74E-AB26-4998-AD42-012C4C1AD076}" type="slidenum">
+              <a:rPr lang="zh-CN" altLang="en-US" smtClean="0"/>
+              <a:t>23</a:t>
+            </a:fld>
+            <a:endParaRPr lang="zh-CN" altLang="en-US"/>
+          </a:p>
+        </p:txBody>
+      </p:sp>
+      <p:pic>
+        <p:nvPicPr>
+          <p:cNvPr id="4" name="图片 3">
+            <a:extLst>
+              <a:ext uri="{FF2B5EF4-FFF2-40B4-BE49-F238E27FC236}">
+                <a16:creationId xmlns:a16="http://schemas.microsoft.com/office/drawing/2014/main" id="{C61747C6-D535-32FC-A929-4F58741D5413}"/>
+              </a:ext>
+            </a:extLst>
+          </p:cNvPr>
+          <p:cNvPicPr>
+            <a:picLocks noChangeAspect="1"/>
+          </p:cNvPicPr>
+          <p:nvPr/>
+        </p:nvPicPr>
+        <p:blipFill>
+          <a:blip r:embed="rId2"/>
+          <a:stretch>
+            <a:fillRect/>
+          </a:stretch>
+        </p:blipFill>
+        <p:spPr>
+          <a:xfrm>
+            <a:off x="354495" y="1112031"/>
+            <a:ext cx="416583" cy="537866"/>
+          </a:xfrm>
+          <a:prstGeom prst="rect">
+            <a:avLst/>
+          </a:prstGeom>
+        </p:spPr>
+      </p:pic>
+      <p:pic>
+        <p:nvPicPr>
+          <p:cNvPr id="6" name="图片 5">
+            <a:extLst>
+              <a:ext uri="{FF2B5EF4-FFF2-40B4-BE49-F238E27FC236}">
+                <a16:creationId xmlns:a16="http://schemas.microsoft.com/office/drawing/2014/main" id="{63CD08E6-5E5F-3C72-C08A-2991F29E3D46}"/>
+              </a:ext>
+            </a:extLst>
+          </p:cNvPr>
+          <p:cNvPicPr>
+            <a:picLocks noChangeAspect="1"/>
+          </p:cNvPicPr>
+          <p:nvPr/>
+        </p:nvPicPr>
+        <p:blipFill>
+          <a:blip r:embed="rId3"/>
+          <a:stretch>
+            <a:fillRect/>
+          </a:stretch>
+        </p:blipFill>
+        <p:spPr>
+          <a:xfrm>
+            <a:off x="1737541" y="1737260"/>
+            <a:ext cx="402340" cy="508984"/>
+          </a:xfrm>
+          <a:prstGeom prst="rect">
+            <a:avLst/>
+          </a:prstGeom>
+        </p:spPr>
+      </p:pic>
+      <p:sp>
+        <p:nvSpPr>
+          <p:cNvPr id="8" name="文本框 7">
+            <a:extLst>
+              <a:ext uri="{FF2B5EF4-FFF2-40B4-BE49-F238E27FC236}">
+                <a16:creationId xmlns:a16="http://schemas.microsoft.com/office/drawing/2014/main" id="{D540F253-1052-9CE8-7376-C484B225B6F6}"/>
+              </a:ext>
+            </a:extLst>
+          </p:cNvPr>
+          <p:cNvSpPr txBox="1"/>
+          <p:nvPr/>
+        </p:nvSpPr>
+        <p:spPr>
+          <a:xfrm>
+            <a:off x="440633" y="977528"/>
+            <a:ext cx="6427305" cy="1845185"/>
+          </a:xfrm>
+          <a:prstGeom prst="rect">
+            <a:avLst/>
+          </a:prstGeom>
+          <a:noFill/>
+        </p:spPr>
+        <p:txBody>
+          <a:bodyPr wrap="square">
+            <a:spAutoFit/>
+          </a:bodyPr>
+          <a:lstStyle/>
+          <a:p>
+            <a:pPr>
+              <a:lnSpc>
+                <a:spcPct val="200000"/>
+              </a:lnSpc>
+            </a:pPr>
+            <a:r>
+              <a:rPr lang="en-US" altLang="zh-CN" sz="2000" dirty="0">
+                <a:latin typeface="Times New Roman" panose="02020603050405020304" pitchFamily="18" charset="0"/>
+                <a:cs typeface="Times New Roman" panose="02020603050405020304" pitchFamily="18" charset="0"/>
+              </a:rPr>
+              <a:t>    is our new best estimate, and we can go on and feed it (along with        ) back into another round of prediction or update as many times as we like.</a:t>
+            </a:r>
+            <a:endParaRPr lang="zh-CN" altLang="en-US" sz="2000" dirty="0">
+              <a:latin typeface="Times New Roman" panose="02020603050405020304" pitchFamily="18" charset="0"/>
+              <a:cs typeface="Times New Roman" panose="02020603050405020304" pitchFamily="18" charset="0"/>
+            </a:endParaRPr>
+          </a:p>
+        </p:txBody>
+      </p:sp>
+      <p:pic>
+        <p:nvPicPr>
+          <p:cNvPr id="10" name="图片 9">
+            <a:extLst>
+              <a:ext uri="{FF2B5EF4-FFF2-40B4-BE49-F238E27FC236}">
+                <a16:creationId xmlns:a16="http://schemas.microsoft.com/office/drawing/2014/main" id="{13FCFE55-9AB4-9F10-E4EA-A05AA9984FBE}"/>
+              </a:ext>
+            </a:extLst>
+          </p:cNvPr>
+          <p:cNvPicPr>
+            <a:picLocks noChangeAspect="1"/>
+          </p:cNvPicPr>
+          <p:nvPr/>
+        </p:nvPicPr>
+        <p:blipFill>
+          <a:blip r:embed="rId4"/>
+          <a:stretch>
+            <a:fillRect/>
+          </a:stretch>
+        </p:blipFill>
+        <p:spPr>
+          <a:xfrm>
+            <a:off x="6954076" y="481751"/>
+            <a:ext cx="4762745" cy="6166167"/>
+          </a:xfrm>
+          <a:prstGeom prst="rect">
+            <a:avLst/>
+          </a:prstGeom>
+        </p:spPr>
+      </p:pic>
+      <p:sp>
+        <p:nvSpPr>
+          <p:cNvPr id="11" name="矩形 10">
+            <a:extLst>
+              <a:ext uri="{FF2B5EF4-FFF2-40B4-BE49-F238E27FC236}">
+                <a16:creationId xmlns:a16="http://schemas.microsoft.com/office/drawing/2014/main" id="{6A7363C3-0DFA-79F0-1C39-A05A421E4767}"/>
+              </a:ext>
+            </a:extLst>
+          </p:cNvPr>
+          <p:cNvSpPr/>
+          <p:nvPr/>
+        </p:nvSpPr>
+        <p:spPr>
+          <a:xfrm>
+            <a:off x="1" y="-2"/>
+            <a:ext cx="220551" cy="6858002"/>
+          </a:xfrm>
+          <a:prstGeom prst="rect">
+            <a:avLst/>
+          </a:prstGeom>
+          <a:gradFill>
+            <a:gsLst>
+              <a:gs pos="100000">
+                <a:srgbClr val="1C2F43"/>
+              </a:gs>
+              <a:gs pos="0">
+                <a:srgbClr val="46706E"/>
+              </a:gs>
+            </a:gsLst>
+            <a:lin ang="5400000" scaled="1"/>
+          </a:gradFill>
+          <a:ln>
+            <a:noFill/>
+          </a:ln>
+        </p:spPr>
+        <p:style>
+          <a:lnRef idx="2">
+            <a:schemeClr val="accent1">
+              <a:shade val="50000"/>
+            </a:schemeClr>
+          </a:lnRef>
+          <a:fillRef idx="1">
+            <a:schemeClr val="accent1"/>
+          </a:fillRef>
+          <a:effectRef idx="0">
+            <a:schemeClr val="accent1"/>
+          </a:effectRef>
+          <a:fontRef idx="minor">
+            <a:schemeClr val="lt1"/>
+          </a:fontRef>
+        </p:style>
+        <p:txBody>
+          <a:bodyPr rtlCol="0" anchor="ctr"/>
+          <a:lstStyle/>
+          <a:p>
+            <a:pPr marL="0" marR="0" lvl="0" indent="0" algn="ctr" defTabSz="914400" rtl="0" eaLnBrk="1" fontAlgn="auto" latinLnBrk="0" hangingPunct="1">
+              <a:lnSpc>
+                <a:spcPct val="100000"/>
+              </a:lnSpc>
+              <a:spcBef>
+                <a:spcPts val="0"/>
+              </a:spcBef>
+              <a:spcAft>
+                <a:spcPts val="0"/>
+              </a:spcAft>
+              <a:buClrTx/>
+              <a:buSzTx/>
+              <a:buFontTx/>
+              <a:buNone/>
+              <a:tabLst/>
+              <a:defRPr/>
+            </a:pPr>
+            <a:endParaRPr kumimoji="0" lang="zh-CN" altLang="en-US" sz="1800" b="0" i="0" u="none" strike="noStrike" kern="1200" cap="none" spc="0" normalizeH="0" baseline="0" noProof="0">
+              <a:ln>
+                <a:noFill/>
+              </a:ln>
+              <a:solidFill>
+                <a:prstClr val="white"/>
+              </a:solidFill>
+              <a:effectLst/>
+              <a:uLnTx/>
+              <a:uFillTx/>
+              <a:latin typeface="Calibri"/>
+              <a:ea typeface="微软雅黑" panose="020B0503020204020204" pitchFamily="34" charset="-122"/>
+              <a:cs typeface="+mn-cs"/>
+            </a:endParaRPr>
+          </a:p>
+        </p:txBody>
+      </p:sp>
+      <p:pic>
+        <p:nvPicPr>
+          <p:cNvPr id="13" name="图片 12">
+            <a:extLst>
+              <a:ext uri="{FF2B5EF4-FFF2-40B4-BE49-F238E27FC236}">
+                <a16:creationId xmlns:a16="http://schemas.microsoft.com/office/drawing/2014/main" id="{637EB318-A9DE-A532-B4A5-6ACBB89C77D7}"/>
+              </a:ext>
+            </a:extLst>
+          </p:cNvPr>
+          <p:cNvPicPr>
+            <a:picLocks noChangeAspect="1"/>
+          </p:cNvPicPr>
+          <p:nvPr/>
+        </p:nvPicPr>
+        <p:blipFill>
+          <a:blip r:embed="rId5"/>
+          <a:stretch>
+            <a:fillRect/>
+          </a:stretch>
+        </p:blipFill>
+        <p:spPr>
+          <a:xfrm>
+            <a:off x="11265327" y="-2"/>
+            <a:ext cx="926672" cy="926672"/>
+          </a:xfrm>
+          <a:prstGeom prst="rect">
+            <a:avLst/>
+          </a:prstGeom>
+        </p:spPr>
+      </p:pic>
+    </p:spTree>
+    <p:extLst>
+      <p:ext uri="{BB962C8B-B14F-4D97-AF65-F5344CB8AC3E}">
+        <p14:creationId xmlns:p14="http://schemas.microsoft.com/office/powerpoint/2010/main" val="2145947580"/>
+      </p:ext>
+    </p:extLst>
+  </p:cSld>
+  <p:clrMapOvr>
+    <a:masterClrMapping/>
+  </p:clrMapOvr>
+</p:sld>
+</file>
+
+<file path=ppt/slides/slide24.xml><?xml version="1.0" encoding="utf-8"?>
+<p:sld xmlns:a="http://schemas.openxmlformats.org/drawingml/2006/main" xmlns:r="http://schemas.openxmlformats.org/officeDocument/2006/relationships" xmlns:p="http://schemas.openxmlformats.org/presentationml/2006/main">
+  <p:cSld>
+    <p:spTree>
+      <p:nvGrpSpPr>
+        <p:cNvPr id="1" name=""/>
+        <p:cNvGrpSpPr/>
+        <p:nvPr/>
+      </p:nvGrpSpPr>
+      <p:grpSpPr>
+        <a:xfrm>
+          <a:off x="0" y="0"/>
+          <a:ext cx="0" cy="0"/>
+          <a:chOff x="0" y="0"/>
+          <a:chExt cx="0" cy="0"/>
+        </a:xfrm>
+      </p:grpSpPr>
+      <p:sp>
+        <p:nvSpPr>
+          <p:cNvPr id="2" name="灯片编号占位符 1">
+            <a:extLst>
+              <a:ext uri="{FF2B5EF4-FFF2-40B4-BE49-F238E27FC236}">
+                <a16:creationId xmlns:a16="http://schemas.microsoft.com/office/drawing/2014/main" id="{DF648406-4E88-B14C-6C3F-A44FDFCAE28C}"/>
+              </a:ext>
+            </a:extLst>
+          </p:cNvPr>
+          <p:cNvSpPr>
+            <a:spLocks noGrp="1"/>
+          </p:cNvSpPr>
+          <p:nvPr>
+            <p:ph type="sldNum" sz="quarter" idx="12"/>
+          </p:nvPr>
+        </p:nvSpPr>
+        <p:spPr/>
+        <p:txBody>
+          <a:bodyPr/>
+          <a:lstStyle/>
+          <a:p>
+            <a:fld id="{565CE74E-AB26-4998-AD42-012C4C1AD076}" type="slidenum">
+              <a:rPr lang="zh-CN" altLang="en-US" smtClean="0"/>
+              <a:t>24</a:t>
+            </a:fld>
+            <a:endParaRPr lang="zh-CN" altLang="en-US"/>
+          </a:p>
+        </p:txBody>
+      </p:sp>
+      <p:pic>
+        <p:nvPicPr>
+          <p:cNvPr id="6" name="图片 5">
+            <a:extLst>
+              <a:ext uri="{FF2B5EF4-FFF2-40B4-BE49-F238E27FC236}">
+                <a16:creationId xmlns:a16="http://schemas.microsoft.com/office/drawing/2014/main" id="{FA052290-913F-456B-E16A-965ED517BD4D}"/>
+              </a:ext>
+            </a:extLst>
+          </p:cNvPr>
+          <p:cNvPicPr>
+            <a:picLocks noChangeAspect="1"/>
+          </p:cNvPicPr>
+          <p:nvPr/>
+        </p:nvPicPr>
+        <p:blipFill>
+          <a:blip r:embed="rId2"/>
+          <a:stretch>
+            <a:fillRect/>
+          </a:stretch>
+        </p:blipFill>
+        <p:spPr>
+          <a:xfrm>
+            <a:off x="485347" y="243859"/>
+            <a:ext cx="219475" cy="219475"/>
+          </a:xfrm>
+          <a:prstGeom prst="rect">
+            <a:avLst/>
+          </a:prstGeom>
+        </p:spPr>
+      </p:pic>
+      <p:sp>
+        <p:nvSpPr>
+          <p:cNvPr id="7" name="矩形 6">
+            <a:extLst>
+              <a:ext uri="{FF2B5EF4-FFF2-40B4-BE49-F238E27FC236}">
+                <a16:creationId xmlns:a16="http://schemas.microsoft.com/office/drawing/2014/main" id="{444201E5-CEA6-E0AA-2BD2-524A8F10C9B3}"/>
+              </a:ext>
+            </a:extLst>
+          </p:cNvPr>
+          <p:cNvSpPr/>
+          <p:nvPr/>
+        </p:nvSpPr>
+        <p:spPr>
+          <a:xfrm>
+            <a:off x="1" y="-2"/>
+            <a:ext cx="220551" cy="6858002"/>
+          </a:xfrm>
+          <a:prstGeom prst="rect">
+            <a:avLst/>
+          </a:prstGeom>
+          <a:gradFill>
+            <a:gsLst>
+              <a:gs pos="100000">
+                <a:srgbClr val="1C2F43"/>
+              </a:gs>
+              <a:gs pos="0">
+                <a:srgbClr val="46706E"/>
+              </a:gs>
+            </a:gsLst>
+            <a:lin ang="5400000" scaled="1"/>
+          </a:gradFill>
+          <a:ln>
+            <a:noFill/>
+          </a:ln>
+        </p:spPr>
+        <p:style>
+          <a:lnRef idx="2">
+            <a:schemeClr val="accent1">
+              <a:shade val="50000"/>
+            </a:schemeClr>
+          </a:lnRef>
+          <a:fillRef idx="1">
+            <a:schemeClr val="accent1"/>
+          </a:fillRef>
+          <a:effectRef idx="0">
+            <a:schemeClr val="accent1"/>
+          </a:effectRef>
+          <a:fontRef idx="minor">
+            <a:schemeClr val="lt1"/>
+          </a:fontRef>
+        </p:style>
+        <p:txBody>
+          <a:bodyPr rtlCol="0" anchor="ctr"/>
+          <a:lstStyle/>
+          <a:p>
+            <a:pPr marL="0" marR="0" lvl="0" indent="0" algn="ctr" defTabSz="914400" rtl="0" eaLnBrk="1" fontAlgn="auto" latinLnBrk="0" hangingPunct="1">
+              <a:lnSpc>
+                <a:spcPct val="100000"/>
+              </a:lnSpc>
+              <a:spcBef>
+                <a:spcPts val="0"/>
+              </a:spcBef>
+              <a:spcAft>
+                <a:spcPts val="0"/>
+              </a:spcAft>
+              <a:buClrTx/>
+              <a:buSzTx/>
+              <a:buFontTx/>
+              <a:buNone/>
+              <a:tabLst/>
+              <a:defRPr/>
+            </a:pPr>
+            <a:endParaRPr kumimoji="0" lang="zh-CN" altLang="en-US" sz="1800" b="0" i="0" u="none" strike="noStrike" kern="1200" cap="none" spc="0" normalizeH="0" baseline="0" noProof="0">
+              <a:ln>
+                <a:noFill/>
+              </a:ln>
+              <a:solidFill>
+                <a:prstClr val="white"/>
+              </a:solidFill>
+              <a:effectLst/>
+              <a:uLnTx/>
+              <a:uFillTx/>
+              <a:latin typeface="Calibri"/>
+              <a:ea typeface="微软雅黑" panose="020B0503020204020204" pitchFamily="34" charset="-122"/>
+              <a:cs typeface="+mn-cs"/>
+            </a:endParaRPr>
+          </a:p>
+        </p:txBody>
+      </p:sp>
+      <p:pic>
+        <p:nvPicPr>
+          <p:cNvPr id="8" name="图片 7">
+            <a:extLst>
+              <a:ext uri="{FF2B5EF4-FFF2-40B4-BE49-F238E27FC236}">
+                <a16:creationId xmlns:a16="http://schemas.microsoft.com/office/drawing/2014/main" id="{41C2F59D-D565-5D9E-C8E0-B12637746913}"/>
+              </a:ext>
+            </a:extLst>
+          </p:cNvPr>
+          <p:cNvPicPr>
+            <a:picLocks noChangeAspect="1"/>
+          </p:cNvPicPr>
+          <p:nvPr/>
+        </p:nvPicPr>
+        <p:blipFill>
+          <a:blip r:embed="rId3"/>
           <a:stretch>
             <a:fillRect/>
           </a:stretch>
@@ -11258,7 +11773,7 @@
                 <a:ea typeface="微软雅黑" panose="020B0503020204020204" pitchFamily="34" charset="-122"/>
                 <a:cs typeface="Times New Roman" panose="02020603050405020304" pitchFamily="18" charset="0"/>
               </a:rPr>
-              <a:t>Summary</a:t>
+              <a:t>Bias</a:t>
             </a:r>
             <a:endParaRPr kumimoji="0" lang="zh-CN" altLang="en-US" sz="2000" b="1" i="0" u="none" strike="noStrike" kern="1200" cap="none" spc="0" normalizeH="0" baseline="0" noProof="0" dirty="0">
               <a:ln>
@@ -11279,6 +11794,443 @@
       </p:sp>
       <p:pic>
         <p:nvPicPr>
+          <p:cNvPr id="5" name="图片 4">
+            <a:extLst>
+              <a:ext uri="{FF2B5EF4-FFF2-40B4-BE49-F238E27FC236}">
+                <a16:creationId xmlns:a16="http://schemas.microsoft.com/office/drawing/2014/main" id="{64F75760-4F96-1BB6-D31C-9EC54814EBC3}"/>
+              </a:ext>
+            </a:extLst>
+          </p:cNvPr>
+          <p:cNvPicPr>
+            <a:picLocks noChangeAspect="1"/>
+          </p:cNvPicPr>
+          <p:nvPr/>
+        </p:nvPicPr>
+        <p:blipFill>
+          <a:blip r:embed="rId4"/>
+          <a:stretch>
+            <a:fillRect/>
+          </a:stretch>
+        </p:blipFill>
+        <p:spPr>
+          <a:xfrm>
+            <a:off x="976053" y="1035675"/>
+            <a:ext cx="7417181" cy="2533780"/>
+          </a:xfrm>
+          <a:prstGeom prst="rect">
+            <a:avLst/>
+          </a:prstGeom>
+        </p:spPr>
+      </p:pic>
+      <p:sp>
+        <p:nvSpPr>
+          <p:cNvPr id="14" name="文本框 13">
+            <a:extLst>
+              <a:ext uri="{FF2B5EF4-FFF2-40B4-BE49-F238E27FC236}">
+                <a16:creationId xmlns:a16="http://schemas.microsoft.com/office/drawing/2014/main" id="{74F0020E-258F-2FCB-4A66-2556D24AF63B}"/>
+              </a:ext>
+            </a:extLst>
+          </p:cNvPr>
+          <p:cNvSpPr txBox="1"/>
+          <p:nvPr/>
+        </p:nvSpPr>
+        <p:spPr>
+          <a:xfrm>
+            <a:off x="3045267" y="5782090"/>
+            <a:ext cx="2948609" cy="646331"/>
+          </a:xfrm>
+          <a:prstGeom prst="rect">
+            <a:avLst/>
+          </a:prstGeom>
+          <a:noFill/>
+        </p:spPr>
+        <p:txBody>
+          <a:bodyPr wrap="square" rtlCol="0">
+            <a:spAutoFit/>
+          </a:bodyPr>
+          <a:lstStyle/>
+          <a:p>
+            <a:r>
+              <a:rPr lang="en-US" altLang="zh-CN" dirty="0"/>
+              <a:t>If close to 0, means our prediction is well!</a:t>
+            </a:r>
+            <a:endParaRPr lang="zh-CN" altLang="en-US" dirty="0"/>
+          </a:p>
+        </p:txBody>
+      </p:sp>
+      <p:pic>
+        <p:nvPicPr>
+          <p:cNvPr id="17" name="图片 16">
+            <a:extLst>
+              <a:ext uri="{FF2B5EF4-FFF2-40B4-BE49-F238E27FC236}">
+                <a16:creationId xmlns:a16="http://schemas.microsoft.com/office/drawing/2014/main" id="{ACA4757E-68D9-1AAD-983A-FF0F23FBC3A0}"/>
+              </a:ext>
+            </a:extLst>
+          </p:cNvPr>
+          <p:cNvPicPr>
+            <a:picLocks noChangeAspect="1"/>
+          </p:cNvPicPr>
+          <p:nvPr/>
+        </p:nvPicPr>
+        <p:blipFill>
+          <a:blip r:embed="rId5"/>
+          <a:stretch>
+            <a:fillRect/>
+          </a:stretch>
+        </p:blipFill>
+        <p:spPr>
+          <a:xfrm>
+            <a:off x="1874147" y="4095856"/>
+            <a:ext cx="3686175" cy="476250"/>
+          </a:xfrm>
+          <a:prstGeom prst="rect">
+            <a:avLst/>
+          </a:prstGeom>
+        </p:spPr>
+      </p:pic>
+      <p:pic>
+        <p:nvPicPr>
+          <p:cNvPr id="18" name="图片 17">
+            <a:extLst>
+              <a:ext uri="{FF2B5EF4-FFF2-40B4-BE49-F238E27FC236}">
+                <a16:creationId xmlns:a16="http://schemas.microsoft.com/office/drawing/2014/main" id="{A666212D-0DE4-8E3F-4927-D85C7C7818D4}"/>
+              </a:ext>
+            </a:extLst>
+          </p:cNvPr>
+          <p:cNvPicPr>
+            <a:picLocks noChangeAspect="1"/>
+          </p:cNvPicPr>
+          <p:nvPr/>
+        </p:nvPicPr>
+        <p:blipFill>
+          <a:blip r:embed="rId6"/>
+          <a:stretch>
+            <a:fillRect/>
+          </a:stretch>
+        </p:blipFill>
+        <p:spPr>
+          <a:xfrm>
+            <a:off x="3097074" y="4935538"/>
+            <a:ext cx="3400425" cy="476250"/>
+          </a:xfrm>
+          <a:prstGeom prst="rect">
+            <a:avLst/>
+          </a:prstGeom>
+        </p:spPr>
+      </p:pic>
+    </p:spTree>
+    <p:extLst>
+      <p:ext uri="{BB962C8B-B14F-4D97-AF65-F5344CB8AC3E}">
+        <p14:creationId xmlns:p14="http://schemas.microsoft.com/office/powerpoint/2010/main" val="3155977841"/>
+      </p:ext>
+    </p:extLst>
+  </p:cSld>
+  <p:clrMapOvr>
+    <a:masterClrMapping/>
+  </p:clrMapOvr>
+</p:sld>
+</file>
+
+<file path=ppt/slides/slide25.xml><?xml version="1.0" encoding="utf-8"?>
+<p:sld xmlns:a="http://schemas.openxmlformats.org/drawingml/2006/main" xmlns:r="http://schemas.openxmlformats.org/officeDocument/2006/relationships" xmlns:p="http://schemas.openxmlformats.org/presentationml/2006/main">
+  <p:cSld>
+    <p:spTree>
+      <p:nvGrpSpPr>
+        <p:cNvPr id="1" name=""/>
+        <p:cNvGrpSpPr/>
+        <p:nvPr/>
+      </p:nvGrpSpPr>
+      <p:grpSpPr>
+        <a:xfrm>
+          <a:off x="0" y="0"/>
+          <a:ext cx="0" cy="0"/>
+          <a:chOff x="0" y="0"/>
+          <a:chExt cx="0" cy="0"/>
+        </a:xfrm>
+      </p:grpSpPr>
+      <p:sp>
+        <p:nvSpPr>
+          <p:cNvPr id="2" name="灯片编号占位符 1">
+            <a:extLst>
+              <a:ext uri="{FF2B5EF4-FFF2-40B4-BE49-F238E27FC236}">
+                <a16:creationId xmlns:a16="http://schemas.microsoft.com/office/drawing/2014/main" id="{DF648406-4E88-B14C-6C3F-A44FDFCAE28C}"/>
+              </a:ext>
+            </a:extLst>
+          </p:cNvPr>
+          <p:cNvSpPr>
+            <a:spLocks noGrp="1"/>
+          </p:cNvSpPr>
+          <p:nvPr>
+            <p:ph type="sldNum" sz="quarter" idx="12"/>
+          </p:nvPr>
+        </p:nvSpPr>
+        <p:spPr/>
+        <p:txBody>
+          <a:bodyPr/>
+          <a:lstStyle/>
+          <a:p>
+            <a:fld id="{565CE74E-AB26-4998-AD42-012C4C1AD076}" type="slidenum">
+              <a:rPr lang="zh-CN" altLang="en-US" smtClean="0"/>
+              <a:t>25</a:t>
+            </a:fld>
+            <a:endParaRPr lang="zh-CN" altLang="en-US"/>
+          </a:p>
+        </p:txBody>
+      </p:sp>
+      <p:pic>
+        <p:nvPicPr>
+          <p:cNvPr id="4" name="图片 3">
+            <a:extLst>
+              <a:ext uri="{FF2B5EF4-FFF2-40B4-BE49-F238E27FC236}">
+                <a16:creationId xmlns:a16="http://schemas.microsoft.com/office/drawing/2014/main" id="{94DD53A8-CF31-39B1-93A9-DCE1D613117E}"/>
+              </a:ext>
+            </a:extLst>
+          </p:cNvPr>
+          <p:cNvPicPr>
+            <a:picLocks noChangeAspect="1"/>
+          </p:cNvPicPr>
+          <p:nvPr/>
+        </p:nvPicPr>
+        <p:blipFill>
+          <a:blip r:embed="rId2"/>
+          <a:stretch>
+            <a:fillRect/>
+          </a:stretch>
+        </p:blipFill>
+        <p:spPr>
+          <a:xfrm>
+            <a:off x="5712790" y="1693021"/>
+            <a:ext cx="5391427" cy="3206915"/>
+          </a:xfrm>
+          <a:prstGeom prst="rect">
+            <a:avLst/>
+          </a:prstGeom>
+        </p:spPr>
+      </p:pic>
+      <p:pic>
+        <p:nvPicPr>
+          <p:cNvPr id="6" name="图片 5">
+            <a:extLst>
+              <a:ext uri="{FF2B5EF4-FFF2-40B4-BE49-F238E27FC236}">
+                <a16:creationId xmlns:a16="http://schemas.microsoft.com/office/drawing/2014/main" id="{FA052290-913F-456B-E16A-965ED517BD4D}"/>
+              </a:ext>
+            </a:extLst>
+          </p:cNvPr>
+          <p:cNvPicPr>
+            <a:picLocks noChangeAspect="1"/>
+          </p:cNvPicPr>
+          <p:nvPr/>
+        </p:nvPicPr>
+        <p:blipFill>
+          <a:blip r:embed="rId3"/>
+          <a:stretch>
+            <a:fillRect/>
+          </a:stretch>
+        </p:blipFill>
+        <p:spPr>
+          <a:xfrm>
+            <a:off x="485347" y="243859"/>
+            <a:ext cx="219475" cy="219475"/>
+          </a:xfrm>
+          <a:prstGeom prst="rect">
+            <a:avLst/>
+          </a:prstGeom>
+        </p:spPr>
+      </p:pic>
+      <p:sp>
+        <p:nvSpPr>
+          <p:cNvPr id="7" name="矩形 6">
+            <a:extLst>
+              <a:ext uri="{FF2B5EF4-FFF2-40B4-BE49-F238E27FC236}">
+                <a16:creationId xmlns:a16="http://schemas.microsoft.com/office/drawing/2014/main" id="{444201E5-CEA6-E0AA-2BD2-524A8F10C9B3}"/>
+              </a:ext>
+            </a:extLst>
+          </p:cNvPr>
+          <p:cNvSpPr/>
+          <p:nvPr/>
+        </p:nvSpPr>
+        <p:spPr>
+          <a:xfrm>
+            <a:off x="1" y="-2"/>
+            <a:ext cx="220551" cy="6858002"/>
+          </a:xfrm>
+          <a:prstGeom prst="rect">
+            <a:avLst/>
+          </a:prstGeom>
+          <a:gradFill>
+            <a:gsLst>
+              <a:gs pos="100000">
+                <a:srgbClr val="1C2F43"/>
+              </a:gs>
+              <a:gs pos="0">
+                <a:srgbClr val="46706E"/>
+              </a:gs>
+            </a:gsLst>
+            <a:lin ang="5400000" scaled="1"/>
+          </a:gradFill>
+          <a:ln>
+            <a:noFill/>
+          </a:ln>
+        </p:spPr>
+        <p:style>
+          <a:lnRef idx="2">
+            <a:schemeClr val="accent1">
+              <a:shade val="50000"/>
+            </a:schemeClr>
+          </a:lnRef>
+          <a:fillRef idx="1">
+            <a:schemeClr val="accent1"/>
+          </a:fillRef>
+          <a:effectRef idx="0">
+            <a:schemeClr val="accent1"/>
+          </a:effectRef>
+          <a:fontRef idx="minor">
+            <a:schemeClr val="lt1"/>
+          </a:fontRef>
+        </p:style>
+        <p:txBody>
+          <a:bodyPr rtlCol="0" anchor="ctr"/>
+          <a:lstStyle/>
+          <a:p>
+            <a:pPr marL="0" marR="0" lvl="0" indent="0" algn="ctr" defTabSz="914400" rtl="0" eaLnBrk="1" fontAlgn="auto" latinLnBrk="0" hangingPunct="1">
+              <a:lnSpc>
+                <a:spcPct val="100000"/>
+              </a:lnSpc>
+              <a:spcBef>
+                <a:spcPts val="0"/>
+              </a:spcBef>
+              <a:spcAft>
+                <a:spcPts val="0"/>
+              </a:spcAft>
+              <a:buClrTx/>
+              <a:buSzTx/>
+              <a:buFontTx/>
+              <a:buNone/>
+              <a:tabLst/>
+              <a:defRPr/>
+            </a:pPr>
+            <a:endParaRPr kumimoji="0" lang="zh-CN" altLang="en-US" sz="1800" b="0" i="0" u="none" strike="noStrike" kern="1200" cap="none" spc="0" normalizeH="0" baseline="0" noProof="0">
+              <a:ln>
+                <a:noFill/>
+              </a:ln>
+              <a:solidFill>
+                <a:prstClr val="white"/>
+              </a:solidFill>
+              <a:effectLst/>
+              <a:uLnTx/>
+              <a:uFillTx/>
+              <a:latin typeface="Calibri"/>
+              <a:ea typeface="微软雅黑" panose="020B0503020204020204" pitchFamily="34" charset="-122"/>
+              <a:cs typeface="+mn-cs"/>
+            </a:endParaRPr>
+          </a:p>
+        </p:txBody>
+      </p:sp>
+      <p:pic>
+        <p:nvPicPr>
+          <p:cNvPr id="8" name="图片 7">
+            <a:extLst>
+              <a:ext uri="{FF2B5EF4-FFF2-40B4-BE49-F238E27FC236}">
+                <a16:creationId xmlns:a16="http://schemas.microsoft.com/office/drawing/2014/main" id="{41C2F59D-D565-5D9E-C8E0-B12637746913}"/>
+              </a:ext>
+            </a:extLst>
+          </p:cNvPr>
+          <p:cNvPicPr>
+            <a:picLocks noChangeAspect="1"/>
+          </p:cNvPicPr>
+          <p:nvPr/>
+        </p:nvPicPr>
+        <p:blipFill>
+          <a:blip r:embed="rId4"/>
+          <a:stretch>
+            <a:fillRect/>
+          </a:stretch>
+        </p:blipFill>
+        <p:spPr>
+          <a:xfrm>
+            <a:off x="11265327" y="-2"/>
+            <a:ext cx="926672" cy="926672"/>
+          </a:xfrm>
+          <a:prstGeom prst="rect">
+            <a:avLst/>
+          </a:prstGeom>
+        </p:spPr>
+      </p:pic>
+      <p:sp>
+        <p:nvSpPr>
+          <p:cNvPr id="11" name="文本框 10">
+            <a:extLst>
+              <a:ext uri="{FF2B5EF4-FFF2-40B4-BE49-F238E27FC236}">
+                <a16:creationId xmlns:a16="http://schemas.microsoft.com/office/drawing/2014/main" id="{8188F2ED-0619-C6D0-F45B-04EA91FBD388}"/>
+              </a:ext>
+            </a:extLst>
+          </p:cNvPr>
+          <p:cNvSpPr txBox="1"/>
+          <p:nvPr/>
+        </p:nvSpPr>
+        <p:spPr>
+          <a:xfrm>
+            <a:off x="828261" y="153541"/>
+            <a:ext cx="6096000" cy="400110"/>
+          </a:xfrm>
+          <a:prstGeom prst="rect">
+            <a:avLst/>
+          </a:prstGeom>
+          <a:noFill/>
+        </p:spPr>
+        <p:txBody>
+          <a:bodyPr wrap="square">
+            <a:spAutoFit/>
+          </a:bodyPr>
+          <a:lstStyle/>
+          <a:p>
+            <a:pPr marL="0" marR="0" lvl="0" indent="0" algn="l" defTabSz="914400" rtl="0" eaLnBrk="1" fontAlgn="auto" latinLnBrk="0" hangingPunct="1">
+              <a:lnSpc>
+                <a:spcPct val="100000"/>
+              </a:lnSpc>
+              <a:spcBef>
+                <a:spcPts val="0"/>
+              </a:spcBef>
+              <a:spcAft>
+                <a:spcPts val="0"/>
+              </a:spcAft>
+              <a:buClrTx/>
+              <a:buSzTx/>
+              <a:buFontTx/>
+              <a:buNone/>
+              <a:tabLst/>
+              <a:defRPr/>
+            </a:pPr>
+            <a:r>
+              <a:rPr lang="en-US" altLang="zh-CN" sz="2000" b="1" dirty="0">
+                <a:solidFill>
+                  <a:prstClr val="black"/>
+                </a:solidFill>
+                <a:latin typeface="Times New Roman" panose="02020603050405020304" pitchFamily="18" charset="0"/>
+                <a:ea typeface="微软雅黑" panose="020B0503020204020204" pitchFamily="34" charset="-122"/>
+                <a:cs typeface="Times New Roman" panose="02020603050405020304" pitchFamily="18" charset="0"/>
+              </a:rPr>
+              <a:t>Summary</a:t>
+            </a:r>
+            <a:endParaRPr kumimoji="0" lang="zh-CN" altLang="en-US" sz="2000" b="1" i="0" u="none" strike="noStrike" kern="1200" cap="none" spc="0" normalizeH="0" baseline="0" noProof="0" dirty="0">
+              <a:ln>
+                <a:noFill/>
+              </a:ln>
+              <a:solidFill>
+                <a:prstClr val="black"/>
+              </a:solidFill>
+              <a:effectLst/>
+              <a:uLnTx/>
+              <a:uFillTx/>
+              <a:latin typeface="Times New Roman" panose="02020603050405020304" pitchFamily="18" charset="0"/>
+              <a:ea typeface="微软雅黑" panose="020B0503020204020204" pitchFamily="34" charset="-122"/>
+              <a:cs typeface="Times New Roman" panose="02020603050405020304" pitchFamily="18" charset="0"/>
+            </a:endParaRPr>
+          </a:p>
+        </p:txBody>
+      </p:sp>
+      <p:pic>
+        <p:nvPicPr>
           <p:cNvPr id="13" name="图片 12">
             <a:extLst>
               <a:ext uri="{FF2B5EF4-FFF2-40B4-BE49-F238E27FC236}">
@@ -11350,7 +12302,7 @@
 </p:sld>
 </file>
 
-<file path=ppt/slides/slide23.xml><?xml version="1.0" encoding="utf-8"?>
+<file path=ppt/slides/slide26.xml><?xml version="1.0" encoding="utf-8"?>
 <p:sld xmlns:a="http://schemas.openxmlformats.org/drawingml/2006/main" xmlns:r="http://schemas.openxmlformats.org/officeDocument/2006/relationships" xmlns:p="http://schemas.openxmlformats.org/presentationml/2006/main">
   <p:cSld>
     <p:spTree>
@@ -11659,7 +12611,7 @@
 </p:sld>
 </file>
 
-<file path=ppt/slides/slide24.xml><?xml version="1.0" encoding="utf-8"?>
+<file path=ppt/slides/slide27.xml><?xml version="1.0" encoding="utf-8"?>
 <p:sld xmlns:a="http://schemas.openxmlformats.org/drawingml/2006/main" xmlns:r="http://schemas.openxmlformats.org/officeDocument/2006/relationships" xmlns:p="http://schemas.openxmlformats.org/presentationml/2006/main">
   <p:cSld>
     <p:spTree>
@@ -12179,7 +13131,7 @@
 </p:sld>
 </file>
 
-<file path=ppt/slides/slide25.xml><?xml version="1.0" encoding="utf-8"?>
+<file path=ppt/slides/slide28.xml><?xml version="1.0" encoding="utf-8"?>
 <p:sld xmlns:a="http://schemas.openxmlformats.org/drawingml/2006/main" xmlns:r="http://schemas.openxmlformats.org/officeDocument/2006/relationships" xmlns:p="http://schemas.openxmlformats.org/presentationml/2006/main">
   <p:cSld>
     <p:spTree>
@@ -12957,22 +13909,6 @@
           <a:p>
             <a:pPr algn="ctr"/>
             <a:r>
-              <a:rPr lang="en-US" altLang="zh-CN" sz="4000" b="0" cap="none" spc="0" dirty="0" err="1">
-                <a:ln w="0"/>
-                <a:solidFill>
-                  <a:schemeClr val="accent1"/>
-                </a:solidFill>
-                <a:effectLst>
-                  <a:outerShdw blurRad="38100" dist="25400" dir="5400000" algn="ctr" rotWithShape="0">
-                    <a:srgbClr val="6E747A">
-                      <a:alpha val="43000"/>
-                    </a:srgbClr>
-                  </a:outerShdw>
-                </a:effectLst>
-              </a:rPr>
-              <a:t>Jocabian</a:t>
-            </a:r>
-            <a:r>
               <a:rPr lang="en-US" altLang="zh-CN" sz="4000" b="0" cap="none" spc="0" dirty="0">
                 <a:ln w="0"/>
                 <a:solidFill>
@@ -12986,7 +13922,7 @@
                   </a:outerShdw>
                 </a:effectLst>
               </a:rPr>
-              <a:t> </a:t>
+              <a:t>Jacobian </a:t>
             </a:r>
           </a:p>
           <a:p>
@@ -13036,7 +13972,7 @@
 </p:sld>
 </file>
 
-<file path=ppt/slides/slide26.xml><?xml version="1.0" encoding="utf-8"?>
+<file path=ppt/slides/slide29.xml><?xml version="1.0" encoding="utf-8"?>
 <p:sld xmlns:a="http://schemas.openxmlformats.org/drawingml/2006/main" xmlns:r="http://schemas.openxmlformats.org/officeDocument/2006/relationships" xmlns:p="http://schemas.openxmlformats.org/presentationml/2006/main">
   <p:cSld>
     <p:spTree>
@@ -13535,287 +14471,6 @@
     <p:extLst>
       <p:ext uri="{BB962C8B-B14F-4D97-AF65-F5344CB8AC3E}">
         <p14:creationId xmlns:p14="http://schemas.microsoft.com/office/powerpoint/2010/main" val="4261876547"/>
-      </p:ext>
-    </p:extLst>
-  </p:cSld>
-  <p:clrMapOvr>
-    <a:masterClrMapping/>
-  </p:clrMapOvr>
-</p:sld>
-</file>
-
-<file path=ppt/slides/slide27.xml><?xml version="1.0" encoding="utf-8"?>
-<p:sld xmlns:a="http://schemas.openxmlformats.org/drawingml/2006/main" xmlns:r="http://schemas.openxmlformats.org/officeDocument/2006/relationships" xmlns:p="http://schemas.openxmlformats.org/presentationml/2006/main">
-  <p:cSld>
-    <p:spTree>
-      <p:nvGrpSpPr>
-        <p:cNvPr id="1" name=""/>
-        <p:cNvGrpSpPr/>
-        <p:nvPr/>
-      </p:nvGrpSpPr>
-      <p:grpSpPr>
-        <a:xfrm>
-          <a:off x="0" y="0"/>
-          <a:ext cx="0" cy="0"/>
-          <a:chOff x="0" y="0"/>
-          <a:chExt cx="0" cy="0"/>
-        </a:xfrm>
-      </p:grpSpPr>
-      <p:sp>
-        <p:nvSpPr>
-          <p:cNvPr id="2" name="灯片编号占位符 1">
-            <a:extLst>
-              <a:ext uri="{FF2B5EF4-FFF2-40B4-BE49-F238E27FC236}">
-                <a16:creationId xmlns:a16="http://schemas.microsoft.com/office/drawing/2014/main" id="{A1A87EC1-F3BC-B1F8-F4F1-F839573CC2A2}"/>
-              </a:ext>
-            </a:extLst>
-          </p:cNvPr>
-          <p:cNvSpPr>
-            <a:spLocks noGrp="1"/>
-          </p:cNvSpPr>
-          <p:nvPr>
-            <p:ph type="sldNum" sz="quarter" idx="12"/>
-          </p:nvPr>
-        </p:nvSpPr>
-        <p:spPr/>
-        <p:txBody>
-          <a:bodyPr/>
-          <a:lstStyle/>
-          <a:p>
-            <a:fld id="{565CE74E-AB26-4998-AD42-012C4C1AD076}" type="slidenum">
-              <a:rPr lang="zh-CN" altLang="en-US" smtClean="0"/>
-              <a:t>27</a:t>
-            </a:fld>
-            <a:endParaRPr lang="zh-CN" altLang="en-US"/>
-          </a:p>
-        </p:txBody>
-      </p:sp>
-      <p:sp>
-        <p:nvSpPr>
-          <p:cNvPr id="4" name="矩形 3">
-            <a:extLst>
-              <a:ext uri="{FF2B5EF4-FFF2-40B4-BE49-F238E27FC236}">
-                <a16:creationId xmlns:a16="http://schemas.microsoft.com/office/drawing/2014/main" id="{1C0FD122-C103-9FD5-E238-C62DD371CAE5}"/>
-              </a:ext>
-            </a:extLst>
-          </p:cNvPr>
-          <p:cNvSpPr/>
-          <p:nvPr/>
-        </p:nvSpPr>
-        <p:spPr>
-          <a:xfrm>
-            <a:off x="1" y="-2"/>
-            <a:ext cx="220551" cy="6858002"/>
-          </a:xfrm>
-          <a:prstGeom prst="rect">
-            <a:avLst/>
-          </a:prstGeom>
-          <a:gradFill>
-            <a:gsLst>
-              <a:gs pos="100000">
-                <a:srgbClr val="1C2F43"/>
-              </a:gs>
-              <a:gs pos="0">
-                <a:srgbClr val="46706E"/>
-              </a:gs>
-            </a:gsLst>
-            <a:lin ang="5400000" scaled="1"/>
-          </a:gradFill>
-          <a:ln>
-            <a:noFill/>
-          </a:ln>
-        </p:spPr>
-        <p:style>
-          <a:lnRef idx="2">
-            <a:schemeClr val="accent1">
-              <a:shade val="50000"/>
-            </a:schemeClr>
-          </a:lnRef>
-          <a:fillRef idx="1">
-            <a:schemeClr val="accent1"/>
-          </a:fillRef>
-          <a:effectRef idx="0">
-            <a:schemeClr val="accent1"/>
-          </a:effectRef>
-          <a:fontRef idx="minor">
-            <a:schemeClr val="lt1"/>
-          </a:fontRef>
-        </p:style>
-        <p:txBody>
-          <a:bodyPr rtlCol="0" anchor="ctr"/>
-          <a:lstStyle/>
-          <a:p>
-            <a:pPr marL="0" marR="0" lvl="0" indent="0" algn="ctr" defTabSz="914400" rtl="0" eaLnBrk="1" fontAlgn="auto" latinLnBrk="0" hangingPunct="1">
-              <a:lnSpc>
-                <a:spcPct val="100000"/>
-              </a:lnSpc>
-              <a:spcBef>
-                <a:spcPts val="0"/>
-              </a:spcBef>
-              <a:spcAft>
-                <a:spcPts val="0"/>
-              </a:spcAft>
-              <a:buClrTx/>
-              <a:buSzTx/>
-              <a:buFontTx/>
-              <a:buNone/>
-              <a:tabLst/>
-              <a:defRPr/>
-            </a:pPr>
-            <a:endParaRPr kumimoji="0" lang="zh-CN" altLang="en-US" sz="1800" b="0" i="0" u="none" strike="noStrike" kern="1200" cap="none" spc="0" normalizeH="0" baseline="0" noProof="0">
-              <a:ln>
-                <a:noFill/>
-              </a:ln>
-              <a:solidFill>
-                <a:prstClr val="white"/>
-              </a:solidFill>
-              <a:effectLst/>
-              <a:uLnTx/>
-              <a:uFillTx/>
-              <a:latin typeface="Calibri"/>
-              <a:ea typeface="微软雅黑" panose="020B0503020204020204" pitchFamily="34" charset="-122"/>
-              <a:cs typeface="+mn-cs"/>
-            </a:endParaRPr>
-          </a:p>
-        </p:txBody>
-      </p:sp>
-      <p:pic>
-        <p:nvPicPr>
-          <p:cNvPr id="5" name="图片 4">
-            <a:extLst>
-              <a:ext uri="{FF2B5EF4-FFF2-40B4-BE49-F238E27FC236}">
-                <a16:creationId xmlns:a16="http://schemas.microsoft.com/office/drawing/2014/main" id="{38BC6BC1-8A40-53D7-32B7-D0B5816AD14E}"/>
-              </a:ext>
-            </a:extLst>
-          </p:cNvPr>
-          <p:cNvPicPr>
-            <a:picLocks noChangeAspect="1"/>
-          </p:cNvPicPr>
-          <p:nvPr/>
-        </p:nvPicPr>
-        <p:blipFill>
-          <a:blip r:embed="rId2"/>
-          <a:stretch>
-            <a:fillRect/>
-          </a:stretch>
-        </p:blipFill>
-        <p:spPr>
-          <a:xfrm>
-            <a:off x="11265327" y="-2"/>
-            <a:ext cx="926672" cy="926672"/>
-          </a:xfrm>
-          <a:prstGeom prst="rect">
-            <a:avLst/>
-          </a:prstGeom>
-        </p:spPr>
-      </p:pic>
-      <p:sp>
-        <p:nvSpPr>
-          <p:cNvPr id="7" name="文本框 6">
-            <a:extLst>
-              <a:ext uri="{FF2B5EF4-FFF2-40B4-BE49-F238E27FC236}">
-                <a16:creationId xmlns:a16="http://schemas.microsoft.com/office/drawing/2014/main" id="{5BEF4FD3-DCD8-5D72-DF67-1AFE27084C12}"/>
-              </a:ext>
-            </a:extLst>
-          </p:cNvPr>
-          <p:cNvSpPr txBox="1"/>
-          <p:nvPr/>
-        </p:nvSpPr>
-        <p:spPr>
-          <a:xfrm>
-            <a:off x="1082654" y="717658"/>
-            <a:ext cx="6096000" cy="1229632"/>
-          </a:xfrm>
-          <a:prstGeom prst="rect">
-            <a:avLst/>
-          </a:prstGeom>
-          <a:noFill/>
-        </p:spPr>
-        <p:txBody>
-          <a:bodyPr wrap="square">
-            <a:spAutoFit/>
-          </a:bodyPr>
-          <a:lstStyle/>
-          <a:p>
-            <a:pPr marL="285750" marR="0" lvl="0" indent="-285750" algn="just" defTabSz="914400" rtl="0" eaLnBrk="1" fontAlgn="auto" latinLnBrk="0" hangingPunct="1">
-              <a:lnSpc>
-                <a:spcPct val="200000"/>
-              </a:lnSpc>
-              <a:spcBef>
-                <a:spcPts val="0"/>
-              </a:spcBef>
-              <a:spcAft>
-                <a:spcPts val="0"/>
-              </a:spcAft>
-              <a:buClrTx/>
-              <a:buSzTx/>
-              <a:buFont typeface="Arial" panose="020B0604020202020204" pitchFamily="34" charset="0"/>
-              <a:buChar char="•"/>
-              <a:tabLst/>
-              <a:defRPr/>
-            </a:pPr>
-            <a:r>
-              <a:rPr lang="en-US" altLang="zh-CN" sz="2000" dirty="0">
-                <a:solidFill>
-                  <a:prstClr val="black"/>
-                </a:solidFill>
-                <a:latin typeface="Times New Roman" panose="02020603050405020304" pitchFamily="18" charset="0"/>
-                <a:ea typeface="微软雅黑" panose="020B0503020204020204" pitchFamily="34" charset="-122"/>
-                <a:cs typeface="Times New Roman" panose="02020603050405020304" pitchFamily="18" charset="0"/>
-              </a:rPr>
-              <a:t>The rest part is the same as the Kalman Filter</a:t>
-            </a:r>
-          </a:p>
-          <a:p>
-            <a:pPr marL="285750" marR="0" lvl="0" indent="-285750" algn="just" defTabSz="914400" rtl="0" eaLnBrk="1" fontAlgn="auto" latinLnBrk="0" hangingPunct="1">
-              <a:lnSpc>
-                <a:spcPct val="200000"/>
-              </a:lnSpc>
-              <a:spcBef>
-                <a:spcPts val="0"/>
-              </a:spcBef>
-              <a:spcAft>
-                <a:spcPts val="0"/>
-              </a:spcAft>
-              <a:buClrTx/>
-              <a:buSzTx/>
-              <a:buFont typeface="Arial" panose="020B0604020202020204" pitchFamily="34" charset="0"/>
-              <a:buChar char="•"/>
-              <a:tabLst/>
-              <a:defRPr/>
-            </a:pPr>
-            <a:r>
-              <a:rPr lang="en-US" altLang="zh-CN" sz="2000" dirty="0">
-                <a:solidFill>
-                  <a:prstClr val="black"/>
-                </a:solidFill>
-                <a:latin typeface="Times New Roman" panose="02020603050405020304" pitchFamily="18" charset="0"/>
-                <a:ea typeface="微软雅黑" panose="020B0503020204020204" pitchFamily="34" charset="-122"/>
-                <a:cs typeface="Times New Roman" panose="02020603050405020304" pitchFamily="18" charset="0"/>
-              </a:rPr>
-              <a:t>We could see more detail in the Project1</a:t>
-            </a:r>
-            <a:endParaRPr kumimoji="0" lang="zh-CN" altLang="en-US" sz="2000" b="0" i="0" u="none" strike="noStrike" kern="1200" cap="none" spc="0" normalizeH="0" baseline="0" noProof="0" dirty="0">
-              <a:ln>
-                <a:noFill/>
-              </a:ln>
-              <a:solidFill>
-                <a:prstClr val="black"/>
-              </a:solidFill>
-              <a:effectLst/>
-              <a:uLnTx/>
-              <a:uFillTx/>
-              <a:latin typeface="Times New Roman" panose="02020603050405020304" pitchFamily="18" charset="0"/>
-              <a:ea typeface="微软雅黑" panose="020B0503020204020204" pitchFamily="34" charset="-122"/>
-              <a:cs typeface="Times New Roman" panose="02020603050405020304" pitchFamily="18" charset="0"/>
-            </a:endParaRPr>
-          </a:p>
-        </p:txBody>
-      </p:sp>
-    </p:spTree>
-    <p:extLst>
-      <p:ext uri="{BB962C8B-B14F-4D97-AF65-F5344CB8AC3E}">
-        <p14:creationId xmlns:p14="http://schemas.microsoft.com/office/powerpoint/2010/main" val="2013530272"/>
       </p:ext>
     </p:extLst>
   </p:cSld>
@@ -14619,7 +15274,7 @@
 </p:sld>
 </file>
 
-<file path=ppt/slides/slide4.xml><?xml version="1.0" encoding="utf-8"?>
+<file path=ppt/slides/slide30.xml><?xml version="1.0" encoding="utf-8"?>
 <p:sld xmlns:a="http://schemas.openxmlformats.org/drawingml/2006/main" xmlns:r="http://schemas.openxmlformats.org/officeDocument/2006/relationships" xmlns:p="http://schemas.openxmlformats.org/presentationml/2006/main">
   <p:cSld>
     <p:spTree>
@@ -14641,7 +15296,7 @@
           <p:cNvPr id="2" name="灯片编号占位符 1">
             <a:extLst>
               <a:ext uri="{FF2B5EF4-FFF2-40B4-BE49-F238E27FC236}">
-                <a16:creationId xmlns:a16="http://schemas.microsoft.com/office/drawing/2014/main" id="{9AF74740-BE54-5E56-323E-3AD8C3AF59C4}"/>
+                <a16:creationId xmlns:a16="http://schemas.microsoft.com/office/drawing/2014/main" id="{A1A87EC1-F3BC-B1F8-F4F1-F839573CC2A2}"/>
               </a:ext>
             </a:extLst>
           </p:cNvPr>
@@ -14659,7 +15314,7 @@
           <a:p>
             <a:fld id="{565CE74E-AB26-4998-AD42-012C4C1AD076}" type="slidenum">
               <a:rPr lang="zh-CN" altLang="en-US" smtClean="0"/>
-              <a:t>4</a:t>
+              <a:t>30</a:t>
             </a:fld>
             <a:endParaRPr lang="zh-CN" altLang="en-US"/>
           </a:p>
@@ -14667,10 +15322,10 @@
       </p:sp>
       <p:sp>
         <p:nvSpPr>
-          <p:cNvPr id="3" name="矩形 2">
-            <a:extLst>
-              <a:ext uri="{FF2B5EF4-FFF2-40B4-BE49-F238E27FC236}">
-                <a16:creationId xmlns:a16="http://schemas.microsoft.com/office/drawing/2014/main" id="{9A98496B-03BE-2249-B7C3-5EA2CC359DB9}"/>
+          <p:cNvPr id="4" name="矩形 3">
+            <a:extLst>
+              <a:ext uri="{FF2B5EF4-FFF2-40B4-BE49-F238E27FC236}">
+                <a16:creationId xmlns:a16="http://schemas.microsoft.com/office/drawing/2014/main" id="{1C0FD122-C103-9FD5-E238-C62DD371CAE5}"/>
               </a:ext>
             </a:extLst>
           </p:cNvPr>
@@ -14754,6 +15409,287 @@
           </a:p>
         </p:txBody>
       </p:sp>
+      <p:pic>
+        <p:nvPicPr>
+          <p:cNvPr id="5" name="图片 4">
+            <a:extLst>
+              <a:ext uri="{FF2B5EF4-FFF2-40B4-BE49-F238E27FC236}">
+                <a16:creationId xmlns:a16="http://schemas.microsoft.com/office/drawing/2014/main" id="{38BC6BC1-8A40-53D7-32B7-D0B5816AD14E}"/>
+              </a:ext>
+            </a:extLst>
+          </p:cNvPr>
+          <p:cNvPicPr>
+            <a:picLocks noChangeAspect="1"/>
+          </p:cNvPicPr>
+          <p:nvPr/>
+        </p:nvPicPr>
+        <p:blipFill>
+          <a:blip r:embed="rId2"/>
+          <a:stretch>
+            <a:fillRect/>
+          </a:stretch>
+        </p:blipFill>
+        <p:spPr>
+          <a:xfrm>
+            <a:off x="11265327" y="-2"/>
+            <a:ext cx="926672" cy="926672"/>
+          </a:xfrm>
+          <a:prstGeom prst="rect">
+            <a:avLst/>
+          </a:prstGeom>
+        </p:spPr>
+      </p:pic>
+      <p:sp>
+        <p:nvSpPr>
+          <p:cNvPr id="7" name="文本框 6">
+            <a:extLst>
+              <a:ext uri="{FF2B5EF4-FFF2-40B4-BE49-F238E27FC236}">
+                <a16:creationId xmlns:a16="http://schemas.microsoft.com/office/drawing/2014/main" id="{5BEF4FD3-DCD8-5D72-DF67-1AFE27084C12}"/>
+              </a:ext>
+            </a:extLst>
+          </p:cNvPr>
+          <p:cNvSpPr txBox="1"/>
+          <p:nvPr/>
+        </p:nvSpPr>
+        <p:spPr>
+          <a:xfrm>
+            <a:off x="1082654" y="717658"/>
+            <a:ext cx="6096000" cy="1229632"/>
+          </a:xfrm>
+          <a:prstGeom prst="rect">
+            <a:avLst/>
+          </a:prstGeom>
+          <a:noFill/>
+        </p:spPr>
+        <p:txBody>
+          <a:bodyPr wrap="square">
+            <a:spAutoFit/>
+          </a:bodyPr>
+          <a:lstStyle/>
+          <a:p>
+            <a:pPr marL="285750" marR="0" lvl="0" indent="-285750" algn="just" defTabSz="914400" rtl="0" eaLnBrk="1" fontAlgn="auto" latinLnBrk="0" hangingPunct="1">
+              <a:lnSpc>
+                <a:spcPct val="200000"/>
+              </a:lnSpc>
+              <a:spcBef>
+                <a:spcPts val="0"/>
+              </a:spcBef>
+              <a:spcAft>
+                <a:spcPts val="0"/>
+              </a:spcAft>
+              <a:buClrTx/>
+              <a:buSzTx/>
+              <a:buFont typeface="Arial" panose="020B0604020202020204" pitchFamily="34" charset="0"/>
+              <a:buChar char="•"/>
+              <a:tabLst/>
+              <a:defRPr/>
+            </a:pPr>
+            <a:r>
+              <a:rPr lang="en-US" altLang="zh-CN" sz="2000" dirty="0">
+                <a:solidFill>
+                  <a:prstClr val="black"/>
+                </a:solidFill>
+                <a:latin typeface="Times New Roman" panose="02020603050405020304" pitchFamily="18" charset="0"/>
+                <a:ea typeface="微软雅黑" panose="020B0503020204020204" pitchFamily="34" charset="-122"/>
+                <a:cs typeface="Times New Roman" panose="02020603050405020304" pitchFamily="18" charset="0"/>
+              </a:rPr>
+              <a:t>The rest part is the same as the Kalman Filter</a:t>
+            </a:r>
+          </a:p>
+          <a:p>
+            <a:pPr marL="285750" marR="0" lvl="0" indent="-285750" algn="just" defTabSz="914400" rtl="0" eaLnBrk="1" fontAlgn="auto" latinLnBrk="0" hangingPunct="1">
+              <a:lnSpc>
+                <a:spcPct val="200000"/>
+              </a:lnSpc>
+              <a:spcBef>
+                <a:spcPts val="0"/>
+              </a:spcBef>
+              <a:spcAft>
+                <a:spcPts val="0"/>
+              </a:spcAft>
+              <a:buClrTx/>
+              <a:buSzTx/>
+              <a:buFont typeface="Arial" panose="020B0604020202020204" pitchFamily="34" charset="0"/>
+              <a:buChar char="•"/>
+              <a:tabLst/>
+              <a:defRPr/>
+            </a:pPr>
+            <a:r>
+              <a:rPr lang="en-US" altLang="zh-CN" sz="2000" dirty="0">
+                <a:solidFill>
+                  <a:prstClr val="black"/>
+                </a:solidFill>
+                <a:latin typeface="Times New Roman" panose="02020603050405020304" pitchFamily="18" charset="0"/>
+                <a:ea typeface="微软雅黑" panose="020B0503020204020204" pitchFamily="34" charset="-122"/>
+                <a:cs typeface="Times New Roman" panose="02020603050405020304" pitchFamily="18" charset="0"/>
+              </a:rPr>
+              <a:t>We could see more detail in the Project1</a:t>
+            </a:r>
+            <a:endParaRPr kumimoji="0" lang="zh-CN" altLang="en-US" sz="2000" b="0" i="0" u="none" strike="noStrike" kern="1200" cap="none" spc="0" normalizeH="0" baseline="0" noProof="0" dirty="0">
+              <a:ln>
+                <a:noFill/>
+              </a:ln>
+              <a:solidFill>
+                <a:prstClr val="black"/>
+              </a:solidFill>
+              <a:effectLst/>
+              <a:uLnTx/>
+              <a:uFillTx/>
+              <a:latin typeface="Times New Roman" panose="02020603050405020304" pitchFamily="18" charset="0"/>
+              <a:ea typeface="微软雅黑" panose="020B0503020204020204" pitchFamily="34" charset="-122"/>
+              <a:cs typeface="Times New Roman" panose="02020603050405020304" pitchFamily="18" charset="0"/>
+            </a:endParaRPr>
+          </a:p>
+        </p:txBody>
+      </p:sp>
+    </p:spTree>
+    <p:extLst>
+      <p:ext uri="{BB962C8B-B14F-4D97-AF65-F5344CB8AC3E}">
+        <p14:creationId xmlns:p14="http://schemas.microsoft.com/office/powerpoint/2010/main" val="2013530272"/>
+      </p:ext>
+    </p:extLst>
+  </p:cSld>
+  <p:clrMapOvr>
+    <a:masterClrMapping/>
+  </p:clrMapOvr>
+</p:sld>
+</file>
+
+<file path=ppt/slides/slide4.xml><?xml version="1.0" encoding="utf-8"?>
+<p:sld xmlns:a="http://schemas.openxmlformats.org/drawingml/2006/main" xmlns:r="http://schemas.openxmlformats.org/officeDocument/2006/relationships" xmlns:p="http://schemas.openxmlformats.org/presentationml/2006/main">
+  <p:cSld>
+    <p:spTree>
+      <p:nvGrpSpPr>
+        <p:cNvPr id="1" name=""/>
+        <p:cNvGrpSpPr/>
+        <p:nvPr/>
+      </p:nvGrpSpPr>
+      <p:grpSpPr>
+        <a:xfrm>
+          <a:off x="0" y="0"/>
+          <a:ext cx="0" cy="0"/>
+          <a:chOff x="0" y="0"/>
+          <a:chExt cx="0" cy="0"/>
+        </a:xfrm>
+      </p:grpSpPr>
+      <p:sp>
+        <p:nvSpPr>
+          <p:cNvPr id="2" name="灯片编号占位符 1">
+            <a:extLst>
+              <a:ext uri="{FF2B5EF4-FFF2-40B4-BE49-F238E27FC236}">
+                <a16:creationId xmlns:a16="http://schemas.microsoft.com/office/drawing/2014/main" id="{9AF74740-BE54-5E56-323E-3AD8C3AF59C4}"/>
+              </a:ext>
+            </a:extLst>
+          </p:cNvPr>
+          <p:cNvSpPr>
+            <a:spLocks noGrp="1"/>
+          </p:cNvSpPr>
+          <p:nvPr>
+            <p:ph type="sldNum" sz="quarter" idx="12"/>
+          </p:nvPr>
+        </p:nvSpPr>
+        <p:spPr/>
+        <p:txBody>
+          <a:bodyPr/>
+          <a:lstStyle/>
+          <a:p>
+            <a:fld id="{565CE74E-AB26-4998-AD42-012C4C1AD076}" type="slidenum">
+              <a:rPr lang="zh-CN" altLang="en-US" smtClean="0"/>
+              <a:t>4</a:t>
+            </a:fld>
+            <a:endParaRPr lang="zh-CN" altLang="en-US"/>
+          </a:p>
+        </p:txBody>
+      </p:sp>
+      <p:sp>
+        <p:nvSpPr>
+          <p:cNvPr id="3" name="矩形 2">
+            <a:extLst>
+              <a:ext uri="{FF2B5EF4-FFF2-40B4-BE49-F238E27FC236}">
+                <a16:creationId xmlns:a16="http://schemas.microsoft.com/office/drawing/2014/main" id="{9A98496B-03BE-2249-B7C3-5EA2CC359DB9}"/>
+              </a:ext>
+            </a:extLst>
+          </p:cNvPr>
+          <p:cNvSpPr/>
+          <p:nvPr/>
+        </p:nvSpPr>
+        <p:spPr>
+          <a:xfrm>
+            <a:off x="1" y="-2"/>
+            <a:ext cx="220551" cy="6858002"/>
+          </a:xfrm>
+          <a:prstGeom prst="rect">
+            <a:avLst/>
+          </a:prstGeom>
+          <a:gradFill>
+            <a:gsLst>
+              <a:gs pos="100000">
+                <a:srgbClr val="1C2F43"/>
+              </a:gs>
+              <a:gs pos="0">
+                <a:srgbClr val="46706E"/>
+              </a:gs>
+            </a:gsLst>
+            <a:lin ang="5400000" scaled="1"/>
+          </a:gradFill>
+          <a:ln>
+            <a:noFill/>
+          </a:ln>
+        </p:spPr>
+        <p:style>
+          <a:lnRef idx="2">
+            <a:schemeClr val="accent1">
+              <a:shade val="50000"/>
+            </a:schemeClr>
+          </a:lnRef>
+          <a:fillRef idx="1">
+            <a:schemeClr val="accent1"/>
+          </a:fillRef>
+          <a:effectRef idx="0">
+            <a:schemeClr val="accent1"/>
+          </a:effectRef>
+          <a:fontRef idx="minor">
+            <a:schemeClr val="lt1"/>
+          </a:fontRef>
+        </p:style>
+        <p:txBody>
+          <a:bodyPr rtlCol="0" anchor="ctr"/>
+          <a:lstStyle/>
+          <a:p>
+            <a:pPr marL="0" marR="0" lvl="0" indent="0" algn="ctr" defTabSz="914400" rtl="0" eaLnBrk="1" fontAlgn="auto" latinLnBrk="0" hangingPunct="1">
+              <a:lnSpc>
+                <a:spcPct val="100000"/>
+              </a:lnSpc>
+              <a:spcBef>
+                <a:spcPts val="0"/>
+              </a:spcBef>
+              <a:spcAft>
+                <a:spcPts val="0"/>
+              </a:spcAft>
+              <a:buClrTx/>
+              <a:buSzTx/>
+              <a:buFontTx/>
+              <a:buNone/>
+              <a:tabLst/>
+              <a:defRPr/>
+            </a:pPr>
+            <a:endParaRPr kumimoji="0" lang="zh-CN" altLang="en-US" sz="1800" b="0" i="0" u="none" strike="noStrike" kern="1200" cap="none" spc="0" normalizeH="0" baseline="0" noProof="0">
+              <a:ln>
+                <a:noFill/>
+              </a:ln>
+              <a:solidFill>
+                <a:prstClr val="white"/>
+              </a:solidFill>
+              <a:effectLst/>
+              <a:uLnTx/>
+              <a:uFillTx/>
+              <a:latin typeface="Calibri"/>
+              <a:ea typeface="微软雅黑" panose="020B0503020204020204" pitchFamily="34" charset="-122"/>
+              <a:cs typeface="+mn-cs"/>
+            </a:endParaRPr>
+          </a:p>
+        </p:txBody>
+      </p:sp>
       <p:sp>
         <p:nvSpPr>
           <p:cNvPr id="5" name="文本框 4">
@@ -14850,10 +15786,10 @@
       </p:sp>
       <p:pic>
         <p:nvPicPr>
-          <p:cNvPr id="9" name="图片 8">
-            <a:extLst>
-              <a:ext uri="{FF2B5EF4-FFF2-40B4-BE49-F238E27FC236}">
-                <a16:creationId xmlns:a16="http://schemas.microsoft.com/office/drawing/2014/main" id="{6249EEC7-3BB9-EA47-92FB-D99385DF7A13}"/>
+          <p:cNvPr id="16" name="图片 15">
+            <a:extLst>
+              <a:ext uri="{FF2B5EF4-FFF2-40B4-BE49-F238E27FC236}">
+                <a16:creationId xmlns:a16="http://schemas.microsoft.com/office/drawing/2014/main" id="{C3846C96-3FDB-8025-074A-E322C1F8E27C}"/>
               </a:ext>
             </a:extLst>
           </p:cNvPr>
@@ -14870,120 +15806,6 @@
         </p:blipFill>
         <p:spPr>
           <a:xfrm>
-            <a:off x="1177434" y="2911819"/>
-            <a:ext cx="2959252" cy="2730640"/>
-          </a:xfrm>
-          <a:prstGeom prst="rect">
-            <a:avLst/>
-          </a:prstGeom>
-        </p:spPr>
-      </p:pic>
-      <p:sp>
-        <p:nvSpPr>
-          <p:cNvPr id="15" name="文本框 14">
-            <a:extLst>
-              <a:ext uri="{FF2B5EF4-FFF2-40B4-BE49-F238E27FC236}">
-                <a16:creationId xmlns:a16="http://schemas.microsoft.com/office/drawing/2014/main" id="{8D01ADBA-66EE-9D79-33DD-6D91E5697DA4}"/>
-              </a:ext>
-            </a:extLst>
-          </p:cNvPr>
-          <p:cNvSpPr txBox="1"/>
-          <p:nvPr/>
-        </p:nvSpPr>
-        <p:spPr>
-          <a:xfrm>
-            <a:off x="5618922" y="2773882"/>
-            <a:ext cx="4273826" cy="2540888"/>
-          </a:xfrm>
-          <a:prstGeom prst="rect">
-            <a:avLst/>
-          </a:prstGeom>
-          <a:noFill/>
-        </p:spPr>
-        <p:txBody>
-          <a:bodyPr wrap="square">
-            <a:spAutoFit/>
-          </a:bodyPr>
-          <a:lstStyle/>
-          <a:p>
-            <a:pPr marL="285750" indent="-285750" algn="just">
-              <a:lnSpc>
-                <a:spcPct val="150000"/>
-              </a:lnSpc>
-              <a:buFont typeface="Arial" panose="020B0604020202020204" pitchFamily="34" charset="0"/>
-              <a:buChar char="•"/>
-            </a:pPr>
-            <a:r>
-              <a:rPr lang="en-US" altLang="zh-CN" dirty="0">
-                <a:solidFill>
-                  <a:srgbClr val="29261B"/>
-                </a:solidFill>
-                <a:latin typeface="Times New Roman" panose="02020603050405020304" pitchFamily="18" charset="0"/>
-                <a:cs typeface="Times New Roman" panose="02020603050405020304" pitchFamily="18" charset="0"/>
-              </a:rPr>
-              <a:t>We know that these two variables are correlated, and might their relationship look like this. </a:t>
-            </a:r>
-          </a:p>
-          <a:p>
-            <a:pPr marL="285750" indent="-285750" algn="just">
-              <a:lnSpc>
-                <a:spcPct val="150000"/>
-              </a:lnSpc>
-              <a:buFont typeface="Arial" panose="020B0604020202020204" pitchFamily="34" charset="0"/>
-              <a:buChar char="•"/>
-            </a:pPr>
-            <a:endParaRPr lang="en-US" altLang="zh-CN" dirty="0">
-              <a:solidFill>
-                <a:srgbClr val="29261B"/>
-              </a:solidFill>
-              <a:latin typeface="Times New Roman" panose="02020603050405020304" pitchFamily="18" charset="0"/>
-              <a:cs typeface="Times New Roman" panose="02020603050405020304" pitchFamily="18" charset="0"/>
-            </a:endParaRPr>
-          </a:p>
-          <a:p>
-            <a:pPr marL="285750" indent="-285750" algn="just">
-              <a:lnSpc>
-                <a:spcPct val="150000"/>
-              </a:lnSpc>
-              <a:buFont typeface="Arial" panose="020B0604020202020204" pitchFamily="34" charset="0"/>
-              <a:buChar char="•"/>
-            </a:pPr>
-            <a:r>
-              <a:rPr lang="en-US" altLang="zh-CN" dirty="0">
-                <a:solidFill>
-                  <a:srgbClr val="29261B"/>
-                </a:solidFill>
-                <a:latin typeface="Times New Roman" panose="02020603050405020304" pitchFamily="18" charset="0"/>
-                <a:cs typeface="Times New Roman" panose="02020603050405020304" pitchFamily="18" charset="0"/>
-              </a:rPr>
-              <a:t>But How can we figure out this relationship?</a:t>
-            </a:r>
-            <a:endParaRPr lang="zh-CN" altLang="en-US" dirty="0"/>
-          </a:p>
-        </p:txBody>
-      </p:sp>
-      <p:pic>
-        <p:nvPicPr>
-          <p:cNvPr id="16" name="图片 15">
-            <a:extLst>
-              <a:ext uri="{FF2B5EF4-FFF2-40B4-BE49-F238E27FC236}">
-                <a16:creationId xmlns:a16="http://schemas.microsoft.com/office/drawing/2014/main" id="{C3846C96-3FDB-8025-074A-E322C1F8E27C}"/>
-              </a:ext>
-            </a:extLst>
-          </p:cNvPr>
-          <p:cNvPicPr>
-            <a:picLocks noChangeAspect="1"/>
-          </p:cNvPicPr>
-          <p:nvPr/>
-        </p:nvPicPr>
-        <p:blipFill>
-          <a:blip r:embed="rId3"/>
-          <a:stretch>
-            <a:fillRect/>
-          </a:stretch>
-        </p:blipFill>
-        <p:spPr>
-          <a:xfrm>
             <a:off x="11265327" y="-2"/>
             <a:ext cx="926672" cy="926672"/>
           </a:xfrm>
@@ -15007,7 +15829,7 @@
           <p:nvPr/>
         </p:nvPicPr>
         <p:blipFill>
-          <a:blip r:embed="rId4"/>
+          <a:blip r:embed="rId3"/>
           <a:stretch>
             <a:fillRect/>
           </a:stretch>
@@ -15068,6 +15890,438 @@
               <a:t>Internal Noise and uncertainty</a:t>
             </a:r>
             <a:endParaRPr lang="zh-CN" altLang="en-US" dirty="0"/>
+          </a:p>
+        </p:txBody>
+      </p:sp>
+      <p:pic>
+        <p:nvPicPr>
+          <p:cNvPr id="6" name="图片 5">
+            <a:extLst>
+              <a:ext uri="{FF2B5EF4-FFF2-40B4-BE49-F238E27FC236}">
+                <a16:creationId xmlns:a16="http://schemas.microsoft.com/office/drawing/2014/main" id="{776DE4E8-9A24-F6A9-FC01-7249AE9E91D1}"/>
+              </a:ext>
+            </a:extLst>
+          </p:cNvPr>
+          <p:cNvPicPr>
+            <a:picLocks noChangeAspect="1"/>
+          </p:cNvPicPr>
+          <p:nvPr/>
+        </p:nvPicPr>
+        <p:blipFill>
+          <a:blip r:embed="rId4"/>
+          <a:stretch>
+            <a:fillRect/>
+          </a:stretch>
+        </p:blipFill>
+        <p:spPr>
+          <a:xfrm>
+            <a:off x="1422157" y="2959639"/>
+            <a:ext cx="2478601" cy="2439721"/>
+          </a:xfrm>
+          <a:prstGeom prst="rect">
+            <a:avLst/>
+          </a:prstGeom>
+        </p:spPr>
+      </p:pic>
+      <p:sp>
+        <p:nvSpPr>
+          <p:cNvPr id="7" name="矩形 6">
+            <a:extLst>
+              <a:ext uri="{FF2B5EF4-FFF2-40B4-BE49-F238E27FC236}">
+                <a16:creationId xmlns:a16="http://schemas.microsoft.com/office/drawing/2014/main" id="{3A363D72-ED95-C975-9FD0-65D3FA5C814F}"/>
+              </a:ext>
+            </a:extLst>
+          </p:cNvPr>
+          <p:cNvSpPr/>
+          <p:nvPr/>
+        </p:nvSpPr>
+        <p:spPr>
+          <a:xfrm>
+            <a:off x="9982200" y="3319062"/>
+            <a:ext cx="1371600" cy="1372814"/>
+          </a:xfrm>
+          <a:prstGeom prst="rect">
+            <a:avLst/>
+          </a:prstGeom>
+          <a:solidFill>
+            <a:schemeClr val="accent6">
+              <a:lumMod val="60000"/>
+              <a:lumOff val="40000"/>
+            </a:schemeClr>
+          </a:solidFill>
+        </p:spPr>
+        <p:style>
+          <a:lnRef idx="2">
+            <a:schemeClr val="accent1">
+              <a:shade val="15000"/>
+            </a:schemeClr>
+          </a:lnRef>
+          <a:fillRef idx="1">
+            <a:schemeClr val="accent1"/>
+          </a:fillRef>
+          <a:effectRef idx="0">
+            <a:schemeClr val="accent1"/>
+          </a:effectRef>
+          <a:fontRef idx="minor">
+            <a:schemeClr val="lt1"/>
+          </a:fontRef>
+        </p:style>
+        <p:txBody>
+          <a:bodyPr rtlCol="0" anchor="ctr"/>
+          <a:lstStyle>
+            <a:defPPr>
+              <a:defRPr lang="zh-CN"/>
+            </a:defPPr>
+            <a:lvl1pPr marL="0" algn="l" defTabSz="914400" rtl="0" eaLnBrk="1" latinLnBrk="0" hangingPunct="1">
+              <a:defRPr sz="1800" kern="1200">
+                <a:solidFill>
+                  <a:schemeClr val="lt1"/>
+                </a:solidFill>
+                <a:latin typeface="+mn-lt"/>
+                <a:ea typeface="+mn-ea"/>
+                <a:cs typeface="+mn-cs"/>
+              </a:defRPr>
+            </a:lvl1pPr>
+            <a:lvl2pPr marL="457200" algn="l" defTabSz="914400" rtl="0" eaLnBrk="1" latinLnBrk="0" hangingPunct="1">
+              <a:defRPr sz="1800" kern="1200">
+                <a:solidFill>
+                  <a:schemeClr val="lt1"/>
+                </a:solidFill>
+                <a:latin typeface="+mn-lt"/>
+                <a:ea typeface="+mn-ea"/>
+                <a:cs typeface="+mn-cs"/>
+              </a:defRPr>
+            </a:lvl2pPr>
+            <a:lvl3pPr marL="914400" algn="l" defTabSz="914400" rtl="0" eaLnBrk="1" latinLnBrk="0" hangingPunct="1">
+              <a:defRPr sz="1800" kern="1200">
+                <a:solidFill>
+                  <a:schemeClr val="lt1"/>
+                </a:solidFill>
+                <a:latin typeface="+mn-lt"/>
+                <a:ea typeface="+mn-ea"/>
+                <a:cs typeface="+mn-cs"/>
+              </a:defRPr>
+            </a:lvl3pPr>
+            <a:lvl4pPr marL="1371600" algn="l" defTabSz="914400" rtl="0" eaLnBrk="1" latinLnBrk="0" hangingPunct="1">
+              <a:defRPr sz="1800" kern="1200">
+                <a:solidFill>
+                  <a:schemeClr val="lt1"/>
+                </a:solidFill>
+                <a:latin typeface="+mn-lt"/>
+                <a:ea typeface="+mn-ea"/>
+                <a:cs typeface="+mn-cs"/>
+              </a:defRPr>
+            </a:lvl4pPr>
+            <a:lvl5pPr marL="1828800" algn="l" defTabSz="914400" rtl="0" eaLnBrk="1" latinLnBrk="0" hangingPunct="1">
+              <a:defRPr sz="1800" kern="1200">
+                <a:solidFill>
+                  <a:schemeClr val="lt1"/>
+                </a:solidFill>
+                <a:latin typeface="+mn-lt"/>
+                <a:ea typeface="+mn-ea"/>
+                <a:cs typeface="+mn-cs"/>
+              </a:defRPr>
+            </a:lvl5pPr>
+            <a:lvl6pPr marL="2286000" algn="l" defTabSz="914400" rtl="0" eaLnBrk="1" latinLnBrk="0" hangingPunct="1">
+              <a:defRPr sz="1800" kern="1200">
+                <a:solidFill>
+                  <a:schemeClr val="lt1"/>
+                </a:solidFill>
+                <a:latin typeface="+mn-lt"/>
+                <a:ea typeface="+mn-ea"/>
+                <a:cs typeface="+mn-cs"/>
+              </a:defRPr>
+            </a:lvl6pPr>
+            <a:lvl7pPr marL="2743200" algn="l" defTabSz="914400" rtl="0" eaLnBrk="1" latinLnBrk="0" hangingPunct="1">
+              <a:defRPr sz="1800" kern="1200">
+                <a:solidFill>
+                  <a:schemeClr val="lt1"/>
+                </a:solidFill>
+                <a:latin typeface="+mn-lt"/>
+                <a:ea typeface="+mn-ea"/>
+                <a:cs typeface="+mn-cs"/>
+              </a:defRPr>
+            </a:lvl7pPr>
+            <a:lvl8pPr marL="3200400" algn="l" defTabSz="914400" rtl="0" eaLnBrk="1" latinLnBrk="0" hangingPunct="1">
+              <a:defRPr sz="1800" kern="1200">
+                <a:solidFill>
+                  <a:schemeClr val="lt1"/>
+                </a:solidFill>
+                <a:latin typeface="+mn-lt"/>
+                <a:ea typeface="+mn-ea"/>
+                <a:cs typeface="+mn-cs"/>
+              </a:defRPr>
+            </a:lvl8pPr>
+            <a:lvl9pPr marL="3657600" algn="l" defTabSz="914400" rtl="0" eaLnBrk="1" latinLnBrk="0" hangingPunct="1">
+              <a:defRPr sz="1800" kern="1200">
+                <a:solidFill>
+                  <a:schemeClr val="lt1"/>
+                </a:solidFill>
+                <a:latin typeface="+mn-lt"/>
+                <a:ea typeface="+mn-ea"/>
+                <a:cs typeface="+mn-cs"/>
+              </a:defRPr>
+            </a:lvl9pPr>
+          </a:lstStyle>
+          <a:p>
+            <a:pPr algn="ctr"/>
+            <a:endParaRPr lang="zh-CN" altLang="en-US"/>
+          </a:p>
+        </p:txBody>
+      </p:sp>
+      <p:pic>
+        <p:nvPicPr>
+          <p:cNvPr id="8" name="图片 7">
+            <a:extLst>
+              <a:ext uri="{FF2B5EF4-FFF2-40B4-BE49-F238E27FC236}">
+                <a16:creationId xmlns:a16="http://schemas.microsoft.com/office/drawing/2014/main" id="{22997DF5-2314-2AFB-BECF-590B5B86BD1E}"/>
+              </a:ext>
+            </a:extLst>
+          </p:cNvPr>
+          <p:cNvPicPr>
+            <a:picLocks noChangeAspect="1"/>
+          </p:cNvPicPr>
+          <p:nvPr/>
+        </p:nvPicPr>
+        <p:blipFill>
+          <a:blip r:embed="rId5"/>
+          <a:stretch>
+            <a:fillRect/>
+          </a:stretch>
+        </p:blipFill>
+        <p:spPr>
+          <a:xfrm>
+            <a:off x="10548937" y="3481074"/>
+            <a:ext cx="238125" cy="342900"/>
+          </a:xfrm>
+          <a:prstGeom prst="rect">
+            <a:avLst/>
+          </a:prstGeom>
+        </p:spPr>
+      </p:pic>
+      <p:sp>
+        <p:nvSpPr>
+          <p:cNvPr id="10" name="文本框 21">
+            <a:extLst>
+              <a:ext uri="{FF2B5EF4-FFF2-40B4-BE49-F238E27FC236}">
+                <a16:creationId xmlns:a16="http://schemas.microsoft.com/office/drawing/2014/main" id="{170F95CC-210C-9ABE-B3E6-14EA5B78D492}"/>
+              </a:ext>
+            </a:extLst>
+          </p:cNvPr>
+          <p:cNvSpPr txBox="1"/>
+          <p:nvPr/>
+        </p:nvSpPr>
+        <p:spPr>
+          <a:xfrm>
+            <a:off x="10081591" y="3898625"/>
+            <a:ext cx="1272209" cy="707886"/>
+          </a:xfrm>
+          <a:prstGeom prst="rect">
+            <a:avLst/>
+          </a:prstGeom>
+          <a:noFill/>
+        </p:spPr>
+        <p:txBody>
+          <a:bodyPr wrap="square" rtlCol="0">
+            <a:spAutoFit/>
+          </a:bodyPr>
+          <a:lstStyle>
+            <a:defPPr>
+              <a:defRPr lang="zh-CN"/>
+            </a:defPPr>
+            <a:lvl1pPr marL="0" algn="l" defTabSz="914400" rtl="0" eaLnBrk="1" latinLnBrk="0" hangingPunct="1">
+              <a:defRPr sz="1800" kern="1200">
+                <a:solidFill>
+                  <a:schemeClr val="tx1"/>
+                </a:solidFill>
+                <a:latin typeface="+mn-lt"/>
+                <a:ea typeface="+mn-ea"/>
+                <a:cs typeface="+mn-cs"/>
+              </a:defRPr>
+            </a:lvl1pPr>
+            <a:lvl2pPr marL="457200" algn="l" defTabSz="914400" rtl="0" eaLnBrk="1" latinLnBrk="0" hangingPunct="1">
+              <a:defRPr sz="1800" kern="1200">
+                <a:solidFill>
+                  <a:schemeClr val="tx1"/>
+                </a:solidFill>
+                <a:latin typeface="+mn-lt"/>
+                <a:ea typeface="+mn-ea"/>
+                <a:cs typeface="+mn-cs"/>
+              </a:defRPr>
+            </a:lvl2pPr>
+            <a:lvl3pPr marL="914400" algn="l" defTabSz="914400" rtl="0" eaLnBrk="1" latinLnBrk="0" hangingPunct="1">
+              <a:defRPr sz="1800" kern="1200">
+                <a:solidFill>
+                  <a:schemeClr val="tx1"/>
+                </a:solidFill>
+                <a:latin typeface="+mn-lt"/>
+                <a:ea typeface="+mn-ea"/>
+                <a:cs typeface="+mn-cs"/>
+              </a:defRPr>
+            </a:lvl3pPr>
+            <a:lvl4pPr marL="1371600" algn="l" defTabSz="914400" rtl="0" eaLnBrk="1" latinLnBrk="0" hangingPunct="1">
+              <a:defRPr sz="1800" kern="1200">
+                <a:solidFill>
+                  <a:schemeClr val="tx1"/>
+                </a:solidFill>
+                <a:latin typeface="+mn-lt"/>
+                <a:ea typeface="+mn-ea"/>
+                <a:cs typeface="+mn-cs"/>
+              </a:defRPr>
+            </a:lvl4pPr>
+            <a:lvl5pPr marL="1828800" algn="l" defTabSz="914400" rtl="0" eaLnBrk="1" latinLnBrk="0" hangingPunct="1">
+              <a:defRPr sz="1800" kern="1200">
+                <a:solidFill>
+                  <a:schemeClr val="tx1"/>
+                </a:solidFill>
+                <a:latin typeface="+mn-lt"/>
+                <a:ea typeface="+mn-ea"/>
+                <a:cs typeface="+mn-cs"/>
+              </a:defRPr>
+            </a:lvl5pPr>
+            <a:lvl6pPr marL="2286000" algn="l" defTabSz="914400" rtl="0" eaLnBrk="1" latinLnBrk="0" hangingPunct="1">
+              <a:defRPr sz="1800" kern="1200">
+                <a:solidFill>
+                  <a:schemeClr val="tx1"/>
+                </a:solidFill>
+                <a:latin typeface="+mn-lt"/>
+                <a:ea typeface="+mn-ea"/>
+                <a:cs typeface="+mn-cs"/>
+              </a:defRPr>
+            </a:lvl6pPr>
+            <a:lvl7pPr marL="2743200" algn="l" defTabSz="914400" rtl="0" eaLnBrk="1" latinLnBrk="0" hangingPunct="1">
+              <a:defRPr sz="1800" kern="1200">
+                <a:solidFill>
+                  <a:schemeClr val="tx1"/>
+                </a:solidFill>
+                <a:latin typeface="+mn-lt"/>
+                <a:ea typeface="+mn-ea"/>
+                <a:cs typeface="+mn-cs"/>
+              </a:defRPr>
+            </a:lvl7pPr>
+            <a:lvl8pPr marL="3200400" algn="l" defTabSz="914400" rtl="0" eaLnBrk="1" latinLnBrk="0" hangingPunct="1">
+              <a:defRPr sz="1800" kern="1200">
+                <a:solidFill>
+                  <a:schemeClr val="tx1"/>
+                </a:solidFill>
+                <a:latin typeface="+mn-lt"/>
+                <a:ea typeface="+mn-ea"/>
+                <a:cs typeface="+mn-cs"/>
+              </a:defRPr>
+            </a:lvl8pPr>
+            <a:lvl9pPr marL="3657600" algn="l" defTabSz="914400" rtl="0" eaLnBrk="1" latinLnBrk="0" hangingPunct="1">
+              <a:defRPr sz="1800" kern="1200">
+                <a:solidFill>
+                  <a:schemeClr val="tx1"/>
+                </a:solidFill>
+                <a:latin typeface="+mn-lt"/>
+                <a:ea typeface="+mn-ea"/>
+                <a:cs typeface="+mn-cs"/>
+              </a:defRPr>
+            </a:lvl9pPr>
+          </a:lstStyle>
+          <a:p>
+            <a:pPr algn="ctr"/>
+            <a:r>
+              <a:rPr lang="en-US" altLang="zh-CN" sz="2000" dirty="0">
+                <a:latin typeface="Times New Roman" panose="02020603050405020304" pitchFamily="18" charset="0"/>
+                <a:cs typeface="Times New Roman" panose="02020603050405020304" pitchFamily="18" charset="0"/>
+              </a:rPr>
+              <a:t>Estimated </a:t>
+            </a:r>
+          </a:p>
+          <a:p>
+            <a:pPr algn="ctr"/>
+            <a:r>
+              <a:rPr lang="en-US" altLang="zh-CN" sz="2000" dirty="0">
+                <a:latin typeface="Times New Roman" panose="02020603050405020304" pitchFamily="18" charset="0"/>
+                <a:cs typeface="Times New Roman" panose="02020603050405020304" pitchFamily="18" charset="0"/>
+              </a:rPr>
+              <a:t>Stated</a:t>
+            </a:r>
+            <a:endParaRPr lang="zh-CN" altLang="en-US" sz="2000" dirty="0">
+              <a:latin typeface="Times New Roman" panose="02020603050405020304" pitchFamily="18" charset="0"/>
+              <a:cs typeface="Times New Roman" panose="02020603050405020304" pitchFamily="18" charset="0"/>
+            </a:endParaRPr>
+          </a:p>
+        </p:txBody>
+      </p:sp>
+      <p:sp>
+        <p:nvSpPr>
+          <p:cNvPr id="12" name="文本框 11">
+            <a:extLst>
+              <a:ext uri="{FF2B5EF4-FFF2-40B4-BE49-F238E27FC236}">
+                <a16:creationId xmlns:a16="http://schemas.microsoft.com/office/drawing/2014/main" id="{1E71F099-BDE7-3085-E5A7-994AE5902E59}"/>
+              </a:ext>
+            </a:extLst>
+          </p:cNvPr>
+          <p:cNvSpPr txBox="1"/>
+          <p:nvPr/>
+        </p:nvSpPr>
+        <p:spPr>
+          <a:xfrm>
+            <a:off x="4976192" y="3023000"/>
+            <a:ext cx="3315052" cy="2120068"/>
+          </a:xfrm>
+          <a:prstGeom prst="rect">
+            <a:avLst/>
+          </a:prstGeom>
+          <a:noFill/>
+        </p:spPr>
+        <p:txBody>
+          <a:bodyPr wrap="square">
+            <a:spAutoFit/>
+          </a:bodyPr>
+          <a:lstStyle/>
+          <a:p>
+            <a:pPr marL="285750" marR="0" lvl="0" indent="-285750" algn="just" defTabSz="914400" rtl="0" eaLnBrk="1" fontAlgn="auto" latinLnBrk="0" hangingPunct="1">
+              <a:lnSpc>
+                <a:spcPct val="150000"/>
+              </a:lnSpc>
+              <a:spcBef>
+                <a:spcPts val="0"/>
+              </a:spcBef>
+              <a:spcAft>
+                <a:spcPts val="0"/>
+              </a:spcAft>
+              <a:buClrTx/>
+              <a:buSzTx/>
+              <a:buFont typeface="Arial" panose="020B0604020202020204" pitchFamily="34" charset="0"/>
+              <a:buChar char="•"/>
+              <a:tabLst/>
+              <a:defRPr/>
+            </a:pPr>
+            <a:r>
+              <a:rPr kumimoji="0" lang="en-US" altLang="zh-CN" sz="1800" b="0" i="0" u="none" strike="noStrike" kern="1200" cap="none" spc="0" normalizeH="0" baseline="0" noProof="0" dirty="0">
+                <a:ln>
+                  <a:noFill/>
+                </a:ln>
+                <a:solidFill>
+                  <a:prstClr val="black"/>
+                </a:solidFill>
+                <a:effectLst/>
+                <a:uLnTx/>
+                <a:uFillTx/>
+                <a:latin typeface="Times New Roman" panose="02020603050405020304" pitchFamily="18" charset="0"/>
+                <a:ea typeface="微软雅黑" panose="020B0503020204020204" pitchFamily="34" charset="-122"/>
+                <a:cs typeface="Times New Roman" panose="02020603050405020304" pitchFamily="18" charset="0"/>
+              </a:rPr>
+              <a:t>For at the initial state k-1, the car position can be any number in the distribution. So we can see it is an estimated value.</a:t>
+            </a:r>
+            <a:endParaRPr kumimoji="0" lang="zh-CN" altLang="en-US" sz="1800" b="0" i="0" u="none" strike="noStrike" kern="1200" cap="none" spc="0" normalizeH="0" baseline="0" noProof="0" dirty="0">
+              <a:ln>
+                <a:noFill/>
+              </a:ln>
+              <a:solidFill>
+                <a:prstClr val="black"/>
+              </a:solidFill>
+              <a:effectLst/>
+              <a:uLnTx/>
+              <a:uFillTx/>
+              <a:latin typeface="Times New Roman" panose="02020603050405020304" pitchFamily="18" charset="0"/>
+              <a:ea typeface="微软雅黑" panose="020B0503020204020204" pitchFamily="34" charset="-122"/>
+              <a:cs typeface="Times New Roman" panose="02020603050405020304" pitchFamily="18" charset="0"/>
+            </a:endParaRPr>
           </a:p>
         </p:txBody>
       </p:sp>
@@ -15103,6 +16357,244 @@
       </p:grpSpPr>
       <p:sp>
         <p:nvSpPr>
+          <p:cNvPr id="2" name="灯片编号占位符 1">
+            <a:extLst>
+              <a:ext uri="{FF2B5EF4-FFF2-40B4-BE49-F238E27FC236}">
+                <a16:creationId xmlns:a16="http://schemas.microsoft.com/office/drawing/2014/main" id="{7414D7CA-3829-748C-AED2-0559203B53C5}"/>
+              </a:ext>
+            </a:extLst>
+          </p:cNvPr>
+          <p:cNvSpPr>
+            <a:spLocks noGrp="1"/>
+          </p:cNvSpPr>
+          <p:nvPr>
+            <p:ph type="sldNum" sz="quarter" idx="12"/>
+          </p:nvPr>
+        </p:nvSpPr>
+        <p:spPr/>
+        <p:txBody>
+          <a:bodyPr/>
+          <a:lstStyle/>
+          <a:p>
+            <a:fld id="{565CE74E-AB26-4998-AD42-012C4C1AD076}" type="slidenum">
+              <a:rPr lang="zh-CN" altLang="en-US" smtClean="0"/>
+              <a:t>5</a:t>
+            </a:fld>
+            <a:endParaRPr lang="zh-CN" altLang="en-US"/>
+          </a:p>
+        </p:txBody>
+      </p:sp>
+      <p:sp>
+        <p:nvSpPr>
+          <p:cNvPr id="4" name="矩形 3">
+            <a:extLst>
+              <a:ext uri="{FF2B5EF4-FFF2-40B4-BE49-F238E27FC236}">
+                <a16:creationId xmlns:a16="http://schemas.microsoft.com/office/drawing/2014/main" id="{AC0B29BC-1C42-12A0-74B0-3EB802BD1F11}"/>
+              </a:ext>
+            </a:extLst>
+          </p:cNvPr>
+          <p:cNvSpPr/>
+          <p:nvPr/>
+        </p:nvSpPr>
+        <p:spPr>
+          <a:xfrm>
+            <a:off x="1" y="-2"/>
+            <a:ext cx="220551" cy="6858002"/>
+          </a:xfrm>
+          <a:prstGeom prst="rect">
+            <a:avLst/>
+          </a:prstGeom>
+          <a:gradFill>
+            <a:gsLst>
+              <a:gs pos="100000">
+                <a:srgbClr val="1C2F43"/>
+              </a:gs>
+              <a:gs pos="0">
+                <a:srgbClr val="46706E"/>
+              </a:gs>
+            </a:gsLst>
+            <a:lin ang="5400000" scaled="1"/>
+          </a:gradFill>
+          <a:ln>
+            <a:noFill/>
+          </a:ln>
+        </p:spPr>
+        <p:style>
+          <a:lnRef idx="2">
+            <a:schemeClr val="accent1">
+              <a:shade val="50000"/>
+            </a:schemeClr>
+          </a:lnRef>
+          <a:fillRef idx="1">
+            <a:schemeClr val="accent1"/>
+          </a:fillRef>
+          <a:effectRef idx="0">
+            <a:schemeClr val="accent1"/>
+          </a:effectRef>
+          <a:fontRef idx="minor">
+            <a:schemeClr val="lt1"/>
+          </a:fontRef>
+        </p:style>
+        <p:txBody>
+          <a:bodyPr rtlCol="0" anchor="ctr"/>
+          <a:lstStyle/>
+          <a:p>
+            <a:pPr marL="0" marR="0" lvl="0" indent="0" algn="ctr" defTabSz="914400" rtl="0" eaLnBrk="1" fontAlgn="auto" latinLnBrk="0" hangingPunct="1">
+              <a:lnSpc>
+                <a:spcPct val="100000"/>
+              </a:lnSpc>
+              <a:spcBef>
+                <a:spcPts val="0"/>
+              </a:spcBef>
+              <a:spcAft>
+                <a:spcPts val="0"/>
+              </a:spcAft>
+              <a:buClrTx/>
+              <a:buSzTx/>
+              <a:buFontTx/>
+              <a:buNone/>
+              <a:tabLst/>
+              <a:defRPr/>
+            </a:pPr>
+            <a:endParaRPr kumimoji="0" lang="zh-CN" altLang="en-US" sz="1800" b="0" i="0" u="none" strike="noStrike" kern="1200" cap="none" spc="0" normalizeH="0" baseline="0" noProof="0">
+              <a:ln>
+                <a:noFill/>
+              </a:ln>
+              <a:solidFill>
+                <a:prstClr val="white"/>
+              </a:solidFill>
+              <a:effectLst/>
+              <a:uLnTx/>
+              <a:uFillTx/>
+              <a:latin typeface="Calibri"/>
+              <a:ea typeface="微软雅黑" panose="020B0503020204020204" pitchFamily="34" charset="-122"/>
+              <a:cs typeface="+mn-cs"/>
+            </a:endParaRPr>
+          </a:p>
+        </p:txBody>
+      </p:sp>
+      <p:pic>
+        <p:nvPicPr>
+          <p:cNvPr id="6" name="图片 5">
+            <a:extLst>
+              <a:ext uri="{FF2B5EF4-FFF2-40B4-BE49-F238E27FC236}">
+                <a16:creationId xmlns:a16="http://schemas.microsoft.com/office/drawing/2014/main" id="{5FD2E4D5-83AA-4148-F7E3-405E12A8ABB4}"/>
+              </a:ext>
+            </a:extLst>
+          </p:cNvPr>
+          <p:cNvPicPr>
+            <a:picLocks noChangeAspect="1"/>
+          </p:cNvPicPr>
+          <p:nvPr/>
+        </p:nvPicPr>
+        <p:blipFill>
+          <a:blip r:embed="rId2"/>
+          <a:stretch>
+            <a:fillRect/>
+          </a:stretch>
+        </p:blipFill>
+        <p:spPr>
+          <a:xfrm>
+            <a:off x="11265327" y="-2"/>
+            <a:ext cx="926672" cy="926672"/>
+          </a:xfrm>
+          <a:prstGeom prst="rect">
+            <a:avLst/>
+          </a:prstGeom>
+        </p:spPr>
+      </p:pic>
+      <p:pic>
+        <p:nvPicPr>
+          <p:cNvPr id="7" name="图片 6">
+            <a:extLst>
+              <a:ext uri="{FF2B5EF4-FFF2-40B4-BE49-F238E27FC236}">
+                <a16:creationId xmlns:a16="http://schemas.microsoft.com/office/drawing/2014/main" id="{064618B3-0238-3932-9862-D4AD764F3AB1}"/>
+              </a:ext>
+            </a:extLst>
+          </p:cNvPr>
+          <p:cNvPicPr>
+            <a:picLocks noChangeAspect="1"/>
+          </p:cNvPicPr>
+          <p:nvPr/>
+        </p:nvPicPr>
+        <p:blipFill>
+          <a:blip r:embed="rId3"/>
+          <a:stretch>
+            <a:fillRect/>
+          </a:stretch>
+        </p:blipFill>
+        <p:spPr>
+          <a:xfrm>
+            <a:off x="1135848" y="2063377"/>
+            <a:ext cx="2962913" cy="2731245"/>
+          </a:xfrm>
+          <a:prstGeom prst="rect">
+            <a:avLst/>
+          </a:prstGeom>
+        </p:spPr>
+      </p:pic>
+      <p:pic>
+        <p:nvPicPr>
+          <p:cNvPr id="8" name="图片 7">
+            <a:extLst>
+              <a:ext uri="{FF2B5EF4-FFF2-40B4-BE49-F238E27FC236}">
+                <a16:creationId xmlns:a16="http://schemas.microsoft.com/office/drawing/2014/main" id="{C4D1B0C9-BAB4-C544-05AA-70A681CF81D3}"/>
+              </a:ext>
+            </a:extLst>
+          </p:cNvPr>
+          <p:cNvPicPr>
+            <a:picLocks noChangeAspect="1"/>
+          </p:cNvPicPr>
+          <p:nvPr/>
+        </p:nvPicPr>
+        <p:blipFill>
+          <a:blip r:embed="rId4"/>
+          <a:stretch>
+            <a:fillRect/>
+          </a:stretch>
+        </p:blipFill>
+        <p:spPr>
+          <a:xfrm>
+            <a:off x="5716477" y="1977237"/>
+            <a:ext cx="4365114" cy="2609314"/>
+          </a:xfrm>
+          <a:prstGeom prst="rect">
+            <a:avLst/>
+          </a:prstGeom>
+        </p:spPr>
+      </p:pic>
+    </p:spTree>
+    <p:extLst>
+      <p:ext uri="{BB962C8B-B14F-4D97-AF65-F5344CB8AC3E}">
+        <p14:creationId xmlns:p14="http://schemas.microsoft.com/office/powerpoint/2010/main" val="220160637"/>
+      </p:ext>
+    </p:extLst>
+  </p:cSld>
+  <p:clrMapOvr>
+    <a:masterClrMapping/>
+  </p:clrMapOvr>
+</p:sld>
+</file>
+
+<file path=ppt/slides/slide6.xml><?xml version="1.0" encoding="utf-8"?>
+<p:sld xmlns:a="http://schemas.openxmlformats.org/drawingml/2006/main" xmlns:r="http://schemas.openxmlformats.org/officeDocument/2006/relationships" xmlns:p="http://schemas.openxmlformats.org/presentationml/2006/main">
+  <p:cSld>
+    <p:spTree>
+      <p:nvGrpSpPr>
+        <p:cNvPr id="1" name=""/>
+        <p:cNvGrpSpPr/>
+        <p:nvPr/>
+      </p:nvGrpSpPr>
+      <p:grpSpPr>
+        <a:xfrm>
+          <a:off x="0" y="0"/>
+          <a:ext cx="0" cy="0"/>
+          <a:chOff x="0" y="0"/>
+          <a:chExt cx="0" cy="0"/>
+        </a:xfrm>
+      </p:grpSpPr>
+      <p:sp>
+        <p:nvSpPr>
           <p:cNvPr id="23" name="矩形 22">
             <a:extLst>
               <a:ext uri="{FF2B5EF4-FFF2-40B4-BE49-F238E27FC236}">
@@ -15176,7 +16668,7 @@
           <a:p>
             <a:fld id="{565CE74E-AB26-4998-AD42-012C4C1AD076}" type="slidenum">
               <a:rPr lang="zh-CN" altLang="en-US" smtClean="0"/>
-              <a:t>5</a:t>
+              <a:t>6</a:t>
             </a:fld>
             <a:endParaRPr lang="zh-CN" altLang="en-US"/>
           </a:p>
@@ -16053,7 +17545,7 @@
 </p:sld>
 </file>
 
-<file path=ppt/slides/slide6.xml><?xml version="1.0" encoding="utf-8"?>
+<file path=ppt/slides/slide7.xml><?xml version="1.0" encoding="utf-8"?>
 <p:sld xmlns:a="http://schemas.openxmlformats.org/drawingml/2006/main" xmlns:r="http://schemas.openxmlformats.org/officeDocument/2006/relationships" xmlns:p="http://schemas.openxmlformats.org/presentationml/2006/main">
   <p:cSld>
     <p:spTree>
@@ -16093,7 +17585,7 @@
           <a:p>
             <a:fld id="{565CE74E-AB26-4998-AD42-012C4C1AD076}" type="slidenum">
               <a:rPr lang="zh-CN" altLang="en-US" smtClean="0"/>
-              <a:t>6</a:t>
+              <a:t>7</a:t>
             </a:fld>
             <a:endParaRPr lang="zh-CN" altLang="en-US"/>
           </a:p>
@@ -16614,7 +18106,7 @@
 </p:sld>
 </file>
 
-<file path=ppt/slides/slide7.xml><?xml version="1.0" encoding="utf-8"?>
+<file path=ppt/slides/slide8.xml><?xml version="1.0" encoding="utf-8"?>
 <p:sld xmlns:a="http://schemas.openxmlformats.org/drawingml/2006/main" xmlns:r="http://schemas.openxmlformats.org/officeDocument/2006/relationships" xmlns:p="http://schemas.openxmlformats.org/presentationml/2006/main">
   <p:cSld>
     <p:spTree>
@@ -16654,7 +18146,7 @@
           <a:p>
             <a:fld id="{565CE74E-AB26-4998-AD42-012C4C1AD076}" type="slidenum">
               <a:rPr lang="zh-CN" altLang="en-US" smtClean="0"/>
-              <a:t>7</a:t>
+              <a:t>8</a:t>
             </a:fld>
             <a:endParaRPr lang="zh-CN" altLang="en-US"/>
           </a:p>
@@ -16894,10 +18386,10 @@
       </p:sp>
       <p:pic>
         <p:nvPicPr>
-          <p:cNvPr id="11" name="图片 10">
-            <a:extLst>
-              <a:ext uri="{FF2B5EF4-FFF2-40B4-BE49-F238E27FC236}">
-                <a16:creationId xmlns:a16="http://schemas.microsoft.com/office/drawing/2014/main" id="{7C1B86FC-1930-9C3F-878B-56A8FBFE498F}"/>
+          <p:cNvPr id="3" name="图片 2">
+            <a:extLst>
+              <a:ext uri="{FF2B5EF4-FFF2-40B4-BE49-F238E27FC236}">
+                <a16:creationId xmlns:a16="http://schemas.microsoft.com/office/drawing/2014/main" id="{56506C81-AA11-BC06-7DC8-9EE08DF8E79C}"/>
               </a:ext>
             </a:extLst>
           </p:cNvPr>
@@ -16914,8 +18406,8 @@
         </p:blipFill>
         <p:spPr>
           <a:xfrm>
-            <a:off x="2428875" y="4799978"/>
-            <a:ext cx="6181725" cy="1143000"/>
+            <a:off x="2713989" y="4626147"/>
+            <a:ext cx="6057900" cy="1143000"/>
           </a:xfrm>
           <a:prstGeom prst="rect">
             <a:avLst/>
@@ -16935,7 +18427,7 @@
 </p:sld>
 </file>
 
-<file path=ppt/slides/slide8.xml><?xml version="1.0" encoding="utf-8"?>
+<file path=ppt/slides/slide9.xml><?xml version="1.0" encoding="utf-8"?>
 <p:sld xmlns:a="http://schemas.openxmlformats.org/drawingml/2006/main" xmlns:r="http://schemas.openxmlformats.org/officeDocument/2006/relationships" xmlns:p="http://schemas.openxmlformats.org/presentationml/2006/main">
   <p:cSld>
     <p:spTree>
@@ -16975,7 +18467,7 @@
           <a:p>
             <a:fld id="{565CE74E-AB26-4998-AD42-012C4C1AD076}" type="slidenum">
               <a:rPr lang="zh-CN" altLang="en-US" smtClean="0"/>
-              <a:t>8</a:t>
+              <a:t>9</a:t>
             </a:fld>
             <a:endParaRPr lang="zh-CN" altLang="en-US" dirty="0"/>
           </a:p>
@@ -17206,53 +18698,6 @@
           </a:prstGeom>
         </p:spPr>
       </p:pic>
-      <p:pic>
-        <p:nvPicPr>
-          <p:cNvPr id="2052" name="Picture 4">
-            <a:extLst>
-              <a:ext uri="{FF2B5EF4-FFF2-40B4-BE49-F238E27FC236}">
-                <a16:creationId xmlns:a16="http://schemas.microsoft.com/office/drawing/2014/main" id="{3932A9DE-3D16-F917-4C1D-8BAFD32CDC8F}"/>
-              </a:ext>
-            </a:extLst>
-          </p:cNvPr>
-          <p:cNvPicPr>
-            <a:picLocks noChangeAspect="1" noChangeArrowheads="1"/>
-          </p:cNvPicPr>
-          <p:nvPr/>
-        </p:nvPicPr>
-        <p:blipFill>
-          <a:blip r:embed="rId5">
-            <a:extLst>
-              <a:ext uri="{28A0092B-C50C-407E-A947-70E740481C1C}">
-                <a14:useLocalDpi xmlns:a14="http://schemas.microsoft.com/office/drawing/2010/main" val="0"/>
-              </a:ext>
-            </a:extLst>
-          </a:blip>
-          <a:srcRect/>
-          <a:stretch>
-            <a:fillRect/>
-          </a:stretch>
-        </p:blipFill>
-        <p:spPr bwMode="auto">
-          <a:xfrm>
-            <a:off x="1941442" y="3819418"/>
-            <a:ext cx="2855845" cy="457381"/>
-          </a:xfrm>
-          <a:prstGeom prst="rect">
-            <a:avLst/>
-          </a:prstGeom>
-          <a:noFill/>
-          <a:extLst>
-            <a:ext uri="{909E8E84-426E-40DD-AFC4-6F175D3DCCD1}">
-              <a14:hiddenFill xmlns:a14="http://schemas.microsoft.com/office/drawing/2010/main">
-                <a:solidFill>
-                  <a:srgbClr val="FFFFFF"/>
-                </a:solidFill>
-              </a14:hiddenFill>
-            </a:ext>
-          </a:extLst>
-        </p:spPr>
-      </p:pic>
       <p:sp>
         <p:nvSpPr>
           <p:cNvPr id="12" name="文本框 11">
@@ -17416,454 +18861,40 @@
           </a:p>
         </p:txBody>
       </p:sp>
+      <p:pic>
+        <p:nvPicPr>
+          <p:cNvPr id="4" name="图片 3">
+            <a:extLst>
+              <a:ext uri="{FF2B5EF4-FFF2-40B4-BE49-F238E27FC236}">
+                <a16:creationId xmlns:a16="http://schemas.microsoft.com/office/drawing/2014/main" id="{90173134-C3AD-2DD3-27DB-A00663A327A2}"/>
+              </a:ext>
+            </a:extLst>
+          </p:cNvPr>
+          <p:cNvPicPr>
+            <a:picLocks noChangeAspect="1"/>
+          </p:cNvPicPr>
+          <p:nvPr/>
+        </p:nvPicPr>
+        <p:blipFill>
+          <a:blip r:embed="rId5"/>
+          <a:stretch>
+            <a:fillRect/>
+          </a:stretch>
+        </p:blipFill>
+        <p:spPr>
+          <a:xfrm>
+            <a:off x="1756625" y="4035155"/>
+            <a:ext cx="3098408" cy="508333"/>
+          </a:xfrm>
+          <a:prstGeom prst="rect">
+            <a:avLst/>
+          </a:prstGeom>
+        </p:spPr>
+      </p:pic>
     </p:spTree>
     <p:extLst>
       <p:ext uri="{BB962C8B-B14F-4D97-AF65-F5344CB8AC3E}">
         <p14:creationId xmlns:p14="http://schemas.microsoft.com/office/powerpoint/2010/main" val="4268598814"/>
-      </p:ext>
-    </p:extLst>
-  </p:cSld>
-  <p:clrMapOvr>
-    <a:masterClrMapping/>
-  </p:clrMapOvr>
-</p:sld>
-</file>
-
-<file path=ppt/slides/slide9.xml><?xml version="1.0" encoding="utf-8"?>
-<p:sld xmlns:a="http://schemas.openxmlformats.org/drawingml/2006/main" xmlns:r="http://schemas.openxmlformats.org/officeDocument/2006/relationships" xmlns:p="http://schemas.openxmlformats.org/presentationml/2006/main">
-  <p:cSld>
-    <p:spTree>
-      <p:nvGrpSpPr>
-        <p:cNvPr id="1" name=""/>
-        <p:cNvGrpSpPr/>
-        <p:nvPr/>
-      </p:nvGrpSpPr>
-      <p:grpSpPr>
-        <a:xfrm>
-          <a:off x="0" y="0"/>
-          <a:ext cx="0" cy="0"/>
-          <a:chOff x="0" y="0"/>
-          <a:chExt cx="0" cy="0"/>
-        </a:xfrm>
-      </p:grpSpPr>
-      <p:sp>
-        <p:nvSpPr>
-          <p:cNvPr id="2" name="灯片编号占位符 1">
-            <a:extLst>
-              <a:ext uri="{FF2B5EF4-FFF2-40B4-BE49-F238E27FC236}">
-                <a16:creationId xmlns:a16="http://schemas.microsoft.com/office/drawing/2014/main" id="{871C7A75-416F-0722-0FF9-D7ED1E73B17E}"/>
-              </a:ext>
-            </a:extLst>
-          </p:cNvPr>
-          <p:cNvSpPr>
-            <a:spLocks noGrp="1"/>
-          </p:cNvSpPr>
-          <p:nvPr>
-            <p:ph type="sldNum" sz="quarter" idx="12"/>
-          </p:nvPr>
-        </p:nvSpPr>
-        <p:spPr/>
-        <p:txBody>
-          <a:bodyPr/>
-          <a:lstStyle/>
-          <a:p>
-            <a:fld id="{565CE74E-AB26-4998-AD42-012C4C1AD076}" type="slidenum">
-              <a:rPr lang="zh-CN" altLang="en-US" smtClean="0"/>
-              <a:t>9</a:t>
-            </a:fld>
-            <a:endParaRPr lang="zh-CN" altLang="en-US"/>
-          </a:p>
-        </p:txBody>
-      </p:sp>
-      <p:sp>
-        <p:nvSpPr>
-          <p:cNvPr id="5" name="矩形 4">
-            <a:extLst>
-              <a:ext uri="{FF2B5EF4-FFF2-40B4-BE49-F238E27FC236}">
-                <a16:creationId xmlns:a16="http://schemas.microsoft.com/office/drawing/2014/main" id="{3F2C8B9E-C058-5667-ED31-DDE01E12DD46}"/>
-              </a:ext>
-            </a:extLst>
-          </p:cNvPr>
-          <p:cNvSpPr/>
-          <p:nvPr/>
-        </p:nvSpPr>
-        <p:spPr>
-          <a:xfrm>
-            <a:off x="1" y="-2"/>
-            <a:ext cx="220551" cy="6858002"/>
-          </a:xfrm>
-          <a:prstGeom prst="rect">
-            <a:avLst/>
-          </a:prstGeom>
-          <a:gradFill>
-            <a:gsLst>
-              <a:gs pos="100000">
-                <a:srgbClr val="1C2F43"/>
-              </a:gs>
-              <a:gs pos="0">
-                <a:srgbClr val="46706E"/>
-              </a:gs>
-            </a:gsLst>
-            <a:lin ang="5400000" scaled="1"/>
-          </a:gradFill>
-          <a:ln>
-            <a:noFill/>
-          </a:ln>
-        </p:spPr>
-        <p:style>
-          <a:lnRef idx="2">
-            <a:schemeClr val="accent1">
-              <a:shade val="50000"/>
-            </a:schemeClr>
-          </a:lnRef>
-          <a:fillRef idx="1">
-            <a:schemeClr val="accent1"/>
-          </a:fillRef>
-          <a:effectRef idx="0">
-            <a:schemeClr val="accent1"/>
-          </a:effectRef>
-          <a:fontRef idx="minor">
-            <a:schemeClr val="lt1"/>
-          </a:fontRef>
-        </p:style>
-        <p:txBody>
-          <a:bodyPr rtlCol="0" anchor="ctr"/>
-          <a:lstStyle/>
-          <a:p>
-            <a:pPr marL="0" marR="0" lvl="0" indent="0" algn="ctr" defTabSz="914400" rtl="0" eaLnBrk="1" fontAlgn="auto" latinLnBrk="0" hangingPunct="1">
-              <a:lnSpc>
-                <a:spcPct val="100000"/>
-              </a:lnSpc>
-              <a:spcBef>
-                <a:spcPts val="0"/>
-              </a:spcBef>
-              <a:spcAft>
-                <a:spcPts val="0"/>
-              </a:spcAft>
-              <a:buClrTx/>
-              <a:buSzTx/>
-              <a:buFontTx/>
-              <a:buNone/>
-              <a:tabLst/>
-              <a:defRPr/>
-            </a:pPr>
-            <a:endParaRPr kumimoji="0" lang="zh-CN" altLang="en-US" sz="1800" b="0" i="0" u="none" strike="noStrike" kern="1200" cap="none" spc="0" normalizeH="0" baseline="0" noProof="0">
-              <a:ln>
-                <a:noFill/>
-              </a:ln>
-              <a:solidFill>
-                <a:prstClr val="white"/>
-              </a:solidFill>
-              <a:effectLst/>
-              <a:uLnTx/>
-              <a:uFillTx/>
-              <a:latin typeface="Calibri"/>
-              <a:ea typeface="微软雅黑" panose="020B0503020204020204" pitchFamily="34" charset="-122"/>
-              <a:cs typeface="+mn-cs"/>
-            </a:endParaRPr>
-          </a:p>
-        </p:txBody>
-      </p:sp>
-      <p:pic>
-        <p:nvPicPr>
-          <p:cNvPr id="6" name="图片 5">
-            <a:extLst>
-              <a:ext uri="{FF2B5EF4-FFF2-40B4-BE49-F238E27FC236}">
-                <a16:creationId xmlns:a16="http://schemas.microsoft.com/office/drawing/2014/main" id="{DA1F7BF9-B506-FBCD-5701-6B56E830B0BC}"/>
-              </a:ext>
-            </a:extLst>
-          </p:cNvPr>
-          <p:cNvPicPr>
-            <a:picLocks noChangeAspect="1"/>
-          </p:cNvPicPr>
-          <p:nvPr/>
-        </p:nvPicPr>
-        <p:blipFill>
-          <a:blip r:embed="rId2"/>
-          <a:stretch>
-            <a:fillRect/>
-          </a:stretch>
-        </p:blipFill>
-        <p:spPr>
-          <a:xfrm>
-            <a:off x="11265327" y="-2"/>
-            <a:ext cx="926672" cy="926672"/>
-          </a:xfrm>
-          <a:prstGeom prst="rect">
-            <a:avLst/>
-          </a:prstGeom>
-        </p:spPr>
-      </p:pic>
-      <p:sp>
-        <p:nvSpPr>
-          <p:cNvPr id="10" name="文本框 9">
-            <a:extLst>
-              <a:ext uri="{FF2B5EF4-FFF2-40B4-BE49-F238E27FC236}">
-                <a16:creationId xmlns:a16="http://schemas.microsoft.com/office/drawing/2014/main" id="{E5CA4A33-3D83-E64C-673A-5CB0B87C2DCA}"/>
-              </a:ext>
-            </a:extLst>
-          </p:cNvPr>
-          <p:cNvSpPr txBox="1"/>
-          <p:nvPr/>
-        </p:nvSpPr>
-        <p:spPr>
-          <a:xfrm>
-            <a:off x="5879867" y="971298"/>
-            <a:ext cx="5717049" cy="4993931"/>
-          </a:xfrm>
-          <a:prstGeom prst="rect">
-            <a:avLst/>
-          </a:prstGeom>
-          <a:noFill/>
-        </p:spPr>
-        <p:txBody>
-          <a:bodyPr wrap="square">
-            <a:spAutoFit/>
-          </a:bodyPr>
-          <a:lstStyle/>
-          <a:p>
-            <a:pPr marL="285750" indent="-285750" algn="just">
-              <a:lnSpc>
-                <a:spcPct val="200000"/>
-              </a:lnSpc>
-              <a:buFont typeface="Arial" panose="020B0604020202020204" pitchFamily="34" charset="0"/>
-              <a:buChar char="•"/>
-            </a:pPr>
-            <a:r>
-              <a:rPr lang="en-US" altLang="zh-CN" dirty="0">
-                <a:latin typeface="Times New Roman" panose="02020603050405020304" pitchFamily="18" charset="0"/>
-                <a:cs typeface="Times New Roman" panose="02020603050405020304" pitchFamily="18" charset="0"/>
-              </a:rPr>
-              <a:t>For example, if the state models the motion of a train, the train operator might push on the throttle, causing the train to accelerate. </a:t>
-            </a:r>
-          </a:p>
-          <a:p>
-            <a:pPr marL="285750" indent="-285750" algn="just">
-              <a:lnSpc>
-                <a:spcPct val="200000"/>
-              </a:lnSpc>
-              <a:buFont typeface="Arial" panose="020B0604020202020204" pitchFamily="34" charset="0"/>
-              <a:buChar char="•"/>
-            </a:pPr>
-            <a:r>
-              <a:rPr lang="en-US" altLang="zh-CN" dirty="0">
-                <a:latin typeface="Times New Roman" panose="02020603050405020304" pitchFamily="18" charset="0"/>
-                <a:cs typeface="Times New Roman" panose="02020603050405020304" pitchFamily="18" charset="0"/>
-              </a:rPr>
-              <a:t>Similarly, in our robot example, the navigation software might issue a command to turn the wheels or stop. If we know this additional information about what’s going on in the world, we could stuff it into a vector called </a:t>
-            </a:r>
-            <a:r>
-              <a:rPr lang="en-US" altLang="zh-CN" b="1" dirty="0" err="1">
-                <a:latin typeface="Times New Roman" panose="02020603050405020304" pitchFamily="18" charset="0"/>
-                <a:cs typeface="Times New Roman" panose="02020603050405020304" pitchFamily="18" charset="0"/>
-              </a:rPr>
-              <a:t>u_k</a:t>
-            </a:r>
-            <a:r>
-              <a:rPr lang="en-US" altLang="zh-CN" dirty="0">
-                <a:latin typeface="Times New Roman" panose="02020603050405020304" pitchFamily="18" charset="0"/>
-                <a:cs typeface="Times New Roman" panose="02020603050405020304" pitchFamily="18" charset="0"/>
-              </a:rPr>
-              <a:t>, do something with it, and add it to our prediction as a correction.</a:t>
-            </a:r>
-            <a:endParaRPr lang="zh-CN" altLang="en-US" dirty="0">
-              <a:latin typeface="Times New Roman" panose="02020603050405020304" pitchFamily="18" charset="0"/>
-              <a:cs typeface="Times New Roman" panose="02020603050405020304" pitchFamily="18" charset="0"/>
-            </a:endParaRPr>
-          </a:p>
-        </p:txBody>
-      </p:sp>
-      <p:sp>
-        <p:nvSpPr>
-          <p:cNvPr id="12" name="文本框 11">
-            <a:extLst>
-              <a:ext uri="{FF2B5EF4-FFF2-40B4-BE49-F238E27FC236}">
-                <a16:creationId xmlns:a16="http://schemas.microsoft.com/office/drawing/2014/main" id="{FF0D5B62-7382-5479-A61E-345B5A2E5404}"/>
-              </a:ext>
-            </a:extLst>
-          </p:cNvPr>
-          <p:cNvSpPr txBox="1"/>
-          <p:nvPr/>
-        </p:nvSpPr>
-        <p:spPr>
-          <a:xfrm>
-            <a:off x="595084" y="1011126"/>
-            <a:ext cx="4662716" cy="1289071"/>
-          </a:xfrm>
-          <a:prstGeom prst="rect">
-            <a:avLst/>
-          </a:prstGeom>
-          <a:noFill/>
-        </p:spPr>
-        <p:txBody>
-          <a:bodyPr wrap="square" rtlCol="0">
-            <a:spAutoFit/>
-          </a:bodyPr>
-          <a:lstStyle/>
-          <a:p>
-            <a:pPr marL="285750" indent="-285750">
-              <a:lnSpc>
-                <a:spcPct val="150000"/>
-              </a:lnSpc>
-              <a:buFont typeface="Arial" panose="020B0604020202020204" pitchFamily="34" charset="0"/>
-              <a:buChar char="•"/>
-            </a:pPr>
-            <a:r>
-              <a:rPr lang="en-US" altLang="zh-CN" b="1" dirty="0">
-                <a:latin typeface="Times New Roman" panose="02020603050405020304" pitchFamily="18" charset="0"/>
-                <a:cs typeface="Times New Roman" panose="02020603050405020304" pitchFamily="18" charset="0"/>
-              </a:rPr>
-              <a:t>External Influence </a:t>
-            </a:r>
-            <a:r>
-              <a:rPr lang="en-US" altLang="zh-CN" dirty="0">
-                <a:latin typeface="Times New Roman" panose="02020603050405020304" pitchFamily="18" charset="0"/>
-                <a:cs typeface="Times New Roman" panose="02020603050405020304" pitchFamily="18" charset="0"/>
-              </a:rPr>
-              <a:t>is the thing in the outside world that could be affecting or</a:t>
-            </a:r>
-            <a:r>
-              <a:rPr lang="zh-CN" altLang="en-US" dirty="0">
-                <a:latin typeface="Times New Roman" panose="02020603050405020304" pitchFamily="18" charset="0"/>
-                <a:cs typeface="Times New Roman" panose="02020603050405020304" pitchFamily="18" charset="0"/>
-              </a:rPr>
-              <a:t> </a:t>
-            </a:r>
-            <a:r>
-              <a:rPr lang="en-US" altLang="zh-CN" dirty="0">
-                <a:latin typeface="Times New Roman" panose="02020603050405020304" pitchFamily="18" charset="0"/>
-                <a:cs typeface="Times New Roman" panose="02020603050405020304" pitchFamily="18" charset="0"/>
-              </a:rPr>
-              <a:t>controlling</a:t>
-            </a:r>
-            <a:r>
-              <a:rPr lang="zh-CN" altLang="en-US" dirty="0">
-                <a:latin typeface="Times New Roman" panose="02020603050405020304" pitchFamily="18" charset="0"/>
-                <a:cs typeface="Times New Roman" panose="02020603050405020304" pitchFamily="18" charset="0"/>
-              </a:rPr>
-              <a:t> </a:t>
-            </a:r>
-            <a:r>
-              <a:rPr lang="en-US" altLang="zh-CN" dirty="0">
-                <a:latin typeface="Times New Roman" panose="02020603050405020304" pitchFamily="18" charset="0"/>
-                <a:cs typeface="Times New Roman" panose="02020603050405020304" pitchFamily="18" charset="0"/>
-              </a:rPr>
-              <a:t>the system.</a:t>
-            </a:r>
-            <a:endParaRPr lang="zh-CN" altLang="en-US" dirty="0">
-              <a:latin typeface="Times New Roman" panose="02020603050405020304" pitchFamily="18" charset="0"/>
-              <a:cs typeface="Times New Roman" panose="02020603050405020304" pitchFamily="18" charset="0"/>
-            </a:endParaRPr>
-          </a:p>
-        </p:txBody>
-      </p:sp>
-      <p:pic>
-        <p:nvPicPr>
-          <p:cNvPr id="4" name="图片 3">
-            <a:extLst>
-              <a:ext uri="{FF2B5EF4-FFF2-40B4-BE49-F238E27FC236}">
-                <a16:creationId xmlns:a16="http://schemas.microsoft.com/office/drawing/2014/main" id="{A7ED91FD-7AD1-FCAD-B2F3-760D573BC897}"/>
-              </a:ext>
-            </a:extLst>
-          </p:cNvPr>
-          <p:cNvPicPr>
-            <a:picLocks noChangeAspect="1"/>
-          </p:cNvPicPr>
-          <p:nvPr/>
-        </p:nvPicPr>
-        <p:blipFill>
-          <a:blip r:embed="rId3"/>
-          <a:stretch>
-            <a:fillRect/>
-          </a:stretch>
-        </p:blipFill>
-        <p:spPr>
-          <a:xfrm>
-            <a:off x="485347" y="243859"/>
-            <a:ext cx="219475" cy="219475"/>
-          </a:xfrm>
-          <a:prstGeom prst="rect">
-            <a:avLst/>
-          </a:prstGeom>
-        </p:spPr>
-      </p:pic>
-      <p:sp>
-        <p:nvSpPr>
-          <p:cNvPr id="13" name="文本框 12">
-            <a:extLst>
-              <a:ext uri="{FF2B5EF4-FFF2-40B4-BE49-F238E27FC236}">
-                <a16:creationId xmlns:a16="http://schemas.microsoft.com/office/drawing/2014/main" id="{C3F09058-56ED-5823-0D91-49F0DB7EC8A3}"/>
-              </a:ext>
-            </a:extLst>
-          </p:cNvPr>
-          <p:cNvSpPr txBox="1"/>
-          <p:nvPr/>
-        </p:nvSpPr>
-        <p:spPr>
-          <a:xfrm>
-            <a:off x="892153" y="143047"/>
-            <a:ext cx="6096000" cy="400110"/>
-          </a:xfrm>
-          <a:prstGeom prst="rect">
-            <a:avLst/>
-          </a:prstGeom>
-          <a:noFill/>
-        </p:spPr>
-        <p:txBody>
-          <a:bodyPr wrap="square">
-            <a:spAutoFit/>
-          </a:bodyPr>
-          <a:lstStyle/>
-          <a:p>
-            <a:r>
-              <a:rPr lang="en-US" altLang="zh-CN" sz="2000" b="1" dirty="0">
-                <a:solidFill>
-                  <a:prstClr val="black"/>
-                </a:solidFill>
-                <a:latin typeface="Times New Roman" panose="02020603050405020304" pitchFamily="18" charset="0"/>
-                <a:ea typeface="微软雅黑" panose="020B0503020204020204" pitchFamily="34" charset="-122"/>
-                <a:cs typeface="Times New Roman" panose="02020603050405020304" pitchFamily="18" charset="0"/>
-              </a:rPr>
-              <a:t>External Influence</a:t>
-            </a:r>
-            <a:endParaRPr lang="zh-CN" altLang="en-US" dirty="0"/>
-          </a:p>
-        </p:txBody>
-      </p:sp>
-      <p:pic>
-        <p:nvPicPr>
-          <p:cNvPr id="14" name="图片 13">
-            <a:extLst>
-              <a:ext uri="{FF2B5EF4-FFF2-40B4-BE49-F238E27FC236}">
-                <a16:creationId xmlns:a16="http://schemas.microsoft.com/office/drawing/2014/main" id="{B62D51D5-B57A-0BF8-7C19-DFCB3C69C776}"/>
-              </a:ext>
-            </a:extLst>
-          </p:cNvPr>
-          <p:cNvPicPr>
-            <a:picLocks noChangeAspect="1"/>
-          </p:cNvPicPr>
-          <p:nvPr/>
-        </p:nvPicPr>
-        <p:blipFill>
-          <a:blip r:embed="rId4"/>
-          <a:stretch>
-            <a:fillRect/>
-          </a:stretch>
-        </p:blipFill>
-        <p:spPr>
-          <a:xfrm>
-            <a:off x="2330104" y="3355421"/>
-            <a:ext cx="830539" cy="793626"/>
-          </a:xfrm>
-          <a:prstGeom prst="rect">
-            <a:avLst/>
-          </a:prstGeom>
-        </p:spPr>
-      </p:pic>
-    </p:spTree>
-    <p:extLst>
-      <p:ext uri="{BB962C8B-B14F-4D97-AF65-F5344CB8AC3E}">
-        <p14:creationId xmlns:p14="http://schemas.microsoft.com/office/powerpoint/2010/main" val="2769133698"/>
       </p:ext>
     </p:extLst>
   </p:cSld>
